--- a/DrawDICOM1.pptx
+++ b/DrawDICOM1.pptx
@@ -238,7 +238,7 @@
           <a:p>
             <a:fld id="{FD30E971-D1D3-4B0D-B02A-F36757F13815}" type="datetimeFigureOut">
               <a:rPr lang="zh-TW" altLang="en-US" smtClean="0"/>
-              <a:t>2020/3/19</a:t>
+              <a:t>2020/3/22</a:t>
             </a:fld>
             <a:endParaRPr lang="zh-TW" altLang="en-US"/>
           </a:p>
@@ -553,7 +553,7 @@
         <p:nvSpPr>
           <p:cNvPr id="616450" name="Rectangle 2"/>
           <p:cNvSpPr>
-            <a:spLocks noRot="1" noChangeArrowheads="1" noTextEdit="1"/>
+            <a:spLocks noGrp="1" noRot="1" noChangeAspect="1" noChangeArrowheads="1" noTextEdit="1"/>
           </p:cNvSpPr>
           <p:nvPr>
             <p:ph type="sldImg"/>
@@ -777,7 +777,7 @@
             <a:fld id="{BB12B589-21DE-46A2-AF91-CC043ECE94FC}" type="datetimeFigureOut">
               <a:rPr lang="zh-CN" altLang="en-US" smtClean="0"/>
               <a:pPr/>
-              <a:t>2020/3/19</a:t>
+              <a:t>2020/3/22</a:t>
             </a:fld>
             <a:endParaRPr lang="zh-CN" altLang="en-US"/>
           </a:p>
@@ -949,7 +949,7 @@
             <a:fld id="{BB12B589-21DE-46A2-AF91-CC043ECE94FC}" type="datetimeFigureOut">
               <a:rPr lang="zh-CN" altLang="en-US" smtClean="0"/>
               <a:pPr/>
-              <a:t>2020/3/19</a:t>
+              <a:t>2020/3/22</a:t>
             </a:fld>
             <a:endParaRPr lang="zh-CN" altLang="en-US"/>
           </a:p>
@@ -1131,7 +1131,7 @@
             <a:fld id="{BB12B589-21DE-46A2-AF91-CC043ECE94FC}" type="datetimeFigureOut">
               <a:rPr lang="zh-CN" altLang="en-US" smtClean="0"/>
               <a:pPr/>
-              <a:t>2020/3/19</a:t>
+              <a:t>2020/3/22</a:t>
             </a:fld>
             <a:endParaRPr lang="zh-CN" altLang="en-US"/>
           </a:p>
@@ -1303,7 +1303,7 @@
             <a:fld id="{BB12B589-21DE-46A2-AF91-CC043ECE94FC}" type="datetimeFigureOut">
               <a:rPr lang="zh-CN" altLang="en-US" smtClean="0"/>
               <a:pPr/>
-              <a:t>2020/3/19</a:t>
+              <a:t>2020/3/22</a:t>
             </a:fld>
             <a:endParaRPr lang="zh-CN" altLang="en-US"/>
           </a:p>
@@ -1551,7 +1551,7 @@
             <a:fld id="{BB12B589-21DE-46A2-AF91-CC043ECE94FC}" type="datetimeFigureOut">
               <a:rPr lang="zh-CN" altLang="en-US" smtClean="0"/>
               <a:pPr/>
-              <a:t>2020/3/19</a:t>
+              <a:t>2020/3/22</a:t>
             </a:fld>
             <a:endParaRPr lang="zh-CN" altLang="en-US"/>
           </a:p>
@@ -1841,7 +1841,7 @@
             <a:fld id="{BB12B589-21DE-46A2-AF91-CC043ECE94FC}" type="datetimeFigureOut">
               <a:rPr lang="zh-CN" altLang="en-US" smtClean="0"/>
               <a:pPr/>
-              <a:t>2020/3/19</a:t>
+              <a:t>2020/3/22</a:t>
             </a:fld>
             <a:endParaRPr lang="zh-CN" altLang="en-US"/>
           </a:p>
@@ -2270,7 +2270,7 @@
             <a:fld id="{BB12B589-21DE-46A2-AF91-CC043ECE94FC}" type="datetimeFigureOut">
               <a:rPr lang="zh-CN" altLang="en-US" smtClean="0"/>
               <a:pPr/>
-              <a:t>2020/3/19</a:t>
+              <a:t>2020/3/22</a:t>
             </a:fld>
             <a:endParaRPr lang="zh-CN" altLang="en-US"/>
           </a:p>
@@ -2390,7 +2390,7 @@
             <a:fld id="{BB12B589-21DE-46A2-AF91-CC043ECE94FC}" type="datetimeFigureOut">
               <a:rPr lang="zh-CN" altLang="en-US" smtClean="0"/>
               <a:pPr/>
-              <a:t>2020/3/19</a:t>
+              <a:t>2020/3/22</a:t>
             </a:fld>
             <a:endParaRPr lang="zh-CN" altLang="en-US"/>
           </a:p>
@@ -2487,7 +2487,7 @@
             <a:fld id="{BB12B589-21DE-46A2-AF91-CC043ECE94FC}" type="datetimeFigureOut">
               <a:rPr lang="zh-CN" altLang="en-US" smtClean="0"/>
               <a:pPr/>
-              <a:t>2020/3/19</a:t>
+              <a:t>2020/3/22</a:t>
             </a:fld>
             <a:endParaRPr lang="zh-CN" altLang="en-US"/>
           </a:p>
@@ -2766,7 +2766,7 @@
             <a:fld id="{BB12B589-21DE-46A2-AF91-CC043ECE94FC}" type="datetimeFigureOut">
               <a:rPr lang="zh-CN" altLang="en-US" smtClean="0"/>
               <a:pPr/>
-              <a:t>2020/3/19</a:t>
+              <a:t>2020/3/22</a:t>
             </a:fld>
             <a:endParaRPr lang="zh-CN" altLang="en-US"/>
           </a:p>
@@ -3021,7 +3021,7 @@
             <a:fld id="{BB12B589-21DE-46A2-AF91-CC043ECE94FC}" type="datetimeFigureOut">
               <a:rPr lang="zh-CN" altLang="en-US" smtClean="0"/>
               <a:pPr/>
-              <a:t>2020/3/19</a:t>
+              <a:t>2020/3/22</a:t>
             </a:fld>
             <a:endParaRPr lang="zh-CN" altLang="en-US"/>
           </a:p>
@@ -3236,7 +3236,7 @@
             <a:fld id="{BB12B589-21DE-46A2-AF91-CC043ECE94FC}" type="datetimeFigureOut">
               <a:rPr lang="zh-CN" altLang="en-US" smtClean="0"/>
               <a:pPr/>
-              <a:t>2020/3/19</a:t>
+              <a:t>2020/3/22</a:t>
             </a:fld>
             <a:endParaRPr lang="zh-CN" altLang="en-US"/>
           </a:p>
@@ -3711,11 +3711,7 @@
             </a:r>
             <a:r>
               <a:rPr lang="en-US" altLang="zh-TW" sz="4800" b="1" smtClean="0"/>
-              <a:t>draw </a:t>
-            </a:r>
-            <a:r>
-              <a:rPr lang="en-US" altLang="zh-TW" sz="4800" b="1" smtClean="0"/>
-              <a:t>DICOM</a:t>
+              <a:t>draw DICOM</a:t>
             </a:r>
             <a:endParaRPr lang="en-US" altLang="zh-TW" sz="4800" b="1" dirty="0" smtClean="0"/>
           </a:p>
@@ -3727,11 +3723,7 @@
             </a:r>
             <a:r>
               <a:rPr lang="zh-TW" altLang="en-US" sz="4800" b="1" smtClean="0"/>
-              <a:t>繪製</a:t>
-            </a:r>
-            <a:r>
-              <a:rPr lang="zh-TW" altLang="en-US" sz="4800" b="1" smtClean="0"/>
-              <a:t>醫學影像初體驗</a:t>
+              <a:t>繪製醫學影像初體驗</a:t>
             </a:r>
             <a:endParaRPr lang="zh-CN" altLang="en-US" sz="4800" dirty="0"/>
           </a:p>
@@ -3981,7 +3973,6 @@
               <a:rPr lang="zh-TW" altLang="en-US"/>
               <a:t>影像規格練習</a:t>
             </a:r>
-            <a:endParaRPr lang="zh-TW" altLang="en-US"/>
           </a:p>
         </p:txBody>
       </p:sp>
@@ -4435,11 +4426,7 @@
             </a:r>
             <a:r>
               <a:rPr lang="en-US" altLang="zh-TW"/>
-              <a:t>7FE0,0010) OW PixelData = &lt;binary data of length: </a:t>
-            </a:r>
-            <a:r>
-              <a:rPr lang="en-US" altLang="zh-TW"/>
-              <a:t>524288</a:t>
+              <a:t>7FE0,0010) OW PixelData = &lt;binary data of length: 524288</a:t>
             </a:r>
             <a:r>
               <a:rPr lang="en-US" altLang="zh-TW" smtClean="0"/>
@@ -4555,7 +4542,7 @@
           <a:graphicData uri="http://schemas.openxmlformats.org/presentationml/2006/ole">
             <mc:AlternateContent xmlns:mc="http://schemas.openxmlformats.org/markup-compatibility/2006">
               <mc:Choice xmlns:v="urn:schemas-microsoft-com:vml" Requires="v">
-                <p:oleObj spid="_x0000_s1029" name="文件" r:id="rId3" imgW="5703858" imgH="4487569" progId="Word.Document.8">
+                <p:oleObj spid="_x0000_s1031" name="文件" r:id="rId3" imgW="5703858" imgH="4487569" progId="Word.Document.8">
                   <p:embed/>
                 </p:oleObj>
               </mc:Choice>
@@ -4809,11 +4796,7 @@
             </a:r>
             <a:r>
               <a:rPr lang="en-US" altLang="zh-TW"/>
-              <a:t>(data set</a:t>
-            </a:r>
-            <a:r>
-              <a:rPr lang="en-US" altLang="zh-TW"/>
-              <a:t>)</a:t>
+              <a:t>(data set)</a:t>
             </a:r>
             <a:r>
               <a:rPr lang="zh-TW" altLang="en-US" smtClean="0"/>
@@ -4837,11 +4820,7 @@
             </a:r>
             <a:r>
               <a:rPr lang="en-US" altLang="zh-TW"/>
-              <a:t>(data </a:t>
-            </a:r>
-            <a:r>
-              <a:rPr lang="en-US" altLang="zh-TW"/>
-              <a:t>element</a:t>
+              <a:t>(data element</a:t>
             </a:r>
             <a:r>
               <a:rPr lang="en-US" altLang="zh-TW" smtClean="0"/>
@@ -4872,11 +4851,7 @@
             </a:r>
             <a:r>
               <a:rPr lang="zh-TW" altLang="en-US"/>
-              <a:t>的某</a:t>
-            </a:r>
-            <a:r>
-              <a:rPr lang="zh-TW" altLang="en-US"/>
-              <a:t>個</a:t>
+              <a:t>的某個</a:t>
             </a:r>
             <a:r>
               <a:rPr lang="zh-TW" altLang="en-US" smtClean="0"/>
@@ -4908,11 +4883,7 @@
             </a:r>
             <a:r>
               <a:rPr lang="en-US" altLang="zh-TW"/>
-              <a:t>Image columns</a:t>
-            </a:r>
-            <a:r>
-              <a:rPr lang="en-US" altLang="zh-TW"/>
-              <a:t>…)</a:t>
+              <a:t>Image columns…)</a:t>
             </a:r>
             <a:r>
               <a:rPr lang="zh-TW" altLang="en-US" smtClean="0"/>
@@ -6848,11 +6819,7 @@
             </a:r>
             <a:r>
               <a:rPr lang="en-US" altLang="zh-TW"/>
-              <a:t>value </a:t>
-            </a:r>
-            <a:r>
-              <a:rPr lang="en-US" altLang="zh-TW"/>
-              <a:t>field</a:t>
+              <a:t>value field</a:t>
             </a:r>
             <a:r>
               <a:rPr lang="zh-TW" altLang="en-US" smtClean="0"/>
@@ -7023,11 +6990,7 @@
             </a:r>
             <a:r>
               <a:rPr lang="zh-TW" altLang="en-US" sz="2900"/>
-              <a:t>進位碼</a:t>
-            </a:r>
-            <a:r>
-              <a:rPr lang="zh-TW" altLang="en-US" sz="2900"/>
-              <a:t>表示</a:t>
+              <a:t>進位碼表示</a:t>
             </a:r>
             <a:r>
               <a:rPr lang="zh-TW" altLang="en-US" sz="2900" smtClean="0"/>
@@ -7928,7 +7891,7 @@
           <a:graphicData uri="http://schemas.openxmlformats.org/presentationml/2006/ole">
             <mc:AlternateContent xmlns:mc="http://schemas.openxmlformats.org/markup-compatibility/2006">
               <mc:Choice xmlns:v="urn:schemas-microsoft-com:vml" Requires="v">
-                <p:oleObj spid="_x0000_s2054" name="文件" r:id="rId3" imgW="5713216" imgH="4487569" progId="Word.Document.8">
+                <p:oleObj spid="_x0000_s2056" name="文件" r:id="rId3" imgW="5713216" imgH="4487569" progId="Word.Document.8">
                   <p:embed/>
                 </p:oleObj>
               </mc:Choice>
@@ -8469,11 +8432,7 @@
           <a:p>
             <a:r>
               <a:rPr lang="en-US" altLang="zh-TW"/>
-              <a:t>Implicit </a:t>
-            </a:r>
-            <a:r>
-              <a:rPr lang="en-US" altLang="zh-TW"/>
-              <a:t>VR </a:t>
+              <a:t>Implicit VR </a:t>
             </a:r>
             <a:r>
               <a:rPr lang="zh-TW" altLang="en-US" smtClean="0"/>
@@ -8682,11 +8641,7 @@
           <a:p>
             <a:r>
               <a:rPr lang="en-US" altLang="zh-TW"/>
-              <a:t>Data Element with Explicit </a:t>
-            </a:r>
-            <a:r>
-              <a:rPr lang="en-US" altLang="zh-TW"/>
-              <a:t>VR </a:t>
+              <a:t>Data Element with Explicit VR </a:t>
             </a:r>
             <a:r>
               <a:rPr lang="en-US" altLang="zh-TW" smtClean="0"/>
@@ -8794,11 +8749,7 @@
             </a:r>
             <a:r>
               <a:rPr lang="zh-TW" altLang="en-US"/>
-              <a:t>影像</a:t>
-            </a:r>
-            <a:r>
-              <a:rPr lang="zh-TW" altLang="en-US"/>
-              <a:t>規格</a:t>
+              <a:t>影像規格</a:t>
             </a:r>
             <a:r>
               <a:rPr lang="zh-TW" altLang="en-US" smtClean="0"/>
@@ -9647,11 +9598,7 @@
             <a:pPr lvl="2"/>
             <a:r>
               <a:rPr lang="en-US" altLang="zh-TW"/>
-              <a:t>https</a:t>
-            </a:r>
-            <a:r>
-              <a:rPr lang="en-US" altLang="zh-TW"/>
-              <a:t>://</a:t>
+              <a:t>https://</a:t>
             </a:r>
             <a:r>
               <a:rPr lang="en-US" altLang="zh-TW" smtClean="0"/>
@@ -10152,11 +10099,7 @@
             </a:r>
             <a:r>
               <a:rPr lang="zh-TW" altLang="en-US" smtClean="0"/>
-              <a:t>像素</a:t>
-            </a:r>
-            <a:r>
-              <a:rPr lang="zh-TW" altLang="en-US" smtClean="0"/>
-              <a:t>灰階</a:t>
+              <a:t>像素灰階</a:t>
             </a:r>
             <a:endParaRPr lang="en-US" altLang="zh-TW" smtClean="0"/>
           </a:p>
@@ -10428,7 +10371,12 @@
             <p:ph idx="1"/>
           </p:nvPr>
         </p:nvSpPr>
-        <p:spPr/>
+        <p:spPr>
+          <a:xfrm>
+            <a:off x="689113" y="854771"/>
+            <a:ext cx="10972800" cy="4525963"/>
+          </a:xfrm>
+        </p:spPr>
         <p:txBody>
           <a:bodyPr/>
           <a:lstStyle/>
@@ -10510,11 +10458,7 @@
             </a:r>
             <a:r>
               <a:rPr lang="en-US" altLang="zh-TW"/>
-              <a:t>://</a:t>
-            </a:r>
-            <a:r>
-              <a:rPr lang="en-US" altLang="zh-TW"/>
-              <a:t>ftp.ihe.net</a:t>
+              <a:t>://ftp.ihe.net</a:t>
             </a:r>
             <a:r>
               <a:rPr lang="en-US" altLang="zh-TW" smtClean="0"/>
@@ -10525,7 +10469,25 @@
             <a:pPr lvl="1"/>
             <a:r>
               <a:rPr lang="en-US" altLang="zh-TW"/>
-              <a:t>ftp://ftp.ihe.net/Connectathon/</a:t>
+              <a:t>ftp://ftp.ihe.net/Connectathon</a:t>
+            </a:r>
+            <a:r>
+              <a:rPr lang="en-US" altLang="zh-TW" smtClean="0"/>
+              <a:t>/</a:t>
+            </a:r>
+          </a:p>
+          <a:p>
+            <a:r>
+              <a:rPr lang="en-US" altLang="zh-TW" smtClean="0"/>
+              <a:t>SlicerRT</a:t>
+            </a:r>
+            <a:endParaRPr lang="en-US" altLang="zh-TW"/>
+          </a:p>
+          <a:p>
+            <a:pPr lvl="1"/>
+            <a:r>
+              <a:rPr lang="en-US" altLang="zh-TW"/>
+              <a:t>https://github.com/SlicerRt/SlicerRtData/tree/master</a:t>
             </a:r>
             <a:endParaRPr lang="zh-TW" altLang="en-US"/>
           </a:p>
@@ -10619,11 +10581,7 @@
             </a:r>
             <a:r>
               <a:rPr lang="en-US" altLang="zh-TW"/>
-              <a:t>://</a:t>
-            </a:r>
-            <a:r>
-              <a:rPr lang="en-US" altLang="zh-TW"/>
-              <a:t>www.radiantviewer.com</a:t>
+              <a:t>://www.radiantviewer.com</a:t>
             </a:r>
             <a:r>
               <a:rPr lang="en-US" altLang="zh-TW" smtClean="0"/>
@@ -10647,11 +10605,7 @@
           <a:p>
             <a:r>
               <a:rPr lang="en-US" altLang="zh-TW"/>
-              <a:t>https://</a:t>
-            </a:r>
-            <a:r>
-              <a:rPr lang="en-US" altLang="zh-TW"/>
-              <a:t>www.dicomlibrary.com</a:t>
+              <a:t>https://www.dicomlibrary.com</a:t>
             </a:r>
             <a:r>
               <a:rPr lang="en-US" altLang="zh-TW" smtClean="0"/>
@@ -10772,11 +10726,7 @@
           <a:p>
             <a:r>
               <a:rPr lang="en-US" altLang="zh-TW"/>
-              <a:t>DICOM </a:t>
-            </a:r>
-            <a:r>
-              <a:rPr lang="en-US" altLang="zh-TW"/>
-              <a:t>Tag </a:t>
+              <a:t>DICOM Tag </a:t>
             </a:r>
             <a:r>
               <a:rPr lang="en-US" altLang="zh-TW" smtClean="0"/>

--- a/DrawDICOM1.pptx
+++ b/DrawDICOM1.pptx
@@ -5,7 +5,7 @@
     <p:sldMasterId id="2147483661" r:id="rId1"/>
   </p:sldMasterIdLst>
   <p:notesMasterIdLst>
-    <p:notesMasterId r:id="rId30"/>
+    <p:notesMasterId r:id="rId35"/>
   </p:notesMasterIdLst>
   <p:sldIdLst>
     <p:sldId id="256" r:id="rId2"/>
@@ -21,26 +21,31 @@
     <p:sldId id="351" r:id="rId12"/>
     <p:sldId id="353" r:id="rId13"/>
     <p:sldId id="354" r:id="rId14"/>
-    <p:sldId id="356" r:id="rId15"/>
-    <p:sldId id="357" r:id="rId16"/>
-    <p:sldId id="358" r:id="rId17"/>
-    <p:sldId id="359" r:id="rId18"/>
-    <p:sldId id="360" r:id="rId19"/>
-    <p:sldId id="361" r:id="rId20"/>
-    <p:sldId id="362" r:id="rId21"/>
-    <p:sldId id="363" r:id="rId22"/>
-    <p:sldId id="364" r:id="rId23"/>
-    <p:sldId id="352" r:id="rId24"/>
-    <p:sldId id="365" r:id="rId25"/>
-    <p:sldId id="366" r:id="rId26"/>
-    <p:sldId id="367" r:id="rId27"/>
-    <p:sldId id="368" r:id="rId28"/>
-    <p:sldId id="369" r:id="rId29"/>
+    <p:sldId id="370" r:id="rId15"/>
+    <p:sldId id="371" r:id="rId16"/>
+    <p:sldId id="372" r:id="rId17"/>
+    <p:sldId id="373" r:id="rId18"/>
+    <p:sldId id="374" r:id="rId19"/>
+    <p:sldId id="356" r:id="rId20"/>
+    <p:sldId id="357" r:id="rId21"/>
+    <p:sldId id="358" r:id="rId22"/>
+    <p:sldId id="359" r:id="rId23"/>
+    <p:sldId id="360" r:id="rId24"/>
+    <p:sldId id="361" r:id="rId25"/>
+    <p:sldId id="362" r:id="rId26"/>
+    <p:sldId id="363" r:id="rId27"/>
+    <p:sldId id="364" r:id="rId28"/>
+    <p:sldId id="352" r:id="rId29"/>
+    <p:sldId id="365" r:id="rId30"/>
+    <p:sldId id="366" r:id="rId31"/>
+    <p:sldId id="367" r:id="rId32"/>
+    <p:sldId id="368" r:id="rId33"/>
+    <p:sldId id="369" r:id="rId34"/>
   </p:sldIdLst>
   <p:sldSz cx="12192000" cy="6858000"/>
   <p:notesSz cx="6858000" cy="9144000"/>
   <p:custDataLst>
-    <p:tags r:id="rId31"/>
+    <p:tags r:id="rId36"/>
   </p:custDataLst>
   <p:defaultTextStyle>
     <a:defPPr>
@@ -543,7 +548,7 @@
             <a:fld id="{A2EFE1B4-FBC5-4E0B-804A-9B830061DD0A}" type="slidenum">
               <a:rPr lang="zh-TW" altLang="en-US"/>
               <a:pPr/>
-              <a:t>15</a:t>
+              <a:t>20</a:t>
             </a:fld>
             <a:endParaRPr lang="en-US" altLang="zh-TW"/>
           </a:p>
@@ -4520,6 +4525,1701 @@
           <a:chExt cx="0" cy="0"/>
         </a:xfrm>
       </p:grpSpPr>
+      <p:sp>
+        <p:nvSpPr>
+          <p:cNvPr id="4098" name="Rectangle 2"/>
+          <p:cNvSpPr>
+            <a:spLocks noGrp="1" noChangeArrowheads="1"/>
+          </p:cNvSpPr>
+          <p:nvPr>
+            <p:ph type="title"/>
+          </p:nvPr>
+        </p:nvSpPr>
+        <p:spPr>
+          <a:xfrm>
+            <a:off x="1173526" y="354435"/>
+            <a:ext cx="10363200" cy="1143000"/>
+          </a:xfrm>
+        </p:spPr>
+        <p:txBody>
+          <a:bodyPr/>
+          <a:lstStyle/>
+          <a:p>
+            <a:pPr algn="ctr" eaLnBrk="1" hangingPunct="1"/>
+            <a:r>
+              <a:rPr lang="zh-TW" altLang="en-US" dirty="0"/>
+              <a:t>程式</a:t>
+            </a:r>
+            <a:r>
+              <a:rPr lang="zh-TW" altLang="en-US" dirty="0" smtClean="0"/>
+              <a:t>顯示 </a:t>
+            </a:r>
+            <a:r>
+              <a:rPr lang="en-US" altLang="zh-TW" dirty="0" smtClean="0"/>
+              <a:t>DICOM </a:t>
+            </a:r>
+            <a:r>
+              <a:rPr lang="zh-TW" altLang="en-US" dirty="0" smtClean="0"/>
+              <a:t>影像的步驟</a:t>
+            </a:r>
+          </a:p>
+        </p:txBody>
+      </p:sp>
+      <p:sp>
+        <p:nvSpPr>
+          <p:cNvPr id="4099" name="Rectangle 3"/>
+          <p:cNvSpPr>
+            <a:spLocks noGrp="1" noChangeArrowheads="1"/>
+          </p:cNvSpPr>
+          <p:nvPr>
+            <p:ph idx="1"/>
+          </p:nvPr>
+        </p:nvSpPr>
+        <p:spPr>
+          <a:xfrm>
+            <a:off x="1317073" y="1571538"/>
+            <a:ext cx="10137206" cy="3777622"/>
+          </a:xfrm>
+        </p:spPr>
+        <p:txBody>
+          <a:bodyPr>
+            <a:noAutofit/>
+          </a:bodyPr>
+          <a:lstStyle/>
+          <a:p>
+            <a:pPr eaLnBrk="1" hangingPunct="1">
+              <a:lnSpc>
+                <a:spcPct val="90000"/>
+              </a:lnSpc>
+            </a:pPr>
+            <a:r>
+              <a:rPr lang="zh-TW" altLang="en-US" sz="2800" dirty="0" smtClean="0">
+                <a:latin typeface="+mn-ea"/>
+              </a:rPr>
+              <a:t>讀取 </a:t>
+            </a:r>
+            <a:r>
+              <a:rPr lang="en-US" altLang="zh-TW" sz="2800" dirty="0" smtClean="0">
+                <a:latin typeface="+mn-ea"/>
+              </a:rPr>
+              <a:t>DICOM </a:t>
+            </a:r>
+            <a:r>
+              <a:rPr lang="zh-TW" altLang="en-US" sz="2800" dirty="0" smtClean="0">
+                <a:latin typeface="+mn-ea"/>
+              </a:rPr>
+              <a:t>物件影像的格式相關參數</a:t>
+            </a:r>
+            <a:r>
+              <a:rPr lang="en-US" altLang="zh-TW" sz="2800" dirty="0" smtClean="0">
+                <a:latin typeface="+mn-ea"/>
+              </a:rPr>
+              <a:t>(Image Pixel Module)</a:t>
+            </a:r>
+          </a:p>
+          <a:p>
+            <a:pPr lvl="1">
+              <a:lnSpc>
+                <a:spcPct val="90000"/>
+              </a:lnSpc>
+            </a:pPr>
+            <a:r>
+              <a:rPr lang="en-US" altLang="zh-TW" sz="2400" dirty="0" smtClean="0">
+                <a:latin typeface="+mn-ea"/>
+              </a:rPr>
+              <a:t> </a:t>
+            </a:r>
+            <a:r>
+              <a:rPr lang="zh-TW" altLang="en-US" sz="2400" dirty="0" smtClean="0">
+                <a:latin typeface="+mn-ea"/>
+              </a:rPr>
+              <a:t>判斷影像格式</a:t>
+            </a:r>
+          </a:p>
+          <a:p>
+            <a:pPr lvl="2">
+              <a:lnSpc>
+                <a:spcPct val="90000"/>
+              </a:lnSpc>
+            </a:pPr>
+            <a:r>
+              <a:rPr lang="zh-TW" altLang="en-US" sz="2200" dirty="0" smtClean="0">
+                <a:latin typeface="+mn-ea"/>
+              </a:rPr>
+              <a:t>單色或彩色</a:t>
+            </a:r>
+            <a:r>
+              <a:rPr lang="en-US" altLang="zh-TW" sz="2200" dirty="0" smtClean="0">
+                <a:latin typeface="+mn-ea"/>
+              </a:rPr>
+              <a:t>, </a:t>
+            </a:r>
+            <a:r>
+              <a:rPr lang="zh-TW" altLang="en-US" sz="2200" dirty="0" smtClean="0">
+                <a:latin typeface="+mn-ea"/>
+              </a:rPr>
+              <a:t>有無壓縮</a:t>
+            </a:r>
+            <a:r>
+              <a:rPr lang="en-US" altLang="zh-TW" sz="2200" dirty="0" smtClean="0">
+                <a:latin typeface="+mn-ea"/>
+              </a:rPr>
+              <a:t>…</a:t>
+            </a:r>
+          </a:p>
+          <a:p>
+            <a:pPr lvl="2">
+              <a:lnSpc>
+                <a:spcPct val="90000"/>
+              </a:lnSpc>
+            </a:pPr>
+            <a:r>
+              <a:rPr lang="zh-TW" altLang="en-US" sz="2200" dirty="0" smtClean="0">
+                <a:latin typeface="+mn-ea"/>
+              </a:rPr>
+              <a:t>儲存格式</a:t>
+            </a:r>
+            <a:r>
+              <a:rPr lang="en-US" altLang="zh-TW" sz="2200" dirty="0" smtClean="0">
+                <a:latin typeface="+mn-ea"/>
+              </a:rPr>
+              <a:t>(Raw, column, </a:t>
+            </a:r>
+            <a:r>
+              <a:rPr lang="en-US" altLang="zh-TW" sz="2200" smtClean="0">
+                <a:latin typeface="+mn-ea"/>
+              </a:rPr>
+              <a:t>Bit </a:t>
+            </a:r>
+            <a:r>
+              <a:rPr lang="en-US" altLang="zh-TW" sz="2200" smtClean="0">
+                <a:latin typeface="+mn-ea"/>
+              </a:rPr>
+              <a:t>allociate...)</a:t>
+            </a:r>
+            <a:endParaRPr lang="en-US" altLang="zh-TW" sz="2200" dirty="0" smtClean="0">
+              <a:latin typeface="+mn-ea"/>
+            </a:endParaRPr>
+          </a:p>
+          <a:p>
+            <a:pPr>
+              <a:lnSpc>
+                <a:spcPct val="90000"/>
+              </a:lnSpc>
+            </a:pPr>
+            <a:r>
+              <a:rPr lang="en-US" altLang="zh-TW" sz="2800" dirty="0" smtClean="0">
+                <a:latin typeface="+mn-ea"/>
+              </a:rPr>
+              <a:t> </a:t>
+            </a:r>
+            <a:r>
+              <a:rPr lang="zh-TW" altLang="en-US" sz="2800" dirty="0" smtClean="0">
+                <a:latin typeface="+mn-ea"/>
+              </a:rPr>
+              <a:t>取得 </a:t>
+            </a:r>
+            <a:r>
+              <a:rPr lang="en-US" altLang="zh-TW" sz="2800" dirty="0" smtClean="0">
+                <a:latin typeface="+mn-ea"/>
+              </a:rPr>
+              <a:t>pixel </a:t>
+            </a:r>
+            <a:r>
+              <a:rPr lang="zh-TW" altLang="en-US" sz="2800" dirty="0" smtClean="0">
+                <a:latin typeface="+mn-ea"/>
+              </a:rPr>
+              <a:t>資料 </a:t>
+            </a:r>
+            <a:r>
+              <a:rPr lang="en-US" altLang="zh-TW" sz="2800" dirty="0" smtClean="0">
+                <a:latin typeface="+mn-ea"/>
+              </a:rPr>
+              <a:t>(</a:t>
+            </a:r>
+            <a:r>
+              <a:rPr lang="zh-TW" altLang="en-US" sz="2800" dirty="0" smtClean="0">
+                <a:latin typeface="+mn-ea"/>
+              </a:rPr>
+              <a:t>位於 </a:t>
+            </a:r>
+            <a:r>
+              <a:rPr lang="en-US" altLang="zh-TW" sz="2800" dirty="0" smtClean="0">
+                <a:latin typeface="+mn-ea"/>
+              </a:rPr>
+              <a:t>7FE0,0010</a:t>
+            </a:r>
+            <a:r>
+              <a:rPr lang="zh-TW" altLang="en-US" sz="2800" dirty="0" smtClean="0">
+                <a:latin typeface="+mn-ea"/>
+              </a:rPr>
+              <a:t> </a:t>
+            </a:r>
+            <a:r>
+              <a:rPr lang="en-US" altLang="zh-TW" sz="2800" dirty="0" smtClean="0">
+                <a:latin typeface="+mn-ea"/>
+              </a:rPr>
+              <a:t>tag element)</a:t>
+            </a:r>
+            <a:endParaRPr lang="zh-TW" altLang="en-US" sz="2800" dirty="0" smtClean="0">
+              <a:latin typeface="+mn-ea"/>
+            </a:endParaRPr>
+          </a:p>
+          <a:p>
+            <a:pPr>
+              <a:lnSpc>
+                <a:spcPct val="90000"/>
+              </a:lnSpc>
+            </a:pPr>
+            <a:r>
+              <a:rPr lang="zh-TW" altLang="en-US" sz="2800" dirty="0" smtClean="0">
+                <a:latin typeface="+mn-ea"/>
+              </a:rPr>
+              <a:t>準備畫布物件</a:t>
+            </a:r>
+            <a:r>
+              <a:rPr lang="en-US" altLang="zh-TW" sz="2800" dirty="0">
+                <a:latin typeface="+mn-ea"/>
+              </a:rPr>
+              <a:t>(canvas  object) </a:t>
+            </a:r>
+          </a:p>
+          <a:p>
+            <a:pPr eaLnBrk="1" hangingPunct="1">
+              <a:lnSpc>
+                <a:spcPct val="90000"/>
+              </a:lnSpc>
+            </a:pPr>
+            <a:r>
+              <a:rPr lang="zh-TW" altLang="en-US" sz="2800" dirty="0" smtClean="0">
+                <a:latin typeface="+mn-ea"/>
+              </a:rPr>
+              <a:t>依據影像格式，產生二維</a:t>
+            </a:r>
+            <a:r>
+              <a:rPr lang="zh-TW" altLang="en-US" sz="2800" dirty="0">
+                <a:latin typeface="+mn-ea"/>
+              </a:rPr>
+              <a:t>畫點</a:t>
+            </a:r>
+            <a:r>
+              <a:rPr lang="zh-TW" altLang="en-US" sz="2800" dirty="0" smtClean="0">
+                <a:latin typeface="+mn-ea"/>
+              </a:rPr>
+              <a:t>迴圈</a:t>
+            </a:r>
+            <a:endParaRPr lang="en-US" altLang="zh-TW" sz="2800" dirty="0" smtClean="0">
+              <a:latin typeface="+mn-ea"/>
+            </a:endParaRPr>
+          </a:p>
+          <a:p>
+            <a:pPr lvl="1">
+              <a:lnSpc>
+                <a:spcPct val="90000"/>
+              </a:lnSpc>
+            </a:pPr>
+            <a:r>
+              <a:rPr lang="zh-TW" altLang="en-US" sz="2600" dirty="0">
+                <a:latin typeface="+mn-ea"/>
+              </a:rPr>
+              <a:t>取得每個像素資料</a:t>
+            </a:r>
+            <a:endParaRPr lang="en-US" altLang="zh-TW" sz="2600" dirty="0" smtClean="0">
+              <a:latin typeface="+mn-ea"/>
+            </a:endParaRPr>
+          </a:p>
+          <a:p>
+            <a:pPr lvl="1">
+              <a:lnSpc>
+                <a:spcPct val="90000"/>
+              </a:lnSpc>
+            </a:pPr>
+            <a:r>
+              <a:rPr lang="zh-TW" altLang="en-US" sz="2600" dirty="0" smtClean="0">
+                <a:latin typeface="+mn-ea"/>
+              </a:rPr>
+              <a:t>依據亮度轉換公式 </a:t>
+            </a:r>
+            <a:r>
+              <a:rPr lang="en-US" altLang="zh-TW" sz="2600" dirty="0" smtClean="0">
+                <a:latin typeface="+mn-ea"/>
+              </a:rPr>
+              <a:t>Pixel value -&gt;Grave value</a:t>
+            </a:r>
+            <a:r>
+              <a:rPr lang="zh-TW" altLang="en-US" sz="2600" dirty="0" smtClean="0">
+                <a:latin typeface="+mn-ea"/>
+              </a:rPr>
+              <a:t> </a:t>
+            </a:r>
+            <a:r>
+              <a:rPr kumimoji="0" lang="zh-TW" altLang="en-US" sz="2600" dirty="0" smtClean="0">
+                <a:latin typeface="+mn-ea"/>
+              </a:rPr>
+              <a:t>畫圖點</a:t>
+            </a:r>
+            <a:endParaRPr kumimoji="0" lang="en-US" altLang="zh-TW" sz="2600" dirty="0" smtClean="0">
+              <a:latin typeface="+mn-ea"/>
+            </a:endParaRPr>
+          </a:p>
+          <a:p>
+            <a:pPr eaLnBrk="1" hangingPunct="1">
+              <a:lnSpc>
+                <a:spcPct val="90000"/>
+              </a:lnSpc>
+            </a:pPr>
+            <a:r>
+              <a:rPr kumimoji="0" lang="zh-TW" altLang="en-US" sz="2800" dirty="0" smtClean="0">
+                <a:latin typeface="+mn-ea"/>
+              </a:rPr>
+              <a:t>顯示影像</a:t>
+            </a:r>
+            <a:endParaRPr lang="zh-TW" altLang="en-US" sz="2800" dirty="0" smtClean="0">
+              <a:latin typeface="+mn-ea"/>
+            </a:endParaRPr>
+          </a:p>
+        </p:txBody>
+      </p:sp>
+    </p:spTree>
+    <p:extLst>
+      <p:ext uri="{BB962C8B-B14F-4D97-AF65-F5344CB8AC3E}">
+        <p14:creationId xmlns:p14="http://schemas.microsoft.com/office/powerpoint/2010/main" val="1479105707"/>
+      </p:ext>
+    </p:extLst>
+  </p:cSld>
+  <p:clrMapOvr>
+    <a:masterClrMapping/>
+  </p:clrMapOvr>
+</p:sld>
+</file>
+
+<file path=ppt/slides/slide15.xml><?xml version="1.0" encoding="utf-8"?>
+<p:sld xmlns:a="http://schemas.openxmlformats.org/drawingml/2006/main" xmlns:r="http://schemas.openxmlformats.org/officeDocument/2006/relationships" xmlns:p="http://schemas.openxmlformats.org/presentationml/2006/main">
+  <p:cSld>
+    <p:spTree>
+      <p:nvGrpSpPr>
+        <p:cNvPr id="1" name=""/>
+        <p:cNvGrpSpPr/>
+        <p:nvPr/>
+      </p:nvGrpSpPr>
+      <p:grpSpPr>
+        <a:xfrm>
+          <a:off x="0" y="0"/>
+          <a:ext cx="0" cy="0"/>
+          <a:chOff x="0" y="0"/>
+          <a:chExt cx="0" cy="0"/>
+        </a:xfrm>
+      </p:grpSpPr>
+      <p:sp>
+        <p:nvSpPr>
+          <p:cNvPr id="2" name="標題 1"/>
+          <p:cNvSpPr>
+            <a:spLocks noGrp="1"/>
+          </p:cNvSpPr>
+          <p:nvPr>
+            <p:ph type="title"/>
+          </p:nvPr>
+        </p:nvSpPr>
+        <p:spPr/>
+        <p:txBody>
+          <a:bodyPr/>
+          <a:lstStyle/>
+          <a:p>
+            <a:r>
+              <a:rPr lang="en-US" altLang="zh-TW" dirty="0"/>
+              <a:t> </a:t>
+            </a:r>
+            <a:r>
+              <a:rPr lang="en-US" altLang="zh-TW" dirty="0" smtClean="0"/>
+              <a:t>DICOM</a:t>
+            </a:r>
+            <a:r>
+              <a:rPr lang="zh-TW" altLang="en-US" dirty="0" smtClean="0"/>
+              <a:t> </a:t>
+            </a:r>
+            <a:r>
+              <a:rPr lang="en-US" altLang="zh-TW" dirty="0" smtClean="0"/>
+              <a:t>part 3: Image </a:t>
+            </a:r>
+            <a:r>
+              <a:rPr lang="en-US" altLang="zh-TW" dirty="0"/>
+              <a:t>Pixel Module</a:t>
+            </a:r>
+            <a:endParaRPr lang="zh-TW" altLang="en-US" dirty="0"/>
+          </a:p>
+        </p:txBody>
+      </p:sp>
+      <p:sp>
+        <p:nvSpPr>
+          <p:cNvPr id="3" name="內容版面配置區 2"/>
+          <p:cNvSpPr>
+            <a:spLocks noGrp="1"/>
+          </p:cNvSpPr>
+          <p:nvPr>
+            <p:ph idx="1"/>
+          </p:nvPr>
+        </p:nvSpPr>
+        <p:spPr/>
+        <p:txBody>
+          <a:bodyPr/>
+          <a:lstStyle/>
+          <a:p>
+            <a:r>
+              <a:rPr lang="en-US" altLang="zh-TW" dirty="0">
+                <a:hlinkClick r:id="rId2"/>
+              </a:rPr>
+              <a:t>http://</a:t>
+            </a:r>
+            <a:r>
+              <a:rPr lang="en-US" altLang="zh-TW" dirty="0" smtClean="0">
+                <a:hlinkClick r:id="rId2"/>
+              </a:rPr>
+              <a:t>dicom.nema.org/medical/dicom/2014c/output/chtml/part03/sect_C.7.6.3.html</a:t>
+            </a:r>
+            <a:endParaRPr lang="en-US" altLang="zh-TW" dirty="0" smtClean="0"/>
+          </a:p>
+          <a:p>
+            <a:endParaRPr lang="zh-TW" altLang="en-US" dirty="0"/>
+          </a:p>
+        </p:txBody>
+      </p:sp>
+    </p:spTree>
+    <p:extLst>
+      <p:ext uri="{BB962C8B-B14F-4D97-AF65-F5344CB8AC3E}">
+        <p14:creationId xmlns:p14="http://schemas.microsoft.com/office/powerpoint/2010/main" val="3951813408"/>
+      </p:ext>
+    </p:extLst>
+  </p:cSld>
+  <p:clrMapOvr>
+    <a:masterClrMapping/>
+  </p:clrMapOvr>
+</p:sld>
+</file>
+
+<file path=ppt/slides/slide16.xml><?xml version="1.0" encoding="utf-8"?>
+<p:sld xmlns:a="http://schemas.openxmlformats.org/drawingml/2006/main" xmlns:r="http://schemas.openxmlformats.org/officeDocument/2006/relationships" xmlns:p="http://schemas.openxmlformats.org/presentationml/2006/main">
+  <p:cSld>
+    <p:spTree>
+      <p:nvGrpSpPr>
+        <p:cNvPr id="1" name=""/>
+        <p:cNvGrpSpPr/>
+        <p:nvPr/>
+      </p:nvGrpSpPr>
+      <p:grpSpPr>
+        <a:xfrm>
+          <a:off x="0" y="0"/>
+          <a:ext cx="0" cy="0"/>
+          <a:chOff x="0" y="0"/>
+          <a:chExt cx="0" cy="0"/>
+        </a:xfrm>
+      </p:grpSpPr>
+      <p:sp>
+        <p:nvSpPr>
+          <p:cNvPr id="5122" name="標題 1"/>
+          <p:cNvSpPr>
+            <a:spLocks noGrp="1"/>
+          </p:cNvSpPr>
+          <p:nvPr>
+            <p:ph type="title"/>
+          </p:nvPr>
+        </p:nvSpPr>
+        <p:spPr/>
+        <p:txBody>
+          <a:bodyPr/>
+          <a:lstStyle/>
+          <a:p>
+            <a:pPr eaLnBrk="1" hangingPunct="1"/>
+            <a:endParaRPr lang="zh-TW" altLang="en-US" smtClean="0"/>
+          </a:p>
+        </p:txBody>
+      </p:sp>
+      <p:sp>
+        <p:nvSpPr>
+          <p:cNvPr id="5123" name="內容版面配置區 2"/>
+          <p:cNvSpPr>
+            <a:spLocks noGrp="1"/>
+          </p:cNvSpPr>
+          <p:nvPr>
+            <p:ph idx="1"/>
+          </p:nvPr>
+        </p:nvSpPr>
+        <p:spPr/>
+        <p:txBody>
+          <a:bodyPr/>
+          <a:lstStyle/>
+          <a:p>
+            <a:pPr eaLnBrk="1" hangingPunct="1"/>
+            <a:endParaRPr lang="zh-TW" altLang="en-US" smtClean="0"/>
+          </a:p>
+        </p:txBody>
+      </p:sp>
+      <p:pic>
+        <p:nvPicPr>
+          <p:cNvPr id="5124" name="Picture 2"/>
+          <p:cNvPicPr>
+            <a:picLocks noChangeAspect="1" noChangeArrowheads="1"/>
+          </p:cNvPicPr>
+          <p:nvPr/>
+        </p:nvPicPr>
+        <p:blipFill>
+          <a:blip r:embed="rId2">
+            <a:extLst>
+              <a:ext uri="{28A0092B-C50C-407E-A947-70E740481C1C}">
+                <a14:useLocalDpi xmlns:a14="http://schemas.microsoft.com/office/drawing/2010/main" val="0"/>
+              </a:ext>
+            </a:extLst>
+          </a:blip>
+          <a:srcRect/>
+          <a:stretch>
+            <a:fillRect/>
+          </a:stretch>
+        </p:blipFill>
+        <p:spPr bwMode="auto">
+          <a:xfrm>
+            <a:off x="-1585383" y="-242888"/>
+            <a:ext cx="15832668" cy="7100888"/>
+          </a:xfrm>
+          <a:prstGeom prst="rect">
+            <a:avLst/>
+          </a:prstGeom>
+          <a:noFill/>
+          <a:ln>
+            <a:noFill/>
+          </a:ln>
+          <a:effectLst/>
+          <a:extLst>
+            <a:ext uri="{909E8E84-426E-40DD-AFC4-6F175D3DCCD1}">
+              <a14:hiddenFill xmlns:a14="http://schemas.microsoft.com/office/drawing/2010/main">
+                <a:solidFill>
+                  <a:schemeClr val="accent1"/>
+                </a:solidFill>
+              </a14:hiddenFill>
+            </a:ext>
+            <a:ext uri="{91240B29-F687-4F45-9708-019B960494DF}">
+              <a14:hiddenLine xmlns:a14="http://schemas.microsoft.com/office/drawing/2010/main" w="9525">
+                <a:solidFill>
+                  <a:schemeClr val="tx1"/>
+                </a:solidFill>
+                <a:miter lim="800000"/>
+                <a:headEnd/>
+                <a:tailEnd/>
+              </a14:hiddenLine>
+            </a:ext>
+            <a:ext uri="{AF507438-7753-43E0-B8FC-AC1667EBCBE1}">
+              <a14:hiddenEffects xmlns:a14="http://schemas.microsoft.com/office/drawing/2010/main">
+                <a:effectLst>
+                  <a:outerShdw dist="35921" dir="2700000" algn="ctr" rotWithShape="0">
+                    <a:schemeClr val="bg2"/>
+                  </a:outerShdw>
+                </a:effectLst>
+              </a14:hiddenEffects>
+            </a:ext>
+          </a:extLst>
+        </p:spPr>
+      </p:pic>
+    </p:spTree>
+    <p:extLst>
+      <p:ext uri="{BB962C8B-B14F-4D97-AF65-F5344CB8AC3E}">
+        <p14:creationId xmlns:p14="http://schemas.microsoft.com/office/powerpoint/2010/main" val="374589384"/>
+      </p:ext>
+    </p:extLst>
+  </p:cSld>
+  <p:clrMapOvr>
+    <a:masterClrMapping/>
+  </p:clrMapOvr>
+</p:sld>
+</file>
+
+<file path=ppt/slides/slide17.xml><?xml version="1.0" encoding="utf-8"?>
+<p:sld xmlns:a="http://schemas.openxmlformats.org/drawingml/2006/main" xmlns:r="http://schemas.openxmlformats.org/officeDocument/2006/relationships" xmlns:p="http://schemas.openxmlformats.org/presentationml/2006/main">
+  <p:cSld>
+    <p:spTree>
+      <p:nvGrpSpPr>
+        <p:cNvPr id="1" name=""/>
+        <p:cNvGrpSpPr/>
+        <p:nvPr/>
+      </p:nvGrpSpPr>
+      <p:grpSpPr>
+        <a:xfrm>
+          <a:off x="0" y="0"/>
+          <a:ext cx="0" cy="0"/>
+          <a:chOff x="0" y="0"/>
+          <a:chExt cx="0" cy="0"/>
+        </a:xfrm>
+      </p:grpSpPr>
+      <p:sp>
+        <p:nvSpPr>
+          <p:cNvPr id="7170" name="Rectangle 2"/>
+          <p:cNvSpPr>
+            <a:spLocks noGrp="1" noChangeArrowheads="1"/>
+          </p:cNvSpPr>
+          <p:nvPr>
+            <p:ph type="title"/>
+          </p:nvPr>
+        </p:nvSpPr>
+        <p:spPr>
+          <a:xfrm>
+            <a:off x="624417" y="188914"/>
+            <a:ext cx="10972800" cy="719137"/>
+          </a:xfrm>
+        </p:spPr>
+        <p:txBody>
+          <a:bodyPr/>
+          <a:lstStyle/>
+          <a:p>
+            <a:pPr eaLnBrk="1" hangingPunct="1"/>
+            <a:r>
+              <a:rPr lang="en-US" altLang="zh-TW" sz="3800" smtClean="0"/>
+              <a:t>DICOM </a:t>
+            </a:r>
+            <a:r>
+              <a:rPr lang="zh-TW" altLang="en-US" sz="3800" smtClean="0"/>
+              <a:t>影像物件實例</a:t>
+            </a:r>
+          </a:p>
+        </p:txBody>
+      </p:sp>
+      <p:pic>
+        <p:nvPicPr>
+          <p:cNvPr id="7171" name="Picture 4" descr="DICOMTagsImageFormat"/>
+          <p:cNvPicPr>
+            <a:picLocks noChangeAspect="1" noChangeArrowheads="1"/>
+          </p:cNvPicPr>
+          <p:nvPr/>
+        </p:nvPicPr>
+        <p:blipFill>
+          <a:blip r:embed="rId2">
+            <a:extLst>
+              <a:ext uri="{28A0092B-C50C-407E-A947-70E740481C1C}">
+                <a14:useLocalDpi xmlns:a14="http://schemas.microsoft.com/office/drawing/2010/main" val="0"/>
+              </a:ext>
+            </a:extLst>
+          </a:blip>
+          <a:srcRect/>
+          <a:stretch>
+            <a:fillRect/>
+          </a:stretch>
+        </p:blipFill>
+        <p:spPr bwMode="auto">
+          <a:xfrm>
+            <a:off x="527052" y="981076"/>
+            <a:ext cx="10850033" cy="4176713"/>
+          </a:xfrm>
+          <a:prstGeom prst="rect">
+            <a:avLst/>
+          </a:prstGeom>
+          <a:noFill/>
+          <a:ln>
+            <a:noFill/>
+          </a:ln>
+          <a:extLst>
+            <a:ext uri="{909E8E84-426E-40DD-AFC4-6F175D3DCCD1}">
+              <a14:hiddenFill xmlns:a14="http://schemas.microsoft.com/office/drawing/2010/main">
+                <a:solidFill>
+                  <a:srgbClr val="FFFFFF"/>
+                </a:solidFill>
+              </a14:hiddenFill>
+            </a:ext>
+            <a:ext uri="{91240B29-F687-4F45-9708-019B960494DF}">
+              <a14:hiddenLine xmlns:a14="http://schemas.microsoft.com/office/drawing/2010/main" w="9525">
+                <a:solidFill>
+                  <a:srgbClr val="000000"/>
+                </a:solidFill>
+                <a:miter lim="800000"/>
+                <a:headEnd/>
+                <a:tailEnd/>
+              </a14:hiddenLine>
+            </a:ext>
+          </a:extLst>
+        </p:spPr>
+      </p:pic>
+      <p:pic>
+        <p:nvPicPr>
+          <p:cNvPr id="7172" name="Picture 6" descr="DICOMTagsPixelData"/>
+          <p:cNvPicPr>
+            <a:picLocks noChangeAspect="1" noChangeArrowheads="1"/>
+          </p:cNvPicPr>
+          <p:nvPr/>
+        </p:nvPicPr>
+        <p:blipFill>
+          <a:blip r:embed="rId3">
+            <a:extLst>
+              <a:ext uri="{28A0092B-C50C-407E-A947-70E740481C1C}">
+                <a14:useLocalDpi xmlns:a14="http://schemas.microsoft.com/office/drawing/2010/main" val="0"/>
+              </a:ext>
+            </a:extLst>
+          </a:blip>
+          <a:srcRect/>
+          <a:stretch>
+            <a:fillRect/>
+          </a:stretch>
+        </p:blipFill>
+        <p:spPr bwMode="auto">
+          <a:xfrm>
+            <a:off x="527052" y="5157788"/>
+            <a:ext cx="10850033" cy="1700212"/>
+          </a:xfrm>
+          <a:prstGeom prst="rect">
+            <a:avLst/>
+          </a:prstGeom>
+          <a:noFill/>
+          <a:ln>
+            <a:noFill/>
+          </a:ln>
+          <a:extLst>
+            <a:ext uri="{909E8E84-426E-40DD-AFC4-6F175D3DCCD1}">
+              <a14:hiddenFill xmlns:a14="http://schemas.microsoft.com/office/drawing/2010/main">
+                <a:solidFill>
+                  <a:srgbClr val="FFFFFF"/>
+                </a:solidFill>
+              </a14:hiddenFill>
+            </a:ext>
+            <a:ext uri="{91240B29-F687-4F45-9708-019B960494DF}">
+              <a14:hiddenLine xmlns:a14="http://schemas.microsoft.com/office/drawing/2010/main" w="9525">
+                <a:solidFill>
+                  <a:srgbClr val="000000"/>
+                </a:solidFill>
+                <a:miter lim="800000"/>
+                <a:headEnd/>
+                <a:tailEnd/>
+              </a14:hiddenLine>
+            </a:ext>
+          </a:extLst>
+        </p:spPr>
+      </p:pic>
+      <p:sp>
+        <p:nvSpPr>
+          <p:cNvPr id="7173" name="AutoShape 8"/>
+          <p:cNvSpPr>
+            <a:spLocks/>
+          </p:cNvSpPr>
+          <p:nvPr/>
+        </p:nvSpPr>
+        <p:spPr bwMode="auto">
+          <a:xfrm>
+            <a:off x="6769101" y="1628776"/>
+            <a:ext cx="480484" cy="3095625"/>
+          </a:xfrm>
+          <a:prstGeom prst="rightBrace">
+            <a:avLst>
+              <a:gd name="adj1" fmla="val 71586"/>
+              <a:gd name="adj2" fmla="val 50000"/>
+            </a:avLst>
+          </a:prstGeom>
+          <a:noFill/>
+          <a:ln w="25400">
+            <a:solidFill>
+              <a:srgbClr val="FF0000"/>
+            </a:solidFill>
+            <a:round/>
+            <a:headEnd/>
+            <a:tailEnd/>
+          </a:ln>
+          <a:effectLst/>
+          <a:extLst>
+            <a:ext uri="{909E8E84-426E-40DD-AFC4-6F175D3DCCD1}">
+              <a14:hiddenFill xmlns:a14="http://schemas.microsoft.com/office/drawing/2010/main">
+                <a:solidFill>
+                  <a:schemeClr val="accent1"/>
+                </a:solidFill>
+              </a14:hiddenFill>
+            </a:ext>
+            <a:ext uri="{AF507438-7753-43E0-B8FC-AC1667EBCBE1}">
+              <a14:hiddenEffects xmlns:a14="http://schemas.microsoft.com/office/drawing/2010/main">
+                <a:effectLst>
+                  <a:outerShdw dist="35921" dir="2700000" algn="ctr" rotWithShape="0">
+                    <a:schemeClr val="bg2"/>
+                  </a:outerShdw>
+                </a:effectLst>
+              </a14:hiddenEffects>
+            </a:ext>
+          </a:extLst>
+        </p:spPr>
+        <p:txBody>
+          <a:bodyPr wrap="none" anchor="ctr"/>
+          <a:lstStyle>
+            <a:lvl1pPr eaLnBrk="0" hangingPunct="0">
+              <a:defRPr kumimoji="1">
+                <a:solidFill>
+                  <a:schemeClr val="tx1"/>
+                </a:solidFill>
+                <a:latin typeface="Arial" pitchFamily="34" charset="0"/>
+                <a:ea typeface="新細明體" pitchFamily="18" charset="-120"/>
+              </a:defRPr>
+            </a:lvl1pPr>
+            <a:lvl2pPr marL="742950" indent="-285750" eaLnBrk="0" hangingPunct="0">
+              <a:defRPr kumimoji="1">
+                <a:solidFill>
+                  <a:schemeClr val="tx1"/>
+                </a:solidFill>
+                <a:latin typeface="Arial" pitchFamily="34" charset="0"/>
+                <a:ea typeface="新細明體" pitchFamily="18" charset="-120"/>
+              </a:defRPr>
+            </a:lvl2pPr>
+            <a:lvl3pPr marL="1143000" indent="-228600" eaLnBrk="0" hangingPunct="0">
+              <a:defRPr kumimoji="1">
+                <a:solidFill>
+                  <a:schemeClr val="tx1"/>
+                </a:solidFill>
+                <a:latin typeface="Arial" pitchFamily="34" charset="0"/>
+                <a:ea typeface="新細明體" pitchFamily="18" charset="-120"/>
+              </a:defRPr>
+            </a:lvl3pPr>
+            <a:lvl4pPr marL="1600200" indent="-228600" eaLnBrk="0" hangingPunct="0">
+              <a:defRPr kumimoji="1">
+                <a:solidFill>
+                  <a:schemeClr val="tx1"/>
+                </a:solidFill>
+                <a:latin typeface="Arial" pitchFamily="34" charset="0"/>
+                <a:ea typeface="新細明體" pitchFamily="18" charset="-120"/>
+              </a:defRPr>
+            </a:lvl4pPr>
+            <a:lvl5pPr marL="2057400" indent="-228600" eaLnBrk="0" hangingPunct="0">
+              <a:defRPr kumimoji="1">
+                <a:solidFill>
+                  <a:schemeClr val="tx1"/>
+                </a:solidFill>
+                <a:latin typeface="Arial" pitchFamily="34" charset="0"/>
+                <a:ea typeface="新細明體" pitchFamily="18" charset="-120"/>
+              </a:defRPr>
+            </a:lvl5pPr>
+            <a:lvl6pPr marL="2514600" indent="-228600" eaLnBrk="0" fontAlgn="base" hangingPunct="0">
+              <a:spcBef>
+                <a:spcPct val="0"/>
+              </a:spcBef>
+              <a:spcAft>
+                <a:spcPct val="0"/>
+              </a:spcAft>
+              <a:defRPr kumimoji="1">
+                <a:solidFill>
+                  <a:schemeClr val="tx1"/>
+                </a:solidFill>
+                <a:latin typeface="Arial" pitchFamily="34" charset="0"/>
+                <a:ea typeface="新細明體" pitchFamily="18" charset="-120"/>
+              </a:defRPr>
+            </a:lvl6pPr>
+            <a:lvl7pPr marL="2971800" indent="-228600" eaLnBrk="0" fontAlgn="base" hangingPunct="0">
+              <a:spcBef>
+                <a:spcPct val="0"/>
+              </a:spcBef>
+              <a:spcAft>
+                <a:spcPct val="0"/>
+              </a:spcAft>
+              <a:defRPr kumimoji="1">
+                <a:solidFill>
+                  <a:schemeClr val="tx1"/>
+                </a:solidFill>
+                <a:latin typeface="Arial" pitchFamily="34" charset="0"/>
+                <a:ea typeface="新細明體" pitchFamily="18" charset="-120"/>
+              </a:defRPr>
+            </a:lvl7pPr>
+            <a:lvl8pPr marL="3429000" indent="-228600" eaLnBrk="0" fontAlgn="base" hangingPunct="0">
+              <a:spcBef>
+                <a:spcPct val="0"/>
+              </a:spcBef>
+              <a:spcAft>
+                <a:spcPct val="0"/>
+              </a:spcAft>
+              <a:defRPr kumimoji="1">
+                <a:solidFill>
+                  <a:schemeClr val="tx1"/>
+                </a:solidFill>
+                <a:latin typeface="Arial" pitchFamily="34" charset="0"/>
+                <a:ea typeface="新細明體" pitchFamily="18" charset="-120"/>
+              </a:defRPr>
+            </a:lvl8pPr>
+            <a:lvl9pPr marL="3886200" indent="-228600" eaLnBrk="0" fontAlgn="base" hangingPunct="0">
+              <a:spcBef>
+                <a:spcPct val="0"/>
+              </a:spcBef>
+              <a:spcAft>
+                <a:spcPct val="0"/>
+              </a:spcAft>
+              <a:defRPr kumimoji="1">
+                <a:solidFill>
+                  <a:schemeClr val="tx1"/>
+                </a:solidFill>
+                <a:latin typeface="Arial" pitchFamily="34" charset="0"/>
+                <a:ea typeface="新細明體" pitchFamily="18" charset="-120"/>
+              </a:defRPr>
+            </a:lvl9pPr>
+          </a:lstStyle>
+          <a:p>
+            <a:pPr eaLnBrk="1" hangingPunct="1"/>
+            <a:endParaRPr lang="zh-TW" altLang="en-US"/>
+          </a:p>
+        </p:txBody>
+      </p:sp>
+      <p:sp>
+        <p:nvSpPr>
+          <p:cNvPr id="7174" name="Text Box 9"/>
+          <p:cNvSpPr txBox="1">
+            <a:spLocks noChangeArrowheads="1"/>
+          </p:cNvSpPr>
+          <p:nvPr/>
+        </p:nvSpPr>
+        <p:spPr bwMode="auto">
+          <a:xfrm>
+            <a:off x="7535334" y="2636838"/>
+            <a:ext cx="2688167" cy="366712"/>
+          </a:xfrm>
+          <a:prstGeom prst="rect">
+            <a:avLst/>
+          </a:prstGeom>
+          <a:noFill/>
+          <a:ln>
+            <a:noFill/>
+          </a:ln>
+          <a:effectLst/>
+          <a:extLst>
+            <a:ext uri="{909E8E84-426E-40DD-AFC4-6F175D3DCCD1}">
+              <a14:hiddenFill xmlns:a14="http://schemas.microsoft.com/office/drawing/2010/main">
+                <a:solidFill>
+                  <a:schemeClr val="accent1"/>
+                </a:solidFill>
+              </a14:hiddenFill>
+            </a:ext>
+            <a:ext uri="{91240B29-F687-4F45-9708-019B960494DF}">
+              <a14:hiddenLine xmlns:a14="http://schemas.microsoft.com/office/drawing/2010/main" w="9525">
+                <a:solidFill>
+                  <a:schemeClr val="tx1"/>
+                </a:solidFill>
+                <a:miter lim="800000"/>
+                <a:headEnd/>
+                <a:tailEnd/>
+              </a14:hiddenLine>
+            </a:ext>
+            <a:ext uri="{AF507438-7753-43E0-B8FC-AC1667EBCBE1}">
+              <a14:hiddenEffects xmlns:a14="http://schemas.microsoft.com/office/drawing/2010/main">
+                <a:effectLst>
+                  <a:outerShdw dist="35921" dir="2700000" algn="ctr" rotWithShape="0">
+                    <a:schemeClr val="bg2"/>
+                  </a:outerShdw>
+                </a:effectLst>
+              </a14:hiddenEffects>
+            </a:ext>
+          </a:extLst>
+        </p:spPr>
+        <p:txBody>
+          <a:bodyPr>
+            <a:spAutoFit/>
+          </a:bodyPr>
+          <a:lstStyle>
+            <a:lvl1pPr eaLnBrk="0" hangingPunct="0">
+              <a:defRPr kumimoji="1">
+                <a:solidFill>
+                  <a:schemeClr val="tx1"/>
+                </a:solidFill>
+                <a:latin typeface="Arial" pitchFamily="34" charset="0"/>
+                <a:ea typeface="新細明體" pitchFamily="18" charset="-120"/>
+              </a:defRPr>
+            </a:lvl1pPr>
+            <a:lvl2pPr marL="742950" indent="-285750" eaLnBrk="0" hangingPunct="0">
+              <a:defRPr kumimoji="1">
+                <a:solidFill>
+                  <a:schemeClr val="tx1"/>
+                </a:solidFill>
+                <a:latin typeface="Arial" pitchFamily="34" charset="0"/>
+                <a:ea typeface="新細明體" pitchFamily="18" charset="-120"/>
+              </a:defRPr>
+            </a:lvl2pPr>
+            <a:lvl3pPr marL="1143000" indent="-228600" eaLnBrk="0" hangingPunct="0">
+              <a:defRPr kumimoji="1">
+                <a:solidFill>
+                  <a:schemeClr val="tx1"/>
+                </a:solidFill>
+                <a:latin typeface="Arial" pitchFamily="34" charset="0"/>
+                <a:ea typeface="新細明體" pitchFamily="18" charset="-120"/>
+              </a:defRPr>
+            </a:lvl3pPr>
+            <a:lvl4pPr marL="1600200" indent="-228600" eaLnBrk="0" hangingPunct="0">
+              <a:defRPr kumimoji="1">
+                <a:solidFill>
+                  <a:schemeClr val="tx1"/>
+                </a:solidFill>
+                <a:latin typeface="Arial" pitchFamily="34" charset="0"/>
+                <a:ea typeface="新細明體" pitchFamily="18" charset="-120"/>
+              </a:defRPr>
+            </a:lvl4pPr>
+            <a:lvl5pPr marL="2057400" indent="-228600" eaLnBrk="0" hangingPunct="0">
+              <a:defRPr kumimoji="1">
+                <a:solidFill>
+                  <a:schemeClr val="tx1"/>
+                </a:solidFill>
+                <a:latin typeface="Arial" pitchFamily="34" charset="0"/>
+                <a:ea typeface="新細明體" pitchFamily="18" charset="-120"/>
+              </a:defRPr>
+            </a:lvl5pPr>
+            <a:lvl6pPr marL="2514600" indent="-228600" eaLnBrk="0" fontAlgn="base" hangingPunct="0">
+              <a:spcBef>
+                <a:spcPct val="0"/>
+              </a:spcBef>
+              <a:spcAft>
+                <a:spcPct val="0"/>
+              </a:spcAft>
+              <a:defRPr kumimoji="1">
+                <a:solidFill>
+                  <a:schemeClr val="tx1"/>
+                </a:solidFill>
+                <a:latin typeface="Arial" pitchFamily="34" charset="0"/>
+                <a:ea typeface="新細明體" pitchFamily="18" charset="-120"/>
+              </a:defRPr>
+            </a:lvl6pPr>
+            <a:lvl7pPr marL="2971800" indent="-228600" eaLnBrk="0" fontAlgn="base" hangingPunct="0">
+              <a:spcBef>
+                <a:spcPct val="0"/>
+              </a:spcBef>
+              <a:spcAft>
+                <a:spcPct val="0"/>
+              </a:spcAft>
+              <a:defRPr kumimoji="1">
+                <a:solidFill>
+                  <a:schemeClr val="tx1"/>
+                </a:solidFill>
+                <a:latin typeface="Arial" pitchFamily="34" charset="0"/>
+                <a:ea typeface="新細明體" pitchFamily="18" charset="-120"/>
+              </a:defRPr>
+            </a:lvl7pPr>
+            <a:lvl8pPr marL="3429000" indent="-228600" eaLnBrk="0" fontAlgn="base" hangingPunct="0">
+              <a:spcBef>
+                <a:spcPct val="0"/>
+              </a:spcBef>
+              <a:spcAft>
+                <a:spcPct val="0"/>
+              </a:spcAft>
+              <a:defRPr kumimoji="1">
+                <a:solidFill>
+                  <a:schemeClr val="tx1"/>
+                </a:solidFill>
+                <a:latin typeface="Arial" pitchFamily="34" charset="0"/>
+                <a:ea typeface="新細明體" pitchFamily="18" charset="-120"/>
+              </a:defRPr>
+            </a:lvl8pPr>
+            <a:lvl9pPr marL="3886200" indent="-228600" eaLnBrk="0" fontAlgn="base" hangingPunct="0">
+              <a:spcBef>
+                <a:spcPct val="0"/>
+              </a:spcBef>
+              <a:spcAft>
+                <a:spcPct val="0"/>
+              </a:spcAft>
+              <a:defRPr kumimoji="1">
+                <a:solidFill>
+                  <a:schemeClr val="tx1"/>
+                </a:solidFill>
+                <a:latin typeface="Arial" pitchFamily="34" charset="0"/>
+                <a:ea typeface="新細明體" pitchFamily="18" charset="-120"/>
+              </a:defRPr>
+            </a:lvl9pPr>
+          </a:lstStyle>
+          <a:p>
+            <a:pPr eaLnBrk="1" hangingPunct="1">
+              <a:spcBef>
+                <a:spcPct val="50000"/>
+              </a:spcBef>
+            </a:pPr>
+            <a:r>
+              <a:rPr lang="zh-TW" altLang="en-US">
+                <a:latin typeface="Tahoma" pitchFamily="34" charset="0"/>
+              </a:rPr>
+              <a:t>影像格式參數</a:t>
+            </a:r>
+          </a:p>
+        </p:txBody>
+      </p:sp>
+      <p:sp>
+        <p:nvSpPr>
+          <p:cNvPr id="7175" name="AutoShape 10"/>
+          <p:cNvSpPr>
+            <a:spLocks/>
+          </p:cNvSpPr>
+          <p:nvPr/>
+        </p:nvSpPr>
+        <p:spPr bwMode="auto">
+          <a:xfrm>
+            <a:off x="2734733" y="5516563"/>
+            <a:ext cx="2497667" cy="576262"/>
+          </a:xfrm>
+          <a:prstGeom prst="borderCallout2">
+            <a:avLst>
+              <a:gd name="adj1" fmla="val 19833"/>
+              <a:gd name="adj2" fmla="val -4069"/>
+              <a:gd name="adj3" fmla="val 19833"/>
+              <a:gd name="adj4" fmla="val -19662"/>
+              <a:gd name="adj5" fmla="val 138292"/>
+              <a:gd name="adj6" fmla="val -36019"/>
+            </a:avLst>
+          </a:prstGeom>
+          <a:solidFill>
+            <a:schemeClr val="accent1"/>
+          </a:solidFill>
+          <a:ln w="9525">
+            <a:solidFill>
+              <a:schemeClr val="tx1"/>
+            </a:solidFill>
+            <a:miter lim="800000"/>
+            <a:headEnd/>
+            <a:tailEnd/>
+          </a:ln>
+          <a:effectLst/>
+          <a:extLst>
+            <a:ext uri="{AF507438-7753-43E0-B8FC-AC1667EBCBE1}">
+              <a14:hiddenEffects xmlns:a14="http://schemas.microsoft.com/office/drawing/2010/main">
+                <a:effectLst>
+                  <a:outerShdw dist="35921" dir="2700000" algn="ctr" rotWithShape="0">
+                    <a:schemeClr val="bg2"/>
+                  </a:outerShdw>
+                </a:effectLst>
+              </a14:hiddenEffects>
+            </a:ext>
+          </a:extLst>
+        </p:spPr>
+        <p:txBody>
+          <a:bodyPr/>
+          <a:lstStyle>
+            <a:lvl1pPr eaLnBrk="0" hangingPunct="0">
+              <a:defRPr kumimoji="1">
+                <a:solidFill>
+                  <a:schemeClr val="tx1"/>
+                </a:solidFill>
+                <a:latin typeface="Arial" pitchFamily="34" charset="0"/>
+                <a:ea typeface="新細明體" pitchFamily="18" charset="-120"/>
+              </a:defRPr>
+            </a:lvl1pPr>
+            <a:lvl2pPr marL="742950" indent="-285750" eaLnBrk="0" hangingPunct="0">
+              <a:defRPr kumimoji="1">
+                <a:solidFill>
+                  <a:schemeClr val="tx1"/>
+                </a:solidFill>
+                <a:latin typeface="Arial" pitchFamily="34" charset="0"/>
+                <a:ea typeface="新細明體" pitchFamily="18" charset="-120"/>
+              </a:defRPr>
+            </a:lvl2pPr>
+            <a:lvl3pPr marL="1143000" indent="-228600" eaLnBrk="0" hangingPunct="0">
+              <a:defRPr kumimoji="1">
+                <a:solidFill>
+                  <a:schemeClr val="tx1"/>
+                </a:solidFill>
+                <a:latin typeface="Arial" pitchFamily="34" charset="0"/>
+                <a:ea typeface="新細明體" pitchFamily="18" charset="-120"/>
+              </a:defRPr>
+            </a:lvl3pPr>
+            <a:lvl4pPr marL="1600200" indent="-228600" eaLnBrk="0" hangingPunct="0">
+              <a:defRPr kumimoji="1">
+                <a:solidFill>
+                  <a:schemeClr val="tx1"/>
+                </a:solidFill>
+                <a:latin typeface="Arial" pitchFamily="34" charset="0"/>
+                <a:ea typeface="新細明體" pitchFamily="18" charset="-120"/>
+              </a:defRPr>
+            </a:lvl4pPr>
+            <a:lvl5pPr marL="2057400" indent="-228600" eaLnBrk="0" hangingPunct="0">
+              <a:defRPr kumimoji="1">
+                <a:solidFill>
+                  <a:schemeClr val="tx1"/>
+                </a:solidFill>
+                <a:latin typeface="Arial" pitchFamily="34" charset="0"/>
+                <a:ea typeface="新細明體" pitchFamily="18" charset="-120"/>
+              </a:defRPr>
+            </a:lvl5pPr>
+            <a:lvl6pPr marL="2514600" indent="-228600" eaLnBrk="0" fontAlgn="base" hangingPunct="0">
+              <a:spcBef>
+                <a:spcPct val="0"/>
+              </a:spcBef>
+              <a:spcAft>
+                <a:spcPct val="0"/>
+              </a:spcAft>
+              <a:defRPr kumimoji="1">
+                <a:solidFill>
+                  <a:schemeClr val="tx1"/>
+                </a:solidFill>
+                <a:latin typeface="Arial" pitchFamily="34" charset="0"/>
+                <a:ea typeface="新細明體" pitchFamily="18" charset="-120"/>
+              </a:defRPr>
+            </a:lvl6pPr>
+            <a:lvl7pPr marL="2971800" indent="-228600" eaLnBrk="0" fontAlgn="base" hangingPunct="0">
+              <a:spcBef>
+                <a:spcPct val="0"/>
+              </a:spcBef>
+              <a:spcAft>
+                <a:spcPct val="0"/>
+              </a:spcAft>
+              <a:defRPr kumimoji="1">
+                <a:solidFill>
+                  <a:schemeClr val="tx1"/>
+                </a:solidFill>
+                <a:latin typeface="Arial" pitchFamily="34" charset="0"/>
+                <a:ea typeface="新細明體" pitchFamily="18" charset="-120"/>
+              </a:defRPr>
+            </a:lvl7pPr>
+            <a:lvl8pPr marL="3429000" indent="-228600" eaLnBrk="0" fontAlgn="base" hangingPunct="0">
+              <a:spcBef>
+                <a:spcPct val="0"/>
+              </a:spcBef>
+              <a:spcAft>
+                <a:spcPct val="0"/>
+              </a:spcAft>
+              <a:defRPr kumimoji="1">
+                <a:solidFill>
+                  <a:schemeClr val="tx1"/>
+                </a:solidFill>
+                <a:latin typeface="Arial" pitchFamily="34" charset="0"/>
+                <a:ea typeface="新細明體" pitchFamily="18" charset="-120"/>
+              </a:defRPr>
+            </a:lvl8pPr>
+            <a:lvl9pPr marL="3886200" indent="-228600" eaLnBrk="0" fontAlgn="base" hangingPunct="0">
+              <a:spcBef>
+                <a:spcPct val="0"/>
+              </a:spcBef>
+              <a:spcAft>
+                <a:spcPct val="0"/>
+              </a:spcAft>
+              <a:defRPr kumimoji="1">
+                <a:solidFill>
+                  <a:schemeClr val="tx1"/>
+                </a:solidFill>
+                <a:latin typeface="Arial" pitchFamily="34" charset="0"/>
+                <a:ea typeface="新細明體" pitchFamily="18" charset="-120"/>
+              </a:defRPr>
+            </a:lvl9pPr>
+          </a:lstStyle>
+          <a:p>
+            <a:pPr algn="ctr" eaLnBrk="1" hangingPunct="1"/>
+            <a:endParaRPr lang="zh-TW" altLang="zh-TW">
+              <a:latin typeface="Tahoma" pitchFamily="34" charset="0"/>
+            </a:endParaRPr>
+          </a:p>
+        </p:txBody>
+      </p:sp>
+      <p:sp>
+        <p:nvSpPr>
+          <p:cNvPr id="7176" name="Text Box 11"/>
+          <p:cNvSpPr txBox="1">
+            <a:spLocks noChangeArrowheads="1"/>
+          </p:cNvSpPr>
+          <p:nvPr/>
+        </p:nvSpPr>
+        <p:spPr bwMode="auto">
+          <a:xfrm>
+            <a:off x="2832100" y="5445125"/>
+            <a:ext cx="2590800" cy="641350"/>
+          </a:xfrm>
+          <a:prstGeom prst="rect">
+            <a:avLst/>
+          </a:prstGeom>
+          <a:noFill/>
+          <a:ln>
+            <a:noFill/>
+          </a:ln>
+          <a:effectLst/>
+          <a:extLst>
+            <a:ext uri="{909E8E84-426E-40DD-AFC4-6F175D3DCCD1}">
+              <a14:hiddenFill xmlns:a14="http://schemas.microsoft.com/office/drawing/2010/main">
+                <a:solidFill>
+                  <a:schemeClr val="accent1"/>
+                </a:solidFill>
+              </a14:hiddenFill>
+            </a:ext>
+            <a:ext uri="{91240B29-F687-4F45-9708-019B960494DF}">
+              <a14:hiddenLine xmlns:a14="http://schemas.microsoft.com/office/drawing/2010/main" w="9525">
+                <a:solidFill>
+                  <a:srgbClr val="FF0000"/>
+                </a:solidFill>
+                <a:miter lim="800000"/>
+                <a:headEnd/>
+                <a:tailEnd/>
+              </a14:hiddenLine>
+            </a:ext>
+            <a:ext uri="{AF507438-7753-43E0-B8FC-AC1667EBCBE1}">
+              <a14:hiddenEffects xmlns:a14="http://schemas.microsoft.com/office/drawing/2010/main">
+                <a:effectLst>
+                  <a:outerShdw dist="35921" dir="2700000" algn="ctr" rotWithShape="0">
+                    <a:schemeClr val="bg2"/>
+                  </a:outerShdw>
+                </a:effectLst>
+              </a14:hiddenEffects>
+            </a:ext>
+          </a:extLst>
+        </p:spPr>
+        <p:txBody>
+          <a:bodyPr>
+            <a:spAutoFit/>
+          </a:bodyPr>
+          <a:lstStyle>
+            <a:lvl1pPr eaLnBrk="0" hangingPunct="0">
+              <a:defRPr kumimoji="1">
+                <a:solidFill>
+                  <a:schemeClr val="tx1"/>
+                </a:solidFill>
+                <a:latin typeface="Arial" pitchFamily="34" charset="0"/>
+                <a:ea typeface="新細明體" pitchFamily="18" charset="-120"/>
+              </a:defRPr>
+            </a:lvl1pPr>
+            <a:lvl2pPr marL="742950" indent="-285750" eaLnBrk="0" hangingPunct="0">
+              <a:defRPr kumimoji="1">
+                <a:solidFill>
+                  <a:schemeClr val="tx1"/>
+                </a:solidFill>
+                <a:latin typeface="Arial" pitchFamily="34" charset="0"/>
+                <a:ea typeface="新細明體" pitchFamily="18" charset="-120"/>
+              </a:defRPr>
+            </a:lvl2pPr>
+            <a:lvl3pPr marL="1143000" indent="-228600" eaLnBrk="0" hangingPunct="0">
+              <a:defRPr kumimoji="1">
+                <a:solidFill>
+                  <a:schemeClr val="tx1"/>
+                </a:solidFill>
+                <a:latin typeface="Arial" pitchFamily="34" charset="0"/>
+                <a:ea typeface="新細明體" pitchFamily="18" charset="-120"/>
+              </a:defRPr>
+            </a:lvl3pPr>
+            <a:lvl4pPr marL="1600200" indent="-228600" eaLnBrk="0" hangingPunct="0">
+              <a:defRPr kumimoji="1">
+                <a:solidFill>
+                  <a:schemeClr val="tx1"/>
+                </a:solidFill>
+                <a:latin typeface="Arial" pitchFamily="34" charset="0"/>
+                <a:ea typeface="新細明體" pitchFamily="18" charset="-120"/>
+              </a:defRPr>
+            </a:lvl4pPr>
+            <a:lvl5pPr marL="2057400" indent="-228600" eaLnBrk="0" hangingPunct="0">
+              <a:defRPr kumimoji="1">
+                <a:solidFill>
+                  <a:schemeClr val="tx1"/>
+                </a:solidFill>
+                <a:latin typeface="Arial" pitchFamily="34" charset="0"/>
+                <a:ea typeface="新細明體" pitchFamily="18" charset="-120"/>
+              </a:defRPr>
+            </a:lvl5pPr>
+            <a:lvl6pPr marL="2514600" indent="-228600" eaLnBrk="0" fontAlgn="base" hangingPunct="0">
+              <a:spcBef>
+                <a:spcPct val="0"/>
+              </a:spcBef>
+              <a:spcAft>
+                <a:spcPct val="0"/>
+              </a:spcAft>
+              <a:defRPr kumimoji="1">
+                <a:solidFill>
+                  <a:schemeClr val="tx1"/>
+                </a:solidFill>
+                <a:latin typeface="Arial" pitchFamily="34" charset="0"/>
+                <a:ea typeface="新細明體" pitchFamily="18" charset="-120"/>
+              </a:defRPr>
+            </a:lvl6pPr>
+            <a:lvl7pPr marL="2971800" indent="-228600" eaLnBrk="0" fontAlgn="base" hangingPunct="0">
+              <a:spcBef>
+                <a:spcPct val="0"/>
+              </a:spcBef>
+              <a:spcAft>
+                <a:spcPct val="0"/>
+              </a:spcAft>
+              <a:defRPr kumimoji="1">
+                <a:solidFill>
+                  <a:schemeClr val="tx1"/>
+                </a:solidFill>
+                <a:latin typeface="Arial" pitchFamily="34" charset="0"/>
+                <a:ea typeface="新細明體" pitchFamily="18" charset="-120"/>
+              </a:defRPr>
+            </a:lvl7pPr>
+            <a:lvl8pPr marL="3429000" indent="-228600" eaLnBrk="0" fontAlgn="base" hangingPunct="0">
+              <a:spcBef>
+                <a:spcPct val="0"/>
+              </a:spcBef>
+              <a:spcAft>
+                <a:spcPct val="0"/>
+              </a:spcAft>
+              <a:defRPr kumimoji="1">
+                <a:solidFill>
+                  <a:schemeClr val="tx1"/>
+                </a:solidFill>
+                <a:latin typeface="Arial" pitchFamily="34" charset="0"/>
+                <a:ea typeface="新細明體" pitchFamily="18" charset="-120"/>
+              </a:defRPr>
+            </a:lvl8pPr>
+            <a:lvl9pPr marL="3886200" indent="-228600" eaLnBrk="0" fontAlgn="base" hangingPunct="0">
+              <a:spcBef>
+                <a:spcPct val="0"/>
+              </a:spcBef>
+              <a:spcAft>
+                <a:spcPct val="0"/>
+              </a:spcAft>
+              <a:defRPr kumimoji="1">
+                <a:solidFill>
+                  <a:schemeClr val="tx1"/>
+                </a:solidFill>
+                <a:latin typeface="Arial" pitchFamily="34" charset="0"/>
+                <a:ea typeface="新細明體" pitchFamily="18" charset="-120"/>
+              </a:defRPr>
+            </a:lvl9pPr>
+          </a:lstStyle>
+          <a:p>
+            <a:pPr eaLnBrk="1" hangingPunct="1">
+              <a:spcBef>
+                <a:spcPct val="50000"/>
+              </a:spcBef>
+            </a:pPr>
+            <a:r>
+              <a:rPr kumimoji="0" lang="en-US" altLang="zh-TW" b="1">
+                <a:solidFill>
+                  <a:srgbClr val="FF0000"/>
+                </a:solidFill>
+                <a:latin typeface="Tahoma" pitchFamily="34" charset="0"/>
+              </a:rPr>
+              <a:t>Data element of p</a:t>
+            </a:r>
+            <a:r>
+              <a:rPr lang="en-US" altLang="zh-TW" b="1">
+                <a:solidFill>
+                  <a:srgbClr val="FF0000"/>
+                </a:solidFill>
+                <a:latin typeface="Tahoma" pitchFamily="34" charset="0"/>
+              </a:rPr>
+              <a:t>ixel values</a:t>
+            </a:r>
+            <a:r>
+              <a:rPr lang="en-US" altLang="zh-TW">
+                <a:latin typeface="Tahoma" pitchFamily="34" charset="0"/>
+              </a:rPr>
+              <a:t> </a:t>
+            </a:r>
+          </a:p>
+        </p:txBody>
+      </p:sp>
+    </p:spTree>
+    <p:extLst>
+      <p:ext uri="{BB962C8B-B14F-4D97-AF65-F5344CB8AC3E}">
+        <p14:creationId xmlns:p14="http://schemas.microsoft.com/office/powerpoint/2010/main" val="835186004"/>
+      </p:ext>
+    </p:extLst>
+  </p:cSld>
+  <p:clrMapOvr>
+    <a:masterClrMapping/>
+  </p:clrMapOvr>
+  <p:transition/>
+</p:sld>
+</file>
+
+<file path=ppt/slides/slide18.xml><?xml version="1.0" encoding="utf-8"?>
+<p:sld xmlns:a="http://schemas.openxmlformats.org/drawingml/2006/main" xmlns:r="http://schemas.openxmlformats.org/officeDocument/2006/relationships" xmlns:p="http://schemas.openxmlformats.org/presentationml/2006/main">
+  <p:cSld>
+    <p:spTree>
+      <p:nvGrpSpPr>
+        <p:cNvPr id="1" name=""/>
+        <p:cNvGrpSpPr/>
+        <p:nvPr/>
+      </p:nvGrpSpPr>
+      <p:grpSpPr>
+        <a:xfrm>
+          <a:off x="0" y="0"/>
+          <a:ext cx="0" cy="0"/>
+          <a:chOff x="0" y="0"/>
+          <a:chExt cx="0" cy="0"/>
+        </a:xfrm>
+      </p:grpSpPr>
+      <p:sp>
+        <p:nvSpPr>
+          <p:cNvPr id="2" name="標題 1"/>
+          <p:cNvSpPr>
+            <a:spLocks noGrp="1"/>
+          </p:cNvSpPr>
+          <p:nvPr>
+            <p:ph type="title"/>
+          </p:nvPr>
+        </p:nvSpPr>
+        <p:spPr/>
+        <p:txBody>
+          <a:bodyPr/>
+          <a:lstStyle/>
+          <a:p>
+            <a:r>
+              <a:rPr lang="zh-TW" altLang="en-US" smtClean="0"/>
+              <a:t>程式取得 </a:t>
+            </a:r>
+            <a:r>
+              <a:rPr lang="en-US" altLang="zh-TW" smtClean="0"/>
+              <a:t>DICOM data elements</a:t>
+            </a:r>
+            <a:r>
+              <a:rPr lang="zh-TW" altLang="en-US" smtClean="0"/>
+              <a:t> 資訊</a:t>
+            </a:r>
+            <a:endParaRPr lang="zh-TW" altLang="en-US"/>
+          </a:p>
+        </p:txBody>
+      </p:sp>
+      <p:sp>
+        <p:nvSpPr>
+          <p:cNvPr id="3" name="內容版面配置區 2"/>
+          <p:cNvSpPr>
+            <a:spLocks noGrp="1"/>
+          </p:cNvSpPr>
+          <p:nvPr>
+            <p:ph idx="1"/>
+          </p:nvPr>
+        </p:nvSpPr>
+        <p:spPr/>
+        <p:txBody>
+          <a:bodyPr/>
+          <a:lstStyle/>
+          <a:p>
+            <a:r>
+              <a:rPr lang="zh-TW" altLang="en-US" smtClean="0"/>
+              <a:t>現行工具大多可顯示 </a:t>
+            </a:r>
+            <a:r>
+              <a:rPr lang="en-US" altLang="zh-TW" smtClean="0"/>
+              <a:t>DICOM</a:t>
+            </a:r>
+            <a:r>
+              <a:rPr lang="zh-TW" altLang="en-US" smtClean="0"/>
+              <a:t> </a:t>
+            </a:r>
+            <a:r>
+              <a:rPr lang="en-US" altLang="zh-TW" smtClean="0"/>
+              <a:t>tags</a:t>
+            </a:r>
+            <a:r>
+              <a:rPr lang="zh-TW" altLang="en-US" smtClean="0"/>
+              <a:t>，但是</a:t>
+            </a:r>
+            <a:r>
+              <a:rPr lang="en-US" altLang="zh-TW" smtClean="0"/>
+              <a:t>:</a:t>
+            </a:r>
+          </a:p>
+          <a:p>
+            <a:pPr lvl="1"/>
+            <a:r>
+              <a:rPr lang="zh-TW" altLang="en-US" smtClean="0"/>
+              <a:t>無法整合應用</a:t>
+            </a:r>
+            <a:endParaRPr lang="en-US" altLang="zh-TW" smtClean="0"/>
+          </a:p>
+          <a:p>
+            <a:pPr lvl="1"/>
+            <a:r>
+              <a:rPr lang="zh-TW" altLang="en-US" smtClean="0"/>
+              <a:t>提供的資訊不足，如沒提供</a:t>
+            </a:r>
+            <a:r>
+              <a:rPr lang="zh-TW" altLang="en-US"/>
+              <a:t>各</a:t>
+            </a:r>
+            <a:r>
+              <a:rPr lang="zh-TW" altLang="en-US" smtClean="0"/>
+              <a:t> </a:t>
+            </a:r>
+            <a:r>
+              <a:rPr lang="en-US" altLang="zh-TW" smtClean="0"/>
+              <a:t>data</a:t>
+            </a:r>
+            <a:r>
+              <a:rPr lang="zh-TW" altLang="en-US" smtClean="0"/>
+              <a:t> </a:t>
+            </a:r>
+            <a:r>
+              <a:rPr lang="en-US" altLang="zh-TW" smtClean="0"/>
+              <a:t>element </a:t>
+            </a:r>
+            <a:r>
+              <a:rPr lang="zh-TW" altLang="en-US" smtClean="0"/>
+              <a:t>資料起始位置</a:t>
+            </a:r>
+            <a:endParaRPr lang="en-US" altLang="zh-TW" smtClean="0"/>
+          </a:p>
+          <a:p>
+            <a:pPr lvl="2"/>
+            <a:r>
+              <a:rPr lang="zh-TW" altLang="en-US" smtClean="0"/>
+              <a:t>如 </a:t>
+            </a:r>
+            <a:r>
+              <a:rPr lang="en-US" altLang="zh-TW" smtClean="0"/>
+              <a:t>7fe00010 </a:t>
+            </a:r>
+            <a:r>
+              <a:rPr lang="zh-TW" altLang="en-US" smtClean="0"/>
+              <a:t>像素資料起始位置</a:t>
+            </a:r>
+            <a:endParaRPr lang="en-US" altLang="zh-TW" smtClean="0"/>
+          </a:p>
+          <a:p>
+            <a:endParaRPr lang="en-US" altLang="zh-TW" smtClean="0"/>
+          </a:p>
+          <a:p>
+            <a:r>
+              <a:rPr lang="zh-TW" altLang="en-US" smtClean="0"/>
+              <a:t>需要網頁前後端程式解析 </a:t>
+            </a:r>
+            <a:r>
+              <a:rPr lang="en-US" altLang="zh-TW" smtClean="0"/>
+              <a:t>DICOM</a:t>
+            </a:r>
+            <a:r>
+              <a:rPr lang="zh-TW" altLang="en-US" smtClean="0"/>
+              <a:t> 資料，需了解</a:t>
+            </a:r>
+            <a:endParaRPr lang="en-US" altLang="zh-TW" smtClean="0"/>
+          </a:p>
+          <a:p>
+            <a:pPr lvl="1"/>
+            <a:r>
+              <a:rPr lang="en-US" altLang="zh-TW" smtClean="0"/>
+              <a:t>DICOM</a:t>
+            </a:r>
+            <a:r>
+              <a:rPr lang="zh-TW" altLang="en-US" smtClean="0"/>
+              <a:t> </a:t>
+            </a:r>
+            <a:r>
+              <a:rPr lang="en-US" altLang="zh-TW" smtClean="0"/>
+              <a:t>data set </a:t>
+            </a:r>
+            <a:r>
+              <a:rPr lang="zh-TW" altLang="en-US" smtClean="0"/>
+              <a:t>及 </a:t>
+            </a:r>
+            <a:r>
+              <a:rPr lang="en-US" altLang="zh-TW" smtClean="0"/>
+              <a:t>data element </a:t>
+            </a:r>
+            <a:r>
+              <a:rPr lang="zh-TW" altLang="en-US" smtClean="0"/>
+              <a:t>結構</a:t>
+            </a:r>
+            <a:endParaRPr lang="zh-TW" altLang="en-US"/>
+          </a:p>
+        </p:txBody>
+      </p:sp>
+    </p:spTree>
+    <p:extLst>
+      <p:ext uri="{BB962C8B-B14F-4D97-AF65-F5344CB8AC3E}">
+        <p14:creationId xmlns:p14="http://schemas.microsoft.com/office/powerpoint/2010/main" val="3286883842"/>
+      </p:ext>
+    </p:extLst>
+  </p:cSld>
+  <p:clrMapOvr>
+    <a:masterClrMapping/>
+  </p:clrMapOvr>
+</p:sld>
+</file>
+
+<file path=ppt/slides/slide19.xml><?xml version="1.0" encoding="utf-8"?>
+<p:sld xmlns:a="http://schemas.openxmlformats.org/drawingml/2006/main" xmlns:r="http://schemas.openxmlformats.org/officeDocument/2006/relationships" xmlns:p="http://schemas.openxmlformats.org/presentationml/2006/main">
+  <p:cSld>
+    <p:spTree>
+      <p:nvGrpSpPr>
+        <p:cNvPr id="1" name=""/>
+        <p:cNvGrpSpPr/>
+        <p:nvPr/>
+      </p:nvGrpSpPr>
+      <p:grpSpPr>
+        <a:xfrm>
+          <a:off x="0" y="0"/>
+          <a:ext cx="0" cy="0"/>
+          <a:chOff x="0" y="0"/>
+          <a:chExt cx="0" cy="0"/>
+        </a:xfrm>
+      </p:grpSpPr>
       <p:graphicFrame>
         <p:nvGraphicFramePr>
           <p:cNvPr id="595971" name="Object 3"/>
@@ -4542,7 +6242,7 @@
           <a:graphicData uri="http://schemas.openxmlformats.org/presentationml/2006/ole">
             <mc:AlternateContent xmlns:mc="http://schemas.openxmlformats.org/markup-compatibility/2006">
               <mc:Choice xmlns:v="urn:schemas-microsoft-com:vml" Requires="v">
-                <p:oleObj spid="_x0000_s1031" name="文件" r:id="rId3" imgW="5703858" imgH="4487569" progId="Word.Document.8">
+                <p:oleObj spid="_x0000_s1033" name="文件" r:id="rId3" imgW="5703858" imgH="4487569" progId="Word.Document.8">
                   <p:embed/>
                 </p:oleObj>
               </mc:Choice>
@@ -4928,7 +6628,176 @@
 </p:sld>
 </file>
 
-<file path=ppt/slides/slide15.xml><?xml version="1.0" encoding="utf-8"?>
+<file path=ppt/slides/slide2.xml><?xml version="1.0" encoding="utf-8"?>
+<p:sld xmlns:a="http://schemas.openxmlformats.org/drawingml/2006/main" xmlns:r="http://schemas.openxmlformats.org/officeDocument/2006/relationships" xmlns:p="http://schemas.openxmlformats.org/presentationml/2006/main">
+  <p:cSld>
+    <p:spTree>
+      <p:nvGrpSpPr>
+        <p:cNvPr id="1" name=""/>
+        <p:cNvGrpSpPr/>
+        <p:nvPr/>
+      </p:nvGrpSpPr>
+      <p:grpSpPr>
+        <a:xfrm>
+          <a:off x="0" y="0"/>
+          <a:ext cx="0" cy="0"/>
+          <a:chOff x="0" y="0"/>
+          <a:chExt cx="0" cy="0"/>
+        </a:xfrm>
+      </p:grpSpPr>
+      <p:sp>
+        <p:nvSpPr>
+          <p:cNvPr id="4098" name="Rectangle 2"/>
+          <p:cNvSpPr>
+            <a:spLocks noGrp="1" noChangeArrowheads="1"/>
+          </p:cNvSpPr>
+          <p:nvPr>
+            <p:ph type="title"/>
+          </p:nvPr>
+        </p:nvSpPr>
+        <p:spPr/>
+        <p:txBody>
+          <a:bodyPr/>
+          <a:lstStyle/>
+          <a:p>
+            <a:pPr algn="ctr" eaLnBrk="1" hangingPunct="1"/>
+            <a:r>
+              <a:rPr lang="zh-TW" altLang="en-US" dirty="0" smtClean="0"/>
+              <a:t>課程大綱</a:t>
+            </a:r>
+          </a:p>
+        </p:txBody>
+      </p:sp>
+      <p:sp>
+        <p:nvSpPr>
+          <p:cNvPr id="4099" name="Rectangle 3"/>
+          <p:cNvSpPr>
+            <a:spLocks noGrp="1" noChangeArrowheads="1"/>
+          </p:cNvSpPr>
+          <p:nvPr>
+            <p:ph idx="1"/>
+          </p:nvPr>
+        </p:nvSpPr>
+        <p:spPr>
+          <a:xfrm>
+            <a:off x="609600" y="1937442"/>
+            <a:ext cx="10972800" cy="4188726"/>
+          </a:xfrm>
+        </p:spPr>
+        <p:txBody>
+          <a:bodyPr/>
+          <a:lstStyle/>
+          <a:p>
+            <a:r>
+              <a:rPr lang="zh-TW" altLang="en-US" smtClean="0"/>
+              <a:t>繪製醫學影像圖形初體驗</a:t>
+            </a:r>
+            <a:endParaRPr lang="en-US" altLang="zh-TW" dirty="0" smtClean="0"/>
+          </a:p>
+          <a:p>
+            <a:pPr eaLnBrk="1" hangingPunct="1"/>
+            <a:endParaRPr lang="en-US" altLang="zh-TW" dirty="0" smtClean="0"/>
+          </a:p>
+          <a:p>
+            <a:pPr eaLnBrk="1" hangingPunct="1"/>
+            <a:r>
+              <a:rPr lang="en-US" altLang="zh-TW" smtClean="0"/>
+              <a:t>DICOM</a:t>
+            </a:r>
+            <a:r>
+              <a:rPr lang="zh-TW" altLang="en-US" smtClean="0"/>
+              <a:t> 圖檔來源</a:t>
+            </a:r>
+            <a:endParaRPr lang="en-US" altLang="zh-TW" dirty="0" smtClean="0"/>
+          </a:p>
+          <a:p>
+            <a:pPr eaLnBrk="1" hangingPunct="1"/>
+            <a:endParaRPr lang="en-US" altLang="zh-TW" dirty="0"/>
+          </a:p>
+          <a:p>
+            <a:pPr eaLnBrk="1" hangingPunct="1"/>
+            <a:r>
+              <a:rPr lang="zh-TW" altLang="en-US" smtClean="0"/>
+              <a:t>安裝及使用 </a:t>
+            </a:r>
+            <a:r>
+              <a:rPr lang="en-US" altLang="zh-TW" smtClean="0"/>
+              <a:t>DICOM</a:t>
+            </a:r>
+            <a:r>
+              <a:rPr lang="zh-TW" altLang="en-US" smtClean="0"/>
+              <a:t> </a:t>
+            </a:r>
+            <a:r>
+              <a:rPr lang="en-US" altLang="zh-TW" smtClean="0"/>
+              <a:t>viewer</a:t>
+            </a:r>
+            <a:endParaRPr lang="en-US" altLang="zh-TW" dirty="0" smtClean="0"/>
+          </a:p>
+          <a:p>
+            <a:pPr eaLnBrk="1" hangingPunct="1"/>
+            <a:endParaRPr lang="en-US" altLang="zh-TW" dirty="0"/>
+          </a:p>
+          <a:p>
+            <a:pPr eaLnBrk="1" hangingPunct="1"/>
+            <a:r>
+              <a:rPr lang="zh-TW" altLang="en-US" smtClean="0"/>
+              <a:t>分析</a:t>
+            </a:r>
+            <a:r>
+              <a:rPr lang="en-US" altLang="zh-TW" smtClean="0"/>
+              <a:t>DICOM</a:t>
+            </a:r>
+            <a:r>
+              <a:rPr lang="zh-TW" altLang="en-US" smtClean="0"/>
+              <a:t> </a:t>
+            </a:r>
+            <a:r>
+              <a:rPr lang="zh-TW" altLang="en-US" b="1" smtClean="0"/>
+              <a:t>影像</a:t>
+            </a:r>
+            <a:r>
+              <a:rPr lang="zh-TW" altLang="en-US" b="1" smtClean="0">
+                <a:solidFill>
+                  <a:srgbClr val="FF0000"/>
+                </a:solidFill>
+                <a:effectLst>
+                  <a:outerShdw blurRad="38100" dist="38100" dir="2700000" algn="tl">
+                    <a:srgbClr val="000000">
+                      <a:alpha val="43137"/>
+                    </a:srgbClr>
+                  </a:outerShdw>
+                </a:effectLst>
+              </a:rPr>
+              <a:t>規格</a:t>
+            </a:r>
+            <a:r>
+              <a:rPr lang="zh-TW" altLang="en-US" smtClean="0"/>
+              <a:t>練習</a:t>
+            </a:r>
+            <a:endParaRPr lang="en-US" altLang="zh-TW" dirty="0" smtClean="0"/>
+          </a:p>
+          <a:p>
+            <a:pPr eaLnBrk="1" hangingPunct="1"/>
+            <a:endParaRPr lang="en-US" altLang="zh-TW" dirty="0"/>
+          </a:p>
+        </p:txBody>
+      </p:sp>
+    </p:spTree>
+    <p:extLst>
+      <p:ext uri="{BB962C8B-B14F-4D97-AF65-F5344CB8AC3E}">
+        <p14:creationId xmlns:p14="http://schemas.microsoft.com/office/powerpoint/2010/main" val="3806295968"/>
+      </p:ext>
+    </p:extLst>
+  </p:cSld>
+  <p:clrMapOvr>
+    <a:masterClrMapping/>
+  </p:clrMapOvr>
+  <p:transition/>
+</p:sld>
+</file>
+
+<file path=ppt/slides/slide20.xml><?xml version="1.0" encoding="utf-8"?>
 <p:sld xmlns:a="http://schemas.openxmlformats.org/drawingml/2006/main" xmlns:r="http://schemas.openxmlformats.org/officeDocument/2006/relationships" xmlns:p="http://schemas.openxmlformats.org/presentationml/2006/main">
   <p:cSld>
     <p:spTree>
@@ -6700,7 +8569,7 @@
 </p:sld>
 </file>
 
-<file path=ppt/slides/slide16.xml><?xml version="1.0" encoding="utf-8"?>
+<file path=ppt/slides/slide21.xml><?xml version="1.0" encoding="utf-8"?>
 <p:sld xmlns:a="http://schemas.openxmlformats.org/drawingml/2006/main" xmlns:r="http://schemas.openxmlformats.org/officeDocument/2006/relationships" xmlns:p="http://schemas.openxmlformats.org/presentationml/2006/main">
   <p:cSld>
     <p:spTree>
@@ -6880,7 +8749,7 @@
 </p:sld>
 </file>
 
-<file path=ppt/slides/slide17.xml><?xml version="1.0" encoding="utf-8"?>
+<file path=ppt/slides/slide22.xml><?xml version="1.0" encoding="utf-8"?>
 <p:sld xmlns:a="http://schemas.openxmlformats.org/drawingml/2006/main" xmlns:r="http://schemas.openxmlformats.org/officeDocument/2006/relationships" xmlns:p="http://schemas.openxmlformats.org/presentationml/2006/main">
   <p:cSld>
     <p:spTree>
@@ -7125,7 +8994,7 @@
 </p:sld>
 </file>
 
-<file path=ppt/slides/slide18.xml><?xml version="1.0" encoding="utf-8"?>
+<file path=ppt/slides/slide23.xml><?xml version="1.0" encoding="utf-8"?>
 <p:sld xmlns:a="http://schemas.openxmlformats.org/drawingml/2006/main" xmlns:r="http://schemas.openxmlformats.org/officeDocument/2006/relationships" xmlns:p="http://schemas.openxmlformats.org/presentationml/2006/main">
   <p:cSld>
     <p:spTree>
@@ -7426,7 +9295,7 @@
 </p:sld>
 </file>
 
-<file path=ppt/slides/slide19.xml><?xml version="1.0" encoding="utf-8"?>
+<file path=ppt/slides/slide24.xml><?xml version="1.0" encoding="utf-8"?>
 <p:sld xmlns:a="http://schemas.openxmlformats.org/drawingml/2006/main" xmlns:r="http://schemas.openxmlformats.org/officeDocument/2006/relationships" xmlns:p="http://schemas.openxmlformats.org/presentationml/2006/main">
   <p:cSld>
     <p:spTree>
@@ -7644,7 +9513,7 @@
 </p:sld>
 </file>
 
-<file path=ppt/slides/slide2.xml><?xml version="1.0" encoding="utf-8"?>
+<file path=ppt/slides/slide25.xml><?xml version="1.0" encoding="utf-8"?>
 <p:sld xmlns:a="http://schemas.openxmlformats.org/drawingml/2006/main" xmlns:r="http://schemas.openxmlformats.org/officeDocument/2006/relationships" xmlns:p="http://schemas.openxmlformats.org/presentationml/2006/main">
   <p:cSld>
     <p:spTree>
@@ -7663,175 +9532,6 @@
       </p:grpSpPr>
       <p:sp>
         <p:nvSpPr>
-          <p:cNvPr id="4098" name="Rectangle 2"/>
-          <p:cNvSpPr>
-            <a:spLocks noGrp="1" noChangeArrowheads="1"/>
-          </p:cNvSpPr>
-          <p:nvPr>
-            <p:ph type="title"/>
-          </p:nvPr>
-        </p:nvSpPr>
-        <p:spPr/>
-        <p:txBody>
-          <a:bodyPr/>
-          <a:lstStyle/>
-          <a:p>
-            <a:pPr algn="ctr" eaLnBrk="1" hangingPunct="1"/>
-            <a:r>
-              <a:rPr lang="zh-TW" altLang="en-US" dirty="0" smtClean="0"/>
-              <a:t>課程大綱</a:t>
-            </a:r>
-          </a:p>
-        </p:txBody>
-      </p:sp>
-      <p:sp>
-        <p:nvSpPr>
-          <p:cNvPr id="4099" name="Rectangle 3"/>
-          <p:cNvSpPr>
-            <a:spLocks noGrp="1" noChangeArrowheads="1"/>
-          </p:cNvSpPr>
-          <p:nvPr>
-            <p:ph idx="1"/>
-          </p:nvPr>
-        </p:nvSpPr>
-        <p:spPr>
-          <a:xfrm>
-            <a:off x="609600" y="1937442"/>
-            <a:ext cx="10972800" cy="4188726"/>
-          </a:xfrm>
-        </p:spPr>
-        <p:txBody>
-          <a:bodyPr/>
-          <a:lstStyle/>
-          <a:p>
-            <a:r>
-              <a:rPr lang="zh-TW" altLang="en-US" smtClean="0"/>
-              <a:t>繪製醫學影像圖形初體驗</a:t>
-            </a:r>
-            <a:endParaRPr lang="en-US" altLang="zh-TW" dirty="0" smtClean="0"/>
-          </a:p>
-          <a:p>
-            <a:pPr eaLnBrk="1" hangingPunct="1"/>
-            <a:endParaRPr lang="en-US" altLang="zh-TW" dirty="0" smtClean="0"/>
-          </a:p>
-          <a:p>
-            <a:pPr eaLnBrk="1" hangingPunct="1"/>
-            <a:r>
-              <a:rPr lang="en-US" altLang="zh-TW" smtClean="0"/>
-              <a:t>DICOM</a:t>
-            </a:r>
-            <a:r>
-              <a:rPr lang="zh-TW" altLang="en-US" smtClean="0"/>
-              <a:t> 圖檔來源</a:t>
-            </a:r>
-            <a:endParaRPr lang="en-US" altLang="zh-TW" dirty="0" smtClean="0"/>
-          </a:p>
-          <a:p>
-            <a:pPr eaLnBrk="1" hangingPunct="1"/>
-            <a:endParaRPr lang="en-US" altLang="zh-TW" dirty="0"/>
-          </a:p>
-          <a:p>
-            <a:pPr eaLnBrk="1" hangingPunct="1"/>
-            <a:r>
-              <a:rPr lang="zh-TW" altLang="en-US" smtClean="0"/>
-              <a:t>安裝及使用 </a:t>
-            </a:r>
-            <a:r>
-              <a:rPr lang="en-US" altLang="zh-TW" smtClean="0"/>
-              <a:t>DICOM</a:t>
-            </a:r>
-            <a:r>
-              <a:rPr lang="zh-TW" altLang="en-US" smtClean="0"/>
-              <a:t> </a:t>
-            </a:r>
-            <a:r>
-              <a:rPr lang="en-US" altLang="zh-TW" smtClean="0"/>
-              <a:t>viewer</a:t>
-            </a:r>
-            <a:endParaRPr lang="en-US" altLang="zh-TW" dirty="0" smtClean="0"/>
-          </a:p>
-          <a:p>
-            <a:pPr eaLnBrk="1" hangingPunct="1"/>
-            <a:endParaRPr lang="en-US" altLang="zh-TW" dirty="0"/>
-          </a:p>
-          <a:p>
-            <a:pPr eaLnBrk="1" hangingPunct="1"/>
-            <a:r>
-              <a:rPr lang="zh-TW" altLang="en-US" smtClean="0"/>
-              <a:t>分析</a:t>
-            </a:r>
-            <a:r>
-              <a:rPr lang="en-US" altLang="zh-TW" smtClean="0"/>
-              <a:t>DICOM</a:t>
-            </a:r>
-            <a:r>
-              <a:rPr lang="zh-TW" altLang="en-US" smtClean="0"/>
-              <a:t> </a:t>
-            </a:r>
-            <a:r>
-              <a:rPr lang="zh-TW" altLang="en-US" b="1" smtClean="0"/>
-              <a:t>影像</a:t>
-            </a:r>
-            <a:r>
-              <a:rPr lang="zh-TW" altLang="en-US" b="1" smtClean="0">
-                <a:solidFill>
-                  <a:srgbClr val="FF0000"/>
-                </a:solidFill>
-                <a:effectLst>
-                  <a:outerShdw blurRad="38100" dist="38100" dir="2700000" algn="tl">
-                    <a:srgbClr val="000000">
-                      <a:alpha val="43137"/>
-                    </a:srgbClr>
-                  </a:outerShdw>
-                </a:effectLst>
-              </a:rPr>
-              <a:t>規格</a:t>
-            </a:r>
-            <a:r>
-              <a:rPr lang="zh-TW" altLang="en-US" smtClean="0"/>
-              <a:t>練習</a:t>
-            </a:r>
-            <a:endParaRPr lang="en-US" altLang="zh-TW" dirty="0" smtClean="0"/>
-          </a:p>
-          <a:p>
-            <a:pPr eaLnBrk="1" hangingPunct="1"/>
-            <a:endParaRPr lang="en-US" altLang="zh-TW" dirty="0"/>
-          </a:p>
-        </p:txBody>
-      </p:sp>
-    </p:spTree>
-    <p:extLst>
-      <p:ext uri="{BB962C8B-B14F-4D97-AF65-F5344CB8AC3E}">
-        <p14:creationId xmlns:p14="http://schemas.microsoft.com/office/powerpoint/2010/main" val="3806295968"/>
-      </p:ext>
-    </p:extLst>
-  </p:cSld>
-  <p:clrMapOvr>
-    <a:masterClrMapping/>
-  </p:clrMapOvr>
-  <p:transition/>
-</p:sld>
-</file>
-
-<file path=ppt/slides/slide20.xml><?xml version="1.0" encoding="utf-8"?>
-<p:sld xmlns:a="http://schemas.openxmlformats.org/drawingml/2006/main" xmlns:r="http://schemas.openxmlformats.org/officeDocument/2006/relationships" xmlns:p="http://schemas.openxmlformats.org/presentationml/2006/main">
-  <p:cSld>
-    <p:spTree>
-      <p:nvGrpSpPr>
-        <p:cNvPr id="1" name=""/>
-        <p:cNvGrpSpPr/>
-        <p:nvPr/>
-      </p:nvGrpSpPr>
-      <p:grpSpPr>
-        <a:xfrm>
-          <a:off x="0" y="0"/>
-          <a:ext cx="0" cy="0"/>
-          <a:chOff x="0" y="0"/>
-          <a:chExt cx="0" cy="0"/>
-        </a:xfrm>
-      </p:grpSpPr>
-      <p:sp>
-        <p:nvSpPr>
           <p:cNvPr id="614402" name="Rectangle 2"/>
           <p:cNvSpPr>
             <a:spLocks noGrp="1" noChangeArrowheads="1"/>
@@ -7891,7 +9591,7 @@
           <a:graphicData uri="http://schemas.openxmlformats.org/presentationml/2006/ole">
             <mc:AlternateContent xmlns:mc="http://schemas.openxmlformats.org/markup-compatibility/2006">
               <mc:Choice xmlns:v="urn:schemas-microsoft-com:vml" Requires="v">
-                <p:oleObj spid="_x0000_s2056" name="文件" r:id="rId3" imgW="5713216" imgH="4487569" progId="Word.Document.8">
+                <p:oleObj spid="_x0000_s2058" name="文件" r:id="rId3" imgW="5713216" imgH="4487569" progId="Word.Document.8">
                   <p:embed/>
                 </p:oleObj>
               </mc:Choice>
@@ -8231,7 +9931,7 @@
 </p:sld>
 </file>
 
-<file path=ppt/slides/slide21.xml><?xml version="1.0" encoding="utf-8"?>
+<file path=ppt/slides/slide26.xml><?xml version="1.0" encoding="utf-8"?>
 <p:sld xmlns:a="http://schemas.openxmlformats.org/drawingml/2006/main" xmlns:r="http://schemas.openxmlformats.org/officeDocument/2006/relationships" xmlns:p="http://schemas.openxmlformats.org/presentationml/2006/main">
   <p:cSld>
     <p:spTree>
@@ -8393,7 +10093,7 @@
 </p:sld>
 </file>
 
-<file path=ppt/slides/slide22.xml><?xml version="1.0" encoding="utf-8"?>
+<file path=ppt/slides/slide27.xml><?xml version="1.0" encoding="utf-8"?>
 <p:sld xmlns:a="http://schemas.openxmlformats.org/drawingml/2006/main" xmlns:r="http://schemas.openxmlformats.org/officeDocument/2006/relationships" xmlns:p="http://schemas.openxmlformats.org/presentationml/2006/main">
   <p:cSld>
     <p:spTree>
@@ -8511,7 +10211,7 @@
 </p:sld>
 </file>
 
-<file path=ppt/slides/slide23.xml><?xml version="1.0" encoding="utf-8"?>
+<file path=ppt/slides/slide28.xml><?xml version="1.0" encoding="utf-8"?>
 <p:sld xmlns:a="http://schemas.openxmlformats.org/drawingml/2006/main" xmlns:r="http://schemas.openxmlformats.org/officeDocument/2006/relationships" xmlns:p="http://schemas.openxmlformats.org/presentationml/2006/main">
   <p:cSld>
     <p:spTree>
@@ -8607,7 +10307,7 @@
 </p:sld>
 </file>
 
-<file path=ppt/slides/slide24.xml><?xml version="1.0" encoding="utf-8"?>
+<file path=ppt/slides/slide29.xml><?xml version="1.0" encoding="utf-8"?>
 <p:sld xmlns:a="http://schemas.openxmlformats.org/drawingml/2006/main" xmlns:r="http://schemas.openxmlformats.org/officeDocument/2006/relationships" xmlns:p="http://schemas.openxmlformats.org/presentationml/2006/main">
   <p:cSld>
     <p:spTree>
@@ -8707,7 +10407,7 @@
 </p:sld>
 </file>
 
-<file path=ppt/slides/slide25.xml><?xml version="1.0" encoding="utf-8"?>
+<file path=ppt/slides/slide3.xml><?xml version="1.0" encoding="utf-8"?>
 <p:sld xmlns:a="http://schemas.openxmlformats.org/drawingml/2006/main" xmlns:r="http://schemas.openxmlformats.org/officeDocument/2006/relationships" xmlns:p="http://schemas.openxmlformats.org/presentationml/2006/main">
   <p:cSld>
     <p:spTree>
@@ -8734,26 +10434,19 @@
             <p:ph type="title"/>
           </p:nvPr>
         </p:nvSpPr>
-        <p:spPr/>
+        <p:spPr>
+          <a:xfrm>
+            <a:off x="689113" y="-73232"/>
+            <a:ext cx="10972800" cy="1143000"/>
+          </a:xfrm>
+        </p:spPr>
         <p:txBody>
           <a:bodyPr/>
           <a:lstStyle/>
           <a:p>
             <a:r>
-              <a:rPr lang="zh-TW" altLang="en-US"/>
-              <a:t>分析</a:t>
-            </a:r>
-            <a:r>
-              <a:rPr lang="en-US" altLang="zh-TW"/>
-              <a:t>DICOM </a:t>
-            </a:r>
-            <a:r>
-              <a:rPr lang="zh-TW" altLang="en-US"/>
-              <a:t>影像規格</a:t>
-            </a:r>
-            <a:r>
-              <a:rPr lang="zh-TW" altLang="en-US" smtClean="0"/>
-              <a:t>練習</a:t>
+              <a:rPr lang="zh-TW" altLang="en-US" smtClean="0"/>
+              <a:t>繪製醫學影像初體驗</a:t>
             </a:r>
             <a:endParaRPr lang="zh-TW" altLang="en-US"/>
           </a:p>
@@ -8769,41 +10462,247 @@
             <p:ph idx="1"/>
           </p:nvPr>
         </p:nvSpPr>
-        <p:spPr/>
+        <p:spPr>
+          <a:xfrm>
+            <a:off x="69575" y="884588"/>
+            <a:ext cx="3617844" cy="2835965"/>
+          </a:xfrm>
+        </p:spPr>
         <p:txBody>
           <a:bodyPr/>
           <a:lstStyle/>
           <a:p>
-            <a:pPr marL="514350" indent="-514350">
-              <a:buFont typeface="+mj-lt"/>
-              <a:buAutoNum type="arabicPeriod"/>
-            </a:pPr>
-            <a:r>
-              <a:rPr lang="zh-TW" altLang="en-US" smtClean="0"/>
-              <a:t>下載一個 </a:t>
+            <a:r>
+              <a:rPr lang="zh-TW" altLang="en-US" smtClean="0"/>
+              <a:t>設定圖片來源</a:t>
+            </a:r>
+            <a:endParaRPr lang="en-US" altLang="zh-TW" smtClean="0"/>
+          </a:p>
+          <a:p>
+            <a:pPr lvl="1"/>
+            <a:r>
+              <a:rPr lang="zh-TW" altLang="en-US" smtClean="0"/>
+              <a:t> </a:t>
             </a:r>
             <a:r>
               <a:rPr lang="en-US" altLang="zh-TW" smtClean="0"/>
-              <a:t>DICOM</a:t>
-            </a:r>
-            <a:r>
-              <a:rPr lang="zh-TW" altLang="en-US" smtClean="0"/>
-              <a:t> 檔</a:t>
+              <a:t>HTTPGetBinaryData</a:t>
+            </a:r>
+            <a:r>
+              <a:rPr lang="en-US" altLang="zh-TW"/>
+              <a:t>("imgDir/US1.dcm"); </a:t>
+            </a:r>
+          </a:p>
+          <a:p>
+            <a:endParaRPr lang="en-US" altLang="zh-TW"/>
+          </a:p>
+        </p:txBody>
+      </p:sp>
+      <p:pic>
+        <p:nvPicPr>
+          <p:cNvPr id="5" name="圖片 4"/>
+          <p:cNvPicPr>
+            <a:picLocks noChangeAspect="1"/>
+          </p:cNvPicPr>
+          <p:nvPr/>
+        </p:nvPicPr>
+        <p:blipFill>
+          <a:blip r:embed="rId2"/>
+          <a:stretch>
+            <a:fillRect/>
+          </a:stretch>
+        </p:blipFill>
+        <p:spPr>
+          <a:xfrm>
+            <a:off x="4010853" y="884588"/>
+            <a:ext cx="7867650" cy="2650785"/>
+          </a:xfrm>
+          <a:prstGeom prst="rect">
+            <a:avLst/>
+          </a:prstGeom>
+        </p:spPr>
+      </p:pic>
+      <p:sp>
+        <p:nvSpPr>
+          <p:cNvPr id="6" name="內容版面配置區 2"/>
+          <p:cNvSpPr txBox="1">
+            <a:spLocks/>
+          </p:cNvSpPr>
+          <p:nvPr/>
+        </p:nvSpPr>
+        <p:spPr>
+          <a:xfrm>
+            <a:off x="0" y="3777230"/>
+            <a:ext cx="12122425" cy="3568143"/>
+          </a:xfrm>
+          <a:prstGeom prst="rect">
+            <a:avLst/>
+          </a:prstGeom>
+        </p:spPr>
+        <p:txBody>
+          <a:bodyPr vert="horz" lIns="91440" tIns="45720" rIns="91440" bIns="45720" rtlCol="0">
+            <a:normAutofit/>
+          </a:bodyPr>
+          <a:lstStyle>
+            <a:lvl1pPr marL="342900" indent="-342900" algn="l" defTabSz="914400" rtl="0" eaLnBrk="1" latinLnBrk="0" hangingPunct="1">
+              <a:spcBef>
+                <a:spcPct val="20000"/>
+              </a:spcBef>
+              <a:buFont typeface="Arial" panose="020B0604020202020204" pitchFamily="34" charset="0"/>
+              <a:buChar char="•"/>
+              <a:defRPr sz="3200" kern="1200">
+                <a:solidFill>
+                  <a:schemeClr val="tx1"/>
+                </a:solidFill>
+                <a:latin typeface="+mn-lt"/>
+                <a:ea typeface="+mn-ea"/>
+                <a:cs typeface="+mn-cs"/>
+              </a:defRPr>
+            </a:lvl1pPr>
+            <a:lvl2pPr marL="742950" indent="-285750" algn="l" defTabSz="914400" rtl="0" eaLnBrk="1" latinLnBrk="0" hangingPunct="1">
+              <a:spcBef>
+                <a:spcPct val="20000"/>
+              </a:spcBef>
+              <a:buFont typeface="Arial" panose="020B0604020202020204" pitchFamily="34" charset="0"/>
+              <a:buChar char="–"/>
+              <a:defRPr sz="2800" kern="1200">
+                <a:solidFill>
+                  <a:schemeClr val="tx1"/>
+                </a:solidFill>
+                <a:latin typeface="+mn-lt"/>
+                <a:ea typeface="+mn-ea"/>
+                <a:cs typeface="+mn-cs"/>
+              </a:defRPr>
+            </a:lvl2pPr>
+            <a:lvl3pPr marL="1143000" indent="-228600" algn="l" defTabSz="914400" rtl="0" eaLnBrk="1" latinLnBrk="0" hangingPunct="1">
+              <a:spcBef>
+                <a:spcPct val="20000"/>
+              </a:spcBef>
+              <a:buFont typeface="Arial" panose="020B0604020202020204" pitchFamily="34" charset="0"/>
+              <a:buChar char="•"/>
+              <a:defRPr sz="2400" kern="1200">
+                <a:solidFill>
+                  <a:schemeClr val="tx1"/>
+                </a:solidFill>
+                <a:latin typeface="+mn-lt"/>
+                <a:ea typeface="+mn-ea"/>
+                <a:cs typeface="+mn-cs"/>
+              </a:defRPr>
+            </a:lvl3pPr>
+            <a:lvl4pPr marL="1600200" indent="-228600" algn="l" defTabSz="914400" rtl="0" eaLnBrk="1" latinLnBrk="0" hangingPunct="1">
+              <a:spcBef>
+                <a:spcPct val="20000"/>
+              </a:spcBef>
+              <a:buFont typeface="Arial" panose="020B0604020202020204" pitchFamily="34" charset="0"/>
+              <a:buChar char="–"/>
+              <a:defRPr sz="2000" kern="1200">
+                <a:solidFill>
+                  <a:schemeClr val="tx1"/>
+                </a:solidFill>
+                <a:latin typeface="+mn-lt"/>
+                <a:ea typeface="+mn-ea"/>
+                <a:cs typeface="+mn-cs"/>
+              </a:defRPr>
+            </a:lvl4pPr>
+            <a:lvl5pPr marL="2057400" indent="-228600" algn="l" defTabSz="914400" rtl="0" eaLnBrk="1" latinLnBrk="0" hangingPunct="1">
+              <a:spcBef>
+                <a:spcPct val="20000"/>
+              </a:spcBef>
+              <a:buFont typeface="Arial" panose="020B0604020202020204" pitchFamily="34" charset="0"/>
+              <a:buChar char="»"/>
+              <a:defRPr sz="2000" kern="1200">
+                <a:solidFill>
+                  <a:schemeClr val="tx1"/>
+                </a:solidFill>
+                <a:latin typeface="+mn-lt"/>
+                <a:ea typeface="+mn-ea"/>
+                <a:cs typeface="+mn-cs"/>
+              </a:defRPr>
+            </a:lvl5pPr>
+            <a:lvl6pPr marL="2514600" indent="-228600" algn="l" defTabSz="914400" rtl="0" eaLnBrk="1" latinLnBrk="0" hangingPunct="1">
+              <a:spcBef>
+                <a:spcPct val="20000"/>
+              </a:spcBef>
+              <a:buFont typeface="Arial" panose="020B0604020202020204" pitchFamily="34" charset="0"/>
+              <a:buChar char="•"/>
+              <a:defRPr sz="2000" kern="1200">
+                <a:solidFill>
+                  <a:schemeClr val="tx1"/>
+                </a:solidFill>
+                <a:latin typeface="+mn-lt"/>
+                <a:ea typeface="+mn-ea"/>
+                <a:cs typeface="+mn-cs"/>
+              </a:defRPr>
+            </a:lvl6pPr>
+            <a:lvl7pPr marL="2971800" indent="-228600" algn="l" defTabSz="914400" rtl="0" eaLnBrk="1" latinLnBrk="0" hangingPunct="1">
+              <a:spcBef>
+                <a:spcPct val="20000"/>
+              </a:spcBef>
+              <a:buFont typeface="Arial" panose="020B0604020202020204" pitchFamily="34" charset="0"/>
+              <a:buChar char="•"/>
+              <a:defRPr sz="2000" kern="1200">
+                <a:solidFill>
+                  <a:schemeClr val="tx1"/>
+                </a:solidFill>
+                <a:latin typeface="+mn-lt"/>
+                <a:ea typeface="+mn-ea"/>
+                <a:cs typeface="+mn-cs"/>
+              </a:defRPr>
+            </a:lvl7pPr>
+            <a:lvl8pPr marL="3429000" indent="-228600" algn="l" defTabSz="914400" rtl="0" eaLnBrk="1" latinLnBrk="0" hangingPunct="1">
+              <a:spcBef>
+                <a:spcPct val="20000"/>
+              </a:spcBef>
+              <a:buFont typeface="Arial" panose="020B0604020202020204" pitchFamily="34" charset="0"/>
+              <a:buChar char="•"/>
+              <a:defRPr sz="2000" kern="1200">
+                <a:solidFill>
+                  <a:schemeClr val="tx1"/>
+                </a:solidFill>
+                <a:latin typeface="+mn-lt"/>
+                <a:ea typeface="+mn-ea"/>
+                <a:cs typeface="+mn-cs"/>
+              </a:defRPr>
+            </a:lvl8pPr>
+            <a:lvl9pPr marL="3886200" indent="-228600" algn="l" defTabSz="914400" rtl="0" eaLnBrk="1" latinLnBrk="0" hangingPunct="1">
+              <a:spcBef>
+                <a:spcPct val="20000"/>
+              </a:spcBef>
+              <a:buFont typeface="Arial" panose="020B0604020202020204" pitchFamily="34" charset="0"/>
+              <a:buChar char="•"/>
+              <a:defRPr sz="2000" kern="1200">
+                <a:solidFill>
+                  <a:schemeClr val="tx1"/>
+                </a:solidFill>
+                <a:latin typeface="+mn-lt"/>
+                <a:ea typeface="+mn-ea"/>
+                <a:cs typeface="+mn-cs"/>
+              </a:defRPr>
+            </a:lvl9pPr>
+          </a:lstStyle>
+          <a:p>
+            <a:r>
+              <a:rPr lang="zh-TW" altLang="en-US" smtClean="0"/>
+              <a:t>設定來源資料陣列</a:t>
             </a:r>
             <a:endParaRPr lang="en-US" altLang="zh-TW" smtClean="0"/>
           </a:p>
           <a:p>
-            <a:pPr marL="514350" indent="-514350">
-              <a:buFont typeface="+mj-lt"/>
-              <a:buAutoNum type="arabicPeriod"/>
-            </a:pPr>
-            <a:r>
-              <a:rPr lang="zh-TW" altLang="en-US" smtClean="0"/>
-              <a:t>使用工具解析 </a:t>
-            </a:r>
+            <a:pPr lvl="1"/>
             <a:r>
               <a:rPr lang="en-US" altLang="zh-TW" smtClean="0"/>
-              <a:t>DICOM</a:t>
+              <a:t>dicomData= DataView(ret);</a:t>
+            </a:r>
+          </a:p>
+          <a:p>
+            <a:pPr lvl="1"/>
+            <a:r>
+              <a:rPr lang="zh-TW" altLang="en-US" smtClean="0"/>
+              <a:t>參考 </a:t>
+            </a:r>
+            <a:r>
+              <a:rPr lang="en-US" altLang="zh-TW" smtClean="0"/>
+              <a:t>JS</a:t>
             </a:r>
             <a:r>
               <a:rPr lang="zh-TW" altLang="en-US" smtClean="0"/>
@@ -8811,108 +10710,39 @@
             </a:r>
             <a:r>
               <a:rPr lang="en-US" altLang="zh-TW" smtClean="0"/>
-              <a:t>tags</a:t>
-            </a:r>
-          </a:p>
-          <a:p>
-            <a:pPr marL="514350" indent="-514350">
-              <a:buFont typeface="+mj-lt"/>
-              <a:buAutoNum type="arabicPeriod"/>
-            </a:pPr>
-            <a:r>
-              <a:rPr lang="zh-TW" altLang="en-US" smtClean="0"/>
-              <a:t>使用 </a:t>
+              <a:t>DataView</a:t>
+            </a:r>
+            <a:r>
+              <a:rPr lang="zh-TW" altLang="en-US" smtClean="0"/>
+              <a:t> 函式</a:t>
+            </a:r>
+            <a:endParaRPr lang="en-US" altLang="zh-TW" smtClean="0"/>
+          </a:p>
+          <a:p>
+            <a:pPr lvl="2"/>
+            <a:r>
+              <a:rPr lang="en-US" altLang="zh-TW"/>
+              <a:t>https://</a:t>
             </a:r>
             <a:r>
               <a:rPr lang="en-US" altLang="zh-TW" smtClean="0"/>
-              <a:t>VS</a:t>
-            </a:r>
-            <a:r>
-              <a:rPr lang="zh-TW" altLang="en-US" smtClean="0"/>
-              <a:t> </a:t>
-            </a:r>
-            <a:r>
-              <a:rPr lang="en-US" altLang="zh-TW" smtClean="0"/>
-              <a:t>code hexDump </a:t>
-            </a:r>
-            <a:r>
-              <a:rPr lang="zh-TW" altLang="en-US" smtClean="0"/>
-              <a:t>推算 </a:t>
-            </a:r>
-            <a:r>
-              <a:rPr lang="en-US" altLang="zh-TW" smtClean="0"/>
-              <a:t>(7feo,0010) </a:t>
-            </a:r>
-            <a:r>
-              <a:rPr lang="zh-TW" altLang="en-US" smtClean="0"/>
-              <a:t>標籤的起始位置</a:t>
-            </a:r>
-            <a:endParaRPr lang="en-US" altLang="zh-TW" smtClean="0"/>
-          </a:p>
-          <a:p>
-            <a:pPr marL="514350" indent="-514350">
-              <a:buFont typeface="+mj-lt"/>
-              <a:buAutoNum type="arabicPeriod"/>
-            </a:pPr>
-            <a:r>
-              <a:rPr lang="zh-TW" altLang="en-US" smtClean="0"/>
-              <a:t>修改影像呈現程式</a:t>
-            </a:r>
-            <a:endParaRPr lang="en-US" altLang="zh-TW" smtClean="0"/>
-          </a:p>
-          <a:p>
-            <a:pPr marL="914400" lvl="1" indent="-514350">
-              <a:buFont typeface="+mj-lt"/>
-              <a:buAutoNum type="arabicPeriod"/>
-            </a:pPr>
-            <a:r>
-              <a:rPr lang="zh-TW" altLang="en-US" smtClean="0"/>
-              <a:t>影像資料來源</a:t>
-            </a:r>
-            <a:endParaRPr lang="en-US" altLang="zh-TW" smtClean="0"/>
-          </a:p>
-          <a:p>
-            <a:pPr marL="914400" lvl="1" indent="-514350">
-              <a:buFont typeface="+mj-lt"/>
-              <a:buAutoNum type="arabicPeriod"/>
-            </a:pPr>
-            <a:r>
-              <a:rPr lang="zh-TW" altLang="en-US" smtClean="0"/>
-              <a:t>影像規格參數</a:t>
-            </a:r>
-            <a:endParaRPr lang="en-US" altLang="zh-TW" smtClean="0"/>
-          </a:p>
-          <a:p>
-            <a:pPr marL="914400" lvl="1" indent="-514350">
-              <a:buFont typeface="+mj-lt"/>
-              <a:buAutoNum type="arabicPeriod"/>
-            </a:pPr>
-            <a:r>
-              <a:rPr lang="zh-TW" altLang="en-US" smtClean="0"/>
-              <a:t>像素起始位置</a:t>
-            </a:r>
-            <a:endParaRPr lang="en-US" altLang="zh-TW" smtClean="0"/>
-          </a:p>
-          <a:p>
-            <a:pPr marL="914400" lvl="1" indent="-514350">
-              <a:buFont typeface="+mj-lt"/>
-              <a:buAutoNum type="arabicPeriod"/>
-            </a:pPr>
-            <a:r>
-              <a:rPr lang="zh-TW" altLang="en-US" smtClean="0"/>
-              <a:t>看看可否恰當呈現下載之影</a:t>
-            </a:r>
-            <a:r>
-              <a:rPr lang="zh-TW" altLang="en-US"/>
-              <a:t>像</a:t>
-            </a:r>
+              <a:t>developer.mozilla.org/zh-TW/docs/Web/JavaScript/Reference/Global_Objects/DataView</a:t>
+            </a:r>
+          </a:p>
+          <a:p>
+            <a:pPr lvl="2"/>
+            <a:r>
+              <a:rPr lang="en-US" altLang="zh-TW"/>
+              <a:t>https://www.puritys.me/docs-blog/article-294-Javascript-%E8%99%95%E7%90%86-Binary-%E8%B3%87%E6%96%99---ArrayBuffer.html</a:t>
+            </a:r>
+            <a:endParaRPr lang="zh-TW" altLang="en-US"/>
           </a:p>
         </p:txBody>
       </p:sp>
     </p:spTree>
     <p:extLst>
       <p:ext uri="{BB962C8B-B14F-4D97-AF65-F5344CB8AC3E}">
-        <p14:creationId xmlns:p14="http://schemas.microsoft.com/office/powerpoint/2010/main" val="3459751674"/>
+        <p14:creationId xmlns:p14="http://schemas.microsoft.com/office/powerpoint/2010/main" val="3066391523"/>
       </p:ext>
     </p:extLst>
   </p:cSld>
@@ -8922,7 +10752,7 @@
 </p:sld>
 </file>
 
-<file path=ppt/slides/slide26.xml><?xml version="1.0" encoding="utf-8"?>
+<file path=ppt/slides/slide30.xml><?xml version="1.0" encoding="utf-8"?>
 <p:sld xmlns:a="http://schemas.openxmlformats.org/drawingml/2006/main" xmlns:r="http://schemas.openxmlformats.org/officeDocument/2006/relationships" xmlns:p="http://schemas.openxmlformats.org/presentationml/2006/main">
   <p:cSld>
     <p:spTree>
@@ -8955,6 +10785,221 @@
           <a:lstStyle/>
           <a:p>
             <a:r>
+              <a:rPr lang="zh-TW" altLang="en-US"/>
+              <a:t>分析</a:t>
+            </a:r>
+            <a:r>
+              <a:rPr lang="en-US" altLang="zh-TW"/>
+              <a:t>DICOM </a:t>
+            </a:r>
+            <a:r>
+              <a:rPr lang="zh-TW" altLang="en-US"/>
+              <a:t>影像規格</a:t>
+            </a:r>
+            <a:r>
+              <a:rPr lang="zh-TW" altLang="en-US" smtClean="0"/>
+              <a:t>練習</a:t>
+            </a:r>
+            <a:endParaRPr lang="zh-TW" altLang="en-US"/>
+          </a:p>
+        </p:txBody>
+      </p:sp>
+      <p:sp>
+        <p:nvSpPr>
+          <p:cNvPr id="3" name="內容版面配置區 2"/>
+          <p:cNvSpPr>
+            <a:spLocks noGrp="1"/>
+          </p:cNvSpPr>
+          <p:nvPr>
+            <p:ph idx="1"/>
+          </p:nvPr>
+        </p:nvSpPr>
+        <p:spPr/>
+        <p:txBody>
+          <a:bodyPr/>
+          <a:lstStyle/>
+          <a:p>
+            <a:pPr marL="514350" indent="-514350">
+              <a:buFont typeface="+mj-lt"/>
+              <a:buAutoNum type="arabicPeriod"/>
+            </a:pPr>
+            <a:r>
+              <a:rPr lang="zh-TW" altLang="en-US" smtClean="0"/>
+              <a:t>下載一個 </a:t>
+            </a:r>
+            <a:r>
+              <a:rPr lang="en-US" altLang="zh-TW" smtClean="0"/>
+              <a:t>DICOM</a:t>
+            </a:r>
+            <a:r>
+              <a:rPr lang="zh-TW" altLang="en-US" smtClean="0"/>
+              <a:t> 檔</a:t>
+            </a:r>
+            <a:endParaRPr lang="en-US" altLang="zh-TW" smtClean="0"/>
+          </a:p>
+          <a:p>
+            <a:pPr marL="514350" indent="-514350">
+              <a:buFont typeface="+mj-lt"/>
+              <a:buAutoNum type="arabicPeriod"/>
+            </a:pPr>
+            <a:r>
+              <a:rPr lang="zh-TW" altLang="en-US" smtClean="0"/>
+              <a:t>使用工具解析 </a:t>
+            </a:r>
+            <a:r>
+              <a:rPr lang="en-US" altLang="zh-TW" smtClean="0"/>
+              <a:t>DICOM</a:t>
+            </a:r>
+            <a:r>
+              <a:rPr lang="zh-TW" altLang="en-US" smtClean="0"/>
+              <a:t> </a:t>
+            </a:r>
+            <a:r>
+              <a:rPr lang="en-US" altLang="zh-TW" smtClean="0"/>
+              <a:t>tags</a:t>
+            </a:r>
+          </a:p>
+          <a:p>
+            <a:pPr marL="514350" indent="-514350">
+              <a:buFont typeface="+mj-lt"/>
+              <a:buAutoNum type="arabicPeriod"/>
+            </a:pPr>
+            <a:r>
+              <a:rPr lang="zh-TW" altLang="en-US" smtClean="0"/>
+              <a:t>使用 </a:t>
+            </a:r>
+            <a:r>
+              <a:rPr lang="en-US" altLang="zh-TW" smtClean="0"/>
+              <a:t>VS</a:t>
+            </a:r>
+            <a:r>
+              <a:rPr lang="zh-TW" altLang="en-US" smtClean="0"/>
+              <a:t> </a:t>
+            </a:r>
+            <a:r>
+              <a:rPr lang="en-US" altLang="zh-TW" smtClean="0"/>
+              <a:t>code hexDump </a:t>
+            </a:r>
+            <a:r>
+              <a:rPr lang="zh-TW" altLang="en-US" smtClean="0"/>
+              <a:t>推算 </a:t>
+            </a:r>
+            <a:r>
+              <a:rPr lang="en-US" altLang="zh-TW" smtClean="0"/>
+              <a:t>(7feo,0010) </a:t>
+            </a:r>
+            <a:r>
+              <a:rPr lang="zh-TW" altLang="en-US" smtClean="0"/>
+              <a:t>標籤的起始位置</a:t>
+            </a:r>
+            <a:endParaRPr lang="en-US" altLang="zh-TW" smtClean="0"/>
+          </a:p>
+          <a:p>
+            <a:pPr marL="514350" indent="-514350">
+              <a:buFont typeface="+mj-lt"/>
+              <a:buAutoNum type="arabicPeriod"/>
+            </a:pPr>
+            <a:r>
+              <a:rPr lang="zh-TW" altLang="en-US" smtClean="0"/>
+              <a:t>修改影像呈現程式</a:t>
+            </a:r>
+            <a:endParaRPr lang="en-US" altLang="zh-TW" smtClean="0"/>
+          </a:p>
+          <a:p>
+            <a:pPr marL="914400" lvl="1" indent="-514350">
+              <a:buFont typeface="+mj-lt"/>
+              <a:buAutoNum type="arabicPeriod"/>
+            </a:pPr>
+            <a:r>
+              <a:rPr lang="zh-TW" altLang="en-US" smtClean="0"/>
+              <a:t>影像資料來源</a:t>
+            </a:r>
+            <a:endParaRPr lang="en-US" altLang="zh-TW" smtClean="0"/>
+          </a:p>
+          <a:p>
+            <a:pPr marL="914400" lvl="1" indent="-514350">
+              <a:buFont typeface="+mj-lt"/>
+              <a:buAutoNum type="arabicPeriod"/>
+            </a:pPr>
+            <a:r>
+              <a:rPr lang="zh-TW" altLang="en-US" smtClean="0"/>
+              <a:t>影像規格參數</a:t>
+            </a:r>
+            <a:endParaRPr lang="en-US" altLang="zh-TW" smtClean="0"/>
+          </a:p>
+          <a:p>
+            <a:pPr marL="914400" lvl="1" indent="-514350">
+              <a:buFont typeface="+mj-lt"/>
+              <a:buAutoNum type="arabicPeriod"/>
+            </a:pPr>
+            <a:r>
+              <a:rPr lang="zh-TW" altLang="en-US" smtClean="0"/>
+              <a:t>像素起始位置</a:t>
+            </a:r>
+            <a:endParaRPr lang="en-US" altLang="zh-TW" smtClean="0"/>
+          </a:p>
+          <a:p>
+            <a:pPr marL="914400" lvl="1" indent="-514350">
+              <a:buFont typeface="+mj-lt"/>
+              <a:buAutoNum type="arabicPeriod"/>
+            </a:pPr>
+            <a:r>
+              <a:rPr lang="zh-TW" altLang="en-US" smtClean="0"/>
+              <a:t>看看可否恰當呈現下載之影</a:t>
+            </a:r>
+            <a:r>
+              <a:rPr lang="zh-TW" altLang="en-US"/>
+              <a:t>像</a:t>
+            </a:r>
+          </a:p>
+        </p:txBody>
+      </p:sp>
+    </p:spTree>
+    <p:extLst>
+      <p:ext uri="{BB962C8B-B14F-4D97-AF65-F5344CB8AC3E}">
+        <p14:creationId xmlns:p14="http://schemas.microsoft.com/office/powerpoint/2010/main" val="3459751674"/>
+      </p:ext>
+    </p:extLst>
+  </p:cSld>
+  <p:clrMapOvr>
+    <a:masterClrMapping/>
+  </p:clrMapOvr>
+</p:sld>
+</file>
+
+<file path=ppt/slides/slide31.xml><?xml version="1.0" encoding="utf-8"?>
+<p:sld xmlns:a="http://schemas.openxmlformats.org/drawingml/2006/main" xmlns:r="http://schemas.openxmlformats.org/officeDocument/2006/relationships" xmlns:p="http://schemas.openxmlformats.org/presentationml/2006/main">
+  <p:cSld>
+    <p:spTree>
+      <p:nvGrpSpPr>
+        <p:cNvPr id="1" name=""/>
+        <p:cNvGrpSpPr/>
+        <p:nvPr/>
+      </p:nvGrpSpPr>
+      <p:grpSpPr>
+        <a:xfrm>
+          <a:off x="0" y="0"/>
+          <a:ext cx="0" cy="0"/>
+          <a:chOff x="0" y="0"/>
+          <a:chExt cx="0" cy="0"/>
+        </a:xfrm>
+      </p:grpSpPr>
+      <p:sp>
+        <p:nvSpPr>
+          <p:cNvPr id="2" name="標題 1"/>
+          <p:cNvSpPr>
+            <a:spLocks noGrp="1"/>
+          </p:cNvSpPr>
+          <p:nvPr>
+            <p:ph type="title"/>
+          </p:nvPr>
+        </p:nvSpPr>
+        <p:spPr/>
+        <p:txBody>
+          <a:bodyPr/>
+          <a:lstStyle/>
+          <a:p>
+            <a:r>
               <a:rPr lang="zh-TW" altLang="en-US" smtClean="0"/>
               <a:t>影像縮放、平移大挑戰</a:t>
             </a:r>
@@ -9080,7 +11125,7 @@
 </p:sld>
 </file>
 
-<file path=ppt/slides/slide27.xml><?xml version="1.0" encoding="utf-8"?>
+<file path=ppt/slides/slide32.xml><?xml version="1.0" encoding="utf-8"?>
 <p:sld xmlns:a="http://schemas.openxmlformats.org/drawingml/2006/main" xmlns:r="http://schemas.openxmlformats.org/officeDocument/2006/relationships" xmlns:p="http://schemas.openxmlformats.org/presentationml/2006/main">
   <p:cSld>
     <p:spTree>
@@ -9207,7 +11252,7 @@
 </p:sld>
 </file>
 
-<file path=ppt/slides/slide28.xml><?xml version="1.0" encoding="utf-8"?>
+<file path=ppt/slides/slide33.xml><?xml version="1.0" encoding="utf-8"?>
 <p:sld xmlns:a="http://schemas.openxmlformats.org/drawingml/2006/main" xmlns:r="http://schemas.openxmlformats.org/officeDocument/2006/relationships" xmlns:p="http://schemas.openxmlformats.org/presentationml/2006/main">
   <p:cSld>
     <p:spTree>
@@ -9274,351 +11319,6 @@
     <p:extLst>
       <p:ext uri="{BB962C8B-B14F-4D97-AF65-F5344CB8AC3E}">
         <p14:creationId xmlns:p14="http://schemas.microsoft.com/office/powerpoint/2010/main" val="1033038311"/>
-      </p:ext>
-    </p:extLst>
-  </p:cSld>
-  <p:clrMapOvr>
-    <a:masterClrMapping/>
-  </p:clrMapOvr>
-</p:sld>
-</file>
-
-<file path=ppt/slides/slide3.xml><?xml version="1.0" encoding="utf-8"?>
-<p:sld xmlns:a="http://schemas.openxmlformats.org/drawingml/2006/main" xmlns:r="http://schemas.openxmlformats.org/officeDocument/2006/relationships" xmlns:p="http://schemas.openxmlformats.org/presentationml/2006/main">
-  <p:cSld>
-    <p:spTree>
-      <p:nvGrpSpPr>
-        <p:cNvPr id="1" name=""/>
-        <p:cNvGrpSpPr/>
-        <p:nvPr/>
-      </p:nvGrpSpPr>
-      <p:grpSpPr>
-        <a:xfrm>
-          <a:off x="0" y="0"/>
-          <a:ext cx="0" cy="0"/>
-          <a:chOff x="0" y="0"/>
-          <a:chExt cx="0" cy="0"/>
-        </a:xfrm>
-      </p:grpSpPr>
-      <p:sp>
-        <p:nvSpPr>
-          <p:cNvPr id="2" name="標題 1"/>
-          <p:cNvSpPr>
-            <a:spLocks noGrp="1"/>
-          </p:cNvSpPr>
-          <p:nvPr>
-            <p:ph type="title"/>
-          </p:nvPr>
-        </p:nvSpPr>
-        <p:spPr>
-          <a:xfrm>
-            <a:off x="689113" y="-73232"/>
-            <a:ext cx="10972800" cy="1143000"/>
-          </a:xfrm>
-        </p:spPr>
-        <p:txBody>
-          <a:bodyPr/>
-          <a:lstStyle/>
-          <a:p>
-            <a:r>
-              <a:rPr lang="zh-TW" altLang="en-US" smtClean="0"/>
-              <a:t>繪製醫學影像初體驗</a:t>
-            </a:r>
-            <a:endParaRPr lang="zh-TW" altLang="en-US"/>
-          </a:p>
-        </p:txBody>
-      </p:sp>
-      <p:sp>
-        <p:nvSpPr>
-          <p:cNvPr id="3" name="內容版面配置區 2"/>
-          <p:cNvSpPr>
-            <a:spLocks noGrp="1"/>
-          </p:cNvSpPr>
-          <p:nvPr>
-            <p:ph idx="1"/>
-          </p:nvPr>
-        </p:nvSpPr>
-        <p:spPr>
-          <a:xfrm>
-            <a:off x="69575" y="884588"/>
-            <a:ext cx="3617844" cy="2835965"/>
-          </a:xfrm>
-        </p:spPr>
-        <p:txBody>
-          <a:bodyPr/>
-          <a:lstStyle/>
-          <a:p>
-            <a:r>
-              <a:rPr lang="zh-TW" altLang="en-US" smtClean="0"/>
-              <a:t>設定圖片來源</a:t>
-            </a:r>
-            <a:endParaRPr lang="en-US" altLang="zh-TW" smtClean="0"/>
-          </a:p>
-          <a:p>
-            <a:pPr lvl="1"/>
-            <a:r>
-              <a:rPr lang="zh-TW" altLang="en-US" smtClean="0"/>
-              <a:t> </a:t>
-            </a:r>
-            <a:r>
-              <a:rPr lang="en-US" altLang="zh-TW" smtClean="0"/>
-              <a:t>HTTPGetBinaryData</a:t>
-            </a:r>
-            <a:r>
-              <a:rPr lang="en-US" altLang="zh-TW"/>
-              <a:t>("imgDir/US1.dcm"); </a:t>
-            </a:r>
-          </a:p>
-          <a:p>
-            <a:endParaRPr lang="en-US" altLang="zh-TW"/>
-          </a:p>
-        </p:txBody>
-      </p:sp>
-      <p:pic>
-        <p:nvPicPr>
-          <p:cNvPr id="5" name="圖片 4"/>
-          <p:cNvPicPr>
-            <a:picLocks noChangeAspect="1"/>
-          </p:cNvPicPr>
-          <p:nvPr/>
-        </p:nvPicPr>
-        <p:blipFill>
-          <a:blip r:embed="rId2"/>
-          <a:stretch>
-            <a:fillRect/>
-          </a:stretch>
-        </p:blipFill>
-        <p:spPr>
-          <a:xfrm>
-            <a:off x="4010853" y="884588"/>
-            <a:ext cx="7867650" cy="2650785"/>
-          </a:xfrm>
-          <a:prstGeom prst="rect">
-            <a:avLst/>
-          </a:prstGeom>
-        </p:spPr>
-      </p:pic>
-      <p:sp>
-        <p:nvSpPr>
-          <p:cNvPr id="6" name="內容版面配置區 2"/>
-          <p:cNvSpPr txBox="1">
-            <a:spLocks/>
-          </p:cNvSpPr>
-          <p:nvPr/>
-        </p:nvSpPr>
-        <p:spPr>
-          <a:xfrm>
-            <a:off x="0" y="3777230"/>
-            <a:ext cx="12122425" cy="3568143"/>
-          </a:xfrm>
-          <a:prstGeom prst="rect">
-            <a:avLst/>
-          </a:prstGeom>
-        </p:spPr>
-        <p:txBody>
-          <a:bodyPr vert="horz" lIns="91440" tIns="45720" rIns="91440" bIns="45720" rtlCol="0">
-            <a:normAutofit/>
-          </a:bodyPr>
-          <a:lstStyle>
-            <a:lvl1pPr marL="342900" indent="-342900" algn="l" defTabSz="914400" rtl="0" eaLnBrk="1" latinLnBrk="0" hangingPunct="1">
-              <a:spcBef>
-                <a:spcPct val="20000"/>
-              </a:spcBef>
-              <a:buFont typeface="Arial" panose="020B0604020202020204" pitchFamily="34" charset="0"/>
-              <a:buChar char="•"/>
-              <a:defRPr sz="3200" kern="1200">
-                <a:solidFill>
-                  <a:schemeClr val="tx1"/>
-                </a:solidFill>
-                <a:latin typeface="+mn-lt"/>
-                <a:ea typeface="+mn-ea"/>
-                <a:cs typeface="+mn-cs"/>
-              </a:defRPr>
-            </a:lvl1pPr>
-            <a:lvl2pPr marL="742950" indent="-285750" algn="l" defTabSz="914400" rtl="0" eaLnBrk="1" latinLnBrk="0" hangingPunct="1">
-              <a:spcBef>
-                <a:spcPct val="20000"/>
-              </a:spcBef>
-              <a:buFont typeface="Arial" panose="020B0604020202020204" pitchFamily="34" charset="0"/>
-              <a:buChar char="–"/>
-              <a:defRPr sz="2800" kern="1200">
-                <a:solidFill>
-                  <a:schemeClr val="tx1"/>
-                </a:solidFill>
-                <a:latin typeface="+mn-lt"/>
-                <a:ea typeface="+mn-ea"/>
-                <a:cs typeface="+mn-cs"/>
-              </a:defRPr>
-            </a:lvl2pPr>
-            <a:lvl3pPr marL="1143000" indent="-228600" algn="l" defTabSz="914400" rtl="0" eaLnBrk="1" latinLnBrk="0" hangingPunct="1">
-              <a:spcBef>
-                <a:spcPct val="20000"/>
-              </a:spcBef>
-              <a:buFont typeface="Arial" panose="020B0604020202020204" pitchFamily="34" charset="0"/>
-              <a:buChar char="•"/>
-              <a:defRPr sz="2400" kern="1200">
-                <a:solidFill>
-                  <a:schemeClr val="tx1"/>
-                </a:solidFill>
-                <a:latin typeface="+mn-lt"/>
-                <a:ea typeface="+mn-ea"/>
-                <a:cs typeface="+mn-cs"/>
-              </a:defRPr>
-            </a:lvl3pPr>
-            <a:lvl4pPr marL="1600200" indent="-228600" algn="l" defTabSz="914400" rtl="0" eaLnBrk="1" latinLnBrk="0" hangingPunct="1">
-              <a:spcBef>
-                <a:spcPct val="20000"/>
-              </a:spcBef>
-              <a:buFont typeface="Arial" panose="020B0604020202020204" pitchFamily="34" charset="0"/>
-              <a:buChar char="–"/>
-              <a:defRPr sz="2000" kern="1200">
-                <a:solidFill>
-                  <a:schemeClr val="tx1"/>
-                </a:solidFill>
-                <a:latin typeface="+mn-lt"/>
-                <a:ea typeface="+mn-ea"/>
-                <a:cs typeface="+mn-cs"/>
-              </a:defRPr>
-            </a:lvl4pPr>
-            <a:lvl5pPr marL="2057400" indent="-228600" algn="l" defTabSz="914400" rtl="0" eaLnBrk="1" latinLnBrk="0" hangingPunct="1">
-              <a:spcBef>
-                <a:spcPct val="20000"/>
-              </a:spcBef>
-              <a:buFont typeface="Arial" panose="020B0604020202020204" pitchFamily="34" charset="0"/>
-              <a:buChar char="»"/>
-              <a:defRPr sz="2000" kern="1200">
-                <a:solidFill>
-                  <a:schemeClr val="tx1"/>
-                </a:solidFill>
-                <a:latin typeface="+mn-lt"/>
-                <a:ea typeface="+mn-ea"/>
-                <a:cs typeface="+mn-cs"/>
-              </a:defRPr>
-            </a:lvl5pPr>
-            <a:lvl6pPr marL="2514600" indent="-228600" algn="l" defTabSz="914400" rtl="0" eaLnBrk="1" latinLnBrk="0" hangingPunct="1">
-              <a:spcBef>
-                <a:spcPct val="20000"/>
-              </a:spcBef>
-              <a:buFont typeface="Arial" panose="020B0604020202020204" pitchFamily="34" charset="0"/>
-              <a:buChar char="•"/>
-              <a:defRPr sz="2000" kern="1200">
-                <a:solidFill>
-                  <a:schemeClr val="tx1"/>
-                </a:solidFill>
-                <a:latin typeface="+mn-lt"/>
-                <a:ea typeface="+mn-ea"/>
-                <a:cs typeface="+mn-cs"/>
-              </a:defRPr>
-            </a:lvl6pPr>
-            <a:lvl7pPr marL="2971800" indent="-228600" algn="l" defTabSz="914400" rtl="0" eaLnBrk="1" latinLnBrk="0" hangingPunct="1">
-              <a:spcBef>
-                <a:spcPct val="20000"/>
-              </a:spcBef>
-              <a:buFont typeface="Arial" panose="020B0604020202020204" pitchFamily="34" charset="0"/>
-              <a:buChar char="•"/>
-              <a:defRPr sz="2000" kern="1200">
-                <a:solidFill>
-                  <a:schemeClr val="tx1"/>
-                </a:solidFill>
-                <a:latin typeface="+mn-lt"/>
-                <a:ea typeface="+mn-ea"/>
-                <a:cs typeface="+mn-cs"/>
-              </a:defRPr>
-            </a:lvl7pPr>
-            <a:lvl8pPr marL="3429000" indent="-228600" algn="l" defTabSz="914400" rtl="0" eaLnBrk="1" latinLnBrk="0" hangingPunct="1">
-              <a:spcBef>
-                <a:spcPct val="20000"/>
-              </a:spcBef>
-              <a:buFont typeface="Arial" panose="020B0604020202020204" pitchFamily="34" charset="0"/>
-              <a:buChar char="•"/>
-              <a:defRPr sz="2000" kern="1200">
-                <a:solidFill>
-                  <a:schemeClr val="tx1"/>
-                </a:solidFill>
-                <a:latin typeface="+mn-lt"/>
-                <a:ea typeface="+mn-ea"/>
-                <a:cs typeface="+mn-cs"/>
-              </a:defRPr>
-            </a:lvl8pPr>
-            <a:lvl9pPr marL="3886200" indent="-228600" algn="l" defTabSz="914400" rtl="0" eaLnBrk="1" latinLnBrk="0" hangingPunct="1">
-              <a:spcBef>
-                <a:spcPct val="20000"/>
-              </a:spcBef>
-              <a:buFont typeface="Arial" panose="020B0604020202020204" pitchFamily="34" charset="0"/>
-              <a:buChar char="•"/>
-              <a:defRPr sz="2000" kern="1200">
-                <a:solidFill>
-                  <a:schemeClr val="tx1"/>
-                </a:solidFill>
-                <a:latin typeface="+mn-lt"/>
-                <a:ea typeface="+mn-ea"/>
-                <a:cs typeface="+mn-cs"/>
-              </a:defRPr>
-            </a:lvl9pPr>
-          </a:lstStyle>
-          <a:p>
-            <a:r>
-              <a:rPr lang="zh-TW" altLang="en-US" smtClean="0"/>
-              <a:t>設定來源資料陣列</a:t>
-            </a:r>
-            <a:endParaRPr lang="en-US" altLang="zh-TW" smtClean="0"/>
-          </a:p>
-          <a:p>
-            <a:pPr lvl="1"/>
-            <a:r>
-              <a:rPr lang="en-US" altLang="zh-TW" smtClean="0"/>
-              <a:t>dicomData= DataView(ret);</a:t>
-            </a:r>
-          </a:p>
-          <a:p>
-            <a:pPr lvl="1"/>
-            <a:r>
-              <a:rPr lang="zh-TW" altLang="en-US" smtClean="0"/>
-              <a:t>參考 </a:t>
-            </a:r>
-            <a:r>
-              <a:rPr lang="en-US" altLang="zh-TW" smtClean="0"/>
-              <a:t>JS</a:t>
-            </a:r>
-            <a:r>
-              <a:rPr lang="zh-TW" altLang="en-US" smtClean="0"/>
-              <a:t> </a:t>
-            </a:r>
-            <a:r>
-              <a:rPr lang="en-US" altLang="zh-TW" smtClean="0"/>
-              <a:t>DataView</a:t>
-            </a:r>
-            <a:r>
-              <a:rPr lang="zh-TW" altLang="en-US" smtClean="0"/>
-              <a:t> 函式</a:t>
-            </a:r>
-            <a:endParaRPr lang="en-US" altLang="zh-TW" smtClean="0"/>
-          </a:p>
-          <a:p>
-            <a:pPr lvl="2"/>
-            <a:r>
-              <a:rPr lang="en-US" altLang="zh-TW"/>
-              <a:t>https://</a:t>
-            </a:r>
-            <a:r>
-              <a:rPr lang="en-US" altLang="zh-TW" smtClean="0"/>
-              <a:t>developer.mozilla.org/zh-TW/docs/Web/JavaScript/Reference/Global_Objects/DataView</a:t>
-            </a:r>
-          </a:p>
-          <a:p>
-            <a:pPr lvl="2"/>
-            <a:r>
-              <a:rPr lang="en-US" altLang="zh-TW"/>
-              <a:t>https://www.puritys.me/docs-blog/article-294-Javascript-%E8%99%95%E7%90%86-Binary-%E8%B3%87%E6%96%99---ArrayBuffer.html</a:t>
-            </a:r>
-            <a:endParaRPr lang="zh-TW" altLang="en-US"/>
-          </a:p>
-        </p:txBody>
-      </p:sp>
-    </p:spTree>
-    <p:extLst>
-      <p:ext uri="{BB962C8B-B14F-4D97-AF65-F5344CB8AC3E}">
-        <p14:creationId xmlns:p14="http://schemas.microsoft.com/office/powerpoint/2010/main" val="3066391523"/>
       </p:ext>
     </p:extLst>
   </p:cSld>

--- a/DrawDICOM1.pptx
+++ b/DrawDICOM1.pptx
@@ -5,7 +5,7 @@
     <p:sldMasterId id="2147483661" r:id="rId1"/>
   </p:sldMasterIdLst>
   <p:notesMasterIdLst>
-    <p:notesMasterId r:id="rId35"/>
+    <p:notesMasterId r:id="rId43"/>
   </p:notesMasterIdLst>
   <p:sldIdLst>
     <p:sldId id="256" r:id="rId2"/>
@@ -14,7 +14,7 @@
     <p:sldId id="345" r:id="rId5"/>
     <p:sldId id="347" r:id="rId6"/>
     <p:sldId id="349" r:id="rId7"/>
-    <p:sldId id="348" r:id="rId8"/>
+    <p:sldId id="375" r:id="rId8"/>
     <p:sldId id="346" r:id="rId9"/>
     <p:sldId id="350" r:id="rId10"/>
     <p:sldId id="337" r:id="rId11"/>
@@ -25,27 +25,35 @@
     <p:sldId id="371" r:id="rId16"/>
     <p:sldId id="372" r:id="rId17"/>
     <p:sldId id="373" r:id="rId18"/>
-    <p:sldId id="374" r:id="rId19"/>
-    <p:sldId id="356" r:id="rId20"/>
-    <p:sldId id="357" r:id="rId21"/>
-    <p:sldId id="358" r:id="rId22"/>
-    <p:sldId id="359" r:id="rId23"/>
-    <p:sldId id="360" r:id="rId24"/>
-    <p:sldId id="361" r:id="rId25"/>
-    <p:sldId id="362" r:id="rId26"/>
-    <p:sldId id="363" r:id="rId27"/>
-    <p:sldId id="364" r:id="rId28"/>
-    <p:sldId id="352" r:id="rId29"/>
-    <p:sldId id="365" r:id="rId30"/>
-    <p:sldId id="366" r:id="rId31"/>
-    <p:sldId id="367" r:id="rId32"/>
-    <p:sldId id="368" r:id="rId33"/>
-    <p:sldId id="369" r:id="rId34"/>
+    <p:sldId id="387" r:id="rId19"/>
+    <p:sldId id="422" r:id="rId20"/>
+    <p:sldId id="424" r:id="rId21"/>
+    <p:sldId id="374" r:id="rId22"/>
+    <p:sldId id="356" r:id="rId23"/>
+    <p:sldId id="357" r:id="rId24"/>
+    <p:sldId id="358" r:id="rId25"/>
+    <p:sldId id="359" r:id="rId26"/>
+    <p:sldId id="360" r:id="rId27"/>
+    <p:sldId id="361" r:id="rId28"/>
+    <p:sldId id="362" r:id="rId29"/>
+    <p:sldId id="363" r:id="rId30"/>
+    <p:sldId id="364" r:id="rId31"/>
+    <p:sldId id="352" r:id="rId32"/>
+    <p:sldId id="365" r:id="rId33"/>
+    <p:sldId id="426" r:id="rId34"/>
+    <p:sldId id="393" r:id="rId35"/>
+    <p:sldId id="812" r:id="rId36"/>
+    <p:sldId id="809" r:id="rId37"/>
+    <p:sldId id="366" r:id="rId38"/>
+    <p:sldId id="425" r:id="rId39"/>
+    <p:sldId id="367" r:id="rId40"/>
+    <p:sldId id="368" r:id="rId41"/>
+    <p:sldId id="369" r:id="rId42"/>
   </p:sldIdLst>
   <p:sldSz cx="12192000" cy="6858000"/>
   <p:notesSz cx="6858000" cy="9144000"/>
   <p:custDataLst>
-    <p:tags r:id="rId36"/>
+    <p:tags r:id="rId44"/>
   </p:custDataLst>
   <p:defaultTextStyle>
     <a:defPPr>
@@ -243,7 +251,7 @@
           <a:p>
             <a:fld id="{FD30E971-D1D3-4B0D-B02A-F36757F13815}" type="datetimeFigureOut">
               <a:rPr lang="zh-TW" altLang="en-US" smtClean="0"/>
-              <a:t>2020/3/22</a:t>
+              <a:t>2021/4/9</a:t>
             </a:fld>
             <a:endParaRPr lang="zh-TW" altLang="en-US"/>
           </a:p>
@@ -307,38 +315,37 @@
           <a:p>
             <a:pPr lvl="0"/>
             <a:r>
-              <a:rPr lang="zh-TW" altLang="en-US" smtClean="0"/>
+              <a:rPr lang="zh-TW" altLang="en-US"/>
               <a:t>按一下以編輯母片文字樣式</a:t>
             </a:r>
           </a:p>
           <a:p>
             <a:pPr lvl="1"/>
             <a:r>
-              <a:rPr lang="zh-TW" altLang="en-US" smtClean="0"/>
+              <a:rPr lang="zh-TW" altLang="en-US"/>
               <a:t>第二層</a:t>
             </a:r>
           </a:p>
           <a:p>
             <a:pPr lvl="2"/>
             <a:r>
-              <a:rPr lang="zh-TW" altLang="en-US" smtClean="0"/>
+              <a:rPr lang="zh-TW" altLang="en-US"/>
               <a:t>第三層</a:t>
             </a:r>
           </a:p>
           <a:p>
             <a:pPr lvl="3"/>
             <a:r>
-              <a:rPr lang="zh-TW" altLang="en-US" smtClean="0"/>
+              <a:rPr lang="zh-TW" altLang="en-US"/>
               <a:t>第四層</a:t>
             </a:r>
           </a:p>
           <a:p>
             <a:pPr lvl="4"/>
             <a:r>
-              <a:rPr lang="zh-TW" altLang="en-US" smtClean="0"/>
+              <a:rPr lang="zh-TW" altLang="en-US"/>
               <a:t>第五層</a:t>
             </a:r>
-            <a:endParaRPr lang="zh-TW" altLang="en-US"/>
           </a:p>
         </p:txBody>
       </p:sp>
@@ -548,7 +555,7 @@
             <a:fld id="{A2EFE1B4-FBC5-4E0B-804A-9B830061DD0A}" type="slidenum">
               <a:rPr lang="zh-TW" altLang="en-US"/>
               <a:pPr/>
-              <a:t>20</a:t>
+              <a:t>23</a:t>
             </a:fld>
             <a:endParaRPr lang="en-US" altLang="zh-TW"/>
           </a:p>
@@ -638,10 +645,9 @@
           <a:lstStyle/>
           <a:p>
             <a:r>
-              <a:rPr lang="zh-TW" altLang="en-US" smtClean="0"/>
+              <a:rPr lang="zh-TW" altLang="en-US"/>
               <a:t>按一下以編輯母片標題樣式</a:t>
             </a:r>
-            <a:endParaRPr lang="zh-TW" altLang="en-US"/>
           </a:p>
         </p:txBody>
       </p:sp>
@@ -757,10 +763,9 @@
           </a:lstStyle>
           <a:p>
             <a:r>
-              <a:rPr lang="zh-TW" altLang="en-US" smtClean="0"/>
+              <a:rPr lang="zh-TW" altLang="en-US"/>
               <a:t>按一下以編輯母片副標題樣式</a:t>
             </a:r>
-            <a:endParaRPr lang="zh-TW" altLang="en-US"/>
           </a:p>
         </p:txBody>
       </p:sp>
@@ -782,7 +787,7 @@
             <a:fld id="{BB12B589-21DE-46A2-AF91-CC043ECE94FC}" type="datetimeFigureOut">
               <a:rPr lang="zh-CN" altLang="en-US" smtClean="0"/>
               <a:pPr/>
-              <a:t>2020/3/22</a:t>
+              <a:t>2021/4/9</a:t>
             </a:fld>
             <a:endParaRPr lang="zh-CN" altLang="en-US"/>
           </a:p>
@@ -877,10 +882,9 @@
           <a:lstStyle/>
           <a:p>
             <a:r>
-              <a:rPr lang="zh-TW" altLang="en-US" smtClean="0"/>
+              <a:rPr lang="zh-TW" altLang="en-US"/>
               <a:t>按一下以編輯母片標題樣式</a:t>
             </a:r>
-            <a:endParaRPr lang="zh-TW" altLang="en-US"/>
           </a:p>
         </p:txBody>
       </p:sp>
@@ -901,38 +905,37 @@
           <a:p>
             <a:pPr lvl="0"/>
             <a:r>
-              <a:rPr lang="zh-TW" altLang="en-US" smtClean="0"/>
+              <a:rPr lang="zh-TW" altLang="en-US"/>
               <a:t>按一下以編輯母片文字樣式</a:t>
             </a:r>
           </a:p>
           <a:p>
             <a:pPr lvl="1"/>
             <a:r>
-              <a:rPr lang="zh-TW" altLang="en-US" smtClean="0"/>
+              <a:rPr lang="zh-TW" altLang="en-US"/>
               <a:t>第二層</a:t>
             </a:r>
           </a:p>
           <a:p>
             <a:pPr lvl="2"/>
             <a:r>
-              <a:rPr lang="zh-TW" altLang="en-US" smtClean="0"/>
+              <a:rPr lang="zh-TW" altLang="en-US"/>
               <a:t>第三層</a:t>
             </a:r>
           </a:p>
           <a:p>
             <a:pPr lvl="3"/>
             <a:r>
-              <a:rPr lang="zh-TW" altLang="en-US" smtClean="0"/>
+              <a:rPr lang="zh-TW" altLang="en-US"/>
               <a:t>第四層</a:t>
             </a:r>
           </a:p>
           <a:p>
             <a:pPr lvl="4"/>
             <a:r>
-              <a:rPr lang="zh-TW" altLang="en-US" smtClean="0"/>
+              <a:rPr lang="zh-TW" altLang="en-US"/>
               <a:t>第五層</a:t>
             </a:r>
-            <a:endParaRPr lang="zh-TW" altLang="en-US"/>
           </a:p>
         </p:txBody>
       </p:sp>
@@ -954,7 +957,7 @@
             <a:fld id="{BB12B589-21DE-46A2-AF91-CC043ECE94FC}" type="datetimeFigureOut">
               <a:rPr lang="zh-CN" altLang="en-US" smtClean="0"/>
               <a:pPr/>
-              <a:t>2020/3/22</a:t>
+              <a:t>2021/4/9</a:t>
             </a:fld>
             <a:endParaRPr lang="zh-CN" altLang="en-US"/>
           </a:p>
@@ -1054,10 +1057,9 @@
           <a:lstStyle/>
           <a:p>
             <a:r>
-              <a:rPr lang="zh-TW" altLang="en-US" smtClean="0"/>
+              <a:rPr lang="zh-TW" altLang="en-US"/>
               <a:t>按一下以編輯母片標題樣式</a:t>
             </a:r>
-            <a:endParaRPr lang="zh-TW" altLang="en-US"/>
           </a:p>
         </p:txBody>
       </p:sp>
@@ -1083,38 +1085,37 @@
           <a:p>
             <a:pPr lvl="0"/>
             <a:r>
-              <a:rPr lang="zh-TW" altLang="en-US" smtClean="0"/>
+              <a:rPr lang="zh-TW" altLang="en-US"/>
               <a:t>按一下以編輯母片文字樣式</a:t>
             </a:r>
           </a:p>
           <a:p>
             <a:pPr lvl="1"/>
             <a:r>
-              <a:rPr lang="zh-TW" altLang="en-US" smtClean="0"/>
+              <a:rPr lang="zh-TW" altLang="en-US"/>
               <a:t>第二層</a:t>
             </a:r>
           </a:p>
           <a:p>
             <a:pPr lvl="2"/>
             <a:r>
-              <a:rPr lang="zh-TW" altLang="en-US" smtClean="0"/>
+              <a:rPr lang="zh-TW" altLang="en-US"/>
               <a:t>第三層</a:t>
             </a:r>
           </a:p>
           <a:p>
             <a:pPr lvl="3"/>
             <a:r>
-              <a:rPr lang="zh-TW" altLang="en-US" smtClean="0"/>
+              <a:rPr lang="zh-TW" altLang="en-US"/>
               <a:t>第四層</a:t>
             </a:r>
           </a:p>
           <a:p>
             <a:pPr lvl="4"/>
             <a:r>
-              <a:rPr lang="zh-TW" altLang="en-US" smtClean="0"/>
+              <a:rPr lang="zh-TW" altLang="en-US"/>
               <a:t>第五層</a:t>
             </a:r>
-            <a:endParaRPr lang="zh-TW" altLang="en-US"/>
           </a:p>
         </p:txBody>
       </p:sp>
@@ -1136,7 +1137,7 @@
             <a:fld id="{BB12B589-21DE-46A2-AF91-CC043ECE94FC}" type="datetimeFigureOut">
               <a:rPr lang="zh-CN" altLang="en-US" smtClean="0"/>
               <a:pPr/>
-              <a:t>2020/3/22</a:t>
+              <a:t>2021/4/9</a:t>
             </a:fld>
             <a:endParaRPr lang="zh-CN" altLang="en-US"/>
           </a:p>
@@ -1231,10 +1232,9 @@
           <a:lstStyle/>
           <a:p>
             <a:r>
-              <a:rPr lang="zh-TW" altLang="en-US" smtClean="0"/>
+              <a:rPr lang="zh-TW" altLang="en-US"/>
               <a:t>按一下以編輯母片標題樣式</a:t>
             </a:r>
-            <a:endParaRPr lang="zh-TW" altLang="en-US"/>
           </a:p>
         </p:txBody>
       </p:sp>
@@ -1255,38 +1255,37 @@
           <a:p>
             <a:pPr lvl="0"/>
             <a:r>
-              <a:rPr lang="zh-TW" altLang="en-US" smtClean="0"/>
+              <a:rPr lang="zh-TW" altLang="en-US"/>
               <a:t>按一下以編輯母片文字樣式</a:t>
             </a:r>
           </a:p>
           <a:p>
             <a:pPr lvl="1"/>
             <a:r>
-              <a:rPr lang="zh-TW" altLang="en-US" smtClean="0"/>
+              <a:rPr lang="zh-TW" altLang="en-US"/>
               <a:t>第二層</a:t>
             </a:r>
           </a:p>
           <a:p>
             <a:pPr lvl="2"/>
             <a:r>
-              <a:rPr lang="zh-TW" altLang="en-US" smtClean="0"/>
+              <a:rPr lang="zh-TW" altLang="en-US"/>
               <a:t>第三層</a:t>
             </a:r>
           </a:p>
           <a:p>
             <a:pPr lvl="3"/>
             <a:r>
-              <a:rPr lang="zh-TW" altLang="en-US" smtClean="0"/>
+              <a:rPr lang="zh-TW" altLang="en-US"/>
               <a:t>第四層</a:t>
             </a:r>
           </a:p>
           <a:p>
             <a:pPr lvl="4"/>
             <a:r>
-              <a:rPr lang="zh-TW" altLang="en-US" smtClean="0"/>
+              <a:rPr lang="zh-TW" altLang="en-US"/>
               <a:t>第五層</a:t>
             </a:r>
-            <a:endParaRPr lang="zh-TW" altLang="en-US"/>
           </a:p>
         </p:txBody>
       </p:sp>
@@ -1308,7 +1307,7 @@
             <a:fld id="{BB12B589-21DE-46A2-AF91-CC043ECE94FC}" type="datetimeFigureOut">
               <a:rPr lang="zh-CN" altLang="en-US" smtClean="0"/>
               <a:pPr/>
-              <a:t>2020/3/22</a:t>
+              <a:t>2021/4/9</a:t>
             </a:fld>
             <a:endParaRPr lang="zh-CN" altLang="en-US"/>
           </a:p>
@@ -1412,10 +1411,9 @@
           </a:lstStyle>
           <a:p>
             <a:r>
-              <a:rPr lang="zh-TW" altLang="en-US" smtClean="0"/>
+              <a:rPr lang="zh-TW" altLang="en-US"/>
               <a:t>按一下以編輯母片標題樣式</a:t>
             </a:r>
-            <a:endParaRPr lang="zh-TW" altLang="en-US"/>
           </a:p>
         </p:txBody>
       </p:sp>
@@ -1532,7 +1530,7 @@
           <a:p>
             <a:pPr lvl="0"/>
             <a:r>
-              <a:rPr lang="zh-TW" altLang="en-US" smtClean="0"/>
+              <a:rPr lang="zh-TW" altLang="en-US"/>
               <a:t>按一下以編輯母片文字樣式</a:t>
             </a:r>
           </a:p>
@@ -1556,7 +1554,7 @@
             <a:fld id="{BB12B589-21DE-46A2-AF91-CC043ECE94FC}" type="datetimeFigureOut">
               <a:rPr lang="zh-CN" altLang="en-US" smtClean="0"/>
               <a:pPr/>
-              <a:t>2020/3/22</a:t>
+              <a:t>2021/4/9</a:t>
             </a:fld>
             <a:endParaRPr lang="zh-CN" altLang="en-US"/>
           </a:p>
@@ -1651,10 +1649,9 @@
           <a:lstStyle/>
           <a:p>
             <a:r>
-              <a:rPr lang="zh-TW" altLang="en-US" smtClean="0"/>
+              <a:rPr lang="zh-TW" altLang="en-US"/>
               <a:t>按一下以編輯母片標題樣式</a:t>
             </a:r>
-            <a:endParaRPr lang="zh-TW" altLang="en-US"/>
           </a:p>
         </p:txBody>
       </p:sp>
@@ -1708,38 +1705,37 @@
           <a:p>
             <a:pPr lvl="0"/>
             <a:r>
-              <a:rPr lang="zh-TW" altLang="en-US" smtClean="0"/>
+              <a:rPr lang="zh-TW" altLang="en-US"/>
               <a:t>按一下以編輯母片文字樣式</a:t>
             </a:r>
           </a:p>
           <a:p>
             <a:pPr lvl="1"/>
             <a:r>
-              <a:rPr lang="zh-TW" altLang="en-US" smtClean="0"/>
+              <a:rPr lang="zh-TW" altLang="en-US"/>
               <a:t>第二層</a:t>
             </a:r>
           </a:p>
           <a:p>
             <a:pPr lvl="2"/>
             <a:r>
-              <a:rPr lang="zh-TW" altLang="en-US" smtClean="0"/>
+              <a:rPr lang="zh-TW" altLang="en-US"/>
               <a:t>第三層</a:t>
             </a:r>
           </a:p>
           <a:p>
             <a:pPr lvl="3"/>
             <a:r>
-              <a:rPr lang="zh-TW" altLang="en-US" smtClean="0"/>
+              <a:rPr lang="zh-TW" altLang="en-US"/>
               <a:t>第四層</a:t>
             </a:r>
           </a:p>
           <a:p>
             <a:pPr lvl="4"/>
             <a:r>
-              <a:rPr lang="zh-TW" altLang="en-US" smtClean="0"/>
+              <a:rPr lang="zh-TW" altLang="en-US"/>
               <a:t>第五層</a:t>
             </a:r>
-            <a:endParaRPr lang="zh-TW" altLang="en-US"/>
           </a:p>
         </p:txBody>
       </p:sp>
@@ -1793,38 +1789,37 @@
           <a:p>
             <a:pPr lvl="0"/>
             <a:r>
-              <a:rPr lang="zh-TW" altLang="en-US" smtClean="0"/>
+              <a:rPr lang="zh-TW" altLang="en-US"/>
               <a:t>按一下以編輯母片文字樣式</a:t>
             </a:r>
           </a:p>
           <a:p>
             <a:pPr lvl="1"/>
             <a:r>
-              <a:rPr lang="zh-TW" altLang="en-US" smtClean="0"/>
+              <a:rPr lang="zh-TW" altLang="en-US"/>
               <a:t>第二層</a:t>
             </a:r>
           </a:p>
           <a:p>
             <a:pPr lvl="2"/>
             <a:r>
-              <a:rPr lang="zh-TW" altLang="en-US" smtClean="0"/>
+              <a:rPr lang="zh-TW" altLang="en-US"/>
               <a:t>第三層</a:t>
             </a:r>
           </a:p>
           <a:p>
             <a:pPr lvl="3"/>
             <a:r>
-              <a:rPr lang="zh-TW" altLang="en-US" smtClean="0"/>
+              <a:rPr lang="zh-TW" altLang="en-US"/>
               <a:t>第四層</a:t>
             </a:r>
           </a:p>
           <a:p>
             <a:pPr lvl="4"/>
             <a:r>
-              <a:rPr lang="zh-TW" altLang="en-US" smtClean="0"/>
+              <a:rPr lang="zh-TW" altLang="en-US"/>
               <a:t>第五層</a:t>
             </a:r>
-            <a:endParaRPr lang="zh-TW" altLang="en-US"/>
           </a:p>
         </p:txBody>
       </p:sp>
@@ -1846,7 +1841,7 @@
             <a:fld id="{BB12B589-21DE-46A2-AF91-CC043ECE94FC}" type="datetimeFigureOut">
               <a:rPr lang="zh-CN" altLang="en-US" smtClean="0"/>
               <a:pPr/>
-              <a:t>2020/3/22</a:t>
+              <a:t>2021/4/9</a:t>
             </a:fld>
             <a:endParaRPr lang="zh-CN" altLang="en-US"/>
           </a:p>
@@ -1950,10 +1945,9 @@
           </a:lstStyle>
           <a:p>
             <a:r>
-              <a:rPr lang="zh-TW" altLang="en-US" smtClean="0"/>
+              <a:rPr lang="zh-TW" altLang="en-US"/>
               <a:t>按一下以編輯母片標題樣式</a:t>
             </a:r>
-            <a:endParaRPr lang="zh-TW" altLang="en-US"/>
           </a:p>
         </p:txBody>
       </p:sp>
@@ -2016,7 +2010,7 @@
           <a:p>
             <a:pPr lvl="0"/>
             <a:r>
-              <a:rPr lang="zh-TW" altLang="en-US" smtClean="0"/>
+              <a:rPr lang="zh-TW" altLang="en-US"/>
               <a:t>按一下以編輯母片文字樣式</a:t>
             </a:r>
           </a:p>
@@ -2072,38 +2066,37 @@
           <a:p>
             <a:pPr lvl="0"/>
             <a:r>
-              <a:rPr lang="zh-TW" altLang="en-US" smtClean="0"/>
+              <a:rPr lang="zh-TW" altLang="en-US"/>
               <a:t>按一下以編輯母片文字樣式</a:t>
             </a:r>
           </a:p>
           <a:p>
             <a:pPr lvl="1"/>
             <a:r>
-              <a:rPr lang="zh-TW" altLang="en-US" smtClean="0"/>
+              <a:rPr lang="zh-TW" altLang="en-US"/>
               <a:t>第二層</a:t>
             </a:r>
           </a:p>
           <a:p>
             <a:pPr lvl="2"/>
             <a:r>
-              <a:rPr lang="zh-TW" altLang="en-US" smtClean="0"/>
+              <a:rPr lang="zh-TW" altLang="en-US"/>
               <a:t>第三層</a:t>
             </a:r>
           </a:p>
           <a:p>
             <a:pPr lvl="3"/>
             <a:r>
-              <a:rPr lang="zh-TW" altLang="en-US" smtClean="0"/>
+              <a:rPr lang="zh-TW" altLang="en-US"/>
               <a:t>第四層</a:t>
             </a:r>
           </a:p>
           <a:p>
             <a:pPr lvl="4"/>
             <a:r>
-              <a:rPr lang="zh-TW" altLang="en-US" smtClean="0"/>
+              <a:rPr lang="zh-TW" altLang="en-US"/>
               <a:t>第五層</a:t>
             </a:r>
-            <a:endParaRPr lang="zh-TW" altLang="en-US"/>
           </a:p>
         </p:txBody>
       </p:sp>
@@ -2166,7 +2159,7 @@
           <a:p>
             <a:pPr lvl="0"/>
             <a:r>
-              <a:rPr lang="zh-TW" altLang="en-US" smtClean="0"/>
+              <a:rPr lang="zh-TW" altLang="en-US"/>
               <a:t>按一下以編輯母片文字樣式</a:t>
             </a:r>
           </a:p>
@@ -2222,38 +2215,37 @@
           <a:p>
             <a:pPr lvl="0"/>
             <a:r>
-              <a:rPr lang="zh-TW" altLang="en-US" smtClean="0"/>
+              <a:rPr lang="zh-TW" altLang="en-US"/>
               <a:t>按一下以編輯母片文字樣式</a:t>
             </a:r>
           </a:p>
           <a:p>
             <a:pPr lvl="1"/>
             <a:r>
-              <a:rPr lang="zh-TW" altLang="en-US" smtClean="0"/>
+              <a:rPr lang="zh-TW" altLang="en-US"/>
               <a:t>第二層</a:t>
             </a:r>
           </a:p>
           <a:p>
             <a:pPr lvl="2"/>
             <a:r>
-              <a:rPr lang="zh-TW" altLang="en-US" smtClean="0"/>
+              <a:rPr lang="zh-TW" altLang="en-US"/>
               <a:t>第三層</a:t>
             </a:r>
           </a:p>
           <a:p>
             <a:pPr lvl="3"/>
             <a:r>
-              <a:rPr lang="zh-TW" altLang="en-US" smtClean="0"/>
+              <a:rPr lang="zh-TW" altLang="en-US"/>
               <a:t>第四層</a:t>
             </a:r>
           </a:p>
           <a:p>
             <a:pPr lvl="4"/>
             <a:r>
-              <a:rPr lang="zh-TW" altLang="en-US" smtClean="0"/>
+              <a:rPr lang="zh-TW" altLang="en-US"/>
               <a:t>第五層</a:t>
             </a:r>
-            <a:endParaRPr lang="zh-TW" altLang="en-US"/>
           </a:p>
         </p:txBody>
       </p:sp>
@@ -2275,7 +2267,7 @@
             <a:fld id="{BB12B589-21DE-46A2-AF91-CC043ECE94FC}" type="datetimeFigureOut">
               <a:rPr lang="zh-CN" altLang="en-US" smtClean="0"/>
               <a:pPr/>
-              <a:t>2020/3/22</a:t>
+              <a:t>2021/4/9</a:t>
             </a:fld>
             <a:endParaRPr lang="zh-CN" altLang="en-US"/>
           </a:p>
@@ -2370,10 +2362,9 @@
           <a:lstStyle/>
           <a:p>
             <a:r>
-              <a:rPr lang="zh-TW" altLang="en-US" smtClean="0"/>
+              <a:rPr lang="zh-TW" altLang="en-US"/>
               <a:t>按一下以編輯母片標題樣式</a:t>
             </a:r>
-            <a:endParaRPr lang="zh-TW" altLang="en-US"/>
           </a:p>
         </p:txBody>
       </p:sp>
@@ -2395,7 +2386,7 @@
             <a:fld id="{BB12B589-21DE-46A2-AF91-CC043ECE94FC}" type="datetimeFigureOut">
               <a:rPr lang="zh-CN" altLang="en-US" smtClean="0"/>
               <a:pPr/>
-              <a:t>2020/3/22</a:t>
+              <a:t>2021/4/9</a:t>
             </a:fld>
             <a:endParaRPr lang="zh-CN" altLang="en-US"/>
           </a:p>
@@ -2492,7 +2483,7 @@
             <a:fld id="{BB12B589-21DE-46A2-AF91-CC043ECE94FC}" type="datetimeFigureOut">
               <a:rPr lang="zh-CN" altLang="en-US" smtClean="0"/>
               <a:pPr/>
-              <a:t>2020/3/22</a:t>
+              <a:t>2021/4/9</a:t>
             </a:fld>
             <a:endParaRPr lang="zh-CN" altLang="en-US"/>
           </a:p>
@@ -2596,10 +2587,9 @@
           </a:lstStyle>
           <a:p>
             <a:r>
-              <a:rPr lang="zh-TW" altLang="en-US" smtClean="0"/>
+              <a:rPr lang="zh-TW" altLang="en-US"/>
               <a:t>按一下以編輯母片標題樣式</a:t>
             </a:r>
-            <a:endParaRPr lang="zh-TW" altLang="en-US"/>
           </a:p>
         </p:txBody>
       </p:sp>
@@ -2653,38 +2643,37 @@
           <a:p>
             <a:pPr lvl="0"/>
             <a:r>
-              <a:rPr lang="zh-TW" altLang="en-US" smtClean="0"/>
+              <a:rPr lang="zh-TW" altLang="en-US"/>
               <a:t>按一下以編輯母片文字樣式</a:t>
             </a:r>
           </a:p>
           <a:p>
             <a:pPr lvl="1"/>
             <a:r>
-              <a:rPr lang="zh-TW" altLang="en-US" smtClean="0"/>
+              <a:rPr lang="zh-TW" altLang="en-US"/>
               <a:t>第二層</a:t>
             </a:r>
           </a:p>
           <a:p>
             <a:pPr lvl="2"/>
             <a:r>
-              <a:rPr lang="zh-TW" altLang="en-US" smtClean="0"/>
+              <a:rPr lang="zh-TW" altLang="en-US"/>
               <a:t>第三層</a:t>
             </a:r>
           </a:p>
           <a:p>
             <a:pPr lvl="3"/>
             <a:r>
-              <a:rPr lang="zh-TW" altLang="en-US" smtClean="0"/>
+              <a:rPr lang="zh-TW" altLang="en-US"/>
               <a:t>第四層</a:t>
             </a:r>
           </a:p>
           <a:p>
             <a:pPr lvl="4"/>
             <a:r>
-              <a:rPr lang="zh-TW" altLang="en-US" smtClean="0"/>
+              <a:rPr lang="zh-TW" altLang="en-US"/>
               <a:t>第五層</a:t>
             </a:r>
-            <a:endParaRPr lang="zh-TW" altLang="en-US"/>
           </a:p>
         </p:txBody>
       </p:sp>
@@ -2747,7 +2736,7 @@
           <a:p>
             <a:pPr lvl="0"/>
             <a:r>
-              <a:rPr lang="zh-TW" altLang="en-US" smtClean="0"/>
+              <a:rPr lang="zh-TW" altLang="en-US"/>
               <a:t>按一下以編輯母片文字樣式</a:t>
             </a:r>
           </a:p>
@@ -2771,7 +2760,7 @@
             <a:fld id="{BB12B589-21DE-46A2-AF91-CC043ECE94FC}" type="datetimeFigureOut">
               <a:rPr lang="zh-CN" altLang="en-US" smtClean="0"/>
               <a:pPr/>
-              <a:t>2020/3/22</a:t>
+              <a:t>2021/4/9</a:t>
             </a:fld>
             <a:endParaRPr lang="zh-CN" altLang="en-US"/>
           </a:p>
@@ -2875,10 +2864,9 @@
           </a:lstStyle>
           <a:p>
             <a:r>
-              <a:rPr lang="zh-TW" altLang="en-US" smtClean="0"/>
+              <a:rPr lang="zh-TW" altLang="en-US"/>
               <a:t>按一下以編輯母片標題樣式</a:t>
             </a:r>
-            <a:endParaRPr lang="zh-TW" altLang="en-US"/>
           </a:p>
         </p:txBody>
       </p:sp>
@@ -3002,7 +2990,7 @@
           <a:p>
             <a:pPr lvl="0"/>
             <a:r>
-              <a:rPr lang="zh-TW" altLang="en-US" smtClean="0"/>
+              <a:rPr lang="zh-TW" altLang="en-US"/>
               <a:t>按一下以編輯母片文字樣式</a:t>
             </a:r>
           </a:p>
@@ -3026,7 +3014,7 @@
             <a:fld id="{BB12B589-21DE-46A2-AF91-CC043ECE94FC}" type="datetimeFigureOut">
               <a:rPr lang="zh-CN" altLang="en-US" smtClean="0"/>
               <a:pPr/>
-              <a:t>2020/3/22</a:t>
+              <a:t>2021/4/9</a:t>
             </a:fld>
             <a:endParaRPr lang="zh-CN" altLang="en-US"/>
           </a:p>
@@ -3136,10 +3124,9 @@
           <a:lstStyle/>
           <a:p>
             <a:r>
-              <a:rPr lang="zh-TW" altLang="en-US" smtClean="0"/>
+              <a:rPr lang="zh-TW" altLang="en-US"/>
               <a:t>按一下以編輯母片標題樣式</a:t>
             </a:r>
-            <a:endParaRPr lang="zh-TW" altLang="en-US"/>
           </a:p>
         </p:txBody>
       </p:sp>
@@ -3170,38 +3157,37 @@
           <a:p>
             <a:pPr lvl="0"/>
             <a:r>
-              <a:rPr lang="zh-TW" altLang="en-US" smtClean="0"/>
+              <a:rPr lang="zh-TW" altLang="en-US"/>
               <a:t>按一下以編輯母片文字樣式</a:t>
             </a:r>
           </a:p>
           <a:p>
             <a:pPr lvl="1"/>
             <a:r>
-              <a:rPr lang="zh-TW" altLang="en-US" smtClean="0"/>
+              <a:rPr lang="zh-TW" altLang="en-US"/>
               <a:t>第二層</a:t>
             </a:r>
           </a:p>
           <a:p>
             <a:pPr lvl="2"/>
             <a:r>
-              <a:rPr lang="zh-TW" altLang="en-US" smtClean="0"/>
+              <a:rPr lang="zh-TW" altLang="en-US"/>
               <a:t>第三層</a:t>
             </a:r>
           </a:p>
           <a:p>
             <a:pPr lvl="3"/>
             <a:r>
-              <a:rPr lang="zh-TW" altLang="en-US" smtClean="0"/>
+              <a:rPr lang="zh-TW" altLang="en-US"/>
               <a:t>第四層</a:t>
             </a:r>
           </a:p>
           <a:p>
             <a:pPr lvl="4"/>
             <a:r>
-              <a:rPr lang="zh-TW" altLang="en-US" smtClean="0"/>
+              <a:rPr lang="zh-TW" altLang="en-US"/>
               <a:t>第五層</a:t>
             </a:r>
-            <a:endParaRPr lang="zh-TW" altLang="en-US"/>
           </a:p>
         </p:txBody>
       </p:sp>
@@ -3241,7 +3227,7 @@
             <a:fld id="{BB12B589-21DE-46A2-AF91-CC043ECE94FC}" type="datetimeFigureOut">
               <a:rPr lang="zh-CN" altLang="en-US" smtClean="0"/>
               <a:pPr/>
-              <a:t>2020/3/22</a:t>
+              <a:t>2021/4/9</a:t>
             </a:fld>
             <a:endParaRPr lang="zh-CN" altLang="en-US"/>
           </a:p>
@@ -3712,22 +3698,18 @@
             <a:pPr algn="ctr"/>
             <a:r>
               <a:rPr lang="en-US" altLang="zh-TW" sz="4800" b="1"/>
-              <a:t>Getting Started with JS </a:t>
-            </a:r>
-            <a:r>
-              <a:rPr lang="en-US" altLang="zh-TW" sz="4800" b="1" smtClean="0"/>
-              <a:t>draw DICOM</a:t>
-            </a:r>
-            <a:endParaRPr lang="en-US" altLang="zh-TW" sz="4800" b="1" dirty="0" smtClean="0"/>
+              <a:t>Getting Started with JS draw DICOM</a:t>
+            </a:r>
+            <a:endParaRPr lang="en-US" altLang="zh-TW" sz="4800" b="1" dirty="0"/>
           </a:p>
           <a:p>
             <a:pPr algn="ctr"/>
             <a:r>
-              <a:rPr lang="en-US" altLang="zh-TW" sz="4800" b="1" smtClean="0"/>
+              <a:rPr lang="en-US" altLang="zh-TW" sz="4800" b="1"/>
               <a:t>JS </a:t>
             </a:r>
             <a:r>
-              <a:rPr lang="zh-TW" altLang="en-US" sz="4800" b="1" smtClean="0"/>
+              <a:rPr lang="zh-TW" altLang="en-US" sz="4800" b="1"/>
               <a:t>繪製醫學影像初體驗</a:t>
             </a:r>
             <a:endParaRPr lang="zh-CN" altLang="en-US" sz="4800" dirty="0"/>
@@ -3919,13 +3901,6 @@
   <p:clrMapOvr>
     <a:masterClrMapping/>
   </p:clrMapOvr>
-  <p:timing>
-    <p:tnLst>
-      <p:par>
-        <p:cTn id="1" dur="indefinite" restart="never" nodeType="tmRoot"/>
-      </p:par>
-    </p:tnLst>
-  </p:timing>
 </p:sld>
 </file>
 
@@ -4002,22 +3977,21 @@
           <a:lstStyle/>
           <a:p>
             <a:r>
-              <a:rPr lang="en-US" altLang="zh-TW" smtClean="0"/>
+              <a:rPr lang="en-US" altLang="zh-TW"/>
               <a:t>hexDump </a:t>
             </a:r>
             <a:r>
-              <a:rPr lang="zh-TW" altLang="en-US" smtClean="0"/>
+              <a:rPr lang="zh-TW" altLang="en-US"/>
               <a:t>看 </a:t>
             </a:r>
             <a:r>
-              <a:rPr lang="en-US" altLang="zh-TW" smtClean="0"/>
+              <a:rPr lang="en-US" altLang="zh-TW"/>
               <a:t>DCM</a:t>
             </a:r>
             <a:r>
-              <a:rPr lang="zh-TW" altLang="en-US" smtClean="0"/>
+              <a:rPr lang="zh-TW" altLang="en-US"/>
               <a:t> 檔</a:t>
             </a:r>
-            <a:endParaRPr lang="zh-TW" altLang="en-US"/>
           </a:p>
         </p:txBody>
       </p:sp>
@@ -4096,10 +4070,9 @@
           <a:lstStyle/>
           <a:p>
             <a:r>
-              <a:rPr lang="zh-TW" altLang="en-US" smtClean="0"/>
+              <a:rPr lang="zh-TW" altLang="en-US"/>
               <a:t>呈現醫學影像所需參數</a:t>
             </a:r>
-            <a:endParaRPr lang="zh-TW" altLang="en-US"/>
           </a:p>
         </p:txBody>
       </p:sp>
@@ -4124,20 +4097,12 @@
           <a:lstStyle/>
           <a:p>
             <a:r>
-              <a:rPr lang="en-US" altLang="zh-TW" smtClean="0">
+              <a:rPr lang="en-US" altLang="zh-TW">
                 <a:solidFill>
                   <a:srgbClr val="FF0000"/>
                 </a:solidFill>
               </a:rPr>
-              <a:t>(</a:t>
-            </a:r>
-            <a:r>
-              <a:rPr lang="en-US" altLang="zh-TW">
-                <a:solidFill>
-                  <a:srgbClr val="FF0000"/>
-                </a:solidFill>
-              </a:rPr>
-              <a:t>0028,0002) US SamplesPerPixel = 3</a:t>
+              <a:t>(0028,0002) US SamplesPerPixel = 3</a:t>
             </a:r>
           </a:p>
           <a:p>
@@ -4148,20 +4113,12 @@
           </a:p>
           <a:p>
             <a:r>
-              <a:rPr lang="en-US" altLang="zh-TW" smtClean="0">
+              <a:rPr lang="en-US" altLang="zh-TW">
                 <a:solidFill>
                   <a:srgbClr val="FF0000"/>
                 </a:solidFill>
               </a:rPr>
-              <a:t>(</a:t>
-            </a:r>
-            <a:r>
-              <a:rPr lang="en-US" altLang="zh-TW">
-                <a:solidFill>
-                  <a:srgbClr val="FF0000"/>
-                </a:solidFill>
-              </a:rPr>
-              <a:t>0028,0010) US Rows = 486</a:t>
+              <a:t>(0028,0010) US Rows = 486</a:t>
             </a:r>
           </a:p>
           <a:p>
@@ -4282,10 +4239,9 @@
           <a:lstStyle/>
           <a:p>
             <a:r>
-              <a:rPr lang="zh-TW" altLang="en-US" smtClean="0"/>
+              <a:rPr lang="zh-TW" altLang="en-US"/>
               <a:t>呈現醫學影像所需參數</a:t>
             </a:r>
-            <a:endParaRPr lang="zh-TW" altLang="en-US"/>
           </a:p>
         </p:txBody>
       </p:sp>
@@ -4310,14 +4266,13 @@
           <a:lstStyle/>
           <a:p>
             <a:r>
-              <a:rPr lang="en-US" altLang="zh-TW" smtClean="0"/>
+              <a:rPr lang="en-US" altLang="zh-TW"/>
               <a:t>CT_A </a:t>
             </a:r>
             <a:r>
-              <a:rPr lang="zh-TW" altLang="en-US" smtClean="0"/>
+              <a:rPr lang="zh-TW" altLang="en-US"/>
               <a:t>之繪圖相關參數</a:t>
             </a:r>
-            <a:endParaRPr lang="zh-TW" altLang="en-US"/>
           </a:p>
         </p:txBody>
       </p:sp>
@@ -4391,14 +4346,13 @@
           <a:lstStyle/>
           <a:p>
             <a:r>
-              <a:rPr lang="en-US" altLang="zh-TW" smtClean="0"/>
+              <a:rPr lang="en-US" altLang="zh-TW"/>
               <a:t>DICOM</a:t>
             </a:r>
             <a:r>
-              <a:rPr lang="zh-TW" altLang="en-US" smtClean="0"/>
+              <a:rPr lang="zh-TW" altLang="en-US"/>
               <a:t>　影像資料起始位置推算</a:t>
             </a:r>
-            <a:endParaRPr lang="zh-TW" altLang="en-US"/>
           </a:p>
         </p:txBody>
       </p:sp>
@@ -4418,35 +4372,35 @@
           <a:lstStyle/>
           <a:p>
             <a:r>
-              <a:rPr lang="zh-TW" altLang="en-US" smtClean="0"/>
+              <a:rPr lang="zh-TW" altLang="en-US"/>
               <a:t>下列標籤包含像素資料</a:t>
             </a:r>
-            <a:endParaRPr lang="en-US" altLang="zh-TW" smtClean="0"/>
+            <a:endParaRPr lang="en-US" altLang="zh-TW"/>
           </a:p>
           <a:p>
             <a:pPr lvl="1"/>
             <a:r>
-              <a:rPr lang="en-US" altLang="zh-TW" smtClean="0"/>
-              <a:t>(</a:t>
-            </a:r>
-            <a:r>
               <a:rPr lang="en-US" altLang="zh-TW"/>
-              <a:t>7FE0,0010) OW PixelData = &lt;binary data of length: 524288</a:t>
-            </a:r>
-            <a:r>
-              <a:rPr lang="en-US" altLang="zh-TW" smtClean="0"/>
-              <a:t>&gt;</a:t>
+              <a:t>(7FE0,0010) OW PixelData = &lt;binary data of length: 524288&gt;</a:t>
             </a:r>
           </a:p>
           <a:p>
             <a:pPr lvl="1"/>
             <a:r>
-              <a:rPr lang="zh-TW" altLang="en-US" smtClean="0">
+              <a:rPr lang="zh-TW" altLang="en-US">
                 <a:solidFill>
                   <a:srgbClr val="FF0000"/>
                 </a:solidFill>
               </a:rPr>
-              <a:t>標籤之</a:t>
+              <a:t>標籤之後第幾個 </a:t>
+            </a:r>
+            <a:r>
+              <a:rPr lang="en-US" altLang="zh-TW">
+                <a:solidFill>
+                  <a:srgbClr val="FF0000"/>
+                </a:solidFill>
+              </a:rPr>
+              <a:t>byte</a:t>
             </a:r>
             <a:r>
               <a:rPr lang="zh-TW" altLang="en-US">
@@ -4454,34 +4408,10 @@
                   <a:srgbClr val="FF0000"/>
                 </a:solidFill>
               </a:rPr>
-              <a:t>後</a:t>
-            </a:r>
-            <a:r>
-              <a:rPr lang="zh-TW" altLang="en-US" smtClean="0">
-                <a:solidFill>
-                  <a:srgbClr val="FF0000"/>
-                </a:solidFill>
-              </a:rPr>
-              <a:t>第幾個 </a:t>
-            </a:r>
-            <a:r>
-              <a:rPr lang="en-US" altLang="zh-TW" smtClean="0">
-                <a:solidFill>
-                  <a:srgbClr val="FF0000"/>
-                </a:solidFill>
-              </a:rPr>
-              <a:t>byte</a:t>
-            </a:r>
-            <a:r>
-              <a:rPr lang="zh-TW" altLang="en-US" smtClean="0">
-                <a:solidFill>
-                  <a:srgbClr val="FF0000"/>
-                </a:solidFill>
-              </a:rPr>
               <a:t> 為像素資料</a:t>
             </a:r>
             <a:r>
-              <a:rPr lang="en-US" altLang="zh-TW" smtClean="0">
+              <a:rPr lang="en-US" altLang="zh-TW">
                 <a:solidFill>
                   <a:srgbClr val="FF0000"/>
                 </a:solidFill>
@@ -4548,18 +4478,14 @@
             <a:pPr algn="ctr" eaLnBrk="1" hangingPunct="1"/>
             <a:r>
               <a:rPr lang="zh-TW" altLang="en-US" dirty="0"/>
-              <a:t>程式</a:t>
-            </a:r>
-            <a:r>
-              <a:rPr lang="zh-TW" altLang="en-US" dirty="0" smtClean="0"/>
-              <a:t>顯示 </a:t>
-            </a:r>
-            <a:r>
-              <a:rPr lang="en-US" altLang="zh-TW" dirty="0" smtClean="0"/>
+              <a:t>程式顯示 </a:t>
+            </a:r>
+            <a:r>
+              <a:rPr lang="en-US" altLang="zh-TW" dirty="0"/>
               <a:t>DICOM </a:t>
             </a:r>
             <a:r>
-              <a:rPr lang="zh-TW" altLang="en-US" dirty="0" smtClean="0"/>
+              <a:rPr lang="zh-TW" altLang="en-US" dirty="0"/>
               <a:t>影像的步驟</a:t>
             </a:r>
           </a:p>
@@ -4593,25 +4519,25 @@
               </a:lnSpc>
             </a:pPr>
             <a:r>
-              <a:rPr lang="zh-TW" altLang="en-US" sz="2800" dirty="0" smtClean="0">
+              <a:rPr lang="zh-TW" altLang="en-US" sz="2800" dirty="0">
                 <a:latin typeface="+mn-ea"/>
               </a:rPr>
               <a:t>讀取 </a:t>
             </a:r>
             <a:r>
-              <a:rPr lang="en-US" altLang="zh-TW" sz="2800" dirty="0" smtClean="0">
+              <a:rPr lang="en-US" altLang="zh-TW" sz="2800" dirty="0">
                 <a:latin typeface="+mn-ea"/>
               </a:rPr>
               <a:t>DICOM </a:t>
             </a:r>
             <a:r>
-              <a:rPr lang="zh-TW" altLang="en-US" sz="2800" dirty="0" smtClean="0">
+              <a:rPr lang="zh-TW" altLang="en-US" sz="2800" dirty="0">
                 <a:latin typeface="+mn-ea"/>
               </a:rPr>
               <a:t>物件影像的格式相關參數</a:t>
             </a:r>
             <a:r>
-              <a:rPr lang="en-US" altLang="zh-TW" sz="2800" dirty="0" smtClean="0">
+              <a:rPr lang="en-US" altLang="zh-TW" sz="2800" dirty="0">
                 <a:latin typeface="+mn-ea"/>
               </a:rPr>
               <a:t>(Image Pixel Module)</a:t>
@@ -4624,13 +4550,13 @@
               </a:lnSpc>
             </a:pPr>
             <a:r>
-              <a:rPr lang="en-US" altLang="zh-TW" sz="2400" dirty="0" smtClean="0">
+              <a:rPr lang="en-US" altLang="zh-TW" sz="2400" dirty="0">
                 <a:latin typeface="+mn-ea"/>
               </a:rPr>
               <a:t> </a:t>
             </a:r>
             <a:r>
-              <a:rPr lang="zh-TW" altLang="en-US" sz="2400" dirty="0" smtClean="0">
+              <a:rPr lang="zh-TW" altLang="en-US" sz="2400" dirty="0">
                 <a:latin typeface="+mn-ea"/>
               </a:rPr>
               <a:t>判斷影像格式</a:t>
@@ -4643,25 +4569,25 @@
               </a:lnSpc>
             </a:pPr>
             <a:r>
-              <a:rPr lang="zh-TW" altLang="en-US" sz="2200" dirty="0" smtClean="0">
+              <a:rPr lang="zh-TW" altLang="en-US" sz="2200" dirty="0">
                 <a:latin typeface="+mn-ea"/>
               </a:rPr>
               <a:t>單色或彩色</a:t>
             </a:r>
             <a:r>
-              <a:rPr lang="en-US" altLang="zh-TW" sz="2200" dirty="0" smtClean="0">
+              <a:rPr lang="en-US" altLang="zh-TW" sz="2200" dirty="0">
                 <a:latin typeface="+mn-ea"/>
               </a:rPr>
               <a:t>, </a:t>
             </a:r>
             <a:r>
-              <a:rPr lang="zh-TW" altLang="en-US" sz="2200" dirty="0" smtClean="0">
+              <a:rPr lang="zh-TW" altLang="en-US" sz="2200" dirty="0">
                 <a:latin typeface="+mn-ea"/>
               </a:rPr>
               <a:t>有無壓縮</a:t>
             </a:r>
             <a:r>
-              <a:rPr lang="en-US" altLang="zh-TW" sz="2200" dirty="0" smtClean="0">
+              <a:rPr lang="en-US" altLang="zh-TW" sz="2200" dirty="0">
                 <a:latin typeface="+mn-ea"/>
               </a:rPr>
               <a:t>…</a:t>
@@ -4674,30 +4600,24 @@
               </a:lnSpc>
             </a:pPr>
             <a:r>
-              <a:rPr lang="zh-TW" altLang="en-US" sz="2200" dirty="0" smtClean="0">
+              <a:rPr lang="zh-TW" altLang="en-US" sz="2200" dirty="0">
                 <a:latin typeface="+mn-ea"/>
               </a:rPr>
               <a:t>儲存格式</a:t>
             </a:r>
             <a:r>
-              <a:rPr lang="en-US" altLang="zh-TW" sz="2200" dirty="0" smtClean="0">
+              <a:rPr lang="en-US" altLang="zh-TW" sz="2200" dirty="0">
                 <a:latin typeface="+mn-ea"/>
               </a:rPr>
               <a:t>(Raw, column, </a:t>
             </a:r>
             <a:r>
-              <a:rPr lang="en-US" altLang="zh-TW" sz="2200" smtClean="0">
+              <a:rPr lang="en-US" altLang="zh-TW" sz="2200">
                 <a:latin typeface="+mn-ea"/>
               </a:rPr>
-              <a:t>Bit </a:t>
-            </a:r>
-            <a:r>
-              <a:rPr lang="en-US" altLang="zh-TW" sz="2200" smtClean="0">
-                <a:latin typeface="+mn-ea"/>
-              </a:rPr>
-              <a:t>allociate...)</a:t>
-            </a:r>
-            <a:endParaRPr lang="en-US" altLang="zh-TW" sz="2200" dirty="0" smtClean="0">
+              <a:t>Bit allociate...)</a:t>
+            </a:r>
+            <a:endParaRPr lang="en-US" altLang="zh-TW" sz="2200" dirty="0">
               <a:latin typeface="+mn-ea"/>
             </a:endParaRPr>
           </a:p>
@@ -4708,60 +4628,60 @@
               </a:lnSpc>
             </a:pPr>
             <a:r>
-              <a:rPr lang="en-US" altLang="zh-TW" sz="2800" dirty="0" smtClean="0">
+              <a:rPr lang="en-US" altLang="zh-TW" sz="2800" dirty="0">
                 <a:latin typeface="+mn-ea"/>
               </a:rPr>
               <a:t> </a:t>
             </a:r>
             <a:r>
-              <a:rPr lang="zh-TW" altLang="en-US" sz="2800" dirty="0" smtClean="0">
+              <a:rPr lang="zh-TW" altLang="en-US" sz="2800" dirty="0">
                 <a:latin typeface="+mn-ea"/>
               </a:rPr>
               <a:t>取得 </a:t>
             </a:r>
             <a:r>
-              <a:rPr lang="en-US" altLang="zh-TW" sz="2800" dirty="0" smtClean="0">
+              <a:rPr lang="en-US" altLang="zh-TW" sz="2800" dirty="0">
                 <a:latin typeface="+mn-ea"/>
               </a:rPr>
               <a:t>pixel </a:t>
             </a:r>
             <a:r>
-              <a:rPr lang="zh-TW" altLang="en-US" sz="2800" dirty="0" smtClean="0">
+              <a:rPr lang="zh-TW" altLang="en-US" sz="2800" dirty="0">
                 <a:latin typeface="+mn-ea"/>
               </a:rPr>
               <a:t>資料 </a:t>
             </a:r>
             <a:r>
-              <a:rPr lang="en-US" altLang="zh-TW" sz="2800" dirty="0" smtClean="0">
+              <a:rPr lang="en-US" altLang="zh-TW" sz="2800" dirty="0">
                 <a:latin typeface="+mn-ea"/>
               </a:rPr>
               <a:t>(</a:t>
             </a:r>
             <a:r>
-              <a:rPr lang="zh-TW" altLang="en-US" sz="2800" dirty="0" smtClean="0">
+              <a:rPr lang="zh-TW" altLang="en-US" sz="2800" dirty="0">
                 <a:latin typeface="+mn-ea"/>
               </a:rPr>
               <a:t>位於 </a:t>
             </a:r>
             <a:r>
-              <a:rPr lang="en-US" altLang="zh-TW" sz="2800" dirty="0" smtClean="0">
+              <a:rPr lang="en-US" altLang="zh-TW" sz="2800" dirty="0">
                 <a:latin typeface="+mn-ea"/>
               </a:rPr>
               <a:t>7FE0,0010</a:t>
             </a:r>
             <a:r>
-              <a:rPr lang="zh-TW" altLang="en-US" sz="2800" dirty="0" smtClean="0">
+              <a:rPr lang="zh-TW" altLang="en-US" sz="2800" dirty="0">
                 <a:latin typeface="+mn-ea"/>
               </a:rPr>
               <a:t> </a:t>
             </a:r>
             <a:r>
-              <a:rPr lang="en-US" altLang="zh-TW" sz="2800" dirty="0" smtClean="0">
+              <a:rPr lang="en-US" altLang="zh-TW" sz="2800" dirty="0">
                 <a:latin typeface="+mn-ea"/>
               </a:rPr>
               <a:t>tag element)</a:t>
             </a:r>
-            <a:endParaRPr lang="zh-TW" altLang="en-US" sz="2800" dirty="0" smtClean="0">
+            <a:endParaRPr lang="zh-TW" altLang="en-US" sz="2800" dirty="0">
               <a:latin typeface="+mn-ea"/>
             </a:endParaRPr>
           </a:p>
@@ -4772,7 +4692,7 @@
               </a:lnSpc>
             </a:pPr>
             <a:r>
-              <a:rPr lang="zh-TW" altLang="en-US" sz="2800" dirty="0" smtClean="0">
+              <a:rPr lang="zh-TW" altLang="en-US" sz="2800" dirty="0">
                 <a:latin typeface="+mn-ea"/>
               </a:rPr>
               <a:t>準備畫布物件</a:t>
@@ -4791,24 +4711,12 @@
               </a:lnSpc>
             </a:pPr>
             <a:r>
-              <a:rPr lang="zh-TW" altLang="en-US" sz="2800" dirty="0" smtClean="0">
-                <a:latin typeface="+mn-ea"/>
-              </a:rPr>
-              <a:t>依據影像格式，產生二維</a:t>
-            </a:r>
-            <a:r>
               <a:rPr lang="zh-TW" altLang="en-US" sz="2800" dirty="0">
                 <a:latin typeface="+mn-ea"/>
               </a:rPr>
-              <a:t>畫點</a:t>
-            </a:r>
-            <a:r>
-              <a:rPr lang="zh-TW" altLang="en-US" sz="2800" dirty="0" smtClean="0">
-                <a:latin typeface="+mn-ea"/>
-              </a:rPr>
-              <a:t>迴圈</a:t>
-            </a:r>
-            <a:endParaRPr lang="en-US" altLang="zh-TW" sz="2800" dirty="0" smtClean="0">
+              <a:t>依據影像格式，產生二維畫點迴圈</a:t>
+            </a:r>
+            <a:endParaRPr lang="en-US" altLang="zh-TW" sz="2800" dirty="0">
               <a:latin typeface="+mn-ea"/>
             </a:endParaRPr>
           </a:p>
@@ -4824,7 +4732,7 @@
               </a:rPr>
               <a:t>取得每個像素資料</a:t>
             </a:r>
-            <a:endParaRPr lang="en-US" altLang="zh-TW" sz="2600" dirty="0" smtClean="0">
+            <a:endParaRPr lang="en-US" altLang="zh-TW" sz="2600" dirty="0">
               <a:latin typeface="+mn-ea"/>
             </a:endParaRPr>
           </a:p>
@@ -4835,30 +4743,30 @@
               </a:lnSpc>
             </a:pPr>
             <a:r>
-              <a:rPr lang="zh-TW" altLang="en-US" sz="2600" dirty="0" smtClean="0">
+              <a:rPr lang="zh-TW" altLang="en-US" sz="2600" dirty="0">
                 <a:latin typeface="+mn-ea"/>
               </a:rPr>
               <a:t>依據亮度轉換公式 </a:t>
             </a:r>
             <a:r>
-              <a:rPr lang="en-US" altLang="zh-TW" sz="2600" dirty="0" smtClean="0">
+              <a:rPr lang="en-US" altLang="zh-TW" sz="2600" dirty="0">
                 <a:latin typeface="+mn-ea"/>
               </a:rPr>
               <a:t>Pixel value -&gt;Grave value</a:t>
             </a:r>
             <a:r>
-              <a:rPr lang="zh-TW" altLang="en-US" sz="2600" dirty="0" smtClean="0">
+              <a:rPr lang="zh-TW" altLang="en-US" sz="2600" dirty="0">
                 <a:latin typeface="+mn-ea"/>
               </a:rPr>
               <a:t> </a:t>
             </a:r>
             <a:r>
-              <a:rPr kumimoji="0" lang="zh-TW" altLang="en-US" sz="2600" dirty="0" smtClean="0">
+              <a:rPr kumimoji="0" lang="zh-TW" altLang="en-US" sz="2600" dirty="0">
                 <a:latin typeface="+mn-ea"/>
               </a:rPr>
               <a:t>畫圖點</a:t>
             </a:r>
-            <a:endParaRPr kumimoji="0" lang="en-US" altLang="zh-TW" sz="2600" dirty="0" smtClean="0">
+            <a:endParaRPr kumimoji="0" lang="en-US" altLang="zh-TW" sz="2600" dirty="0">
               <a:latin typeface="+mn-ea"/>
             </a:endParaRPr>
           </a:p>
@@ -4869,12 +4777,12 @@
               </a:lnSpc>
             </a:pPr>
             <a:r>
-              <a:rPr kumimoji="0" lang="zh-TW" altLang="en-US" sz="2800" dirty="0" smtClean="0">
+              <a:rPr kumimoji="0" lang="zh-TW" altLang="en-US" sz="2800" dirty="0">
                 <a:latin typeface="+mn-ea"/>
               </a:rPr>
               <a:t>顯示影像</a:t>
             </a:r>
-            <a:endParaRPr lang="zh-TW" altLang="en-US" sz="2800" dirty="0" smtClean="0">
+            <a:endParaRPr lang="zh-TW" altLang="en-US" sz="2800" dirty="0">
               <a:latin typeface="+mn-ea"/>
             </a:endParaRPr>
           </a:p>
@@ -4927,23 +4835,15 @@
           <a:p>
             <a:r>
               <a:rPr lang="en-US" altLang="zh-TW" dirty="0"/>
+              <a:t> DICOM</a:t>
+            </a:r>
+            <a:r>
+              <a:rPr lang="zh-TW" altLang="en-US" dirty="0"/>
               <a:t> </a:t>
             </a:r>
             <a:r>
-              <a:rPr lang="en-US" altLang="zh-TW" dirty="0" smtClean="0"/>
-              <a:t>DICOM</a:t>
-            </a:r>
-            <a:r>
-              <a:rPr lang="zh-TW" altLang="en-US" dirty="0" smtClean="0"/>
-              <a:t> </a:t>
-            </a:r>
-            <a:r>
-              <a:rPr lang="en-US" altLang="zh-TW" dirty="0" smtClean="0"/>
-              <a:t>part 3: Image </a:t>
-            </a:r>
-            <a:r>
               <a:rPr lang="en-US" altLang="zh-TW" dirty="0"/>
-              <a:t>Pixel Module</a:t>
+              <a:t>part 3: Image Pixel Module</a:t>
             </a:r>
             <a:endParaRPr lang="zh-TW" altLang="en-US" dirty="0"/>
           </a:p>
@@ -4968,15 +4868,9 @@
               <a:rPr lang="en-US" altLang="zh-TW" dirty="0">
                 <a:hlinkClick r:id="rId2"/>
               </a:rPr>
-              <a:t>http://</a:t>
-            </a:r>
-            <a:r>
-              <a:rPr lang="en-US" altLang="zh-TW" dirty="0" smtClean="0">
-                <a:hlinkClick r:id="rId2"/>
-              </a:rPr>
-              <a:t>dicom.nema.org/medical/dicom/2014c/output/chtml/part03/sect_C.7.6.3.html</a:t>
-            </a:r>
-            <a:endParaRPr lang="en-US" altLang="zh-TW" dirty="0" smtClean="0"/>
+              <a:t>http://dicom.nema.org/medical/dicom/2014c/output/chtml/part03/sect_C.7.6.3.html</a:t>
+            </a:r>
+            <a:endParaRPr lang="en-US" altLang="zh-TW" dirty="0"/>
           </a:p>
           <a:p>
             <a:endParaRPr lang="zh-TW" altLang="en-US" dirty="0"/>
@@ -5029,7 +4923,7 @@
           <a:lstStyle/>
           <a:p>
             <a:pPr eaLnBrk="1" hangingPunct="1"/>
-            <a:endParaRPr lang="zh-TW" altLang="en-US" smtClean="0"/>
+            <a:endParaRPr lang="zh-TW" altLang="en-US"/>
           </a:p>
         </p:txBody>
       </p:sp>
@@ -5049,7 +4943,7 @@
           <a:lstStyle/>
           <a:p>
             <a:pPr eaLnBrk="1" hangingPunct="1"/>
-            <a:endParaRPr lang="zh-TW" altLang="en-US" smtClean="0"/>
+            <a:endParaRPr lang="zh-TW" altLang="en-US"/>
           </a:p>
         </p:txBody>
       </p:sp>
@@ -5169,11 +5063,11 @@
           <a:p>
             <a:pPr eaLnBrk="1" hangingPunct="1"/>
             <a:r>
-              <a:rPr lang="en-US" altLang="zh-TW" sz="3800" smtClean="0"/>
+              <a:rPr lang="en-US" altLang="zh-TW" sz="3800"/>
               <a:t>DICOM </a:t>
             </a:r>
             <a:r>
-              <a:rPr lang="zh-TW" altLang="en-US" sz="3800" smtClean="0"/>
+              <a:rPr lang="zh-TW" altLang="en-US" sz="3800"/>
               <a:t>影像物件實例</a:t>
             </a:r>
           </a:p>
@@ -6017,185 +5911,124 @@
       </p:grpSpPr>
       <p:sp>
         <p:nvSpPr>
-          <p:cNvPr id="2" name="標題 1"/>
-          <p:cNvSpPr>
-            <a:spLocks noGrp="1"/>
+          <p:cNvPr id="594946" name="Rectangle 2">
+            <a:extLst>
+              <a:ext uri="{FF2B5EF4-FFF2-40B4-BE49-F238E27FC236}">
+                <a16:creationId xmlns:a16="http://schemas.microsoft.com/office/drawing/2014/main" id="{2FA8B6B0-CC9A-4A44-BC6A-2EA4BF52BE4D}"/>
+              </a:ext>
+            </a:extLst>
+          </p:cNvPr>
+          <p:cNvSpPr>
+            <a:spLocks noGrp="1" noChangeArrowheads="1"/>
           </p:cNvSpPr>
           <p:nvPr>
             <p:ph type="title"/>
           </p:nvPr>
         </p:nvSpPr>
-        <p:spPr/>
+        <p:spPr>
+          <a:xfrm>
+            <a:off x="2351088" y="765175"/>
+            <a:ext cx="7772400" cy="990600"/>
+          </a:xfrm>
+        </p:spPr>
         <p:txBody>
           <a:bodyPr/>
           <a:lstStyle/>
           <a:p>
-            <a:r>
-              <a:rPr lang="zh-TW" altLang="en-US" smtClean="0"/>
-              <a:t>程式取得 </a:t>
-            </a:r>
-            <a:r>
-              <a:rPr lang="en-US" altLang="zh-TW" smtClean="0"/>
-              <a:t>DICOM data elements</a:t>
-            </a:r>
-            <a:r>
-              <a:rPr lang="zh-TW" altLang="en-US" smtClean="0"/>
-              <a:t> 資訊</a:t>
-            </a:r>
-            <a:endParaRPr lang="zh-TW" altLang="en-US"/>
-          </a:p>
-        </p:txBody>
-      </p:sp>
-      <p:sp>
-        <p:nvSpPr>
-          <p:cNvPr id="3" name="內容版面配置區 2"/>
-          <p:cNvSpPr>
-            <a:spLocks noGrp="1"/>
-          </p:cNvSpPr>
-          <p:nvPr>
-            <p:ph idx="1"/>
-          </p:nvPr>
-        </p:nvSpPr>
-        <p:spPr/>
+            <a:pPr algn="ctr"/>
+            <a:r>
+              <a:rPr lang="en-US" altLang="zh-TW">
+                <a:solidFill>
+                  <a:schemeClr val="tx1"/>
+                </a:solidFill>
+                <a:latin typeface="細明體" panose="02020509000000000000" pitchFamily="49" charset="-120"/>
+                <a:ea typeface="細明體" panose="02020509000000000000" pitchFamily="49" charset="-120"/>
+              </a:rPr>
+              <a:t>DICOM </a:t>
+            </a:r>
+            <a:r>
+              <a:rPr lang="zh-TW" altLang="en-US">
+                <a:solidFill>
+                  <a:schemeClr val="tx1"/>
+                </a:solidFill>
+                <a:latin typeface="細明體" panose="02020509000000000000" pitchFamily="49" charset="-120"/>
+                <a:ea typeface="細明體" panose="02020509000000000000" pitchFamily="49" charset="-120"/>
+              </a:rPr>
+              <a:t>資料物件格式</a:t>
+            </a:r>
+          </a:p>
+        </p:txBody>
+      </p:sp>
+      <p:sp>
+        <p:nvSpPr>
+          <p:cNvPr id="594947" name="Rectangle 3">
+            <a:extLst>
+              <a:ext uri="{FF2B5EF4-FFF2-40B4-BE49-F238E27FC236}">
+                <a16:creationId xmlns:a16="http://schemas.microsoft.com/office/drawing/2014/main" id="{A7691D1B-F10A-4629-A19E-9DCB970553F6}"/>
+              </a:ext>
+            </a:extLst>
+          </p:cNvPr>
+          <p:cNvSpPr>
+            <a:spLocks noGrp="1" noChangeArrowheads="1"/>
+          </p:cNvSpPr>
+          <p:nvPr>
+            <p:ph type="body" idx="1"/>
+          </p:nvPr>
+        </p:nvSpPr>
+        <p:spPr>
+          <a:xfrm>
+            <a:off x="2351088" y="2349500"/>
+            <a:ext cx="7772400" cy="1811338"/>
+          </a:xfrm>
+        </p:spPr>
         <p:txBody>
           <a:bodyPr/>
           <a:lstStyle/>
           <a:p>
-            <a:r>
-              <a:rPr lang="zh-TW" altLang="en-US" smtClean="0"/>
-              <a:t>現行工具大多可顯示 </a:t>
-            </a:r>
-            <a:r>
-              <a:rPr lang="en-US" altLang="zh-TW" smtClean="0"/>
-              <a:t>DICOM</a:t>
-            </a:r>
-            <a:r>
-              <a:rPr lang="zh-TW" altLang="en-US" smtClean="0"/>
+            <a:pPr algn="just"/>
+            <a:r>
+              <a:rPr lang="de-DE" altLang="zh-TW" sz="2600">
+                <a:latin typeface="細明體" panose="02020509000000000000" pitchFamily="49" charset="-120"/>
+                <a:ea typeface="細明體" panose="02020509000000000000" pitchFamily="49" charset="-120"/>
+              </a:rPr>
+              <a:t>Part </a:t>
+            </a:r>
+            <a:r>
+              <a:rPr lang="en-US" altLang="zh-TW" sz="2600">
+                <a:latin typeface="細明體" panose="02020509000000000000" pitchFamily="49" charset="-120"/>
+                <a:ea typeface="細明體" panose="02020509000000000000" pitchFamily="49" charset="-120"/>
+              </a:rPr>
+              <a:t>5</a:t>
+            </a:r>
+            <a:r>
+              <a:rPr lang="zh-TW" altLang="de-DE" sz="2600">
+                <a:latin typeface="細明體" panose="02020509000000000000" pitchFamily="49" charset="-120"/>
+                <a:ea typeface="細明體" panose="02020509000000000000" pitchFamily="49" charset="-120"/>
+              </a:rPr>
               <a:t> </a:t>
             </a:r>
             <a:r>
-              <a:rPr lang="en-US" altLang="zh-TW" smtClean="0"/>
-              <a:t>tags</a:t>
-            </a:r>
-            <a:r>
-              <a:rPr lang="zh-TW" altLang="en-US" smtClean="0"/>
-              <a:t>，但是</a:t>
-            </a:r>
-            <a:r>
-              <a:rPr lang="en-US" altLang="zh-TW" smtClean="0"/>
-              <a:t>:</a:t>
-            </a:r>
-          </a:p>
-          <a:p>
-            <a:pPr lvl="1"/>
-            <a:r>
-              <a:rPr lang="zh-TW" altLang="en-US" smtClean="0"/>
-              <a:t>無法整合應用</a:t>
-            </a:r>
-            <a:endParaRPr lang="en-US" altLang="zh-TW" smtClean="0"/>
-          </a:p>
-          <a:p>
-            <a:pPr lvl="1"/>
-            <a:r>
-              <a:rPr lang="zh-TW" altLang="en-US" smtClean="0"/>
-              <a:t>提供的資訊不足，如沒提供</a:t>
-            </a:r>
-            <a:r>
-              <a:rPr lang="zh-TW" altLang="en-US"/>
-              <a:t>各</a:t>
-            </a:r>
-            <a:r>
-              <a:rPr lang="zh-TW" altLang="en-US" smtClean="0"/>
-              <a:t> </a:t>
-            </a:r>
-            <a:r>
-              <a:rPr lang="en-US" altLang="zh-TW" smtClean="0"/>
-              <a:t>data</a:t>
-            </a:r>
-            <a:r>
-              <a:rPr lang="zh-TW" altLang="en-US" smtClean="0"/>
-              <a:t> </a:t>
-            </a:r>
-            <a:r>
-              <a:rPr lang="en-US" altLang="zh-TW" smtClean="0"/>
-              <a:t>element </a:t>
-            </a:r>
-            <a:r>
-              <a:rPr lang="zh-TW" altLang="en-US" smtClean="0"/>
-              <a:t>資料起始位置</a:t>
-            </a:r>
-            <a:endParaRPr lang="en-US" altLang="zh-TW" smtClean="0"/>
-          </a:p>
-          <a:p>
-            <a:pPr lvl="2"/>
-            <a:r>
-              <a:rPr lang="zh-TW" altLang="en-US" smtClean="0"/>
-              <a:t>如 </a:t>
-            </a:r>
-            <a:r>
-              <a:rPr lang="en-US" altLang="zh-TW" smtClean="0"/>
-              <a:t>7fe00010 </a:t>
-            </a:r>
-            <a:r>
-              <a:rPr lang="zh-TW" altLang="en-US" smtClean="0"/>
-              <a:t>像素資料起始位置</a:t>
-            </a:r>
-            <a:endParaRPr lang="en-US" altLang="zh-TW" smtClean="0"/>
-          </a:p>
-          <a:p>
-            <a:endParaRPr lang="en-US" altLang="zh-TW" smtClean="0"/>
-          </a:p>
-          <a:p>
-            <a:r>
-              <a:rPr lang="zh-TW" altLang="en-US" smtClean="0"/>
-              <a:t>需要網頁前後端程式解析 </a:t>
-            </a:r>
-            <a:r>
-              <a:rPr lang="en-US" altLang="zh-TW" smtClean="0"/>
-              <a:t>DICOM</a:t>
-            </a:r>
-            <a:r>
-              <a:rPr lang="zh-TW" altLang="en-US" smtClean="0"/>
-              <a:t> 資料，需了解</a:t>
-            </a:r>
-            <a:endParaRPr lang="en-US" altLang="zh-TW" smtClean="0"/>
-          </a:p>
-          <a:p>
-            <a:pPr lvl="1"/>
-            <a:r>
-              <a:rPr lang="en-US" altLang="zh-TW" smtClean="0"/>
-              <a:t>DICOM</a:t>
-            </a:r>
-            <a:r>
-              <a:rPr lang="zh-TW" altLang="en-US" smtClean="0"/>
-              <a:t> </a:t>
-            </a:r>
-            <a:r>
-              <a:rPr lang="en-US" altLang="zh-TW" smtClean="0"/>
-              <a:t>data set </a:t>
-            </a:r>
-            <a:r>
-              <a:rPr lang="zh-TW" altLang="en-US" smtClean="0"/>
-              <a:t>及 </a:t>
-            </a:r>
-            <a:r>
-              <a:rPr lang="en-US" altLang="zh-TW" smtClean="0"/>
-              <a:t>data element </a:t>
-            </a:r>
-            <a:r>
-              <a:rPr lang="zh-TW" altLang="en-US" smtClean="0"/>
-              <a:t>結構</a:t>
-            </a:r>
-            <a:endParaRPr lang="zh-TW" altLang="en-US"/>
+              <a:rPr lang="en-US" altLang="zh-TW">
+                <a:latin typeface="細明體" panose="02020509000000000000" pitchFamily="49" charset="-120"/>
+                <a:ea typeface="細明體" panose="02020509000000000000" pitchFamily="49" charset="-120"/>
+              </a:rPr>
+              <a:t>Data Structure and Encoding </a:t>
+            </a:r>
+            <a:r>
+              <a:rPr lang="zh-TW" altLang="en-US">
+                <a:latin typeface="細明體" panose="02020509000000000000" pitchFamily="49" charset="-120"/>
+                <a:ea typeface="細明體" panose="02020509000000000000" pitchFamily="49" charset="-120"/>
+              </a:rPr>
+              <a:t>定義資料物件的結構及編碼方式 </a:t>
+            </a:r>
+            <a:endParaRPr lang="zh-TW" altLang="en-US" sz="2600">
+              <a:latin typeface="細明體" panose="02020509000000000000" pitchFamily="49" charset="-120"/>
+              <a:ea typeface="細明體" panose="02020509000000000000" pitchFamily="49" charset="-120"/>
+            </a:endParaRPr>
           </a:p>
         </p:txBody>
       </p:sp>
     </p:spTree>
-    <p:extLst>
-      <p:ext uri="{BB962C8B-B14F-4D97-AF65-F5344CB8AC3E}">
-        <p14:creationId xmlns:p14="http://schemas.microsoft.com/office/powerpoint/2010/main" val="3286883842"/>
-      </p:ext>
-    </p:extLst>
   </p:cSld>
   <p:clrMapOvr>
     <a:masterClrMapping/>
@@ -6220,6 +6053,833 @@
           <a:chExt cx="0" cy="0"/>
         </a:xfrm>
       </p:grpSpPr>
+      <p:sp>
+        <p:nvSpPr>
+          <p:cNvPr id="643074" name="Rectangle 2">
+            <a:extLst>
+              <a:ext uri="{FF2B5EF4-FFF2-40B4-BE49-F238E27FC236}">
+                <a16:creationId xmlns:a16="http://schemas.microsoft.com/office/drawing/2014/main" id="{E80912C2-125F-400A-A1E4-94C5C68D4195}"/>
+              </a:ext>
+            </a:extLst>
+          </p:cNvPr>
+          <p:cNvSpPr>
+            <a:spLocks noGrp="1" noChangeArrowheads="1"/>
+          </p:cNvSpPr>
+          <p:nvPr>
+            <p:ph type="title"/>
+          </p:nvPr>
+        </p:nvSpPr>
+        <p:spPr/>
+        <p:txBody>
+          <a:bodyPr/>
+          <a:lstStyle/>
+          <a:p>
+            <a:pPr algn="ctr"/>
+            <a:r>
+              <a:rPr lang="en-US" altLang="zh-TW"/>
+              <a:t>DICOM </a:t>
+            </a:r>
+            <a:r>
+              <a:rPr lang="zh-TW" altLang="en-US"/>
+              <a:t>與 </a:t>
+            </a:r>
+            <a:r>
+              <a:rPr lang="en-US" altLang="zh-TW"/>
+              <a:t>HL7 </a:t>
+            </a:r>
+            <a:r>
+              <a:rPr lang="zh-TW" altLang="en-US"/>
+              <a:t>編碼格式差異</a:t>
+            </a:r>
+          </a:p>
+        </p:txBody>
+      </p:sp>
+      <p:sp>
+        <p:nvSpPr>
+          <p:cNvPr id="643075" name="Rectangle 3">
+            <a:extLst>
+              <a:ext uri="{FF2B5EF4-FFF2-40B4-BE49-F238E27FC236}">
+                <a16:creationId xmlns:a16="http://schemas.microsoft.com/office/drawing/2014/main" id="{7B0B3284-E460-44ED-ABEC-BC1445AAE969}"/>
+              </a:ext>
+            </a:extLst>
+          </p:cNvPr>
+          <p:cNvSpPr>
+            <a:spLocks noGrp="1" noChangeArrowheads="1"/>
+          </p:cNvSpPr>
+          <p:nvPr>
+            <p:ph type="body" idx="1"/>
+          </p:nvPr>
+        </p:nvSpPr>
+        <p:spPr/>
+        <p:txBody>
+          <a:bodyPr/>
+          <a:lstStyle/>
+          <a:p>
+            <a:pPr>
+              <a:lnSpc>
+                <a:spcPct val="90000"/>
+              </a:lnSpc>
+            </a:pPr>
+            <a:r>
+              <a:rPr lang="en-US" altLang="zh-TW" dirty="0"/>
+              <a:t>HL7 </a:t>
+            </a:r>
+            <a:r>
+              <a:rPr lang="zh-TW" altLang="en-US" dirty="0"/>
+              <a:t>文字格式，一般文字編輯器可檢視。</a:t>
+            </a:r>
+            <a:endParaRPr lang="en-US" altLang="zh-TW" dirty="0"/>
+          </a:p>
+          <a:p>
+            <a:pPr>
+              <a:lnSpc>
+                <a:spcPct val="90000"/>
+              </a:lnSpc>
+            </a:pPr>
+            <a:r>
+              <a:rPr lang="en-US" altLang="zh-TW" dirty="0"/>
+              <a:t>DICOM </a:t>
+            </a:r>
+            <a:r>
+              <a:rPr lang="zh-TW" altLang="en-US" dirty="0"/>
+              <a:t>數位與文字混雜，以 </a:t>
+            </a:r>
+            <a:r>
+              <a:rPr lang="en-US" altLang="zh-TW" dirty="0"/>
+              <a:t>Binary </a:t>
+            </a:r>
+            <a:r>
+              <a:rPr lang="zh-TW" altLang="en-US" dirty="0"/>
+              <a:t>形式儲存與傳輸，文字編輯器無法檢視。</a:t>
+            </a:r>
+          </a:p>
+          <a:p>
+            <a:pPr lvl="1">
+              <a:lnSpc>
+                <a:spcPct val="90000"/>
+              </a:lnSpc>
+            </a:pPr>
+            <a:r>
+              <a:rPr lang="zh-TW" altLang="en-US" dirty="0"/>
+              <a:t>醫學影像不合適轉成文字資料</a:t>
+            </a:r>
+          </a:p>
+          <a:p>
+            <a:pPr>
+              <a:lnSpc>
+                <a:spcPct val="90000"/>
+              </a:lnSpc>
+            </a:pPr>
+            <a:endParaRPr lang="en-US" altLang="zh-TW" dirty="0"/>
+          </a:p>
+          <a:p>
+            <a:pPr>
+              <a:lnSpc>
+                <a:spcPct val="90000"/>
+              </a:lnSpc>
+            </a:pPr>
+            <a:r>
+              <a:rPr lang="en-US" altLang="zh-TW" dirty="0"/>
+              <a:t>HL 7 </a:t>
+            </a:r>
+            <a:r>
+              <a:rPr lang="zh-TW" altLang="en-US" dirty="0"/>
+              <a:t>以文字符號區隔各欄位， </a:t>
+            </a:r>
+            <a:r>
+              <a:rPr lang="en-US" altLang="zh-TW" dirty="0"/>
+              <a:t>DICOM </a:t>
+            </a:r>
+            <a:r>
+              <a:rPr lang="zh-TW" altLang="en-US" dirty="0"/>
+              <a:t>每個欄位中包含資料長度資訊，指定其實際資料長度。</a:t>
+            </a:r>
+          </a:p>
+          <a:p>
+            <a:pPr>
+              <a:lnSpc>
+                <a:spcPct val="90000"/>
+              </a:lnSpc>
+            </a:pPr>
+            <a:endParaRPr lang="zh-TW" altLang="en-US" i="1" dirty="0"/>
+          </a:p>
+          <a:p>
+            <a:pPr>
+              <a:lnSpc>
+                <a:spcPct val="90000"/>
+              </a:lnSpc>
+            </a:pPr>
+            <a:endParaRPr lang="zh-TW" altLang="en-US" i="1" dirty="0"/>
+          </a:p>
+        </p:txBody>
+      </p:sp>
+    </p:spTree>
+  </p:cSld>
+  <p:clrMapOvr>
+    <a:masterClrMapping/>
+  </p:clrMapOvr>
+</p:sld>
+</file>
+
+<file path=ppt/slides/slide2.xml><?xml version="1.0" encoding="utf-8"?>
+<p:sld xmlns:a="http://schemas.openxmlformats.org/drawingml/2006/main" xmlns:r="http://schemas.openxmlformats.org/officeDocument/2006/relationships" xmlns:p="http://schemas.openxmlformats.org/presentationml/2006/main">
+  <p:cSld>
+    <p:spTree>
+      <p:nvGrpSpPr>
+        <p:cNvPr id="1" name=""/>
+        <p:cNvGrpSpPr/>
+        <p:nvPr/>
+      </p:nvGrpSpPr>
+      <p:grpSpPr>
+        <a:xfrm>
+          <a:off x="0" y="0"/>
+          <a:ext cx="0" cy="0"/>
+          <a:chOff x="0" y="0"/>
+          <a:chExt cx="0" cy="0"/>
+        </a:xfrm>
+      </p:grpSpPr>
+      <p:sp>
+        <p:nvSpPr>
+          <p:cNvPr id="4098" name="Rectangle 2"/>
+          <p:cNvSpPr>
+            <a:spLocks noGrp="1" noChangeArrowheads="1"/>
+          </p:cNvSpPr>
+          <p:nvPr>
+            <p:ph type="title"/>
+          </p:nvPr>
+        </p:nvSpPr>
+        <p:spPr/>
+        <p:txBody>
+          <a:bodyPr/>
+          <a:lstStyle/>
+          <a:p>
+            <a:pPr algn="ctr" eaLnBrk="1" hangingPunct="1"/>
+            <a:r>
+              <a:rPr lang="zh-TW" altLang="en-US" dirty="0"/>
+              <a:t>課程大綱</a:t>
+            </a:r>
+          </a:p>
+        </p:txBody>
+      </p:sp>
+      <p:sp>
+        <p:nvSpPr>
+          <p:cNvPr id="4099" name="Rectangle 3"/>
+          <p:cNvSpPr>
+            <a:spLocks noGrp="1" noChangeArrowheads="1"/>
+          </p:cNvSpPr>
+          <p:nvPr>
+            <p:ph idx="1"/>
+          </p:nvPr>
+        </p:nvSpPr>
+        <p:spPr>
+          <a:xfrm>
+            <a:off x="609600" y="1937442"/>
+            <a:ext cx="10972800" cy="4188726"/>
+          </a:xfrm>
+        </p:spPr>
+        <p:txBody>
+          <a:bodyPr/>
+          <a:lstStyle/>
+          <a:p>
+            <a:r>
+              <a:rPr lang="zh-TW" altLang="en-US"/>
+              <a:t>繪製醫學影像圖形初體驗</a:t>
+            </a:r>
+            <a:endParaRPr lang="en-US" altLang="zh-TW" dirty="0"/>
+          </a:p>
+          <a:p>
+            <a:pPr eaLnBrk="1" hangingPunct="1"/>
+            <a:endParaRPr lang="en-US" altLang="zh-TW" dirty="0"/>
+          </a:p>
+          <a:p>
+            <a:pPr eaLnBrk="1" hangingPunct="1"/>
+            <a:r>
+              <a:rPr lang="en-US" altLang="zh-TW"/>
+              <a:t>DICOM</a:t>
+            </a:r>
+            <a:r>
+              <a:rPr lang="zh-TW" altLang="en-US"/>
+              <a:t> 圖檔來源</a:t>
+            </a:r>
+            <a:endParaRPr lang="en-US" altLang="zh-TW" dirty="0"/>
+          </a:p>
+          <a:p>
+            <a:pPr eaLnBrk="1" hangingPunct="1"/>
+            <a:endParaRPr lang="en-US" altLang="zh-TW" dirty="0"/>
+          </a:p>
+          <a:p>
+            <a:pPr eaLnBrk="1" hangingPunct="1"/>
+            <a:r>
+              <a:rPr lang="zh-TW" altLang="en-US"/>
+              <a:t>安裝及使用 </a:t>
+            </a:r>
+            <a:r>
+              <a:rPr lang="en-US" altLang="zh-TW"/>
+              <a:t>DICOM</a:t>
+            </a:r>
+            <a:r>
+              <a:rPr lang="zh-TW" altLang="en-US"/>
+              <a:t> </a:t>
+            </a:r>
+            <a:r>
+              <a:rPr lang="en-US" altLang="zh-TW"/>
+              <a:t>viewer</a:t>
+            </a:r>
+            <a:endParaRPr lang="en-US" altLang="zh-TW" dirty="0"/>
+          </a:p>
+          <a:p>
+            <a:pPr eaLnBrk="1" hangingPunct="1"/>
+            <a:endParaRPr lang="en-US" altLang="zh-TW" dirty="0"/>
+          </a:p>
+          <a:p>
+            <a:pPr eaLnBrk="1" hangingPunct="1"/>
+            <a:r>
+              <a:rPr lang="zh-TW" altLang="en-US"/>
+              <a:t>分析</a:t>
+            </a:r>
+            <a:r>
+              <a:rPr lang="en-US" altLang="zh-TW"/>
+              <a:t>DICOM</a:t>
+            </a:r>
+            <a:r>
+              <a:rPr lang="zh-TW" altLang="en-US"/>
+              <a:t> </a:t>
+            </a:r>
+            <a:r>
+              <a:rPr lang="zh-TW" altLang="en-US" b="1"/>
+              <a:t>影像</a:t>
+            </a:r>
+            <a:r>
+              <a:rPr lang="zh-TW" altLang="en-US" b="1">
+                <a:solidFill>
+                  <a:srgbClr val="FF0000"/>
+                </a:solidFill>
+                <a:effectLst>
+                  <a:outerShdw blurRad="38100" dist="38100" dir="2700000" algn="tl">
+                    <a:srgbClr val="000000">
+                      <a:alpha val="43137"/>
+                    </a:srgbClr>
+                  </a:outerShdw>
+                </a:effectLst>
+              </a:rPr>
+              <a:t>規格</a:t>
+            </a:r>
+            <a:r>
+              <a:rPr lang="zh-TW" altLang="en-US"/>
+              <a:t>練習</a:t>
+            </a:r>
+            <a:endParaRPr lang="en-US" altLang="zh-TW" dirty="0"/>
+          </a:p>
+          <a:p>
+            <a:pPr eaLnBrk="1" hangingPunct="1"/>
+            <a:endParaRPr lang="en-US" altLang="zh-TW" dirty="0"/>
+          </a:p>
+        </p:txBody>
+      </p:sp>
+    </p:spTree>
+    <p:extLst>
+      <p:ext uri="{BB962C8B-B14F-4D97-AF65-F5344CB8AC3E}">
+        <p14:creationId xmlns:p14="http://schemas.microsoft.com/office/powerpoint/2010/main" val="3806295968"/>
+      </p:ext>
+    </p:extLst>
+  </p:cSld>
+  <p:clrMapOvr>
+    <a:masterClrMapping/>
+  </p:clrMapOvr>
+  <p:transition/>
+</p:sld>
+</file>
+
+<file path=ppt/slides/slide20.xml><?xml version="1.0" encoding="utf-8"?>
+<p:sld xmlns:a="http://schemas.openxmlformats.org/drawingml/2006/main" xmlns:r="http://schemas.openxmlformats.org/officeDocument/2006/relationships" xmlns:p="http://schemas.openxmlformats.org/presentationml/2006/main">
+  <p:cSld>
+    <p:spTree>
+      <p:nvGrpSpPr>
+        <p:cNvPr id="1" name=""/>
+        <p:cNvGrpSpPr/>
+        <p:nvPr/>
+      </p:nvGrpSpPr>
+      <p:grpSpPr>
+        <a:xfrm>
+          <a:off x="0" y="0"/>
+          <a:ext cx="0" cy="0"/>
+          <a:chOff x="0" y="0"/>
+          <a:chExt cx="0" cy="0"/>
+        </a:xfrm>
+      </p:grpSpPr>
+      <p:sp>
+        <p:nvSpPr>
+          <p:cNvPr id="645122" name="Rectangle 2">
+            <a:extLst>
+              <a:ext uri="{FF2B5EF4-FFF2-40B4-BE49-F238E27FC236}">
+                <a16:creationId xmlns:a16="http://schemas.microsoft.com/office/drawing/2014/main" id="{46082C48-C032-4106-B382-9B94530CEFBC}"/>
+              </a:ext>
+            </a:extLst>
+          </p:cNvPr>
+          <p:cNvSpPr>
+            <a:spLocks noGrp="1" noChangeArrowheads="1"/>
+          </p:cNvSpPr>
+          <p:nvPr>
+            <p:ph type="title"/>
+          </p:nvPr>
+        </p:nvSpPr>
+        <p:spPr/>
+        <p:txBody>
+          <a:bodyPr/>
+          <a:lstStyle/>
+          <a:p>
+            <a:endParaRPr lang="zh-TW" altLang="en-US"/>
+          </a:p>
+        </p:txBody>
+      </p:sp>
+      <p:sp>
+        <p:nvSpPr>
+          <p:cNvPr id="645123" name="Rectangle 3">
+            <a:extLst>
+              <a:ext uri="{FF2B5EF4-FFF2-40B4-BE49-F238E27FC236}">
+                <a16:creationId xmlns:a16="http://schemas.microsoft.com/office/drawing/2014/main" id="{07B874DE-28A1-4068-B8AD-7D1BDEEC3A0D}"/>
+              </a:ext>
+            </a:extLst>
+          </p:cNvPr>
+          <p:cNvSpPr>
+            <a:spLocks noGrp="1" noChangeArrowheads="1"/>
+          </p:cNvSpPr>
+          <p:nvPr>
+            <p:ph type="body" idx="1"/>
+          </p:nvPr>
+        </p:nvSpPr>
+        <p:spPr>
+          <a:xfrm>
+            <a:off x="4800600" y="1600201"/>
+            <a:ext cx="5410200" cy="4530725"/>
+          </a:xfrm>
+        </p:spPr>
+        <p:txBody>
+          <a:bodyPr/>
+          <a:lstStyle/>
+          <a:p>
+            <a:r>
+              <a:rPr lang="en-US" altLang="zh-TW" sz="2000" b="1">
+                <a:latin typeface="細明體" panose="02020509000000000000" pitchFamily="49" charset="-120"/>
+                <a:ea typeface="細明體" panose="02020509000000000000" pitchFamily="49" charset="-120"/>
+              </a:rPr>
+              <a:t>DICOM Object </a:t>
+            </a:r>
+            <a:r>
+              <a:rPr lang="zh-TW" altLang="en-US" sz="2000" b="1">
+                <a:latin typeface="細明體" panose="02020509000000000000" pitchFamily="49" charset="-120"/>
+                <a:ea typeface="細明體" panose="02020509000000000000" pitchFamily="49" charset="-120"/>
+              </a:rPr>
+              <a:t>實例</a:t>
+            </a:r>
+            <a:r>
+              <a:rPr lang="en-US" altLang="zh-TW" sz="2000" b="1">
+                <a:latin typeface="細明體" panose="02020509000000000000" pitchFamily="49" charset="-120"/>
+                <a:ea typeface="細明體" panose="02020509000000000000" pitchFamily="49" charset="-120"/>
+              </a:rPr>
+              <a:t>(instance) </a:t>
+            </a:r>
+            <a:r>
+              <a:rPr lang="zh-TW" altLang="en-US" sz="2000" b="1">
+                <a:latin typeface="細明體" panose="02020509000000000000" pitchFamily="49" charset="-120"/>
+                <a:ea typeface="細明體" panose="02020509000000000000" pitchFamily="49" charset="-120"/>
+              </a:rPr>
+              <a:t>組成一個資料集</a:t>
+            </a:r>
+            <a:r>
+              <a:rPr lang="en-US" altLang="zh-TW" sz="2000" b="1">
+                <a:latin typeface="細明體" panose="02020509000000000000" pitchFamily="49" charset="-120"/>
+                <a:ea typeface="細明體" panose="02020509000000000000" pitchFamily="49" charset="-120"/>
+              </a:rPr>
+              <a:t>(data set)</a:t>
+            </a:r>
+            <a:r>
+              <a:rPr lang="zh-TW" altLang="en-US" sz="2000" b="1">
+                <a:latin typeface="細明體" panose="02020509000000000000" pitchFamily="49" charset="-120"/>
+                <a:ea typeface="細明體" panose="02020509000000000000" pitchFamily="49" charset="-120"/>
+              </a:rPr>
+              <a:t>。</a:t>
+            </a:r>
+          </a:p>
+          <a:p>
+            <a:endParaRPr lang="zh-TW" altLang="en-US" sz="2000" b="1">
+              <a:latin typeface="細明體" panose="02020509000000000000" pitchFamily="49" charset="-120"/>
+              <a:ea typeface="細明體" panose="02020509000000000000" pitchFamily="49" charset="-120"/>
+            </a:endParaRPr>
+          </a:p>
+          <a:p>
+            <a:r>
+              <a:rPr lang="en-US" altLang="zh-TW" sz="2000" b="1">
+                <a:latin typeface="細明體" panose="02020509000000000000" pitchFamily="49" charset="-120"/>
+                <a:ea typeface="細明體" panose="02020509000000000000" pitchFamily="49" charset="-120"/>
+              </a:rPr>
+              <a:t>DICOM Part3  </a:t>
+            </a:r>
+            <a:r>
+              <a:rPr lang="zh-TW" altLang="en-US" sz="2000" b="1">
+                <a:latin typeface="細明體" panose="02020509000000000000" pitchFamily="49" charset="-120"/>
+                <a:ea typeface="細明體" panose="02020509000000000000" pitchFamily="49" charset="-120"/>
+              </a:rPr>
+              <a:t>定義每個 </a:t>
+            </a:r>
+            <a:r>
+              <a:rPr lang="en-US" altLang="zh-TW" sz="2000" b="1">
+                <a:latin typeface="細明體" panose="02020509000000000000" pitchFamily="49" charset="-120"/>
+                <a:ea typeface="細明體" panose="02020509000000000000" pitchFamily="49" charset="-120"/>
+              </a:rPr>
+              <a:t>DICOM object </a:t>
+            </a:r>
+            <a:r>
+              <a:rPr lang="zh-TW" altLang="en-US" sz="2000" b="1">
+                <a:latin typeface="細明體" panose="02020509000000000000" pitchFamily="49" charset="-120"/>
+                <a:ea typeface="細明體" panose="02020509000000000000" pitchFamily="49" charset="-120"/>
+              </a:rPr>
+              <a:t>包含哪些 </a:t>
+            </a:r>
+            <a:r>
+              <a:rPr lang="en-US" altLang="zh-TW" sz="2000" b="1">
+                <a:latin typeface="細明體" panose="02020509000000000000" pitchFamily="49" charset="-120"/>
+                <a:ea typeface="細明體" panose="02020509000000000000" pitchFamily="49" charset="-120"/>
+              </a:rPr>
+              <a:t>Data element</a:t>
+            </a:r>
+            <a:r>
+              <a:rPr lang="zh-TW" altLang="en-US" sz="2000" b="1">
+                <a:latin typeface="細明體" panose="02020509000000000000" pitchFamily="49" charset="-120"/>
+                <a:ea typeface="細明體" panose="02020509000000000000" pitchFamily="49" charset="-120"/>
+              </a:rPr>
+              <a:t>。</a:t>
+            </a:r>
+            <a:br>
+              <a:rPr lang="zh-TW" altLang="en-US" sz="2000" b="1">
+                <a:latin typeface="細明體" panose="02020509000000000000" pitchFamily="49" charset="-120"/>
+                <a:ea typeface="細明體" panose="02020509000000000000" pitchFamily="49" charset="-120"/>
+              </a:rPr>
+            </a:br>
+            <a:endParaRPr lang="zh-TW" altLang="en-US" sz="2000" b="1">
+              <a:latin typeface="細明體" panose="02020509000000000000" pitchFamily="49" charset="-120"/>
+              <a:ea typeface="細明體" panose="02020509000000000000" pitchFamily="49" charset="-120"/>
+            </a:endParaRPr>
+          </a:p>
+          <a:p>
+            <a:r>
+              <a:rPr lang="en-US" altLang="zh-TW" sz="2000" b="1">
+                <a:latin typeface="細明體" panose="02020509000000000000" pitchFamily="49" charset="-120"/>
+                <a:ea typeface="細明體" panose="02020509000000000000" pitchFamily="49" charset="-120"/>
+              </a:rPr>
+              <a:t>DICOM Part5  </a:t>
+            </a:r>
+            <a:r>
+              <a:rPr lang="zh-TW" altLang="en-US" sz="2000" b="1">
+                <a:latin typeface="細明體" panose="02020509000000000000" pitchFamily="49" charset="-120"/>
+                <a:ea typeface="細明體" panose="02020509000000000000" pitchFamily="49" charset="-120"/>
+              </a:rPr>
+              <a:t>定義由 </a:t>
+            </a:r>
+            <a:r>
+              <a:rPr lang="en-US" altLang="zh-TW" sz="2000" b="1">
+                <a:latin typeface="細明體" panose="02020509000000000000" pitchFamily="49" charset="-120"/>
+                <a:ea typeface="細明體" panose="02020509000000000000" pitchFamily="49" charset="-120"/>
+              </a:rPr>
+              <a:t>Data element</a:t>
+            </a:r>
+            <a:br>
+              <a:rPr lang="zh-TW" altLang="en-US" sz="2000" b="1">
+                <a:latin typeface="細明體" panose="02020509000000000000" pitchFamily="49" charset="-120"/>
+                <a:ea typeface="細明體" panose="02020509000000000000" pitchFamily="49" charset="-120"/>
+              </a:rPr>
+            </a:br>
+            <a:r>
+              <a:rPr lang="zh-TW" altLang="en-US" sz="2000" b="1">
+                <a:latin typeface="細明體" panose="02020509000000000000" pitchFamily="49" charset="-120"/>
+                <a:ea typeface="細明體" panose="02020509000000000000" pitchFamily="49" charset="-120"/>
+              </a:rPr>
+              <a:t>串接成實際 </a:t>
+            </a:r>
+            <a:r>
+              <a:rPr lang="en-US" altLang="zh-TW" sz="2000" b="1">
+                <a:latin typeface="細明體" panose="02020509000000000000" pitchFamily="49" charset="-120"/>
+                <a:ea typeface="細明體" panose="02020509000000000000" pitchFamily="49" charset="-120"/>
+              </a:rPr>
+              <a:t>data set </a:t>
+            </a:r>
+            <a:r>
+              <a:rPr lang="zh-TW" altLang="en-US" sz="2000" b="1">
+                <a:latin typeface="細明體" panose="02020509000000000000" pitchFamily="49" charset="-120"/>
+                <a:ea typeface="細明體" panose="02020509000000000000" pitchFamily="49" charset="-120"/>
+              </a:rPr>
+              <a:t>的方式。</a:t>
+            </a:r>
+          </a:p>
+        </p:txBody>
+      </p:sp>
+      <p:pic>
+        <p:nvPicPr>
+          <p:cNvPr id="645124" name="Picture 4" descr="DicomObject">
+            <a:extLst>
+              <a:ext uri="{FF2B5EF4-FFF2-40B4-BE49-F238E27FC236}">
+                <a16:creationId xmlns:a16="http://schemas.microsoft.com/office/drawing/2014/main" id="{5A10D03E-D0A0-4F58-9D61-19182FC56FC8}"/>
+              </a:ext>
+            </a:extLst>
+          </p:cNvPr>
+          <p:cNvPicPr>
+            <a:picLocks noChangeAspect="1" noChangeArrowheads="1"/>
+          </p:cNvPicPr>
+          <p:nvPr/>
+        </p:nvPicPr>
+        <p:blipFill>
+          <a:blip r:embed="rId2">
+            <a:extLst>
+              <a:ext uri="{28A0092B-C50C-407E-A947-70E740481C1C}">
+                <a14:useLocalDpi xmlns:a14="http://schemas.microsoft.com/office/drawing/2010/main" val="0"/>
+              </a:ext>
+            </a:extLst>
+          </a:blip>
+          <a:srcRect/>
+          <a:stretch>
+            <a:fillRect/>
+          </a:stretch>
+        </p:blipFill>
+        <p:spPr bwMode="auto">
+          <a:xfrm>
+            <a:off x="1919289" y="188913"/>
+            <a:ext cx="2695575" cy="6210300"/>
+          </a:xfrm>
+          <a:prstGeom prst="rect">
+            <a:avLst/>
+          </a:prstGeom>
+          <a:noFill/>
+          <a:extLst>
+            <a:ext uri="{909E8E84-426E-40DD-AFC4-6F175D3DCCD1}">
+              <a14:hiddenFill xmlns:a14="http://schemas.microsoft.com/office/drawing/2010/main">
+                <a:solidFill>
+                  <a:srgbClr val="FFFFFF"/>
+                </a:solidFill>
+              </a14:hiddenFill>
+            </a:ext>
+          </a:extLst>
+        </p:spPr>
+      </p:pic>
+    </p:spTree>
+  </p:cSld>
+  <p:clrMapOvr>
+    <a:masterClrMapping/>
+  </p:clrMapOvr>
+</p:sld>
+</file>
+
+<file path=ppt/slides/slide21.xml><?xml version="1.0" encoding="utf-8"?>
+<p:sld xmlns:a="http://schemas.openxmlformats.org/drawingml/2006/main" xmlns:r="http://schemas.openxmlformats.org/officeDocument/2006/relationships" xmlns:p="http://schemas.openxmlformats.org/presentationml/2006/main">
+  <p:cSld>
+    <p:spTree>
+      <p:nvGrpSpPr>
+        <p:cNvPr id="1" name=""/>
+        <p:cNvGrpSpPr/>
+        <p:nvPr/>
+      </p:nvGrpSpPr>
+      <p:grpSpPr>
+        <a:xfrm>
+          <a:off x="0" y="0"/>
+          <a:ext cx="0" cy="0"/>
+          <a:chOff x="0" y="0"/>
+          <a:chExt cx="0" cy="0"/>
+        </a:xfrm>
+      </p:grpSpPr>
+      <p:sp>
+        <p:nvSpPr>
+          <p:cNvPr id="2" name="標題 1"/>
+          <p:cNvSpPr>
+            <a:spLocks noGrp="1"/>
+          </p:cNvSpPr>
+          <p:nvPr>
+            <p:ph type="title"/>
+          </p:nvPr>
+        </p:nvSpPr>
+        <p:spPr/>
+        <p:txBody>
+          <a:bodyPr/>
+          <a:lstStyle/>
+          <a:p>
+            <a:r>
+              <a:rPr lang="zh-TW" altLang="en-US"/>
+              <a:t>程式取得 </a:t>
+            </a:r>
+            <a:r>
+              <a:rPr lang="en-US" altLang="zh-TW"/>
+              <a:t>DICOM data elements</a:t>
+            </a:r>
+            <a:r>
+              <a:rPr lang="zh-TW" altLang="en-US"/>
+              <a:t> 資訊</a:t>
+            </a:r>
+          </a:p>
+        </p:txBody>
+      </p:sp>
+      <p:sp>
+        <p:nvSpPr>
+          <p:cNvPr id="3" name="內容版面配置區 2"/>
+          <p:cNvSpPr>
+            <a:spLocks noGrp="1"/>
+          </p:cNvSpPr>
+          <p:nvPr>
+            <p:ph idx="1"/>
+          </p:nvPr>
+        </p:nvSpPr>
+        <p:spPr/>
+        <p:txBody>
+          <a:bodyPr/>
+          <a:lstStyle/>
+          <a:p>
+            <a:r>
+              <a:rPr lang="zh-TW" altLang="en-US"/>
+              <a:t>現行工具大多可顯示 </a:t>
+            </a:r>
+            <a:r>
+              <a:rPr lang="en-US" altLang="zh-TW"/>
+              <a:t>DICOM</a:t>
+            </a:r>
+            <a:r>
+              <a:rPr lang="zh-TW" altLang="en-US"/>
+              <a:t> </a:t>
+            </a:r>
+            <a:r>
+              <a:rPr lang="en-US" altLang="zh-TW"/>
+              <a:t>tags</a:t>
+            </a:r>
+            <a:r>
+              <a:rPr lang="zh-TW" altLang="en-US"/>
+              <a:t>，但是</a:t>
+            </a:r>
+            <a:r>
+              <a:rPr lang="en-US" altLang="zh-TW"/>
+              <a:t>:</a:t>
+            </a:r>
+          </a:p>
+          <a:p>
+            <a:pPr lvl="1"/>
+            <a:r>
+              <a:rPr lang="zh-TW" altLang="en-US"/>
+              <a:t>無法整合應用</a:t>
+            </a:r>
+            <a:endParaRPr lang="en-US" altLang="zh-TW"/>
+          </a:p>
+          <a:p>
+            <a:pPr lvl="1"/>
+            <a:r>
+              <a:rPr lang="zh-TW" altLang="en-US"/>
+              <a:t>提供的資訊不足，如沒提供各 </a:t>
+            </a:r>
+            <a:r>
+              <a:rPr lang="en-US" altLang="zh-TW"/>
+              <a:t>data</a:t>
+            </a:r>
+            <a:r>
+              <a:rPr lang="zh-TW" altLang="en-US"/>
+              <a:t> </a:t>
+            </a:r>
+            <a:r>
+              <a:rPr lang="en-US" altLang="zh-TW"/>
+              <a:t>element </a:t>
+            </a:r>
+            <a:r>
+              <a:rPr lang="zh-TW" altLang="en-US"/>
+              <a:t>資料起始位置</a:t>
+            </a:r>
+            <a:endParaRPr lang="en-US" altLang="zh-TW"/>
+          </a:p>
+          <a:p>
+            <a:pPr lvl="2"/>
+            <a:r>
+              <a:rPr lang="zh-TW" altLang="en-US"/>
+              <a:t>如 </a:t>
+            </a:r>
+            <a:r>
+              <a:rPr lang="en-US" altLang="zh-TW"/>
+              <a:t>7fe00010 </a:t>
+            </a:r>
+            <a:r>
+              <a:rPr lang="zh-TW" altLang="en-US"/>
+              <a:t>像素資料起始位置</a:t>
+            </a:r>
+            <a:endParaRPr lang="en-US" altLang="zh-TW"/>
+          </a:p>
+          <a:p>
+            <a:endParaRPr lang="en-US" altLang="zh-TW"/>
+          </a:p>
+          <a:p>
+            <a:r>
+              <a:rPr lang="zh-TW" altLang="en-US"/>
+              <a:t>需要網頁前後端程式解析 </a:t>
+            </a:r>
+            <a:r>
+              <a:rPr lang="en-US" altLang="zh-TW"/>
+              <a:t>DICOM</a:t>
+            </a:r>
+            <a:r>
+              <a:rPr lang="zh-TW" altLang="en-US"/>
+              <a:t> 資料，需了解</a:t>
+            </a:r>
+            <a:endParaRPr lang="en-US" altLang="zh-TW"/>
+          </a:p>
+          <a:p>
+            <a:pPr lvl="1"/>
+            <a:r>
+              <a:rPr lang="en-US" altLang="zh-TW"/>
+              <a:t>DICOM</a:t>
+            </a:r>
+            <a:r>
+              <a:rPr lang="zh-TW" altLang="en-US"/>
+              <a:t> </a:t>
+            </a:r>
+            <a:r>
+              <a:rPr lang="en-US" altLang="zh-TW"/>
+              <a:t>data set </a:t>
+            </a:r>
+            <a:r>
+              <a:rPr lang="zh-TW" altLang="en-US"/>
+              <a:t>及 </a:t>
+            </a:r>
+            <a:r>
+              <a:rPr lang="en-US" altLang="zh-TW"/>
+              <a:t>data element </a:t>
+            </a:r>
+            <a:r>
+              <a:rPr lang="zh-TW" altLang="en-US"/>
+              <a:t>結構</a:t>
+            </a:r>
+          </a:p>
+        </p:txBody>
+      </p:sp>
+    </p:spTree>
+    <p:extLst>
+      <p:ext uri="{BB962C8B-B14F-4D97-AF65-F5344CB8AC3E}">
+        <p14:creationId xmlns:p14="http://schemas.microsoft.com/office/powerpoint/2010/main" val="3286883842"/>
+      </p:ext>
+    </p:extLst>
+  </p:cSld>
+  <p:clrMapOvr>
+    <a:masterClrMapping/>
+  </p:clrMapOvr>
+</p:sld>
+</file>
+
+<file path=ppt/slides/slide22.xml><?xml version="1.0" encoding="utf-8"?>
+<p:sld xmlns:a="http://schemas.openxmlformats.org/drawingml/2006/main" xmlns:r="http://schemas.openxmlformats.org/officeDocument/2006/relationships" xmlns:p="http://schemas.openxmlformats.org/presentationml/2006/main">
+  <p:cSld>
+    <p:spTree>
+      <p:nvGrpSpPr>
+        <p:cNvPr id="1" name=""/>
+        <p:cNvGrpSpPr/>
+        <p:nvPr/>
+      </p:nvGrpSpPr>
+      <p:grpSpPr>
+        <a:xfrm>
+          <a:off x="0" y="0"/>
+          <a:ext cx="0" cy="0"/>
+          <a:chOff x="0" y="0"/>
+          <a:chExt cx="0" cy="0"/>
+        </a:xfrm>
+      </p:grpSpPr>
       <p:graphicFrame>
         <p:nvGraphicFramePr>
           <p:cNvPr id="595971" name="Object 3"/>
@@ -6242,7 +6902,7 @@
           <a:graphicData uri="http://schemas.openxmlformats.org/presentationml/2006/ole">
             <mc:AlternateContent xmlns:mc="http://schemas.openxmlformats.org/markup-compatibility/2006">
               <mc:Choice xmlns:v="urn:schemas-microsoft-com:vml" Requires="v">
-                <p:oleObj spid="_x0000_s1033" name="文件" r:id="rId3" imgW="5703858" imgH="4487569" progId="Word.Document.8">
+                <p:oleObj spid="_x0000_s1041" name="文件" r:id="rId3" imgW="5703858" imgH="4487569" progId="Word.Document.8">
                   <p:embed/>
                 </p:oleObj>
               </mc:Choice>
@@ -6499,20 +7159,16 @@
               <a:t>(data set)</a:t>
             </a:r>
             <a:r>
-              <a:rPr lang="zh-TW" altLang="en-US" smtClean="0"/>
+              <a:rPr lang="zh-TW" altLang="en-US"/>
               <a:t>。</a:t>
             </a:r>
-            <a:endParaRPr lang="en-US" altLang="zh-TW" smtClean="0"/>
+            <a:endParaRPr lang="en-US" altLang="zh-TW"/>
           </a:p>
           <a:p>
             <a:pPr lvl="1"/>
             <a:r>
-              <a:rPr lang="en-US" altLang="zh-TW" smtClean="0"/>
-              <a:t>Data </a:t>
-            </a:r>
-            <a:r>
               <a:rPr lang="en-US" altLang="zh-TW"/>
-              <a:t>set </a:t>
+              <a:t>Data set </a:t>
             </a:r>
             <a:r>
               <a:rPr lang="zh-TW" altLang="en-US"/>
@@ -6520,22 +7176,14 @@
             </a:r>
             <a:r>
               <a:rPr lang="en-US" altLang="zh-TW"/>
-              <a:t>(data element</a:t>
-            </a:r>
-            <a:r>
-              <a:rPr lang="en-US" altLang="zh-TW" smtClean="0"/>
-              <a:t>)</a:t>
+              <a:t>(data element)</a:t>
             </a:r>
           </a:p>
           <a:p>
             <a:pPr lvl="2"/>
             <a:r>
-              <a:rPr lang="zh-TW" altLang="en-US" smtClean="0"/>
-              <a:t>每</a:t>
-            </a:r>
-            <a:r>
-              <a:rPr lang="zh-TW" altLang="en-US"/>
-              <a:t>個 </a:t>
+              <a:rPr lang="zh-TW" altLang="en-US"/>
+              <a:t>每個 </a:t>
             </a:r>
             <a:r>
               <a:rPr lang="en-US" altLang="zh-TW"/>
@@ -6551,23 +7199,15 @@
             </a:r>
             <a:r>
               <a:rPr lang="zh-TW" altLang="en-US"/>
-              <a:t>的某個</a:t>
-            </a:r>
-            <a:r>
-              <a:rPr lang="zh-TW" altLang="en-US" smtClean="0"/>
-              <a:t>特性</a:t>
-            </a:r>
-            <a:endParaRPr lang="en-US" altLang="zh-TW" smtClean="0"/>
+              <a:t>的某個特性</a:t>
+            </a:r>
+            <a:endParaRPr lang="en-US" altLang="zh-TW"/>
           </a:p>
           <a:p>
             <a:pPr lvl="3"/>
             <a:r>
-              <a:rPr lang="en-US" altLang="zh-TW" smtClean="0"/>
-              <a:t>(</a:t>
-            </a:r>
-            <a:r>
               <a:rPr lang="en-US" altLang="zh-TW"/>
-              <a:t>Exp. Patient ID</a:t>
+              <a:t>(Exp. Patient ID</a:t>
             </a:r>
             <a:r>
               <a:rPr lang="zh-TW" altLang="en-US"/>
@@ -6586,19 +7226,15 @@
               <a:t>Image columns…)</a:t>
             </a:r>
             <a:r>
-              <a:rPr lang="zh-TW" altLang="en-US" smtClean="0"/>
+              <a:rPr lang="zh-TW" altLang="en-US"/>
               <a:t>。</a:t>
             </a:r>
-            <a:endParaRPr lang="en-US" altLang="zh-TW" smtClean="0"/>
-          </a:p>
-          <a:p>
-            <a:r>
-              <a:rPr lang="en-US" altLang="zh-TW" smtClean="0"/>
-              <a:t>Data </a:t>
-            </a:r>
+            <a:endParaRPr lang="en-US" altLang="zh-TW"/>
+          </a:p>
+          <a:p>
             <a:r>
               <a:rPr lang="en-US" altLang="zh-TW"/>
-              <a:t>element </a:t>
+              <a:t>Data element </a:t>
             </a:r>
             <a:r>
               <a:rPr lang="zh-TW" altLang="en-US"/>
@@ -6628,176 +7264,7 @@
 </p:sld>
 </file>
 
-<file path=ppt/slides/slide2.xml><?xml version="1.0" encoding="utf-8"?>
-<p:sld xmlns:a="http://schemas.openxmlformats.org/drawingml/2006/main" xmlns:r="http://schemas.openxmlformats.org/officeDocument/2006/relationships" xmlns:p="http://schemas.openxmlformats.org/presentationml/2006/main">
-  <p:cSld>
-    <p:spTree>
-      <p:nvGrpSpPr>
-        <p:cNvPr id="1" name=""/>
-        <p:cNvGrpSpPr/>
-        <p:nvPr/>
-      </p:nvGrpSpPr>
-      <p:grpSpPr>
-        <a:xfrm>
-          <a:off x="0" y="0"/>
-          <a:ext cx="0" cy="0"/>
-          <a:chOff x="0" y="0"/>
-          <a:chExt cx="0" cy="0"/>
-        </a:xfrm>
-      </p:grpSpPr>
-      <p:sp>
-        <p:nvSpPr>
-          <p:cNvPr id="4098" name="Rectangle 2"/>
-          <p:cNvSpPr>
-            <a:spLocks noGrp="1" noChangeArrowheads="1"/>
-          </p:cNvSpPr>
-          <p:nvPr>
-            <p:ph type="title"/>
-          </p:nvPr>
-        </p:nvSpPr>
-        <p:spPr/>
-        <p:txBody>
-          <a:bodyPr/>
-          <a:lstStyle/>
-          <a:p>
-            <a:pPr algn="ctr" eaLnBrk="1" hangingPunct="1"/>
-            <a:r>
-              <a:rPr lang="zh-TW" altLang="en-US" dirty="0" smtClean="0"/>
-              <a:t>課程大綱</a:t>
-            </a:r>
-          </a:p>
-        </p:txBody>
-      </p:sp>
-      <p:sp>
-        <p:nvSpPr>
-          <p:cNvPr id="4099" name="Rectangle 3"/>
-          <p:cNvSpPr>
-            <a:spLocks noGrp="1" noChangeArrowheads="1"/>
-          </p:cNvSpPr>
-          <p:nvPr>
-            <p:ph idx="1"/>
-          </p:nvPr>
-        </p:nvSpPr>
-        <p:spPr>
-          <a:xfrm>
-            <a:off x="609600" y="1937442"/>
-            <a:ext cx="10972800" cy="4188726"/>
-          </a:xfrm>
-        </p:spPr>
-        <p:txBody>
-          <a:bodyPr/>
-          <a:lstStyle/>
-          <a:p>
-            <a:r>
-              <a:rPr lang="zh-TW" altLang="en-US" smtClean="0"/>
-              <a:t>繪製醫學影像圖形初體驗</a:t>
-            </a:r>
-            <a:endParaRPr lang="en-US" altLang="zh-TW" dirty="0" smtClean="0"/>
-          </a:p>
-          <a:p>
-            <a:pPr eaLnBrk="1" hangingPunct="1"/>
-            <a:endParaRPr lang="en-US" altLang="zh-TW" dirty="0" smtClean="0"/>
-          </a:p>
-          <a:p>
-            <a:pPr eaLnBrk="1" hangingPunct="1"/>
-            <a:r>
-              <a:rPr lang="en-US" altLang="zh-TW" smtClean="0"/>
-              <a:t>DICOM</a:t>
-            </a:r>
-            <a:r>
-              <a:rPr lang="zh-TW" altLang="en-US" smtClean="0"/>
-              <a:t> 圖檔來源</a:t>
-            </a:r>
-            <a:endParaRPr lang="en-US" altLang="zh-TW" dirty="0" smtClean="0"/>
-          </a:p>
-          <a:p>
-            <a:pPr eaLnBrk="1" hangingPunct="1"/>
-            <a:endParaRPr lang="en-US" altLang="zh-TW" dirty="0"/>
-          </a:p>
-          <a:p>
-            <a:pPr eaLnBrk="1" hangingPunct="1"/>
-            <a:r>
-              <a:rPr lang="zh-TW" altLang="en-US" smtClean="0"/>
-              <a:t>安裝及使用 </a:t>
-            </a:r>
-            <a:r>
-              <a:rPr lang="en-US" altLang="zh-TW" smtClean="0"/>
-              <a:t>DICOM</a:t>
-            </a:r>
-            <a:r>
-              <a:rPr lang="zh-TW" altLang="en-US" smtClean="0"/>
-              <a:t> </a:t>
-            </a:r>
-            <a:r>
-              <a:rPr lang="en-US" altLang="zh-TW" smtClean="0"/>
-              <a:t>viewer</a:t>
-            </a:r>
-            <a:endParaRPr lang="en-US" altLang="zh-TW" dirty="0" smtClean="0"/>
-          </a:p>
-          <a:p>
-            <a:pPr eaLnBrk="1" hangingPunct="1"/>
-            <a:endParaRPr lang="en-US" altLang="zh-TW" dirty="0"/>
-          </a:p>
-          <a:p>
-            <a:pPr eaLnBrk="1" hangingPunct="1"/>
-            <a:r>
-              <a:rPr lang="zh-TW" altLang="en-US" smtClean="0"/>
-              <a:t>分析</a:t>
-            </a:r>
-            <a:r>
-              <a:rPr lang="en-US" altLang="zh-TW" smtClean="0"/>
-              <a:t>DICOM</a:t>
-            </a:r>
-            <a:r>
-              <a:rPr lang="zh-TW" altLang="en-US" smtClean="0"/>
-              <a:t> </a:t>
-            </a:r>
-            <a:r>
-              <a:rPr lang="zh-TW" altLang="en-US" b="1" smtClean="0"/>
-              <a:t>影像</a:t>
-            </a:r>
-            <a:r>
-              <a:rPr lang="zh-TW" altLang="en-US" b="1" smtClean="0">
-                <a:solidFill>
-                  <a:srgbClr val="FF0000"/>
-                </a:solidFill>
-                <a:effectLst>
-                  <a:outerShdw blurRad="38100" dist="38100" dir="2700000" algn="tl">
-                    <a:srgbClr val="000000">
-                      <a:alpha val="43137"/>
-                    </a:srgbClr>
-                  </a:outerShdw>
-                </a:effectLst>
-              </a:rPr>
-              <a:t>規格</a:t>
-            </a:r>
-            <a:r>
-              <a:rPr lang="zh-TW" altLang="en-US" smtClean="0"/>
-              <a:t>練習</a:t>
-            </a:r>
-            <a:endParaRPr lang="en-US" altLang="zh-TW" dirty="0" smtClean="0"/>
-          </a:p>
-          <a:p>
-            <a:pPr eaLnBrk="1" hangingPunct="1"/>
-            <a:endParaRPr lang="en-US" altLang="zh-TW" dirty="0"/>
-          </a:p>
-        </p:txBody>
-      </p:sp>
-    </p:spTree>
-    <p:extLst>
-      <p:ext uri="{BB962C8B-B14F-4D97-AF65-F5344CB8AC3E}">
-        <p14:creationId xmlns:p14="http://schemas.microsoft.com/office/powerpoint/2010/main" val="3806295968"/>
-      </p:ext>
-    </p:extLst>
-  </p:cSld>
-  <p:clrMapOvr>
-    <a:masterClrMapping/>
-  </p:clrMapOvr>
-  <p:transition/>
-</p:sld>
-</file>
-
-<file path=ppt/slides/slide20.xml><?xml version="1.0" encoding="utf-8"?>
+<file path=ppt/slides/slide23.xml><?xml version="1.0" encoding="utf-8"?>
 <p:sld xmlns:a="http://schemas.openxmlformats.org/drawingml/2006/main" xmlns:r="http://schemas.openxmlformats.org/officeDocument/2006/relationships" xmlns:p="http://schemas.openxmlformats.org/presentationml/2006/main">
   <p:cSld>
     <p:spTree>
@@ -7584,7 +8051,7 @@
                         <a:tabLst/>
                       </a:pPr>
                       <a:r>
-                        <a:rPr kumimoji="1" lang="en-US" altLang="zh-TW" sz="2600" b="1" i="0" u="none" strike="noStrike" cap="none" normalizeH="0" baseline="0" smtClean="0">
+                        <a:rPr kumimoji="1" lang="en-US" altLang="zh-TW" sz="2600" b="1" i="0" u="none" strike="noStrike" cap="none" normalizeH="0" baseline="0">
                           <a:ln>
                             <a:noFill/>
                           </a:ln>
@@ -7836,7 +8303,7 @@
                         <a:tabLst/>
                       </a:pPr>
                       <a:r>
-                        <a:rPr kumimoji="1" lang="en-US" altLang="zh-TW" sz="2600" b="1" i="0" u="none" strike="noStrike" cap="none" normalizeH="0" baseline="0" smtClean="0">
+                        <a:rPr kumimoji="1" lang="en-US" altLang="zh-TW" sz="2600" b="1" i="0" u="none" strike="noStrike" cap="none" normalizeH="0" baseline="0">
                           <a:ln>
                             <a:noFill/>
                           </a:ln>
@@ -8088,7 +8555,7 @@
                         <a:tabLst/>
                       </a:pPr>
                       <a:r>
-                        <a:rPr kumimoji="1" lang="en-US" altLang="zh-TW" sz="2600" b="1" i="0" u="none" strike="noStrike" cap="none" normalizeH="0" baseline="0" smtClean="0">
+                        <a:rPr kumimoji="1" lang="en-US" altLang="zh-TW" sz="2600" b="1" i="0" u="none" strike="noStrike" cap="none" normalizeH="0" baseline="0">
                           <a:ln>
                             <a:noFill/>
                           </a:ln>
@@ -8340,7 +8807,7 @@
                         <a:tabLst/>
                       </a:pPr>
                       <a:r>
-                        <a:rPr kumimoji="1" lang="en-US" altLang="zh-TW" sz="2600" b="1" i="0" u="none" strike="noStrike" cap="none" normalizeH="0" baseline="0" smtClean="0">
+                        <a:rPr kumimoji="1" lang="en-US" altLang="zh-TW" sz="2600" b="1" i="0" u="none" strike="noStrike" cap="none" normalizeH="0" baseline="0">
                           <a:ln>
                             <a:noFill/>
                           </a:ln>
@@ -8559,739 +9026,6 @@
   <p:transition spd="med">
     <p:fade thruBlk="1"/>
   </p:transition>
-  <p:timing>
-    <p:tnLst>
-      <p:par>
-        <p:cTn id="1" dur="indefinite" restart="never" nodeType="tmRoot"/>
-      </p:par>
-    </p:tnLst>
-  </p:timing>
-</p:sld>
-</file>
-
-<file path=ppt/slides/slide21.xml><?xml version="1.0" encoding="utf-8"?>
-<p:sld xmlns:a="http://schemas.openxmlformats.org/drawingml/2006/main" xmlns:r="http://schemas.openxmlformats.org/officeDocument/2006/relationships" xmlns:p="http://schemas.openxmlformats.org/presentationml/2006/main">
-  <p:cSld>
-    <p:spTree>
-      <p:nvGrpSpPr>
-        <p:cNvPr id="1" name=""/>
-        <p:cNvGrpSpPr/>
-        <p:nvPr/>
-      </p:nvGrpSpPr>
-      <p:grpSpPr>
-        <a:xfrm>
-          <a:off x="0" y="0"/>
-          <a:ext cx="0" cy="0"/>
-          <a:chOff x="0" y="0"/>
-          <a:chExt cx="0" cy="0"/>
-        </a:xfrm>
-      </p:grpSpPr>
-      <p:sp>
-        <p:nvSpPr>
-          <p:cNvPr id="613378" name="Rectangle 2"/>
-          <p:cNvSpPr>
-            <a:spLocks noGrp="1" noChangeArrowheads="1"/>
-          </p:cNvSpPr>
-          <p:nvPr>
-            <p:ph type="title"/>
-          </p:nvPr>
-        </p:nvSpPr>
-        <p:spPr>
-          <a:xfrm>
-            <a:off x="1981200" y="277814"/>
-            <a:ext cx="8229600" cy="458787"/>
-          </a:xfrm>
-        </p:spPr>
-        <p:txBody>
-          <a:bodyPr/>
-          <a:lstStyle/>
-          <a:p>
-            <a:pPr algn="ctr"/>
-            <a:r>
-              <a:rPr lang="en-US" altLang="zh-TW">
-                <a:latin typeface="Times New Roman" panose="02020603050405020304" pitchFamily="18" charset="0"/>
-              </a:rPr>
-              <a:t>data element</a:t>
-            </a:r>
-          </a:p>
-        </p:txBody>
-      </p:sp>
-      <p:sp>
-        <p:nvSpPr>
-          <p:cNvPr id="613379" name="Rectangle 3"/>
-          <p:cNvSpPr>
-            <a:spLocks noGrp="1" noChangeArrowheads="1"/>
-          </p:cNvSpPr>
-          <p:nvPr>
-            <p:ph type="body" idx="1"/>
-          </p:nvPr>
-        </p:nvSpPr>
-        <p:spPr>
-          <a:xfrm>
-            <a:off x="2351088" y="1412876"/>
-            <a:ext cx="7772400" cy="4752975"/>
-          </a:xfrm>
-        </p:spPr>
-        <p:txBody>
-          <a:bodyPr/>
-          <a:lstStyle/>
-          <a:p>
-            <a:r>
-              <a:rPr lang="en-US" altLang="zh-TW"/>
-              <a:t>DICOM </a:t>
-            </a:r>
-            <a:r>
-              <a:rPr lang="zh-TW" altLang="en-US"/>
-              <a:t>物件實例 </a:t>
-            </a:r>
-            <a:r>
-              <a:rPr lang="en-US" altLang="zh-TW"/>
-              <a:t>data set </a:t>
-            </a:r>
-            <a:r>
-              <a:rPr lang="zh-TW" altLang="en-US"/>
-              <a:t>包含許多 </a:t>
-            </a:r>
-            <a:r>
-              <a:rPr lang="en-US" altLang="zh-TW"/>
-              <a:t>Data element</a:t>
-            </a:r>
-          </a:p>
-          <a:p>
-            <a:r>
-              <a:rPr lang="zh-TW" altLang="en-US"/>
-              <a:t>每個 </a:t>
-            </a:r>
-            <a:r>
-              <a:rPr lang="en-US" altLang="zh-TW"/>
-              <a:t>data element </a:t>
-            </a:r>
-            <a:r>
-              <a:rPr lang="zh-TW" altLang="en-US"/>
-              <a:t>包含三個基本的欄位</a:t>
-            </a:r>
-            <a:r>
-              <a:rPr lang="en-US" altLang="zh-TW"/>
-              <a:t>tag</a:t>
-            </a:r>
-            <a:r>
-              <a:rPr lang="zh-TW" altLang="en-US"/>
-              <a:t>、</a:t>
-            </a:r>
-            <a:r>
-              <a:rPr lang="en-US" altLang="zh-TW"/>
-              <a:t>value length</a:t>
-            </a:r>
-            <a:r>
-              <a:rPr lang="zh-TW" altLang="en-US"/>
-              <a:t>、</a:t>
-            </a:r>
-            <a:r>
-              <a:rPr lang="en-US" altLang="zh-TW"/>
-              <a:t>value field</a:t>
-            </a:r>
-            <a:r>
-              <a:rPr lang="zh-TW" altLang="en-US" smtClean="0"/>
-              <a:t>。</a:t>
-            </a:r>
-            <a:endParaRPr lang="en-US" altLang="zh-TW" smtClean="0"/>
-          </a:p>
-          <a:p>
-            <a:r>
-              <a:rPr lang="zh-TW" altLang="en-US" smtClean="0"/>
-              <a:t>及</a:t>
-            </a:r>
-            <a:r>
-              <a:rPr lang="zh-TW" altLang="en-US"/>
-              <a:t>一個</a:t>
-            </a:r>
-            <a:r>
-              <a:rPr lang="zh-TW" altLang="en-US" b="1">
-                <a:solidFill>
-                  <a:srgbClr val="FF0000"/>
-                </a:solidFill>
-              </a:rPr>
-              <a:t>選擇的欄位</a:t>
-            </a:r>
-            <a:r>
-              <a:rPr lang="en-US" altLang="zh-TW" b="1">
-                <a:solidFill>
-                  <a:srgbClr val="FF0000"/>
-                </a:solidFill>
-              </a:rPr>
-              <a:t>:(VR:Value Representation)</a:t>
-            </a:r>
-            <a:r>
-              <a:rPr lang="zh-TW" altLang="en-US"/>
-              <a:t>，</a:t>
-            </a:r>
-            <a:r>
-              <a:rPr lang="en-US" altLang="zh-TW"/>
-              <a:t>VR </a:t>
-            </a:r>
-            <a:r>
-              <a:rPr lang="zh-TW" altLang="en-US"/>
-              <a:t>表示此欄位值的資料型態。</a:t>
-            </a:r>
-          </a:p>
-        </p:txBody>
-      </p:sp>
-    </p:spTree>
-    <p:extLst>
-      <p:ext uri="{BB962C8B-B14F-4D97-AF65-F5344CB8AC3E}">
-        <p14:creationId xmlns:p14="http://schemas.microsoft.com/office/powerpoint/2010/main" val="1616078176"/>
-      </p:ext>
-    </p:extLst>
-  </p:cSld>
-  <p:clrMapOvr>
-    <a:masterClrMapping/>
-  </p:clrMapOvr>
-</p:sld>
-</file>
-
-<file path=ppt/slides/slide22.xml><?xml version="1.0" encoding="utf-8"?>
-<p:sld xmlns:a="http://schemas.openxmlformats.org/drawingml/2006/main" xmlns:r="http://schemas.openxmlformats.org/officeDocument/2006/relationships" xmlns:p="http://schemas.openxmlformats.org/presentationml/2006/main">
-  <p:cSld>
-    <p:spTree>
-      <p:nvGrpSpPr>
-        <p:cNvPr id="1" name=""/>
-        <p:cNvGrpSpPr/>
-        <p:nvPr/>
-      </p:nvGrpSpPr>
-      <p:grpSpPr>
-        <a:xfrm>
-          <a:off x="0" y="0"/>
-          <a:ext cx="0" cy="0"/>
-          <a:chOff x="0" y="0"/>
-          <a:chExt cx="0" cy="0"/>
-        </a:xfrm>
-      </p:grpSpPr>
-      <p:sp>
-        <p:nvSpPr>
-          <p:cNvPr id="620546" name="Rectangle 2"/>
-          <p:cNvSpPr>
-            <a:spLocks noGrp="1" noChangeArrowheads="1"/>
-          </p:cNvSpPr>
-          <p:nvPr>
-            <p:ph type="title"/>
-          </p:nvPr>
-        </p:nvSpPr>
-        <p:spPr/>
-        <p:txBody>
-          <a:bodyPr/>
-          <a:lstStyle/>
-          <a:p>
-            <a:pPr algn="ctr"/>
-            <a:r>
-              <a:rPr lang="en-US" altLang="zh-TW"/>
-              <a:t>Tag</a:t>
-            </a:r>
-            <a:endParaRPr lang="zh-TW" altLang="en-US"/>
-          </a:p>
-        </p:txBody>
-      </p:sp>
-      <p:sp>
-        <p:nvSpPr>
-          <p:cNvPr id="620547" name="Rectangle 3"/>
-          <p:cNvSpPr>
-            <a:spLocks noGrp="1" noChangeArrowheads="1"/>
-          </p:cNvSpPr>
-          <p:nvPr>
-            <p:ph type="body" idx="1"/>
-          </p:nvPr>
-        </p:nvSpPr>
-        <p:spPr/>
-        <p:txBody>
-          <a:bodyPr/>
-          <a:lstStyle/>
-          <a:p>
-            <a:r>
-              <a:rPr lang="en-US" altLang="zh-TW" sz="2900"/>
-              <a:t>Data Element </a:t>
-            </a:r>
-            <a:r>
-              <a:rPr lang="zh-TW" altLang="en-US" sz="2900"/>
-              <a:t>中的 </a:t>
-            </a:r>
-            <a:r>
-              <a:rPr lang="en-US" altLang="zh-TW" sz="2900"/>
-              <a:t>Tag :</a:t>
-            </a:r>
-            <a:r>
-              <a:rPr lang="zh-TW" altLang="en-US" sz="2900"/>
-              <a:t>為一組 </a:t>
-            </a:r>
-            <a:r>
-              <a:rPr lang="en-US" altLang="zh-TW" sz="2900"/>
-              <a:t>4 Bytes </a:t>
-            </a:r>
-            <a:r>
-              <a:rPr lang="zh-TW" altLang="en-US" sz="2900"/>
-              <a:t>的數字，以作為</a:t>
-            </a:r>
-            <a:r>
-              <a:rPr lang="en-US" altLang="zh-TW" sz="2900"/>
-              <a:t>DICOM </a:t>
-            </a:r>
-            <a:r>
-              <a:rPr lang="zh-TW" altLang="en-US" sz="2900"/>
-              <a:t>物件中 </a:t>
-            </a:r>
-            <a:r>
-              <a:rPr lang="en-US" altLang="zh-TW" sz="2900"/>
-              <a:t>Data Element </a:t>
-            </a:r>
-            <a:r>
-              <a:rPr lang="zh-TW" altLang="en-US" sz="2900"/>
-              <a:t>的標籤，通常以 </a:t>
-            </a:r>
-            <a:r>
-              <a:rPr lang="en-US" altLang="zh-TW" sz="2900"/>
-              <a:t>(xxxx, xxxx) </a:t>
-            </a:r>
-            <a:r>
-              <a:rPr lang="zh-TW" altLang="en-US" sz="2900"/>
-              <a:t>之</a:t>
-            </a:r>
-            <a:r>
-              <a:rPr lang="en-US" altLang="zh-TW" sz="2900"/>
-              <a:t>16</a:t>
-            </a:r>
-            <a:r>
-              <a:rPr lang="zh-TW" altLang="en-US" sz="2900"/>
-              <a:t>進位碼表示</a:t>
-            </a:r>
-            <a:r>
-              <a:rPr lang="zh-TW" altLang="en-US" sz="2900" smtClean="0"/>
-              <a:t>。</a:t>
-            </a:r>
-            <a:endParaRPr lang="en-US" altLang="zh-TW" sz="2900" smtClean="0"/>
-          </a:p>
-          <a:p>
-            <a:r>
-              <a:rPr lang="zh-TW" altLang="en-US" sz="2900" smtClean="0"/>
-              <a:t>前兩</a:t>
-            </a:r>
-            <a:r>
-              <a:rPr lang="zh-TW" altLang="en-US" sz="2900"/>
-              <a:t>個 </a:t>
-            </a:r>
-            <a:r>
-              <a:rPr lang="en-US" altLang="zh-TW" sz="2900"/>
-              <a:t>Bytes</a:t>
-            </a:r>
-            <a:r>
-              <a:rPr lang="zh-TW" altLang="en-US" sz="2900"/>
-              <a:t>稱為</a:t>
-            </a:r>
-            <a:r>
-              <a:rPr lang="en-US" altLang="zh-TW" sz="2900"/>
-              <a:t>Group Number</a:t>
-            </a:r>
-            <a:r>
-              <a:rPr lang="zh-TW" altLang="en-US" sz="2900"/>
-              <a:t>，後兩個 </a:t>
-            </a:r>
-            <a:r>
-              <a:rPr lang="en-US" altLang="zh-TW" sz="2900"/>
-              <a:t>Bytes</a:t>
-            </a:r>
-            <a:r>
-              <a:rPr lang="zh-TW" altLang="en-US" sz="2900"/>
-              <a:t>稱為</a:t>
-            </a:r>
-            <a:r>
-              <a:rPr lang="en-US" altLang="zh-TW" sz="2900"/>
-              <a:t>Element Number</a:t>
-            </a:r>
-            <a:r>
-              <a:rPr lang="zh-TW" altLang="en-US" sz="2900"/>
-              <a:t>。</a:t>
-            </a:r>
-          </a:p>
-          <a:p>
-            <a:pPr lvl="1"/>
-            <a:r>
-              <a:rPr lang="zh-TW" altLang="en-US"/>
-              <a:t>例如 </a:t>
-            </a:r>
-            <a:r>
-              <a:rPr lang="en-US" altLang="zh-TW"/>
-              <a:t>(0010,0010) </a:t>
-            </a:r>
-            <a:r>
-              <a:rPr lang="zh-TW" altLang="en-US"/>
-              <a:t>為 </a:t>
-            </a:r>
-            <a:r>
-              <a:rPr lang="en-US" altLang="zh-TW"/>
-              <a:t>DICOM </a:t>
-            </a:r>
-            <a:r>
-              <a:rPr lang="zh-TW" altLang="en-US"/>
-              <a:t>物件中 </a:t>
-            </a:r>
-            <a:r>
-              <a:rPr lang="en-US" altLang="zh-TW"/>
-              <a:t>Patient Name Element</a:t>
-            </a:r>
-            <a:r>
-              <a:rPr lang="zh-TW" altLang="en-US"/>
-              <a:t>的標籤</a:t>
-            </a:r>
-            <a:r>
-              <a:rPr lang="en-US" altLang="zh-TW"/>
-              <a:t>, </a:t>
-            </a:r>
-            <a:r>
-              <a:rPr lang="en-US" altLang="zh-TW">
-                <a:solidFill>
-                  <a:srgbClr val="FF0000"/>
-                </a:solidFill>
-              </a:rPr>
-              <a:t>(7fe0,0010) </a:t>
-            </a:r>
-            <a:r>
-              <a:rPr lang="zh-TW" altLang="en-US">
-                <a:solidFill>
-                  <a:srgbClr val="FF0000"/>
-                </a:solidFill>
-              </a:rPr>
-              <a:t>為 </a:t>
-            </a:r>
-            <a:r>
-              <a:rPr lang="en-US" altLang="zh-TW">
-                <a:solidFill>
-                  <a:srgbClr val="FF0000"/>
-                </a:solidFill>
-              </a:rPr>
-              <a:t>Pixel Data Element</a:t>
-            </a:r>
-            <a:r>
-              <a:rPr lang="zh-TW" altLang="en-US">
-                <a:solidFill>
-                  <a:srgbClr val="FF0000"/>
-                </a:solidFill>
-              </a:rPr>
-              <a:t>的標籤</a:t>
-            </a:r>
-          </a:p>
-          <a:p>
-            <a:endParaRPr lang="zh-TW" altLang="en-US"/>
-          </a:p>
-        </p:txBody>
-      </p:sp>
-    </p:spTree>
-    <p:extLst>
-      <p:ext uri="{BB962C8B-B14F-4D97-AF65-F5344CB8AC3E}">
-        <p14:creationId xmlns:p14="http://schemas.microsoft.com/office/powerpoint/2010/main" val="1023208049"/>
-      </p:ext>
-    </p:extLst>
-  </p:cSld>
-  <p:clrMapOvr>
-    <a:masterClrMapping/>
-  </p:clrMapOvr>
-</p:sld>
-</file>
-
-<file path=ppt/slides/slide23.xml><?xml version="1.0" encoding="utf-8"?>
-<p:sld xmlns:a="http://schemas.openxmlformats.org/drawingml/2006/main" xmlns:r="http://schemas.openxmlformats.org/officeDocument/2006/relationships" xmlns:p="http://schemas.openxmlformats.org/presentationml/2006/main">
-  <p:cSld>
-    <p:spTree>
-      <p:nvGrpSpPr>
-        <p:cNvPr id="1" name=""/>
-        <p:cNvGrpSpPr/>
-        <p:nvPr/>
-      </p:nvGrpSpPr>
-      <p:grpSpPr>
-        <a:xfrm>
-          <a:off x="0" y="0"/>
-          <a:ext cx="0" cy="0"/>
-          <a:chOff x="0" y="0"/>
-          <a:chExt cx="0" cy="0"/>
-        </a:xfrm>
-      </p:grpSpPr>
-      <p:sp>
-        <p:nvSpPr>
-          <p:cNvPr id="621570" name="Rectangle 2"/>
-          <p:cNvSpPr>
-            <a:spLocks noGrp="1" noChangeArrowheads="1"/>
-          </p:cNvSpPr>
-          <p:nvPr>
-            <p:ph type="title"/>
-          </p:nvPr>
-        </p:nvSpPr>
-        <p:spPr/>
-        <p:txBody>
-          <a:bodyPr/>
-          <a:lstStyle/>
-          <a:p>
-            <a:pPr algn="ctr"/>
-            <a:r>
-              <a:rPr lang="en-US" altLang="zh-TW"/>
-              <a:t>VR: </a:t>
-            </a:r>
-            <a:r>
-              <a:rPr lang="en-US" altLang="zh-TW" sz="4100"/>
-              <a:t>Value Representation</a:t>
-            </a:r>
-            <a:endParaRPr lang="zh-TW" altLang="en-US" sz="4100"/>
-          </a:p>
-        </p:txBody>
-      </p:sp>
-      <p:sp>
-        <p:nvSpPr>
-          <p:cNvPr id="621571" name="Rectangle 3"/>
-          <p:cNvSpPr>
-            <a:spLocks noGrp="1" noChangeArrowheads="1"/>
-          </p:cNvSpPr>
-          <p:nvPr>
-            <p:ph type="body" idx="1"/>
-          </p:nvPr>
-        </p:nvSpPr>
-        <p:spPr/>
-        <p:txBody>
-          <a:bodyPr/>
-          <a:lstStyle/>
-          <a:p>
-            <a:pPr>
-              <a:lnSpc>
-                <a:spcPct val="90000"/>
-              </a:lnSpc>
-            </a:pPr>
-            <a:r>
-              <a:rPr lang="en-US" altLang="zh-TW" sz="2900"/>
-              <a:t>VR (Value Representation):</a:t>
-            </a:r>
-            <a:r>
-              <a:rPr lang="zh-TW" altLang="en-US" sz="2900"/>
-              <a:t>表示此物件欄位值</a:t>
-            </a:r>
-            <a:r>
-              <a:rPr lang="en-US" altLang="zh-TW" sz="2900"/>
-              <a:t>(Value Field)</a:t>
-            </a:r>
-            <a:r>
-              <a:rPr lang="zh-TW" altLang="en-US" sz="2900"/>
-              <a:t>的資料型態。</a:t>
-            </a:r>
-            <a:r>
-              <a:rPr lang="en-US" altLang="zh-TW" sz="2900"/>
-              <a:t>VR </a:t>
-            </a:r>
-            <a:r>
-              <a:rPr lang="zh-TW" altLang="en-US" sz="2900"/>
-              <a:t>以兩個 </a:t>
-            </a:r>
-            <a:r>
-              <a:rPr lang="en-US" altLang="zh-TW" sz="2900"/>
-              <a:t>Bytes </a:t>
-            </a:r>
-            <a:r>
-              <a:rPr lang="zh-TW" altLang="en-US" sz="2900"/>
-              <a:t>表示這個資料元件的資料型態</a:t>
-            </a:r>
-            <a:r>
-              <a:rPr lang="en-US" altLang="zh-TW" sz="2900"/>
-              <a:t>(data type)</a:t>
-            </a:r>
-            <a:r>
-              <a:rPr lang="zh-TW" altLang="en-US" sz="2900"/>
-              <a:t>。</a:t>
-            </a:r>
-          </a:p>
-          <a:p>
-            <a:pPr lvl="1">
-              <a:lnSpc>
-                <a:spcPct val="90000"/>
-              </a:lnSpc>
-            </a:pPr>
-            <a:r>
-              <a:rPr lang="zh-TW" altLang="en-US">
-                <a:latin typeface="新細明體" panose="02020500000000000000" pitchFamily="18" charset="-120"/>
-              </a:rPr>
-              <a:t>例如日期的</a:t>
-            </a:r>
-            <a:r>
-              <a:rPr lang="en-US" altLang="zh-TW">
-                <a:latin typeface="新細明體" panose="02020500000000000000" pitchFamily="18" charset="-120"/>
-              </a:rPr>
-              <a:t>VR</a:t>
-            </a:r>
-            <a:r>
-              <a:rPr lang="zh-TW" altLang="en-US">
-                <a:latin typeface="新細明體" panose="02020500000000000000" pitchFamily="18" charset="-120"/>
-              </a:rPr>
-              <a:t>用</a:t>
-            </a:r>
-            <a:r>
-              <a:rPr lang="en-US" altLang="zh-TW">
-                <a:latin typeface="新細明體" panose="02020500000000000000" pitchFamily="18" charset="-120"/>
-              </a:rPr>
-              <a:t>DA (Date)</a:t>
-            </a:r>
-            <a:r>
-              <a:rPr lang="zh-TW" altLang="en-US">
-                <a:latin typeface="新細明體" panose="02020500000000000000" pitchFamily="18" charset="-120"/>
-              </a:rPr>
-              <a:t>表示。</a:t>
-            </a:r>
-          </a:p>
-          <a:p>
-            <a:pPr lvl="1">
-              <a:lnSpc>
-                <a:spcPct val="90000"/>
-              </a:lnSpc>
-            </a:pPr>
-            <a:r>
-              <a:rPr lang="zh-TW" altLang="en-US">
-                <a:latin typeface="新細明體" panose="02020500000000000000" pitchFamily="18" charset="-120"/>
-              </a:rPr>
-              <a:t>浮點數則用</a:t>
-            </a:r>
-            <a:r>
-              <a:rPr lang="en-US" altLang="zh-TW">
-                <a:latin typeface="新細明體" panose="02020500000000000000" pitchFamily="18" charset="-120"/>
-              </a:rPr>
-              <a:t>FP(Float Point)</a:t>
-            </a:r>
-            <a:r>
-              <a:rPr lang="zh-TW" altLang="en-US">
-                <a:latin typeface="新細明體" panose="02020500000000000000" pitchFamily="18" charset="-120"/>
-              </a:rPr>
-              <a:t>表示。</a:t>
-            </a:r>
-          </a:p>
-          <a:p>
-            <a:pPr lvl="1">
-              <a:lnSpc>
-                <a:spcPct val="90000"/>
-              </a:lnSpc>
-            </a:pPr>
-            <a:r>
-              <a:rPr lang="en-US" altLang="zh-TW">
-                <a:latin typeface="新細明體" panose="02020500000000000000" pitchFamily="18" charset="-120"/>
-              </a:rPr>
-              <a:t>PN</a:t>
-            </a:r>
-            <a:r>
-              <a:rPr lang="zh-TW" altLang="en-US">
-                <a:latin typeface="新細明體" panose="02020500000000000000" pitchFamily="18" charset="-120"/>
-              </a:rPr>
-              <a:t>，表示有關名字的描述</a:t>
-            </a:r>
-            <a:r>
-              <a:rPr lang="en-US" altLang="zh-TW">
-                <a:latin typeface="新細明體" panose="02020500000000000000" pitchFamily="18" charset="-120"/>
-              </a:rPr>
-              <a:t>.</a:t>
-            </a:r>
-          </a:p>
-          <a:p>
-            <a:pPr lvl="1">
-              <a:lnSpc>
-                <a:spcPct val="90000"/>
-              </a:lnSpc>
-            </a:pPr>
-            <a:r>
-              <a:rPr lang="en-US" altLang="zh-TW">
-                <a:latin typeface="新細明體" panose="02020500000000000000" pitchFamily="18" charset="-120"/>
-              </a:rPr>
-              <a:t>VR = TM  </a:t>
-            </a:r>
-            <a:r>
-              <a:rPr lang="zh-TW" altLang="en-US">
-                <a:latin typeface="新細明體" panose="02020500000000000000" pitchFamily="18" charset="-120"/>
-              </a:rPr>
-              <a:t>表示 </a:t>
-            </a:r>
-            <a:r>
-              <a:rPr lang="en-US" altLang="zh-TW">
-                <a:latin typeface="新細明體" panose="02020500000000000000" pitchFamily="18" charset="-120"/>
-              </a:rPr>
-              <a:t>time</a:t>
-            </a:r>
-            <a:r>
-              <a:rPr lang="zh-TW" altLang="en-US">
-                <a:latin typeface="新細明體" panose="02020500000000000000" pitchFamily="18" charset="-120"/>
-              </a:rPr>
-              <a:t>，為時間的資料型別</a:t>
-            </a:r>
-          </a:p>
-          <a:p>
-            <a:pPr lvl="1">
-              <a:lnSpc>
-                <a:spcPct val="90000"/>
-              </a:lnSpc>
-            </a:pPr>
-            <a:r>
-              <a:rPr lang="en-US" altLang="zh-TW">
-                <a:latin typeface="新細明體" panose="02020500000000000000" pitchFamily="18" charset="-120"/>
-              </a:rPr>
-              <a:t>VR = UI  </a:t>
-            </a:r>
-            <a:r>
-              <a:rPr lang="zh-TW" altLang="en-US">
-                <a:latin typeface="新細明體" panose="02020500000000000000" pitchFamily="18" charset="-120"/>
-              </a:rPr>
-              <a:t>為表示 </a:t>
-            </a:r>
-            <a:r>
-              <a:rPr lang="en-US" altLang="zh-TW">
-                <a:latin typeface="新細明體" panose="02020500000000000000" pitchFamily="18" charset="-120"/>
-              </a:rPr>
-              <a:t>UID </a:t>
-            </a:r>
-            <a:r>
-              <a:rPr lang="zh-TW" altLang="en-US">
-                <a:latin typeface="新細明體" panose="02020500000000000000" pitchFamily="18" charset="-120"/>
-              </a:rPr>
-              <a:t>為唯一識別碼的資料型別</a:t>
-            </a:r>
-          </a:p>
-          <a:p>
-            <a:pPr>
-              <a:lnSpc>
-                <a:spcPct val="90000"/>
-              </a:lnSpc>
-            </a:pPr>
-            <a:r>
-              <a:rPr lang="zh-TW" altLang="en-US" sz="3100" smtClean="0"/>
-              <a:t>參考</a:t>
-            </a:r>
-            <a:r>
-              <a:rPr lang="en-US" altLang="zh-TW" sz="3100" smtClean="0"/>
-              <a:t>:</a:t>
-            </a:r>
-          </a:p>
-          <a:p>
-            <a:pPr lvl="1">
-              <a:lnSpc>
-                <a:spcPct val="90000"/>
-              </a:lnSpc>
-            </a:pPr>
-            <a:r>
-              <a:rPr lang="en-US" altLang="zh-TW" smtClean="0"/>
-              <a:t>http</a:t>
-            </a:r>
-            <a:r>
-              <a:rPr lang="en-US" altLang="zh-TW"/>
-              <a:t>://dicom.nema.org/dicom/2013/output/chtml/part05/sect_6.2.html</a:t>
-            </a:r>
-            <a:endParaRPr lang="zh-TW" altLang="en-US"/>
-          </a:p>
-        </p:txBody>
-      </p:sp>
-    </p:spTree>
-    <p:extLst>
-      <p:ext uri="{BB962C8B-B14F-4D97-AF65-F5344CB8AC3E}">
-        <p14:creationId xmlns:p14="http://schemas.microsoft.com/office/powerpoint/2010/main" val="3143957304"/>
-      </p:ext>
-    </p:extLst>
-  </p:cSld>
-  <p:clrMapOvr>
-    <a:masterClrMapping/>
-  </p:clrMapOvr>
 </p:sld>
 </file>
 
@@ -9314,7 +9048,7 @@
       </p:grpSpPr>
       <p:sp>
         <p:nvSpPr>
-          <p:cNvPr id="622594" name="Rectangle 2"/>
+          <p:cNvPr id="613378" name="Rectangle 2"/>
           <p:cNvSpPr>
             <a:spLocks noGrp="1" noChangeArrowheads="1"/>
           </p:cNvSpPr>
@@ -9324,8 +9058,8 @@
         </p:nvSpPr>
         <p:spPr>
           <a:xfrm>
-            <a:off x="2495550" y="1"/>
-            <a:ext cx="7772400" cy="836613"/>
+            <a:off x="1981200" y="277814"/>
+            <a:ext cx="8229600" cy="458787"/>
           </a:xfrm>
         </p:spPr>
         <p:txBody>
@@ -9334,16 +9068,17 @@
           <a:p>
             <a:pPr algn="ctr"/>
             <a:r>
-              <a:rPr lang="en-US" altLang="zh-TW"/>
-              <a:t>Value Length</a:t>
-            </a:r>
-            <a:endParaRPr lang="zh-TW" altLang="en-US"/>
-          </a:p>
-        </p:txBody>
-      </p:sp>
-      <p:sp>
-        <p:nvSpPr>
-          <p:cNvPr id="622595" name="Rectangle 3"/>
+              <a:rPr lang="en-US" altLang="zh-TW">
+                <a:latin typeface="Times New Roman" panose="02020603050405020304" pitchFamily="18" charset="0"/>
+              </a:rPr>
+              <a:t>data element</a:t>
+            </a:r>
+          </a:p>
+        </p:txBody>
+      </p:sp>
+      <p:sp>
+        <p:nvSpPr>
+          <p:cNvPr id="613379" name="Rectangle 3"/>
           <p:cNvSpPr>
             <a:spLocks noGrp="1" noChangeArrowheads="1"/>
           </p:cNvSpPr>
@@ -9353,8 +9088,8 @@
         </p:nvSpPr>
         <p:spPr>
           <a:xfrm>
-            <a:off x="327991" y="1341438"/>
-            <a:ext cx="9806609" cy="4678362"/>
+            <a:off x="2351088" y="1412876"/>
+            <a:ext cx="7772400" cy="4752975"/>
           </a:xfrm>
         </p:spPr>
         <p:txBody>
@@ -9363,11 +9098,26 @@
           <a:p>
             <a:r>
               <a:rPr lang="en-US" altLang="zh-TW"/>
-              <a:t>Value Length </a:t>
-            </a:r>
-          </a:p>
-          <a:p>
-            <a:pPr lvl="1"/>
+              <a:t>DICOM </a:t>
+            </a:r>
+            <a:r>
+              <a:rPr lang="zh-TW" altLang="en-US"/>
+              <a:t>物件實例 </a:t>
+            </a:r>
+            <a:r>
+              <a:rPr lang="en-US" altLang="zh-TW"/>
+              <a:t>data set </a:t>
+            </a:r>
+            <a:r>
+              <a:rPr lang="zh-TW" altLang="en-US"/>
+              <a:t>包含許多 </a:t>
+            </a:r>
+            <a:r>
+              <a:rPr lang="en-US" altLang="zh-TW"/>
+              <a:t>Data element</a:t>
+            </a:r>
+          </a:p>
+          <a:p>
             <a:r>
               <a:rPr lang="zh-TW" altLang="en-US"/>
               <a:t>每個 </a:t>
@@ -9378,124 +9128,66 @@
             </a:r>
             <a:r>
               <a:rPr lang="zh-TW" altLang="en-US"/>
-              <a:t>包含一 </a:t>
+              <a:t>包含三個基本的欄位</a:t>
             </a:r>
             <a:r>
               <a:rPr lang="en-US" altLang="zh-TW"/>
-              <a:t>Value Length</a:t>
-            </a:r>
-            <a:r>
-              <a:rPr lang="zh-TW" altLang="en-US"/>
-              <a:t>，以此指定實際數值 </a:t>
+              <a:t>tag</a:t>
+            </a:r>
+            <a:r>
+              <a:rPr lang="zh-TW" altLang="en-US"/>
+              <a:t>、</a:t>
             </a:r>
             <a:r>
               <a:rPr lang="en-US" altLang="zh-TW"/>
-              <a:t>(Value Field </a:t>
-            </a:r>
-            <a:r>
-              <a:rPr lang="zh-TW" altLang="en-US"/>
-              <a:t>的長度</a:t>
+              <a:t>value length</a:t>
+            </a:r>
+            <a:r>
+              <a:rPr lang="zh-TW" altLang="en-US"/>
+              <a:t>、</a:t>
             </a:r>
             <a:r>
               <a:rPr lang="en-US" altLang="zh-TW"/>
-              <a:t>)</a:t>
-            </a:r>
-          </a:p>
-          <a:p>
-            <a:pPr lvl="2"/>
-            <a:r>
-              <a:rPr lang="en-US" altLang="zh-TW">
+              <a:t>value field</a:t>
+            </a:r>
+            <a:r>
+              <a:rPr lang="zh-TW" altLang="en-US"/>
+              <a:t>。</a:t>
+            </a:r>
+            <a:endParaRPr lang="en-US" altLang="zh-TW"/>
+          </a:p>
+          <a:p>
+            <a:r>
+              <a:rPr lang="zh-TW" altLang="en-US"/>
+              <a:t>及一個</a:t>
+            </a:r>
+            <a:r>
+              <a:rPr lang="zh-TW" altLang="en-US" b="1">
                 <a:solidFill>
                   <a:srgbClr val="FF0000"/>
                 </a:solidFill>
               </a:rPr>
-              <a:t>Implicit VR</a:t>
+              <a:t>選擇的欄位</a:t>
+            </a:r>
+            <a:r>
+              <a:rPr lang="en-US" altLang="zh-TW" b="1">
+                <a:solidFill>
+                  <a:srgbClr val="FF0000"/>
+                </a:solidFill>
+              </a:rPr>
+              <a:t>:(VR:Value Representation)</a:t>
+            </a:r>
+            <a:r>
+              <a:rPr lang="zh-TW" altLang="en-US"/>
+              <a:t>，</a:t>
             </a:r>
             <a:r>
               <a:rPr lang="en-US" altLang="zh-TW"/>
-              <a:t>: Value Length </a:t>
-            </a:r>
-            <a:r>
-              <a:rPr lang="zh-TW" altLang="en-US"/>
-              <a:t>固定為 </a:t>
-            </a:r>
-            <a:r>
-              <a:rPr lang="en-US" altLang="zh-TW"/>
-              <a:t>4bytes</a:t>
-            </a:r>
-          </a:p>
-          <a:p>
-            <a:pPr lvl="2"/>
-            <a:r>
-              <a:rPr lang="en-US" altLang="zh-TW" b="1">
-                <a:solidFill>
-                  <a:srgbClr val="FF0000"/>
-                </a:solidFill>
-              </a:rPr>
-              <a:t>explicit VR </a:t>
-            </a:r>
-            <a:r>
-              <a:rPr lang="en-US" altLang="zh-TW"/>
-              <a:t>: Value Length </a:t>
-            </a:r>
-            <a:r>
-              <a:rPr lang="zh-TW" altLang="en-US"/>
-              <a:t>依據 </a:t>
-            </a:r>
-            <a:r>
-              <a:rPr lang="en-US" altLang="zh-TW"/>
-              <a:t>VR(</a:t>
-            </a:r>
-            <a:r>
-              <a:rPr lang="zh-TW" altLang="en-US"/>
-              <a:t>資料型態</a:t>
-            </a:r>
-            <a:r>
-              <a:rPr lang="en-US" altLang="zh-TW"/>
-              <a:t>)</a:t>
-            </a:r>
-            <a:r>
-              <a:rPr lang="zh-TW" altLang="en-US"/>
-              <a:t>可為 </a:t>
-            </a:r>
-            <a:r>
-              <a:rPr lang="en-US" altLang="zh-TW"/>
-              <a:t>2 or 4 bytes</a:t>
-            </a:r>
-          </a:p>
-          <a:p>
-            <a:pPr lvl="1"/>
-            <a:r>
-              <a:rPr lang="en-US" altLang="zh-TW"/>
-              <a:t>Value Length </a:t>
-            </a:r>
-            <a:r>
-              <a:rPr lang="zh-TW" altLang="en-US"/>
-              <a:t>不包含 </a:t>
-            </a:r>
-            <a:r>
-              <a:rPr lang="en-US" altLang="zh-TW"/>
-              <a:t>Tag </a:t>
-            </a:r>
-            <a:r>
-              <a:rPr lang="zh-TW" altLang="en-US"/>
-              <a:t>、</a:t>
-            </a:r>
-            <a:r>
-              <a:rPr lang="en-US" altLang="zh-TW"/>
-              <a:t>VR</a:t>
-            </a:r>
-            <a:r>
-              <a:rPr lang="zh-TW" altLang="en-US"/>
-              <a:t>、和</a:t>
-            </a:r>
-            <a:r>
-              <a:rPr lang="en-US" altLang="zh-TW"/>
-              <a:t>Value Length</a:t>
-            </a:r>
-            <a:r>
-              <a:rPr lang="zh-TW" altLang="en-US"/>
-              <a:t>本身長度。</a:t>
+              <a:t>VR </a:t>
+            </a:r>
+            <a:r>
+              <a:rPr lang="zh-TW" altLang="en-US"/>
+              <a:t>表示此欄位值的資料型態。</a:t>
             </a:r>
           </a:p>
         </p:txBody>
@@ -9503,7 +9195,7 @@
     </p:spTree>
     <p:extLst>
       <p:ext uri="{BB962C8B-B14F-4D97-AF65-F5344CB8AC3E}">
-        <p14:creationId xmlns:p14="http://schemas.microsoft.com/office/powerpoint/2010/main" val="4209711082"/>
+        <p14:creationId xmlns:p14="http://schemas.microsoft.com/office/powerpoint/2010/main" val="1616078176"/>
       </p:ext>
     </p:extLst>
   </p:cSld>
@@ -9532,6 +9224,758 @@
       </p:grpSpPr>
       <p:sp>
         <p:nvSpPr>
+          <p:cNvPr id="620546" name="Rectangle 2"/>
+          <p:cNvSpPr>
+            <a:spLocks noGrp="1" noChangeArrowheads="1"/>
+          </p:cNvSpPr>
+          <p:nvPr>
+            <p:ph type="title"/>
+          </p:nvPr>
+        </p:nvSpPr>
+        <p:spPr/>
+        <p:txBody>
+          <a:bodyPr/>
+          <a:lstStyle/>
+          <a:p>
+            <a:pPr algn="ctr"/>
+            <a:r>
+              <a:rPr lang="en-US" altLang="zh-TW"/>
+              <a:t>Tag</a:t>
+            </a:r>
+            <a:endParaRPr lang="zh-TW" altLang="en-US"/>
+          </a:p>
+        </p:txBody>
+      </p:sp>
+      <p:sp>
+        <p:nvSpPr>
+          <p:cNvPr id="620547" name="Rectangle 3"/>
+          <p:cNvSpPr>
+            <a:spLocks noGrp="1" noChangeArrowheads="1"/>
+          </p:cNvSpPr>
+          <p:nvPr>
+            <p:ph type="body" idx="1"/>
+          </p:nvPr>
+        </p:nvSpPr>
+        <p:spPr/>
+        <p:txBody>
+          <a:bodyPr/>
+          <a:lstStyle/>
+          <a:p>
+            <a:r>
+              <a:rPr lang="en-US" altLang="zh-TW" sz="2900"/>
+              <a:t>Data Element </a:t>
+            </a:r>
+            <a:r>
+              <a:rPr lang="zh-TW" altLang="en-US" sz="2900"/>
+              <a:t>中的 </a:t>
+            </a:r>
+            <a:r>
+              <a:rPr lang="en-US" altLang="zh-TW" sz="2900"/>
+              <a:t>Tag :</a:t>
+            </a:r>
+            <a:r>
+              <a:rPr lang="zh-TW" altLang="en-US" sz="2900"/>
+              <a:t>為一組 </a:t>
+            </a:r>
+            <a:r>
+              <a:rPr lang="en-US" altLang="zh-TW" sz="2900"/>
+              <a:t>4 Bytes </a:t>
+            </a:r>
+            <a:r>
+              <a:rPr lang="zh-TW" altLang="en-US" sz="2900"/>
+              <a:t>的數字，以作為</a:t>
+            </a:r>
+            <a:r>
+              <a:rPr lang="en-US" altLang="zh-TW" sz="2900"/>
+              <a:t>DICOM </a:t>
+            </a:r>
+            <a:r>
+              <a:rPr lang="zh-TW" altLang="en-US" sz="2900"/>
+              <a:t>物件中 </a:t>
+            </a:r>
+            <a:r>
+              <a:rPr lang="en-US" altLang="zh-TW" sz="2900"/>
+              <a:t>Data Element </a:t>
+            </a:r>
+            <a:r>
+              <a:rPr lang="zh-TW" altLang="en-US" sz="2900"/>
+              <a:t>的標籤，通常以 </a:t>
+            </a:r>
+            <a:r>
+              <a:rPr lang="en-US" altLang="zh-TW" sz="2900"/>
+              <a:t>(xxxx, xxxx) </a:t>
+            </a:r>
+            <a:r>
+              <a:rPr lang="zh-TW" altLang="en-US" sz="2900"/>
+              <a:t>之</a:t>
+            </a:r>
+            <a:r>
+              <a:rPr lang="en-US" altLang="zh-TW" sz="2900"/>
+              <a:t>16</a:t>
+            </a:r>
+            <a:r>
+              <a:rPr lang="zh-TW" altLang="en-US" sz="2900"/>
+              <a:t>進位碼表示。</a:t>
+            </a:r>
+            <a:endParaRPr lang="en-US" altLang="zh-TW" sz="2900"/>
+          </a:p>
+          <a:p>
+            <a:r>
+              <a:rPr lang="zh-TW" altLang="en-US" sz="2900"/>
+              <a:t>前兩個 </a:t>
+            </a:r>
+            <a:r>
+              <a:rPr lang="en-US" altLang="zh-TW" sz="2900"/>
+              <a:t>Bytes</a:t>
+            </a:r>
+            <a:r>
+              <a:rPr lang="zh-TW" altLang="en-US" sz="2900"/>
+              <a:t>稱為</a:t>
+            </a:r>
+            <a:r>
+              <a:rPr lang="en-US" altLang="zh-TW" sz="2900"/>
+              <a:t>Group Number</a:t>
+            </a:r>
+            <a:r>
+              <a:rPr lang="zh-TW" altLang="en-US" sz="2900"/>
+              <a:t>，後兩個 </a:t>
+            </a:r>
+            <a:r>
+              <a:rPr lang="en-US" altLang="zh-TW" sz="2900"/>
+              <a:t>Bytes</a:t>
+            </a:r>
+            <a:r>
+              <a:rPr lang="zh-TW" altLang="en-US" sz="2900"/>
+              <a:t>稱為</a:t>
+            </a:r>
+            <a:r>
+              <a:rPr lang="en-US" altLang="zh-TW" sz="2900"/>
+              <a:t>Element Number</a:t>
+            </a:r>
+            <a:r>
+              <a:rPr lang="zh-TW" altLang="en-US" sz="2900"/>
+              <a:t>。</a:t>
+            </a:r>
+          </a:p>
+          <a:p>
+            <a:pPr lvl="1"/>
+            <a:r>
+              <a:rPr lang="zh-TW" altLang="en-US"/>
+              <a:t>例如 </a:t>
+            </a:r>
+            <a:r>
+              <a:rPr lang="en-US" altLang="zh-TW"/>
+              <a:t>(0010,0010) </a:t>
+            </a:r>
+            <a:r>
+              <a:rPr lang="zh-TW" altLang="en-US"/>
+              <a:t>為 </a:t>
+            </a:r>
+            <a:r>
+              <a:rPr lang="en-US" altLang="zh-TW"/>
+              <a:t>DICOM </a:t>
+            </a:r>
+            <a:r>
+              <a:rPr lang="zh-TW" altLang="en-US"/>
+              <a:t>物件中 </a:t>
+            </a:r>
+            <a:r>
+              <a:rPr lang="en-US" altLang="zh-TW"/>
+              <a:t>Patient Name Element</a:t>
+            </a:r>
+            <a:r>
+              <a:rPr lang="zh-TW" altLang="en-US"/>
+              <a:t>的標籤</a:t>
+            </a:r>
+            <a:r>
+              <a:rPr lang="en-US" altLang="zh-TW"/>
+              <a:t>, </a:t>
+            </a:r>
+            <a:r>
+              <a:rPr lang="en-US" altLang="zh-TW">
+                <a:solidFill>
+                  <a:srgbClr val="FF0000"/>
+                </a:solidFill>
+              </a:rPr>
+              <a:t>(7fe0,0010) </a:t>
+            </a:r>
+            <a:r>
+              <a:rPr lang="zh-TW" altLang="en-US">
+                <a:solidFill>
+                  <a:srgbClr val="FF0000"/>
+                </a:solidFill>
+              </a:rPr>
+              <a:t>為 </a:t>
+            </a:r>
+            <a:r>
+              <a:rPr lang="en-US" altLang="zh-TW">
+                <a:solidFill>
+                  <a:srgbClr val="FF0000"/>
+                </a:solidFill>
+              </a:rPr>
+              <a:t>Pixel Data Element</a:t>
+            </a:r>
+            <a:r>
+              <a:rPr lang="zh-TW" altLang="en-US">
+                <a:solidFill>
+                  <a:srgbClr val="FF0000"/>
+                </a:solidFill>
+              </a:rPr>
+              <a:t>的標籤</a:t>
+            </a:r>
+          </a:p>
+          <a:p>
+            <a:endParaRPr lang="zh-TW" altLang="en-US"/>
+          </a:p>
+        </p:txBody>
+      </p:sp>
+    </p:spTree>
+    <p:extLst>
+      <p:ext uri="{BB962C8B-B14F-4D97-AF65-F5344CB8AC3E}">
+        <p14:creationId xmlns:p14="http://schemas.microsoft.com/office/powerpoint/2010/main" val="1023208049"/>
+      </p:ext>
+    </p:extLst>
+  </p:cSld>
+  <p:clrMapOvr>
+    <a:masterClrMapping/>
+  </p:clrMapOvr>
+</p:sld>
+</file>
+
+<file path=ppt/slides/slide26.xml><?xml version="1.0" encoding="utf-8"?>
+<p:sld xmlns:a="http://schemas.openxmlformats.org/drawingml/2006/main" xmlns:r="http://schemas.openxmlformats.org/officeDocument/2006/relationships" xmlns:p="http://schemas.openxmlformats.org/presentationml/2006/main">
+  <p:cSld>
+    <p:spTree>
+      <p:nvGrpSpPr>
+        <p:cNvPr id="1" name=""/>
+        <p:cNvGrpSpPr/>
+        <p:nvPr/>
+      </p:nvGrpSpPr>
+      <p:grpSpPr>
+        <a:xfrm>
+          <a:off x="0" y="0"/>
+          <a:ext cx="0" cy="0"/>
+          <a:chOff x="0" y="0"/>
+          <a:chExt cx="0" cy="0"/>
+        </a:xfrm>
+      </p:grpSpPr>
+      <p:sp>
+        <p:nvSpPr>
+          <p:cNvPr id="621570" name="Rectangle 2"/>
+          <p:cNvSpPr>
+            <a:spLocks noGrp="1" noChangeArrowheads="1"/>
+          </p:cNvSpPr>
+          <p:nvPr>
+            <p:ph type="title"/>
+          </p:nvPr>
+        </p:nvSpPr>
+        <p:spPr/>
+        <p:txBody>
+          <a:bodyPr/>
+          <a:lstStyle/>
+          <a:p>
+            <a:pPr algn="ctr"/>
+            <a:r>
+              <a:rPr lang="en-US" altLang="zh-TW"/>
+              <a:t>VR: </a:t>
+            </a:r>
+            <a:r>
+              <a:rPr lang="en-US" altLang="zh-TW" sz="4100"/>
+              <a:t>Value Representation</a:t>
+            </a:r>
+            <a:endParaRPr lang="zh-TW" altLang="en-US" sz="4100"/>
+          </a:p>
+        </p:txBody>
+      </p:sp>
+      <p:sp>
+        <p:nvSpPr>
+          <p:cNvPr id="621571" name="Rectangle 3"/>
+          <p:cNvSpPr>
+            <a:spLocks noGrp="1" noChangeArrowheads="1"/>
+          </p:cNvSpPr>
+          <p:nvPr>
+            <p:ph type="body" idx="1"/>
+          </p:nvPr>
+        </p:nvSpPr>
+        <p:spPr/>
+        <p:txBody>
+          <a:bodyPr/>
+          <a:lstStyle/>
+          <a:p>
+            <a:pPr>
+              <a:lnSpc>
+                <a:spcPct val="90000"/>
+              </a:lnSpc>
+            </a:pPr>
+            <a:r>
+              <a:rPr lang="en-US" altLang="zh-TW" sz="2900"/>
+              <a:t>VR (Value Representation):</a:t>
+            </a:r>
+            <a:r>
+              <a:rPr lang="zh-TW" altLang="en-US" sz="2900"/>
+              <a:t>表示此物件欄位值</a:t>
+            </a:r>
+            <a:r>
+              <a:rPr lang="en-US" altLang="zh-TW" sz="2900"/>
+              <a:t>(Value Field)</a:t>
+            </a:r>
+            <a:r>
+              <a:rPr lang="zh-TW" altLang="en-US" sz="2900"/>
+              <a:t>的資料型態。</a:t>
+            </a:r>
+            <a:r>
+              <a:rPr lang="en-US" altLang="zh-TW" sz="2900"/>
+              <a:t>VR </a:t>
+            </a:r>
+            <a:r>
+              <a:rPr lang="zh-TW" altLang="en-US" sz="2900"/>
+              <a:t>以兩個 </a:t>
+            </a:r>
+            <a:r>
+              <a:rPr lang="en-US" altLang="zh-TW" sz="2900"/>
+              <a:t>Bytes </a:t>
+            </a:r>
+            <a:r>
+              <a:rPr lang="zh-TW" altLang="en-US" sz="2900"/>
+              <a:t>表示這個資料元件的資料型態</a:t>
+            </a:r>
+            <a:r>
+              <a:rPr lang="en-US" altLang="zh-TW" sz="2900"/>
+              <a:t>(data type)</a:t>
+            </a:r>
+            <a:r>
+              <a:rPr lang="zh-TW" altLang="en-US" sz="2900"/>
+              <a:t>。</a:t>
+            </a:r>
+          </a:p>
+          <a:p>
+            <a:pPr lvl="1">
+              <a:lnSpc>
+                <a:spcPct val="90000"/>
+              </a:lnSpc>
+            </a:pPr>
+            <a:r>
+              <a:rPr lang="zh-TW" altLang="en-US">
+                <a:latin typeface="新細明體" panose="02020500000000000000" pitchFamily="18" charset="-120"/>
+              </a:rPr>
+              <a:t>例如日期的</a:t>
+            </a:r>
+            <a:r>
+              <a:rPr lang="en-US" altLang="zh-TW">
+                <a:latin typeface="新細明體" panose="02020500000000000000" pitchFamily="18" charset="-120"/>
+              </a:rPr>
+              <a:t>VR</a:t>
+            </a:r>
+            <a:r>
+              <a:rPr lang="zh-TW" altLang="en-US">
+                <a:latin typeface="新細明體" panose="02020500000000000000" pitchFamily="18" charset="-120"/>
+              </a:rPr>
+              <a:t>用</a:t>
+            </a:r>
+            <a:r>
+              <a:rPr lang="en-US" altLang="zh-TW">
+                <a:latin typeface="新細明體" panose="02020500000000000000" pitchFamily="18" charset="-120"/>
+              </a:rPr>
+              <a:t>DA (Date)</a:t>
+            </a:r>
+            <a:r>
+              <a:rPr lang="zh-TW" altLang="en-US">
+                <a:latin typeface="新細明體" panose="02020500000000000000" pitchFamily="18" charset="-120"/>
+              </a:rPr>
+              <a:t>表示。</a:t>
+            </a:r>
+          </a:p>
+          <a:p>
+            <a:pPr lvl="1">
+              <a:lnSpc>
+                <a:spcPct val="90000"/>
+              </a:lnSpc>
+            </a:pPr>
+            <a:r>
+              <a:rPr lang="zh-TW" altLang="en-US">
+                <a:latin typeface="新細明體" panose="02020500000000000000" pitchFamily="18" charset="-120"/>
+              </a:rPr>
+              <a:t>浮點數則用</a:t>
+            </a:r>
+            <a:r>
+              <a:rPr lang="en-US" altLang="zh-TW">
+                <a:latin typeface="新細明體" panose="02020500000000000000" pitchFamily="18" charset="-120"/>
+              </a:rPr>
+              <a:t>FP(Float Point)</a:t>
+            </a:r>
+            <a:r>
+              <a:rPr lang="zh-TW" altLang="en-US">
+                <a:latin typeface="新細明體" panose="02020500000000000000" pitchFamily="18" charset="-120"/>
+              </a:rPr>
+              <a:t>表示。</a:t>
+            </a:r>
+          </a:p>
+          <a:p>
+            <a:pPr lvl="1">
+              <a:lnSpc>
+                <a:spcPct val="90000"/>
+              </a:lnSpc>
+            </a:pPr>
+            <a:r>
+              <a:rPr lang="en-US" altLang="zh-TW">
+                <a:latin typeface="新細明體" panose="02020500000000000000" pitchFamily="18" charset="-120"/>
+              </a:rPr>
+              <a:t>PN</a:t>
+            </a:r>
+            <a:r>
+              <a:rPr lang="zh-TW" altLang="en-US">
+                <a:latin typeface="新細明體" panose="02020500000000000000" pitchFamily="18" charset="-120"/>
+              </a:rPr>
+              <a:t>，表示有關名字的描述</a:t>
+            </a:r>
+            <a:r>
+              <a:rPr lang="en-US" altLang="zh-TW">
+                <a:latin typeface="新細明體" panose="02020500000000000000" pitchFamily="18" charset="-120"/>
+              </a:rPr>
+              <a:t>.</a:t>
+            </a:r>
+          </a:p>
+          <a:p>
+            <a:pPr lvl="1">
+              <a:lnSpc>
+                <a:spcPct val="90000"/>
+              </a:lnSpc>
+            </a:pPr>
+            <a:r>
+              <a:rPr lang="en-US" altLang="zh-TW">
+                <a:latin typeface="新細明體" panose="02020500000000000000" pitchFamily="18" charset="-120"/>
+              </a:rPr>
+              <a:t>VR = TM  </a:t>
+            </a:r>
+            <a:r>
+              <a:rPr lang="zh-TW" altLang="en-US">
+                <a:latin typeface="新細明體" panose="02020500000000000000" pitchFamily="18" charset="-120"/>
+              </a:rPr>
+              <a:t>表示 </a:t>
+            </a:r>
+            <a:r>
+              <a:rPr lang="en-US" altLang="zh-TW">
+                <a:latin typeface="新細明體" panose="02020500000000000000" pitchFamily="18" charset="-120"/>
+              </a:rPr>
+              <a:t>time</a:t>
+            </a:r>
+            <a:r>
+              <a:rPr lang="zh-TW" altLang="en-US">
+                <a:latin typeface="新細明體" panose="02020500000000000000" pitchFamily="18" charset="-120"/>
+              </a:rPr>
+              <a:t>，為時間的資料型別</a:t>
+            </a:r>
+          </a:p>
+          <a:p>
+            <a:pPr lvl="1">
+              <a:lnSpc>
+                <a:spcPct val="90000"/>
+              </a:lnSpc>
+            </a:pPr>
+            <a:r>
+              <a:rPr lang="en-US" altLang="zh-TW">
+                <a:latin typeface="新細明體" panose="02020500000000000000" pitchFamily="18" charset="-120"/>
+              </a:rPr>
+              <a:t>VR = UI  </a:t>
+            </a:r>
+            <a:r>
+              <a:rPr lang="zh-TW" altLang="en-US">
+                <a:latin typeface="新細明體" panose="02020500000000000000" pitchFamily="18" charset="-120"/>
+              </a:rPr>
+              <a:t>為表示 </a:t>
+            </a:r>
+            <a:r>
+              <a:rPr lang="en-US" altLang="zh-TW">
+                <a:latin typeface="新細明體" panose="02020500000000000000" pitchFamily="18" charset="-120"/>
+              </a:rPr>
+              <a:t>UID </a:t>
+            </a:r>
+            <a:r>
+              <a:rPr lang="zh-TW" altLang="en-US">
+                <a:latin typeface="新細明體" panose="02020500000000000000" pitchFamily="18" charset="-120"/>
+              </a:rPr>
+              <a:t>為唯一識別碼的資料型別</a:t>
+            </a:r>
+          </a:p>
+          <a:p>
+            <a:pPr>
+              <a:lnSpc>
+                <a:spcPct val="90000"/>
+              </a:lnSpc>
+            </a:pPr>
+            <a:r>
+              <a:rPr lang="zh-TW" altLang="en-US" sz="3100"/>
+              <a:t>參考</a:t>
+            </a:r>
+            <a:r>
+              <a:rPr lang="en-US" altLang="zh-TW" sz="3100"/>
+              <a:t>:</a:t>
+            </a:r>
+          </a:p>
+          <a:p>
+            <a:pPr lvl="1">
+              <a:lnSpc>
+                <a:spcPct val="90000"/>
+              </a:lnSpc>
+            </a:pPr>
+            <a:r>
+              <a:rPr lang="en-US" altLang="zh-TW"/>
+              <a:t>http://dicom.nema.org/dicom/2013/output/chtml/part05/sect_6.2.html</a:t>
+            </a:r>
+            <a:endParaRPr lang="zh-TW" altLang="en-US"/>
+          </a:p>
+        </p:txBody>
+      </p:sp>
+    </p:spTree>
+    <p:extLst>
+      <p:ext uri="{BB962C8B-B14F-4D97-AF65-F5344CB8AC3E}">
+        <p14:creationId xmlns:p14="http://schemas.microsoft.com/office/powerpoint/2010/main" val="3143957304"/>
+      </p:ext>
+    </p:extLst>
+  </p:cSld>
+  <p:clrMapOvr>
+    <a:masterClrMapping/>
+  </p:clrMapOvr>
+</p:sld>
+</file>
+
+<file path=ppt/slides/slide27.xml><?xml version="1.0" encoding="utf-8"?>
+<p:sld xmlns:a="http://schemas.openxmlformats.org/drawingml/2006/main" xmlns:r="http://schemas.openxmlformats.org/officeDocument/2006/relationships" xmlns:p="http://schemas.openxmlformats.org/presentationml/2006/main">
+  <p:cSld>
+    <p:spTree>
+      <p:nvGrpSpPr>
+        <p:cNvPr id="1" name=""/>
+        <p:cNvGrpSpPr/>
+        <p:nvPr/>
+      </p:nvGrpSpPr>
+      <p:grpSpPr>
+        <a:xfrm>
+          <a:off x="0" y="0"/>
+          <a:ext cx="0" cy="0"/>
+          <a:chOff x="0" y="0"/>
+          <a:chExt cx="0" cy="0"/>
+        </a:xfrm>
+      </p:grpSpPr>
+      <p:sp>
+        <p:nvSpPr>
+          <p:cNvPr id="622594" name="Rectangle 2"/>
+          <p:cNvSpPr>
+            <a:spLocks noGrp="1" noChangeArrowheads="1"/>
+          </p:cNvSpPr>
+          <p:nvPr>
+            <p:ph type="title"/>
+          </p:nvPr>
+        </p:nvSpPr>
+        <p:spPr>
+          <a:xfrm>
+            <a:off x="2495550" y="1"/>
+            <a:ext cx="7772400" cy="836613"/>
+          </a:xfrm>
+        </p:spPr>
+        <p:txBody>
+          <a:bodyPr/>
+          <a:lstStyle/>
+          <a:p>
+            <a:pPr algn="ctr"/>
+            <a:r>
+              <a:rPr lang="en-US" altLang="zh-TW"/>
+              <a:t>Value Length</a:t>
+            </a:r>
+            <a:endParaRPr lang="zh-TW" altLang="en-US"/>
+          </a:p>
+        </p:txBody>
+      </p:sp>
+      <p:sp>
+        <p:nvSpPr>
+          <p:cNvPr id="622595" name="Rectangle 3"/>
+          <p:cNvSpPr>
+            <a:spLocks noGrp="1" noChangeArrowheads="1"/>
+          </p:cNvSpPr>
+          <p:nvPr>
+            <p:ph type="body" idx="1"/>
+          </p:nvPr>
+        </p:nvSpPr>
+        <p:spPr>
+          <a:xfrm>
+            <a:off x="327991" y="1341438"/>
+            <a:ext cx="9806609" cy="4678362"/>
+          </a:xfrm>
+        </p:spPr>
+        <p:txBody>
+          <a:bodyPr/>
+          <a:lstStyle/>
+          <a:p>
+            <a:r>
+              <a:rPr lang="en-US" altLang="zh-TW"/>
+              <a:t>Value Length </a:t>
+            </a:r>
+          </a:p>
+          <a:p>
+            <a:pPr lvl="1"/>
+            <a:r>
+              <a:rPr lang="zh-TW" altLang="en-US"/>
+              <a:t>每個 </a:t>
+            </a:r>
+            <a:r>
+              <a:rPr lang="en-US" altLang="zh-TW"/>
+              <a:t>data element </a:t>
+            </a:r>
+            <a:r>
+              <a:rPr lang="zh-TW" altLang="en-US"/>
+              <a:t>包含一 </a:t>
+            </a:r>
+            <a:r>
+              <a:rPr lang="en-US" altLang="zh-TW"/>
+              <a:t>Value Length</a:t>
+            </a:r>
+            <a:r>
+              <a:rPr lang="zh-TW" altLang="en-US"/>
+              <a:t>，以此指定實際數值 </a:t>
+            </a:r>
+            <a:r>
+              <a:rPr lang="en-US" altLang="zh-TW"/>
+              <a:t>(Value Field </a:t>
+            </a:r>
+            <a:r>
+              <a:rPr lang="zh-TW" altLang="en-US"/>
+              <a:t>的長度</a:t>
+            </a:r>
+            <a:r>
+              <a:rPr lang="en-US" altLang="zh-TW"/>
+              <a:t>)</a:t>
+            </a:r>
+          </a:p>
+          <a:p>
+            <a:pPr lvl="2"/>
+            <a:r>
+              <a:rPr lang="en-US" altLang="zh-TW">
+                <a:solidFill>
+                  <a:srgbClr val="FF0000"/>
+                </a:solidFill>
+              </a:rPr>
+              <a:t>Implicit VR</a:t>
+            </a:r>
+            <a:r>
+              <a:rPr lang="en-US" altLang="zh-TW"/>
+              <a:t>: Value Length </a:t>
+            </a:r>
+            <a:r>
+              <a:rPr lang="zh-TW" altLang="en-US"/>
+              <a:t>固定為 </a:t>
+            </a:r>
+            <a:r>
+              <a:rPr lang="en-US" altLang="zh-TW"/>
+              <a:t>4bytes</a:t>
+            </a:r>
+          </a:p>
+          <a:p>
+            <a:pPr lvl="2"/>
+            <a:r>
+              <a:rPr lang="en-US" altLang="zh-TW" b="1">
+                <a:solidFill>
+                  <a:srgbClr val="FF0000"/>
+                </a:solidFill>
+              </a:rPr>
+              <a:t>explicit VR </a:t>
+            </a:r>
+            <a:r>
+              <a:rPr lang="en-US" altLang="zh-TW"/>
+              <a:t>: Value Length </a:t>
+            </a:r>
+            <a:r>
+              <a:rPr lang="zh-TW" altLang="en-US"/>
+              <a:t>依據 </a:t>
+            </a:r>
+            <a:r>
+              <a:rPr lang="en-US" altLang="zh-TW"/>
+              <a:t>VR(</a:t>
+            </a:r>
+            <a:r>
+              <a:rPr lang="zh-TW" altLang="en-US"/>
+              <a:t>資料型態</a:t>
+            </a:r>
+            <a:r>
+              <a:rPr lang="en-US" altLang="zh-TW"/>
+              <a:t>)</a:t>
+            </a:r>
+            <a:r>
+              <a:rPr lang="zh-TW" altLang="en-US"/>
+              <a:t>可為 </a:t>
+            </a:r>
+            <a:r>
+              <a:rPr lang="en-US" altLang="zh-TW"/>
+              <a:t>2 or 4 bytes</a:t>
+            </a:r>
+          </a:p>
+          <a:p>
+            <a:pPr lvl="1"/>
+            <a:r>
+              <a:rPr lang="en-US" altLang="zh-TW"/>
+              <a:t>Value Length </a:t>
+            </a:r>
+            <a:r>
+              <a:rPr lang="zh-TW" altLang="en-US"/>
+              <a:t>不包含 </a:t>
+            </a:r>
+            <a:r>
+              <a:rPr lang="en-US" altLang="zh-TW"/>
+              <a:t>Tag </a:t>
+            </a:r>
+            <a:r>
+              <a:rPr lang="zh-TW" altLang="en-US"/>
+              <a:t>、</a:t>
+            </a:r>
+            <a:r>
+              <a:rPr lang="en-US" altLang="zh-TW"/>
+              <a:t>VR</a:t>
+            </a:r>
+            <a:r>
+              <a:rPr lang="zh-TW" altLang="en-US"/>
+              <a:t>、和</a:t>
+            </a:r>
+            <a:r>
+              <a:rPr lang="en-US" altLang="zh-TW"/>
+              <a:t>Value Length</a:t>
+            </a:r>
+            <a:r>
+              <a:rPr lang="zh-TW" altLang="en-US"/>
+              <a:t>本身長度。</a:t>
+            </a:r>
+          </a:p>
+        </p:txBody>
+      </p:sp>
+    </p:spTree>
+    <p:extLst>
+      <p:ext uri="{BB962C8B-B14F-4D97-AF65-F5344CB8AC3E}">
+        <p14:creationId xmlns:p14="http://schemas.microsoft.com/office/powerpoint/2010/main" val="4209711082"/>
+      </p:ext>
+    </p:extLst>
+  </p:cSld>
+  <p:clrMapOvr>
+    <a:masterClrMapping/>
+  </p:clrMapOvr>
+</p:sld>
+</file>
+
+<file path=ppt/slides/slide28.xml><?xml version="1.0" encoding="utf-8"?>
+<p:sld xmlns:a="http://schemas.openxmlformats.org/drawingml/2006/main" xmlns:r="http://schemas.openxmlformats.org/officeDocument/2006/relationships" xmlns:p="http://schemas.openxmlformats.org/presentationml/2006/main">
+  <p:cSld>
+    <p:spTree>
+      <p:nvGrpSpPr>
+        <p:cNvPr id="1" name=""/>
+        <p:cNvGrpSpPr/>
+        <p:nvPr/>
+      </p:nvGrpSpPr>
+      <p:grpSpPr>
+        <a:xfrm>
+          <a:off x="0" y="0"/>
+          <a:ext cx="0" cy="0"/>
+          <a:chOff x="0" y="0"/>
+          <a:chExt cx="0" cy="0"/>
+        </a:xfrm>
+      </p:grpSpPr>
+      <p:sp>
+        <p:nvSpPr>
           <p:cNvPr id="614402" name="Rectangle 2"/>
           <p:cNvSpPr>
             <a:spLocks noGrp="1" noChangeArrowheads="1"/>
@@ -9591,7 +10035,7 @@
           <a:graphicData uri="http://schemas.openxmlformats.org/presentationml/2006/ole">
             <mc:AlternateContent xmlns:mc="http://schemas.openxmlformats.org/markup-compatibility/2006">
               <mc:Choice xmlns:v="urn:schemas-microsoft-com:vml" Requires="v">
-                <p:oleObj spid="_x0000_s2058" name="文件" r:id="rId3" imgW="5713216" imgH="4487569" progId="Word.Document.8">
+                <p:oleObj spid="_x0000_s2066" name="文件" r:id="rId3" imgW="5713216" imgH="4487569" progId="Word.Document.8">
                   <p:embed/>
                 </p:oleObj>
               </mc:Choice>
@@ -9931,7 +10375,7 @@
 </p:sld>
 </file>
 
-<file path=ppt/slides/slide26.xml><?xml version="1.0" encoding="utf-8"?>
+<file path=ppt/slides/slide29.xml><?xml version="1.0" encoding="utf-8"?>
 <p:sld xmlns:a="http://schemas.openxmlformats.org/drawingml/2006/main" xmlns:r="http://schemas.openxmlformats.org/officeDocument/2006/relationships" xmlns:p="http://schemas.openxmlformats.org/presentationml/2006/main">
   <p:cSld>
     <p:spTree>
@@ -9973,10 +10417,6 @@
               <a:rPr lang="en-US" altLang="zh-TW" sz="3800"/>
               <a:t>Explicit VR or Implicit VR</a:t>
             </a:r>
-            <a:r>
-              <a:rPr lang="zh-TW" altLang="en-US" sz="3800"/>
-              <a:t/>
-            </a:r>
             <a:br>
               <a:rPr lang="zh-TW" altLang="en-US" sz="3800"/>
             </a:br>
@@ -10093,7 +10533,7 @@
 </p:sld>
 </file>
 
-<file path=ppt/slides/slide27.xml><?xml version="1.0" encoding="utf-8"?>
+<file path=ppt/slides/slide3.xml><?xml version="1.0" encoding="utf-8"?>
 <p:sld xmlns:a="http://schemas.openxmlformats.org/drawingml/2006/main" xmlns:r="http://schemas.openxmlformats.org/officeDocument/2006/relationships" xmlns:p="http://schemas.openxmlformats.org/presentationml/2006/main">
   <p:cSld>
     <p:spTree>
@@ -10122,6 +10562,342 @@
         </p:nvSpPr>
         <p:spPr>
           <a:xfrm>
+            <a:off x="689113" y="-73232"/>
+            <a:ext cx="10972800" cy="1143000"/>
+          </a:xfrm>
+        </p:spPr>
+        <p:txBody>
+          <a:bodyPr/>
+          <a:lstStyle/>
+          <a:p>
+            <a:r>
+              <a:rPr lang="zh-TW" altLang="en-US"/>
+              <a:t>繪製醫學影像初體驗</a:t>
+            </a:r>
+          </a:p>
+        </p:txBody>
+      </p:sp>
+      <p:sp>
+        <p:nvSpPr>
+          <p:cNvPr id="3" name="內容版面配置區 2"/>
+          <p:cNvSpPr>
+            <a:spLocks noGrp="1"/>
+          </p:cNvSpPr>
+          <p:nvPr>
+            <p:ph idx="1"/>
+          </p:nvPr>
+        </p:nvSpPr>
+        <p:spPr>
+          <a:xfrm>
+            <a:off x="69575" y="884588"/>
+            <a:ext cx="3617844" cy="2835965"/>
+          </a:xfrm>
+        </p:spPr>
+        <p:txBody>
+          <a:bodyPr/>
+          <a:lstStyle/>
+          <a:p>
+            <a:r>
+              <a:rPr lang="zh-TW" altLang="en-US"/>
+              <a:t>設定圖片來源</a:t>
+            </a:r>
+            <a:endParaRPr lang="en-US" altLang="zh-TW"/>
+          </a:p>
+          <a:p>
+            <a:pPr lvl="1"/>
+            <a:r>
+              <a:rPr lang="zh-TW" altLang="en-US"/>
+              <a:t> </a:t>
+            </a:r>
+            <a:r>
+              <a:rPr lang="en-US" altLang="zh-TW"/>
+              <a:t>HTTPGetBinaryData("imgDir/US1.dcm"); </a:t>
+            </a:r>
+          </a:p>
+          <a:p>
+            <a:endParaRPr lang="en-US" altLang="zh-TW"/>
+          </a:p>
+        </p:txBody>
+      </p:sp>
+      <p:pic>
+        <p:nvPicPr>
+          <p:cNvPr id="5" name="圖片 4"/>
+          <p:cNvPicPr>
+            <a:picLocks noChangeAspect="1"/>
+          </p:cNvPicPr>
+          <p:nvPr/>
+        </p:nvPicPr>
+        <p:blipFill>
+          <a:blip r:embed="rId2"/>
+          <a:stretch>
+            <a:fillRect/>
+          </a:stretch>
+        </p:blipFill>
+        <p:spPr>
+          <a:xfrm>
+            <a:off x="4010853" y="884588"/>
+            <a:ext cx="7867650" cy="2650785"/>
+          </a:xfrm>
+          <a:prstGeom prst="rect">
+            <a:avLst/>
+          </a:prstGeom>
+        </p:spPr>
+      </p:pic>
+      <p:sp>
+        <p:nvSpPr>
+          <p:cNvPr id="6" name="內容版面配置區 2"/>
+          <p:cNvSpPr txBox="1">
+            <a:spLocks/>
+          </p:cNvSpPr>
+          <p:nvPr/>
+        </p:nvSpPr>
+        <p:spPr>
+          <a:xfrm>
+            <a:off x="0" y="3777230"/>
+            <a:ext cx="12122425" cy="3568143"/>
+          </a:xfrm>
+          <a:prstGeom prst="rect">
+            <a:avLst/>
+          </a:prstGeom>
+        </p:spPr>
+        <p:txBody>
+          <a:bodyPr vert="horz" lIns="91440" tIns="45720" rIns="91440" bIns="45720" rtlCol="0">
+            <a:normAutofit/>
+          </a:bodyPr>
+          <a:lstStyle>
+            <a:lvl1pPr marL="342900" indent="-342900" algn="l" defTabSz="914400" rtl="0" eaLnBrk="1" latinLnBrk="0" hangingPunct="1">
+              <a:spcBef>
+                <a:spcPct val="20000"/>
+              </a:spcBef>
+              <a:buFont typeface="Arial" panose="020B0604020202020204" pitchFamily="34" charset="0"/>
+              <a:buChar char="•"/>
+              <a:defRPr sz="3200" kern="1200">
+                <a:solidFill>
+                  <a:schemeClr val="tx1"/>
+                </a:solidFill>
+                <a:latin typeface="+mn-lt"/>
+                <a:ea typeface="+mn-ea"/>
+                <a:cs typeface="+mn-cs"/>
+              </a:defRPr>
+            </a:lvl1pPr>
+            <a:lvl2pPr marL="742950" indent="-285750" algn="l" defTabSz="914400" rtl="0" eaLnBrk="1" latinLnBrk="0" hangingPunct="1">
+              <a:spcBef>
+                <a:spcPct val="20000"/>
+              </a:spcBef>
+              <a:buFont typeface="Arial" panose="020B0604020202020204" pitchFamily="34" charset="0"/>
+              <a:buChar char="–"/>
+              <a:defRPr sz="2800" kern="1200">
+                <a:solidFill>
+                  <a:schemeClr val="tx1"/>
+                </a:solidFill>
+                <a:latin typeface="+mn-lt"/>
+                <a:ea typeface="+mn-ea"/>
+                <a:cs typeface="+mn-cs"/>
+              </a:defRPr>
+            </a:lvl2pPr>
+            <a:lvl3pPr marL="1143000" indent="-228600" algn="l" defTabSz="914400" rtl="0" eaLnBrk="1" latinLnBrk="0" hangingPunct="1">
+              <a:spcBef>
+                <a:spcPct val="20000"/>
+              </a:spcBef>
+              <a:buFont typeface="Arial" panose="020B0604020202020204" pitchFamily="34" charset="0"/>
+              <a:buChar char="•"/>
+              <a:defRPr sz="2400" kern="1200">
+                <a:solidFill>
+                  <a:schemeClr val="tx1"/>
+                </a:solidFill>
+                <a:latin typeface="+mn-lt"/>
+                <a:ea typeface="+mn-ea"/>
+                <a:cs typeface="+mn-cs"/>
+              </a:defRPr>
+            </a:lvl3pPr>
+            <a:lvl4pPr marL="1600200" indent="-228600" algn="l" defTabSz="914400" rtl="0" eaLnBrk="1" latinLnBrk="0" hangingPunct="1">
+              <a:spcBef>
+                <a:spcPct val="20000"/>
+              </a:spcBef>
+              <a:buFont typeface="Arial" panose="020B0604020202020204" pitchFamily="34" charset="0"/>
+              <a:buChar char="–"/>
+              <a:defRPr sz="2000" kern="1200">
+                <a:solidFill>
+                  <a:schemeClr val="tx1"/>
+                </a:solidFill>
+                <a:latin typeface="+mn-lt"/>
+                <a:ea typeface="+mn-ea"/>
+                <a:cs typeface="+mn-cs"/>
+              </a:defRPr>
+            </a:lvl4pPr>
+            <a:lvl5pPr marL="2057400" indent="-228600" algn="l" defTabSz="914400" rtl="0" eaLnBrk="1" latinLnBrk="0" hangingPunct="1">
+              <a:spcBef>
+                <a:spcPct val="20000"/>
+              </a:spcBef>
+              <a:buFont typeface="Arial" panose="020B0604020202020204" pitchFamily="34" charset="0"/>
+              <a:buChar char="»"/>
+              <a:defRPr sz="2000" kern="1200">
+                <a:solidFill>
+                  <a:schemeClr val="tx1"/>
+                </a:solidFill>
+                <a:latin typeface="+mn-lt"/>
+                <a:ea typeface="+mn-ea"/>
+                <a:cs typeface="+mn-cs"/>
+              </a:defRPr>
+            </a:lvl5pPr>
+            <a:lvl6pPr marL="2514600" indent="-228600" algn="l" defTabSz="914400" rtl="0" eaLnBrk="1" latinLnBrk="0" hangingPunct="1">
+              <a:spcBef>
+                <a:spcPct val="20000"/>
+              </a:spcBef>
+              <a:buFont typeface="Arial" panose="020B0604020202020204" pitchFamily="34" charset="0"/>
+              <a:buChar char="•"/>
+              <a:defRPr sz="2000" kern="1200">
+                <a:solidFill>
+                  <a:schemeClr val="tx1"/>
+                </a:solidFill>
+                <a:latin typeface="+mn-lt"/>
+                <a:ea typeface="+mn-ea"/>
+                <a:cs typeface="+mn-cs"/>
+              </a:defRPr>
+            </a:lvl6pPr>
+            <a:lvl7pPr marL="2971800" indent="-228600" algn="l" defTabSz="914400" rtl="0" eaLnBrk="1" latinLnBrk="0" hangingPunct="1">
+              <a:spcBef>
+                <a:spcPct val="20000"/>
+              </a:spcBef>
+              <a:buFont typeface="Arial" panose="020B0604020202020204" pitchFamily="34" charset="0"/>
+              <a:buChar char="•"/>
+              <a:defRPr sz="2000" kern="1200">
+                <a:solidFill>
+                  <a:schemeClr val="tx1"/>
+                </a:solidFill>
+                <a:latin typeface="+mn-lt"/>
+                <a:ea typeface="+mn-ea"/>
+                <a:cs typeface="+mn-cs"/>
+              </a:defRPr>
+            </a:lvl7pPr>
+            <a:lvl8pPr marL="3429000" indent="-228600" algn="l" defTabSz="914400" rtl="0" eaLnBrk="1" latinLnBrk="0" hangingPunct="1">
+              <a:spcBef>
+                <a:spcPct val="20000"/>
+              </a:spcBef>
+              <a:buFont typeface="Arial" panose="020B0604020202020204" pitchFamily="34" charset="0"/>
+              <a:buChar char="•"/>
+              <a:defRPr sz="2000" kern="1200">
+                <a:solidFill>
+                  <a:schemeClr val="tx1"/>
+                </a:solidFill>
+                <a:latin typeface="+mn-lt"/>
+                <a:ea typeface="+mn-ea"/>
+                <a:cs typeface="+mn-cs"/>
+              </a:defRPr>
+            </a:lvl8pPr>
+            <a:lvl9pPr marL="3886200" indent="-228600" algn="l" defTabSz="914400" rtl="0" eaLnBrk="1" latinLnBrk="0" hangingPunct="1">
+              <a:spcBef>
+                <a:spcPct val="20000"/>
+              </a:spcBef>
+              <a:buFont typeface="Arial" panose="020B0604020202020204" pitchFamily="34" charset="0"/>
+              <a:buChar char="•"/>
+              <a:defRPr sz="2000" kern="1200">
+                <a:solidFill>
+                  <a:schemeClr val="tx1"/>
+                </a:solidFill>
+                <a:latin typeface="+mn-lt"/>
+                <a:ea typeface="+mn-ea"/>
+                <a:cs typeface="+mn-cs"/>
+              </a:defRPr>
+            </a:lvl9pPr>
+          </a:lstStyle>
+          <a:p>
+            <a:r>
+              <a:rPr lang="zh-TW" altLang="en-US"/>
+              <a:t>設定來源資料陣列</a:t>
+            </a:r>
+            <a:endParaRPr lang="en-US" altLang="zh-TW"/>
+          </a:p>
+          <a:p>
+            <a:pPr lvl="1"/>
+            <a:r>
+              <a:rPr lang="en-US" altLang="zh-TW"/>
+              <a:t>dicomData= DataView(ret);</a:t>
+            </a:r>
+          </a:p>
+          <a:p>
+            <a:pPr lvl="1"/>
+            <a:r>
+              <a:rPr lang="zh-TW" altLang="en-US"/>
+              <a:t>參考 </a:t>
+            </a:r>
+            <a:r>
+              <a:rPr lang="en-US" altLang="zh-TW"/>
+              <a:t>JS</a:t>
+            </a:r>
+            <a:r>
+              <a:rPr lang="zh-TW" altLang="en-US"/>
+              <a:t> </a:t>
+            </a:r>
+            <a:r>
+              <a:rPr lang="en-US" altLang="zh-TW"/>
+              <a:t>DataView</a:t>
+            </a:r>
+            <a:r>
+              <a:rPr lang="zh-TW" altLang="en-US"/>
+              <a:t> 函式</a:t>
+            </a:r>
+            <a:endParaRPr lang="en-US" altLang="zh-TW"/>
+          </a:p>
+          <a:p>
+            <a:pPr lvl="2"/>
+            <a:r>
+              <a:rPr lang="en-US" altLang="zh-TW"/>
+              <a:t>https://developer.mozilla.org/zh-TW/docs/Web/JavaScript/Reference/Global_Objects/DataView</a:t>
+            </a:r>
+          </a:p>
+          <a:p>
+            <a:pPr lvl="2"/>
+            <a:r>
+              <a:rPr lang="en-US" altLang="zh-TW"/>
+              <a:t>https://www.puritys.me/docs-blog/article-294-Javascript-%E8%99%95%E7%90%86-Binary-%E8%B3%87%E6%96%99---ArrayBuffer.html</a:t>
+            </a:r>
+            <a:endParaRPr lang="zh-TW" altLang="en-US"/>
+          </a:p>
+        </p:txBody>
+      </p:sp>
+    </p:spTree>
+    <p:extLst>
+      <p:ext uri="{BB962C8B-B14F-4D97-AF65-F5344CB8AC3E}">
+        <p14:creationId xmlns:p14="http://schemas.microsoft.com/office/powerpoint/2010/main" val="3066391523"/>
+      </p:ext>
+    </p:extLst>
+  </p:cSld>
+  <p:clrMapOvr>
+    <a:masterClrMapping/>
+  </p:clrMapOvr>
+</p:sld>
+</file>
+
+<file path=ppt/slides/slide30.xml><?xml version="1.0" encoding="utf-8"?>
+<p:sld xmlns:a="http://schemas.openxmlformats.org/drawingml/2006/main" xmlns:r="http://schemas.openxmlformats.org/officeDocument/2006/relationships" xmlns:p="http://schemas.openxmlformats.org/presentationml/2006/main">
+  <p:cSld>
+    <p:spTree>
+      <p:nvGrpSpPr>
+        <p:cNvPr id="1" name=""/>
+        <p:cNvGrpSpPr/>
+        <p:nvPr/>
+      </p:nvGrpSpPr>
+      <p:grpSpPr>
+        <a:xfrm>
+          <a:off x="0" y="0"/>
+          <a:ext cx="0" cy="0"/>
+          <a:chOff x="0" y="0"/>
+          <a:chExt cx="0" cy="0"/>
+        </a:xfrm>
+      </p:grpSpPr>
+      <p:sp>
+        <p:nvSpPr>
+          <p:cNvPr id="2" name="標題 1"/>
+          <p:cNvSpPr>
+            <a:spLocks noGrp="1"/>
+          </p:cNvSpPr>
+          <p:nvPr>
+            <p:ph type="title"/>
+          </p:nvPr>
+        </p:nvSpPr>
+        <p:spPr>
+          <a:xfrm>
             <a:off x="691794" y="0"/>
             <a:ext cx="10972800" cy="1143000"/>
           </a:xfrm>
@@ -10135,11 +10911,11 @@
               <a:t>Implicit VR </a:t>
             </a:r>
             <a:r>
-              <a:rPr lang="zh-TW" altLang="en-US" smtClean="0"/>
+              <a:rPr lang="zh-TW" altLang="en-US"/>
               <a:t> </a:t>
             </a:r>
             <a:r>
-              <a:rPr lang="en-US" altLang="zh-TW" smtClean="0"/>
+              <a:rPr lang="en-US" altLang="zh-TW"/>
               <a:t>data element</a:t>
             </a:r>
             <a:endParaRPr lang="zh-TW" altLang="en-US"/>
@@ -10211,7 +10987,7 @@
 </p:sld>
 </file>
 
-<file path=ppt/slides/slide28.xml><?xml version="1.0" encoding="utf-8"?>
+<file path=ppt/slides/slide31.xml><?xml version="1.0" encoding="utf-8"?>
 <p:sld xmlns:a="http://schemas.openxmlformats.org/drawingml/2006/main" xmlns:r="http://schemas.openxmlformats.org/officeDocument/2006/relationships" xmlns:p="http://schemas.openxmlformats.org/presentationml/2006/main">
   <p:cSld>
     <p:spTree>
@@ -10307,7 +11083,7 @@
 </p:sld>
 </file>
 
-<file path=ppt/slides/slide29.xml><?xml version="1.0" encoding="utf-8"?>
+<file path=ppt/slides/slide32.xml><?xml version="1.0" encoding="utf-8"?>
 <p:sld xmlns:a="http://schemas.openxmlformats.org/drawingml/2006/main" xmlns:r="http://schemas.openxmlformats.org/officeDocument/2006/relationships" xmlns:p="http://schemas.openxmlformats.org/presentationml/2006/main">
   <p:cSld>
     <p:spTree>
@@ -10341,11 +11117,7 @@
           <a:p>
             <a:r>
               <a:rPr lang="en-US" altLang="zh-TW"/>
-              <a:t>Data Element with Explicit VR </a:t>
-            </a:r>
-            <a:r>
-              <a:rPr lang="en-US" altLang="zh-TW" smtClean="0"/>
-              <a:t>others</a:t>
+              <a:t>Data Element with Explicit VR others</a:t>
             </a:r>
             <a:endParaRPr lang="zh-TW" altLang="en-US"/>
           </a:p>
@@ -10407,7 +11179,7 @@
 </p:sld>
 </file>
 
-<file path=ppt/slides/slide3.xml><?xml version="1.0" encoding="utf-8"?>
+<file path=ppt/slides/slide33.xml><?xml version="1.0" encoding="utf-8"?>
 <p:sld xmlns:a="http://schemas.openxmlformats.org/drawingml/2006/main" xmlns:r="http://schemas.openxmlformats.org/officeDocument/2006/relationships" xmlns:p="http://schemas.openxmlformats.org/presentationml/2006/main">
   <p:cSld>
     <p:spTree>
@@ -10434,21 +11206,23 @@
             <p:ph type="title"/>
           </p:nvPr>
         </p:nvSpPr>
-        <p:spPr>
-          <a:xfrm>
-            <a:off x="689113" y="-73232"/>
-            <a:ext cx="10972800" cy="1143000"/>
-          </a:xfrm>
-        </p:spPr>
+        <p:spPr/>
         <p:txBody>
           <a:bodyPr/>
           <a:lstStyle/>
           <a:p>
             <a:r>
-              <a:rPr lang="zh-TW" altLang="en-US" smtClean="0"/>
-              <a:t>繪製醫學影像初體驗</a:t>
-            </a:r>
-            <a:endParaRPr lang="zh-TW" altLang="en-US"/>
+              <a:rPr lang="zh-TW" altLang="en-US" dirty="0"/>
+              <a:t>分析</a:t>
+            </a:r>
+            <a:r>
+              <a:rPr lang="en-US" altLang="zh-TW" dirty="0"/>
+              <a:t>DICOM </a:t>
+            </a:r>
+            <a:r>
+              <a:rPr lang="zh-TW" altLang="en-US" dirty="0"/>
+              <a:t>影像規格練習</a:t>
+            </a:r>
           </a:p>
         </p:txBody>
       </p:sp>
@@ -10462,287 +11236,163 @@
             <p:ph idx="1"/>
           </p:nvPr>
         </p:nvSpPr>
-        <p:spPr>
-          <a:xfrm>
-            <a:off x="69575" y="884588"/>
-            <a:ext cx="3617844" cy="2835965"/>
-          </a:xfrm>
-        </p:spPr>
+        <p:spPr/>
         <p:txBody>
           <a:bodyPr/>
           <a:lstStyle/>
           <a:p>
-            <a:r>
-              <a:rPr lang="zh-TW" altLang="en-US" smtClean="0"/>
-              <a:t>設定圖片來源</a:t>
-            </a:r>
-            <a:endParaRPr lang="en-US" altLang="zh-TW" smtClean="0"/>
-          </a:p>
-          <a:p>
-            <a:pPr lvl="1"/>
-            <a:r>
-              <a:rPr lang="zh-TW" altLang="en-US" smtClean="0"/>
+            <a:pPr marL="514350" indent="-514350">
+              <a:buFont typeface="+mj-lt"/>
+              <a:buAutoNum type="arabicPeriod"/>
+            </a:pPr>
+            <a:r>
+              <a:rPr lang="zh-TW" altLang="en-US" dirty="0"/>
+              <a:t>下載一個 </a:t>
+            </a:r>
+            <a:r>
+              <a:rPr lang="en-US" altLang="zh-TW" dirty="0"/>
+              <a:t>DICOM</a:t>
+            </a:r>
+            <a:r>
+              <a:rPr lang="zh-TW" altLang="en-US" dirty="0"/>
+              <a:t> 檔</a:t>
+            </a:r>
+            <a:endParaRPr lang="en-US" altLang="zh-TW" dirty="0"/>
+          </a:p>
+          <a:p>
+            <a:pPr marL="514350" indent="-514350">
+              <a:buFont typeface="+mj-lt"/>
+              <a:buAutoNum type="arabicPeriod"/>
+            </a:pPr>
+            <a:r>
+              <a:rPr lang="zh-TW" altLang="en-US" dirty="0"/>
+              <a:t>解析 </a:t>
+            </a:r>
+            <a:r>
+              <a:rPr lang="en-US" altLang="zh-TW" dirty="0"/>
+              <a:t>DICOM</a:t>
+            </a:r>
+            <a:r>
+              <a:rPr lang="zh-TW" altLang="en-US" dirty="0"/>
               <a:t> </a:t>
             </a:r>
             <a:r>
-              <a:rPr lang="en-US" altLang="zh-TW" smtClean="0"/>
-              <a:t>HTTPGetBinaryData</a:t>
-            </a:r>
-            <a:r>
-              <a:rPr lang="en-US" altLang="zh-TW"/>
-              <a:t>("imgDir/US1.dcm"); </a:t>
-            </a:r>
-          </a:p>
-          <a:p>
-            <a:endParaRPr lang="en-US" altLang="zh-TW"/>
-          </a:p>
-        </p:txBody>
-      </p:sp>
-      <p:pic>
-        <p:nvPicPr>
-          <p:cNvPr id="5" name="圖片 4"/>
-          <p:cNvPicPr>
-            <a:picLocks noChangeAspect="1"/>
-          </p:cNvPicPr>
-          <p:nvPr/>
-        </p:nvPicPr>
-        <p:blipFill>
-          <a:blip r:embed="rId2"/>
-          <a:stretch>
-            <a:fillRect/>
-          </a:stretch>
-        </p:blipFill>
-        <p:spPr>
-          <a:xfrm>
-            <a:off x="4010853" y="884588"/>
-            <a:ext cx="7867650" cy="2650785"/>
-          </a:xfrm>
-          <a:prstGeom prst="rect">
-            <a:avLst/>
-          </a:prstGeom>
-        </p:spPr>
-      </p:pic>
-      <p:sp>
-        <p:nvSpPr>
-          <p:cNvPr id="6" name="內容版面配置區 2"/>
-          <p:cNvSpPr txBox="1">
-            <a:spLocks/>
-          </p:cNvSpPr>
-          <p:nvPr/>
-        </p:nvSpPr>
-        <p:spPr>
-          <a:xfrm>
-            <a:off x="0" y="3777230"/>
-            <a:ext cx="12122425" cy="3568143"/>
-          </a:xfrm>
-          <a:prstGeom prst="rect">
-            <a:avLst/>
-          </a:prstGeom>
-        </p:spPr>
-        <p:txBody>
-          <a:bodyPr vert="horz" lIns="91440" tIns="45720" rIns="91440" bIns="45720" rtlCol="0">
-            <a:normAutofit/>
-          </a:bodyPr>
-          <a:lstStyle>
-            <a:lvl1pPr marL="342900" indent="-342900" algn="l" defTabSz="914400" rtl="0" eaLnBrk="1" latinLnBrk="0" hangingPunct="1">
-              <a:spcBef>
-                <a:spcPct val="20000"/>
-              </a:spcBef>
-              <a:buFont typeface="Arial" panose="020B0604020202020204" pitchFamily="34" charset="0"/>
-              <a:buChar char="•"/>
-              <a:defRPr sz="3200" kern="1200">
-                <a:solidFill>
-                  <a:schemeClr val="tx1"/>
-                </a:solidFill>
-                <a:latin typeface="+mn-lt"/>
-                <a:ea typeface="+mn-ea"/>
-                <a:cs typeface="+mn-cs"/>
-              </a:defRPr>
-            </a:lvl1pPr>
-            <a:lvl2pPr marL="742950" indent="-285750" algn="l" defTabSz="914400" rtl="0" eaLnBrk="1" latinLnBrk="0" hangingPunct="1">
-              <a:spcBef>
-                <a:spcPct val="20000"/>
-              </a:spcBef>
-              <a:buFont typeface="Arial" panose="020B0604020202020204" pitchFamily="34" charset="0"/>
-              <a:buChar char="–"/>
-              <a:defRPr sz="2800" kern="1200">
-                <a:solidFill>
-                  <a:schemeClr val="tx1"/>
-                </a:solidFill>
-                <a:latin typeface="+mn-lt"/>
-                <a:ea typeface="+mn-ea"/>
-                <a:cs typeface="+mn-cs"/>
-              </a:defRPr>
-            </a:lvl2pPr>
-            <a:lvl3pPr marL="1143000" indent="-228600" algn="l" defTabSz="914400" rtl="0" eaLnBrk="1" latinLnBrk="0" hangingPunct="1">
-              <a:spcBef>
-                <a:spcPct val="20000"/>
-              </a:spcBef>
-              <a:buFont typeface="Arial" panose="020B0604020202020204" pitchFamily="34" charset="0"/>
-              <a:buChar char="•"/>
-              <a:defRPr sz="2400" kern="1200">
-                <a:solidFill>
-                  <a:schemeClr val="tx1"/>
-                </a:solidFill>
-                <a:latin typeface="+mn-lt"/>
-                <a:ea typeface="+mn-ea"/>
-                <a:cs typeface="+mn-cs"/>
-              </a:defRPr>
-            </a:lvl3pPr>
-            <a:lvl4pPr marL="1600200" indent="-228600" algn="l" defTabSz="914400" rtl="0" eaLnBrk="1" latinLnBrk="0" hangingPunct="1">
-              <a:spcBef>
-                <a:spcPct val="20000"/>
-              </a:spcBef>
-              <a:buFont typeface="Arial" panose="020B0604020202020204" pitchFamily="34" charset="0"/>
-              <a:buChar char="–"/>
-              <a:defRPr sz="2000" kern="1200">
-                <a:solidFill>
-                  <a:schemeClr val="tx1"/>
-                </a:solidFill>
-                <a:latin typeface="+mn-lt"/>
-                <a:ea typeface="+mn-ea"/>
-                <a:cs typeface="+mn-cs"/>
-              </a:defRPr>
-            </a:lvl4pPr>
-            <a:lvl5pPr marL="2057400" indent="-228600" algn="l" defTabSz="914400" rtl="0" eaLnBrk="1" latinLnBrk="0" hangingPunct="1">
-              <a:spcBef>
-                <a:spcPct val="20000"/>
-              </a:spcBef>
-              <a:buFont typeface="Arial" panose="020B0604020202020204" pitchFamily="34" charset="0"/>
-              <a:buChar char="»"/>
-              <a:defRPr sz="2000" kern="1200">
-                <a:solidFill>
-                  <a:schemeClr val="tx1"/>
-                </a:solidFill>
-                <a:latin typeface="+mn-lt"/>
-                <a:ea typeface="+mn-ea"/>
-                <a:cs typeface="+mn-cs"/>
-              </a:defRPr>
-            </a:lvl5pPr>
-            <a:lvl6pPr marL="2514600" indent="-228600" algn="l" defTabSz="914400" rtl="0" eaLnBrk="1" latinLnBrk="0" hangingPunct="1">
-              <a:spcBef>
-                <a:spcPct val="20000"/>
-              </a:spcBef>
-              <a:buFont typeface="Arial" panose="020B0604020202020204" pitchFamily="34" charset="0"/>
-              <a:buChar char="•"/>
-              <a:defRPr sz="2000" kern="1200">
-                <a:solidFill>
-                  <a:schemeClr val="tx1"/>
-                </a:solidFill>
-                <a:latin typeface="+mn-lt"/>
-                <a:ea typeface="+mn-ea"/>
-                <a:cs typeface="+mn-cs"/>
-              </a:defRPr>
-            </a:lvl6pPr>
-            <a:lvl7pPr marL="2971800" indent="-228600" algn="l" defTabSz="914400" rtl="0" eaLnBrk="1" latinLnBrk="0" hangingPunct="1">
-              <a:spcBef>
-                <a:spcPct val="20000"/>
-              </a:spcBef>
-              <a:buFont typeface="Arial" panose="020B0604020202020204" pitchFamily="34" charset="0"/>
-              <a:buChar char="•"/>
-              <a:defRPr sz="2000" kern="1200">
-                <a:solidFill>
-                  <a:schemeClr val="tx1"/>
-                </a:solidFill>
-                <a:latin typeface="+mn-lt"/>
-                <a:ea typeface="+mn-ea"/>
-                <a:cs typeface="+mn-cs"/>
-              </a:defRPr>
-            </a:lvl7pPr>
-            <a:lvl8pPr marL="3429000" indent="-228600" algn="l" defTabSz="914400" rtl="0" eaLnBrk="1" latinLnBrk="0" hangingPunct="1">
-              <a:spcBef>
-                <a:spcPct val="20000"/>
-              </a:spcBef>
-              <a:buFont typeface="Arial" panose="020B0604020202020204" pitchFamily="34" charset="0"/>
-              <a:buChar char="•"/>
-              <a:defRPr sz="2000" kern="1200">
-                <a:solidFill>
-                  <a:schemeClr val="tx1"/>
-                </a:solidFill>
-                <a:latin typeface="+mn-lt"/>
-                <a:ea typeface="+mn-ea"/>
-                <a:cs typeface="+mn-cs"/>
-              </a:defRPr>
-            </a:lvl8pPr>
-            <a:lvl9pPr marL="3886200" indent="-228600" algn="l" defTabSz="914400" rtl="0" eaLnBrk="1" latinLnBrk="0" hangingPunct="1">
-              <a:spcBef>
-                <a:spcPct val="20000"/>
-              </a:spcBef>
-              <a:buFont typeface="Arial" panose="020B0604020202020204" pitchFamily="34" charset="0"/>
-              <a:buChar char="•"/>
-              <a:defRPr sz="2000" kern="1200">
-                <a:solidFill>
-                  <a:schemeClr val="tx1"/>
-                </a:solidFill>
-                <a:latin typeface="+mn-lt"/>
-                <a:ea typeface="+mn-ea"/>
-                <a:cs typeface="+mn-cs"/>
-              </a:defRPr>
-            </a:lvl9pPr>
-          </a:lstStyle>
-          <a:p>
-            <a:r>
-              <a:rPr lang="zh-TW" altLang="en-US" smtClean="0"/>
-              <a:t>設定來源資料陣列</a:t>
-            </a:r>
-            <a:endParaRPr lang="en-US" altLang="zh-TW" smtClean="0"/>
-          </a:p>
-          <a:p>
-            <a:pPr lvl="1"/>
-            <a:r>
-              <a:rPr lang="en-US" altLang="zh-TW" smtClean="0"/>
-              <a:t>dicomData= DataView(ret);</a:t>
-            </a:r>
-          </a:p>
-          <a:p>
-            <a:pPr lvl="1"/>
-            <a:r>
-              <a:rPr lang="zh-TW" altLang="en-US" smtClean="0"/>
-              <a:t>參考 </a:t>
-            </a:r>
-            <a:r>
-              <a:rPr lang="en-US" altLang="zh-TW" smtClean="0"/>
-              <a:t>JS</a:t>
-            </a:r>
-            <a:r>
-              <a:rPr lang="zh-TW" altLang="en-US" smtClean="0"/>
+              <a:rPr lang="en-US" altLang="zh-TW" dirty="0"/>
+              <a:t>tags</a:t>
+            </a:r>
+          </a:p>
+          <a:p>
+            <a:pPr marL="914400" lvl="1" indent="-514350"/>
+            <a:r>
+              <a:rPr lang="zh-TW" altLang="en-US" dirty="0"/>
+              <a:t>使用工具或程式</a:t>
+            </a:r>
+            <a:endParaRPr lang="en-US" altLang="zh-TW" dirty="0"/>
+          </a:p>
+          <a:p>
+            <a:pPr marL="914400" lvl="1" indent="-514350"/>
+            <a:r>
+              <a:rPr lang="en-US" altLang="zh-TW" dirty="0"/>
+              <a:t>Viewer</a:t>
+            </a:r>
+            <a:r>
+              <a:rPr lang="zh-TW" altLang="en-US" dirty="0"/>
+              <a:t>、 </a:t>
+            </a:r>
+            <a:r>
+              <a:rPr lang="en-US" altLang="zh-TW" dirty="0"/>
+              <a:t>VS code </a:t>
+            </a:r>
+            <a:r>
+              <a:rPr lang="en-US" altLang="zh-TW" dirty="0" err="1"/>
+              <a:t>hexDump</a:t>
+            </a:r>
+            <a:r>
+              <a:rPr lang="zh-TW" altLang="en-US" dirty="0"/>
+              <a:t>、及解析程式</a:t>
+            </a:r>
+            <a:r>
+              <a:rPr lang="en-US" altLang="zh-TW" dirty="0"/>
               <a:t> </a:t>
             </a:r>
-            <a:r>
-              <a:rPr lang="en-US" altLang="zh-TW" smtClean="0"/>
-              <a:t>DataView</a:t>
-            </a:r>
-            <a:r>
-              <a:rPr lang="zh-TW" altLang="en-US" smtClean="0"/>
-              <a:t> 函式</a:t>
-            </a:r>
-            <a:endParaRPr lang="en-US" altLang="zh-TW" smtClean="0"/>
-          </a:p>
-          <a:p>
-            <a:pPr lvl="2"/>
-            <a:r>
-              <a:rPr lang="en-US" altLang="zh-TW"/>
-              <a:t>https://</a:t>
-            </a:r>
-            <a:r>
-              <a:rPr lang="en-US" altLang="zh-TW" smtClean="0"/>
-              <a:t>developer.mozilla.org/zh-TW/docs/Web/JavaScript/Reference/Global_Objects/DataView</a:t>
-            </a:r>
-          </a:p>
-          <a:p>
-            <a:pPr lvl="2"/>
-            <a:r>
-              <a:rPr lang="en-US" altLang="zh-TW"/>
-              <a:t>https://www.puritys.me/docs-blog/article-294-Javascript-%E8%99%95%E7%90%86-Binary-%E8%B3%87%E6%96%99---ArrayBuffer.html</a:t>
-            </a:r>
-            <a:endParaRPr lang="zh-TW" altLang="en-US"/>
+          </a:p>
+          <a:p>
+            <a:pPr marL="514350" indent="-514350">
+              <a:buFont typeface="+mj-lt"/>
+              <a:buAutoNum type="arabicPeriod"/>
+            </a:pPr>
+            <a:r>
+              <a:rPr lang="zh-TW" altLang="en-US" dirty="0"/>
+              <a:t>找到</a:t>
+            </a:r>
+            <a:r>
+              <a:rPr lang="en-US" altLang="zh-TW" dirty="0"/>
+              <a:t>DICOM</a:t>
+            </a:r>
+            <a:r>
+              <a:rPr lang="zh-TW" altLang="en-US" dirty="0"/>
+              <a:t> </a:t>
+            </a:r>
+            <a:r>
+              <a:rPr lang="en-US" altLang="zh-TW" dirty="0"/>
+              <a:t>tags </a:t>
+            </a:r>
+            <a:r>
+              <a:rPr lang="zh-TW" altLang="en-US" dirty="0"/>
+              <a:t>，解析資料型態</a:t>
+            </a:r>
+            <a:r>
+              <a:rPr lang="en-US" altLang="zh-TW" dirty="0"/>
+              <a:t>(VR)</a:t>
+            </a:r>
+            <a:r>
+              <a:rPr lang="zh-TW" altLang="en-US" dirty="0"/>
+              <a:t>、資料長度、及資料</a:t>
+            </a:r>
+            <a:endParaRPr lang="en-US" altLang="zh-TW" dirty="0"/>
+          </a:p>
+          <a:p>
+            <a:pPr marL="514350" indent="-514350">
+              <a:buFont typeface="+mj-lt"/>
+              <a:buAutoNum type="arabicPeriod"/>
+            </a:pPr>
+            <a:r>
+              <a:rPr lang="zh-TW" altLang="en-US" dirty="0"/>
+              <a:t>呈現標籤資料</a:t>
+            </a:r>
+            <a:endParaRPr lang="en-US" altLang="zh-TW" dirty="0"/>
+          </a:p>
+          <a:p>
+            <a:pPr marL="914400" lvl="1" indent="-514350"/>
+            <a:r>
+              <a:rPr lang="zh-TW" altLang="en-US" dirty="0"/>
+              <a:t>病人基本資料及 </a:t>
+            </a:r>
+            <a:r>
+              <a:rPr lang="en-US" altLang="zh-TW" dirty="0"/>
+              <a:t>UIDs</a:t>
+            </a:r>
+          </a:p>
+          <a:p>
+            <a:pPr marL="514350" indent="-514350">
+              <a:buFont typeface="+mj-lt"/>
+              <a:buAutoNum type="arabicPeriod"/>
+            </a:pPr>
+            <a:r>
+              <a:rPr lang="zh-TW" altLang="en-US" dirty="0"/>
+              <a:t>呈現影像</a:t>
+            </a:r>
+            <a:r>
+              <a:rPr lang="en-US" altLang="zh-TW" dirty="0"/>
+              <a:t> </a:t>
+            </a:r>
           </a:p>
         </p:txBody>
       </p:sp>
     </p:spTree>
     <p:extLst>
       <p:ext uri="{BB962C8B-B14F-4D97-AF65-F5344CB8AC3E}">
-        <p14:creationId xmlns:p14="http://schemas.microsoft.com/office/powerpoint/2010/main" val="3066391523"/>
+        <p14:creationId xmlns:p14="http://schemas.microsoft.com/office/powerpoint/2010/main" val="2622807453"/>
       </p:ext>
     </p:extLst>
   </p:cSld>
@@ -10752,7 +11402,7 @@
 </p:sld>
 </file>
 
-<file path=ppt/slides/slide30.xml><?xml version="1.0" encoding="utf-8"?>
+<file path=ppt/slides/slide34.xml><?xml version="1.0" encoding="utf-8"?>
 <p:sld xmlns:a="http://schemas.openxmlformats.org/drawingml/2006/main" xmlns:r="http://schemas.openxmlformats.org/officeDocument/2006/relationships" xmlns:p="http://schemas.openxmlformats.org/presentationml/2006/main">
   <p:cSld>
     <p:spTree>
@@ -10779,28 +11429,20 @@
             <p:ph type="title"/>
           </p:nvPr>
         </p:nvSpPr>
-        <p:spPr/>
+        <p:spPr>
+          <a:xfrm>
+            <a:off x="609600" y="274638"/>
+            <a:ext cx="10972800" cy="818666"/>
+          </a:xfrm>
+        </p:spPr>
         <p:txBody>
           <a:bodyPr/>
           <a:lstStyle/>
           <a:p>
             <a:r>
               <a:rPr lang="zh-TW" altLang="en-US"/>
-              <a:t>分析</a:t>
-            </a:r>
-            <a:r>
-              <a:rPr lang="en-US" altLang="zh-TW"/>
-              <a:t>DICOM </a:t>
-            </a:r>
-            <a:r>
-              <a:rPr lang="zh-TW" altLang="en-US"/>
-              <a:t>影像規格</a:t>
-            </a:r>
-            <a:r>
-              <a:rPr lang="zh-TW" altLang="en-US" smtClean="0"/>
-              <a:t>練習</a:t>
-            </a:r>
-            <a:endParaRPr lang="zh-TW" altLang="en-US"/>
+              <a:t>呈現醫學影像所需參數</a:t>
+            </a:r>
           </a:p>
         </p:txBody>
       </p:sp>
@@ -10814,150 +11456,192 @@
             <p:ph idx="1"/>
           </p:nvPr>
         </p:nvSpPr>
-        <p:spPr/>
+        <p:spPr>
+          <a:xfrm>
+            <a:off x="609600" y="1162883"/>
+            <a:ext cx="10972800" cy="4525963"/>
+          </a:xfrm>
+        </p:spPr>
         <p:txBody>
           <a:bodyPr/>
           <a:lstStyle/>
           <a:p>
-            <a:pPr marL="514350" indent="-514350">
-              <a:buFont typeface="+mj-lt"/>
-              <a:buAutoNum type="arabicPeriod"/>
-            </a:pPr>
-            <a:r>
-              <a:rPr lang="zh-TW" altLang="en-US" smtClean="0"/>
-              <a:t>下載一個 </a:t>
-            </a:r>
-            <a:r>
-              <a:rPr lang="en-US" altLang="zh-TW" smtClean="0"/>
-              <a:t>DICOM</a:t>
-            </a:r>
-            <a:r>
-              <a:rPr lang="zh-TW" altLang="en-US" smtClean="0"/>
-              <a:t> 檔</a:t>
-            </a:r>
-            <a:endParaRPr lang="en-US" altLang="zh-TW" smtClean="0"/>
-          </a:p>
-          <a:p>
-            <a:pPr marL="514350" indent="-514350">
-              <a:buFont typeface="+mj-lt"/>
-              <a:buAutoNum type="arabicPeriod"/>
-            </a:pPr>
-            <a:r>
-              <a:rPr lang="zh-TW" altLang="en-US" smtClean="0"/>
-              <a:t>使用工具解析 </a:t>
-            </a:r>
-            <a:r>
-              <a:rPr lang="en-US" altLang="zh-TW" smtClean="0"/>
-              <a:t>DICOM</a:t>
-            </a:r>
-            <a:r>
-              <a:rPr lang="zh-TW" altLang="en-US" smtClean="0"/>
+            <a:r>
+              <a:rPr lang="en-US" altLang="zh-TW" dirty="0">
+                <a:solidFill>
+                  <a:srgbClr val="FF0000"/>
+                </a:solidFill>
+              </a:rPr>
+              <a:t>(0028,0002) US </a:t>
+            </a:r>
+            <a:r>
+              <a:rPr lang="en-US" altLang="zh-TW" dirty="0" err="1">
+                <a:solidFill>
+                  <a:srgbClr val="FF0000"/>
+                </a:solidFill>
+              </a:rPr>
+              <a:t>SamplesPerPixel</a:t>
+            </a:r>
+            <a:r>
+              <a:rPr lang="en-US" altLang="zh-TW" dirty="0">
+                <a:solidFill>
+                  <a:srgbClr val="FF0000"/>
+                </a:solidFill>
+              </a:rPr>
+              <a:t> = 3</a:t>
+            </a:r>
+          </a:p>
+          <a:p>
+            <a:r>
+              <a:rPr lang="en-US" altLang="zh-TW" dirty="0"/>
+              <a:t>(0028,0004) CS </a:t>
+            </a:r>
+            <a:r>
+              <a:rPr lang="en-US" altLang="zh-TW" dirty="0" err="1"/>
+              <a:t>PhotometricInterpretation</a:t>
+            </a:r>
+            <a:r>
+              <a:rPr lang="en-US" altLang="zh-TW" dirty="0"/>
+              <a:t> = RGB</a:t>
+            </a:r>
+          </a:p>
+          <a:p>
+            <a:r>
+              <a:rPr lang="en-US" altLang="zh-TW" dirty="0">
+                <a:solidFill>
+                  <a:srgbClr val="FF0000"/>
+                </a:solidFill>
+              </a:rPr>
+              <a:t>(0028,0010) US Rows = 486</a:t>
+            </a:r>
+          </a:p>
+          <a:p>
+            <a:r>
+              <a:rPr lang="en-US" altLang="zh-TW" dirty="0">
+                <a:solidFill>
+                  <a:srgbClr val="FF0000"/>
+                </a:solidFill>
+              </a:rPr>
+              <a:t>(0028,0011) US Columns = 640</a:t>
+            </a:r>
+          </a:p>
+          <a:p>
+            <a:r>
+              <a:rPr lang="en-US" altLang="zh-TW" dirty="0">
+                <a:solidFill>
+                  <a:srgbClr val="FF0000"/>
+                </a:solidFill>
+              </a:rPr>
+              <a:t>(0028,0100) US </a:t>
+            </a:r>
+            <a:r>
+              <a:rPr lang="en-US" altLang="zh-TW" dirty="0" err="1">
+                <a:solidFill>
+                  <a:srgbClr val="FF0000"/>
+                </a:solidFill>
+              </a:rPr>
+              <a:t>BitsAllocated</a:t>
+            </a:r>
+            <a:r>
+              <a:rPr lang="en-US" altLang="zh-TW" dirty="0">
+                <a:solidFill>
+                  <a:srgbClr val="FF0000"/>
+                </a:solidFill>
+              </a:rPr>
+              <a:t> = 8</a:t>
+            </a:r>
+          </a:p>
+          <a:p>
+            <a:r>
+              <a:rPr lang="en-US" altLang="zh-TW" dirty="0"/>
+              <a:t>(0028,0101) US </a:t>
+            </a:r>
+            <a:r>
+              <a:rPr lang="en-US" altLang="zh-TW" dirty="0" err="1"/>
+              <a:t>BitsStored</a:t>
+            </a:r>
+            <a:r>
+              <a:rPr lang="en-US" altLang="zh-TW" dirty="0"/>
+              <a:t> = 8</a:t>
+            </a:r>
+          </a:p>
+          <a:p>
+            <a:r>
+              <a:rPr lang="en-US" altLang="zh-TW" dirty="0"/>
+              <a:t>(0028,0102) US </a:t>
+            </a:r>
+            <a:r>
+              <a:rPr lang="en-US" altLang="zh-TW" dirty="0" err="1"/>
+              <a:t>HighBit</a:t>
+            </a:r>
+            <a:r>
+              <a:rPr lang="en-US" altLang="zh-TW" dirty="0"/>
+              <a:t> = 7</a:t>
+            </a:r>
+          </a:p>
+          <a:p>
+            <a:r>
+              <a:rPr lang="en-US" altLang="zh-TW" dirty="0"/>
+              <a:t>(0028,0103) US </a:t>
+            </a:r>
+            <a:r>
+              <a:rPr lang="en-US" altLang="zh-TW" dirty="0" err="1"/>
+              <a:t>PixelRepresentation</a:t>
+            </a:r>
+            <a:r>
+              <a:rPr lang="en-US" altLang="zh-TW" dirty="0"/>
+              <a:t> = 0</a:t>
+            </a:r>
+          </a:p>
+          <a:p>
+            <a:r>
+              <a:rPr lang="en-US" altLang="zh-TW" dirty="0">
+                <a:solidFill>
+                  <a:srgbClr val="00B050"/>
+                </a:solidFill>
+              </a:rPr>
+              <a:t>(7FE0,0010) OB </a:t>
+            </a:r>
+            <a:r>
+              <a:rPr lang="en-US" altLang="zh-TW" dirty="0" err="1">
+                <a:solidFill>
+                  <a:srgbClr val="00B050"/>
+                </a:solidFill>
+              </a:rPr>
+              <a:t>PixelData</a:t>
+            </a:r>
+            <a:r>
+              <a:rPr lang="en-US" altLang="zh-TW" dirty="0">
+                <a:solidFill>
+                  <a:srgbClr val="00B050"/>
+                </a:solidFill>
+              </a:rPr>
               <a:t> </a:t>
             </a:r>
             <a:r>
-              <a:rPr lang="en-US" altLang="zh-TW" smtClean="0"/>
-              <a:t>tags</a:t>
-            </a:r>
-          </a:p>
-          <a:p>
-            <a:pPr marL="514350" indent="-514350">
-              <a:buFont typeface="+mj-lt"/>
-              <a:buAutoNum type="arabicPeriod"/>
-            </a:pPr>
-            <a:r>
-              <a:rPr lang="zh-TW" altLang="en-US" smtClean="0"/>
-              <a:t>使用 </a:t>
-            </a:r>
-            <a:r>
-              <a:rPr lang="en-US" altLang="zh-TW" smtClean="0"/>
-              <a:t>VS</a:t>
-            </a:r>
-            <a:r>
-              <a:rPr lang="zh-TW" altLang="en-US" smtClean="0"/>
-              <a:t> </a:t>
-            </a:r>
-            <a:r>
-              <a:rPr lang="en-US" altLang="zh-TW" smtClean="0"/>
-              <a:t>code hexDump </a:t>
-            </a:r>
-            <a:r>
-              <a:rPr lang="zh-TW" altLang="en-US" smtClean="0"/>
-              <a:t>推算 </a:t>
-            </a:r>
-            <a:r>
-              <a:rPr lang="en-US" altLang="zh-TW" smtClean="0"/>
-              <a:t>(7feo,0010) </a:t>
-            </a:r>
-            <a:r>
-              <a:rPr lang="zh-TW" altLang="en-US" smtClean="0"/>
-              <a:t>標籤的起始位置</a:t>
-            </a:r>
-            <a:endParaRPr lang="en-US" altLang="zh-TW" smtClean="0"/>
-          </a:p>
-          <a:p>
-            <a:pPr marL="514350" indent="-514350">
-              <a:buFont typeface="+mj-lt"/>
-              <a:buAutoNum type="arabicPeriod"/>
-            </a:pPr>
-            <a:r>
-              <a:rPr lang="zh-TW" altLang="en-US" smtClean="0"/>
-              <a:t>修改影像呈現程式</a:t>
-            </a:r>
-            <a:endParaRPr lang="en-US" altLang="zh-TW" smtClean="0"/>
-          </a:p>
-          <a:p>
-            <a:pPr marL="914400" lvl="1" indent="-514350">
-              <a:buFont typeface="+mj-lt"/>
-              <a:buAutoNum type="arabicPeriod"/>
-            </a:pPr>
-            <a:r>
-              <a:rPr lang="zh-TW" altLang="en-US" smtClean="0"/>
-              <a:t>影像資料來源</a:t>
-            </a:r>
-            <a:endParaRPr lang="en-US" altLang="zh-TW" smtClean="0"/>
-          </a:p>
-          <a:p>
-            <a:pPr marL="914400" lvl="1" indent="-514350">
-              <a:buFont typeface="+mj-lt"/>
-              <a:buAutoNum type="arabicPeriod"/>
-            </a:pPr>
-            <a:r>
-              <a:rPr lang="zh-TW" altLang="en-US" smtClean="0"/>
-              <a:t>影像規格參數</a:t>
-            </a:r>
-            <a:endParaRPr lang="en-US" altLang="zh-TW" smtClean="0"/>
-          </a:p>
-          <a:p>
-            <a:pPr marL="914400" lvl="1" indent="-514350">
-              <a:buFont typeface="+mj-lt"/>
-              <a:buAutoNum type="arabicPeriod"/>
-            </a:pPr>
-            <a:r>
-              <a:rPr lang="zh-TW" altLang="en-US" smtClean="0"/>
-              <a:t>像素起始位置</a:t>
-            </a:r>
-            <a:endParaRPr lang="en-US" altLang="zh-TW" smtClean="0"/>
-          </a:p>
-          <a:p>
-            <a:pPr marL="914400" lvl="1" indent="-514350">
-              <a:buFont typeface="+mj-lt"/>
-              <a:buAutoNum type="arabicPeriod"/>
-            </a:pPr>
-            <a:r>
-              <a:rPr lang="zh-TW" altLang="en-US" smtClean="0"/>
-              <a:t>看看可否恰當呈現下載之影</a:t>
-            </a:r>
-            <a:r>
-              <a:rPr lang="zh-TW" altLang="en-US"/>
-              <a:t>像</a:t>
-            </a:r>
+              <a:rPr lang="en-US" altLang="zh-TW" dirty="0"/>
+              <a:t>= &lt;binary data of length: </a:t>
+            </a:r>
+            <a:r>
+              <a:rPr lang="en-US" altLang="zh-TW" dirty="0">
+                <a:solidFill>
+                  <a:srgbClr val="00B050"/>
+                </a:solidFill>
+              </a:rPr>
+              <a:t>933120</a:t>
+            </a:r>
+            <a:r>
+              <a:rPr lang="en-US" altLang="zh-TW" dirty="0"/>
+              <a:t>&gt;</a:t>
+            </a:r>
+            <a:endParaRPr lang="zh-TW" altLang="en-US" dirty="0"/>
           </a:p>
         </p:txBody>
       </p:sp>
     </p:spTree>
     <p:extLst>
       <p:ext uri="{BB962C8B-B14F-4D97-AF65-F5344CB8AC3E}">
-        <p14:creationId xmlns:p14="http://schemas.microsoft.com/office/powerpoint/2010/main" val="3459751674"/>
+        <p14:creationId xmlns:p14="http://schemas.microsoft.com/office/powerpoint/2010/main" val="2832827696"/>
       </p:ext>
     </p:extLst>
   </p:cSld>
@@ -10967,7 +11651,7 @@
 </p:sld>
 </file>
 
-<file path=ppt/slides/slide31.xml><?xml version="1.0" encoding="utf-8"?>
+<file path=ppt/slides/slide35.xml><?xml version="1.0" encoding="utf-8"?>
 <p:sld xmlns:a="http://schemas.openxmlformats.org/drawingml/2006/main" xmlns:r="http://schemas.openxmlformats.org/officeDocument/2006/relationships" xmlns:p="http://schemas.openxmlformats.org/presentationml/2006/main">
   <p:cSld>
     <p:spTree>
@@ -10986,9 +11670,15 @@
       </p:grpSpPr>
       <p:sp>
         <p:nvSpPr>
-          <p:cNvPr id="2" name="標題 1"/>
-          <p:cNvSpPr>
-            <a:spLocks noGrp="1"/>
+          <p:cNvPr id="6146" name="Rectangle 2">
+            <a:extLst>
+              <a:ext uri="{FF2B5EF4-FFF2-40B4-BE49-F238E27FC236}">
+                <a16:creationId xmlns:a16="http://schemas.microsoft.com/office/drawing/2014/main" id="{8BA5E339-1AF0-4B11-9811-53EB69CB57DE}"/>
+              </a:ext>
+            </a:extLst>
+          </p:cNvPr>
+          <p:cNvSpPr>
+            <a:spLocks noGrp="1" noChangeArrowheads="1"/>
           </p:cNvSpPr>
           <p:nvPr>
             <p:ph type="title"/>
@@ -10999,125 +11689,231 @@
           <a:bodyPr/>
           <a:lstStyle/>
           <a:p>
-            <a:r>
-              <a:rPr lang="zh-TW" altLang="en-US" smtClean="0"/>
-              <a:t>影像縮放、平移大挑戰</a:t>
-            </a:r>
-            <a:endParaRPr lang="zh-TW" altLang="en-US"/>
-          </a:p>
-        </p:txBody>
-      </p:sp>
-      <p:sp>
-        <p:nvSpPr>
-          <p:cNvPr id="3" name="內容版面配置區 2"/>
-          <p:cNvSpPr>
-            <a:spLocks noGrp="1"/>
-          </p:cNvSpPr>
-          <p:nvPr>
-            <p:ph idx="1"/>
-          </p:nvPr>
-        </p:nvSpPr>
-        <p:spPr/>
+            <a:pPr eaLnBrk="1" hangingPunct="1"/>
+            <a:r>
+              <a:rPr lang="zh-TW" altLang="en-US"/>
+              <a:t>影像物件中看到的 </a:t>
+            </a:r>
+            <a:r>
+              <a:rPr lang="en-US" altLang="zh-TW"/>
+              <a:t>UIDs</a:t>
+            </a:r>
+          </a:p>
+        </p:txBody>
+      </p:sp>
+      <p:sp>
+        <p:nvSpPr>
+          <p:cNvPr id="6147" name="Rectangle 3">
+            <a:extLst>
+              <a:ext uri="{FF2B5EF4-FFF2-40B4-BE49-F238E27FC236}">
+                <a16:creationId xmlns:a16="http://schemas.microsoft.com/office/drawing/2014/main" id="{C2F0A86B-3319-42A9-AD47-09FB252B2613}"/>
+              </a:ext>
+            </a:extLst>
+          </p:cNvPr>
+          <p:cNvSpPr>
+            <a:spLocks noGrp="1" noChangeArrowheads="1"/>
+          </p:cNvSpPr>
+          <p:nvPr>
+            <p:ph type="body" idx="1"/>
+          </p:nvPr>
+        </p:nvSpPr>
+        <p:spPr>
+          <a:xfrm>
+            <a:off x="1889676" y="3990974"/>
+            <a:ext cx="8229600" cy="2592388"/>
+          </a:xfrm>
+        </p:spPr>
         <p:txBody>
           <a:bodyPr/>
           <a:lstStyle/>
           <a:p>
-            <a:r>
-              <a:rPr lang="zh-TW" altLang="en-US" smtClean="0"/>
-              <a:t>現行範例中影像長寬與 </a:t>
-            </a:r>
-            <a:r>
-              <a:rPr lang="en-US" altLang="zh-TW" smtClean="0"/>
-              <a:t>canvas </a:t>
-            </a:r>
-            <a:r>
-              <a:rPr lang="zh-TW" altLang="en-US" smtClean="0"/>
-              <a:t>一樣大</a:t>
-            </a:r>
-            <a:endParaRPr lang="en-US" altLang="zh-TW" smtClean="0"/>
-          </a:p>
-          <a:p>
-            <a:r>
-              <a:rPr lang="zh-TW" altLang="en-US" b="1" smtClean="0">
-                <a:solidFill>
-                  <a:srgbClr val="FF0000"/>
-                </a:solidFill>
-              </a:rPr>
-              <a:t>實務上，影像會平移及縮放</a:t>
-            </a:r>
-            <a:endParaRPr lang="en-US" altLang="zh-TW" b="1" smtClean="0">
-              <a:solidFill>
-                <a:srgbClr val="FF0000"/>
-              </a:solidFill>
-            </a:endParaRPr>
-          </a:p>
-          <a:p>
-            <a:r>
-              <a:rPr lang="zh-TW" altLang="en-US" smtClean="0"/>
-              <a:t>可分析</a:t>
-            </a:r>
-            <a:r>
-              <a:rPr lang="en-US" altLang="zh-TW" smtClean="0"/>
-              <a:t>:</a:t>
-            </a:r>
-            <a:r>
-              <a:rPr lang="zh-TW" altLang="en-US" smtClean="0"/>
-              <a:t>  </a:t>
-            </a:r>
-            <a:endParaRPr lang="en-US" altLang="zh-TW" smtClean="0"/>
-          </a:p>
-          <a:p>
-            <a:pPr marL="514350" indent="-514350">
-              <a:buFont typeface="+mj-lt"/>
-              <a:buAutoNum type="arabicPeriod"/>
+            <a:pPr eaLnBrk="1" hangingPunct="1">
+              <a:lnSpc>
+                <a:spcPct val="90000"/>
+              </a:lnSpc>
             </a:pPr>
             <a:r>
-              <a:rPr lang="zh-TW" altLang="en-US" smtClean="0"/>
-              <a:t>其轉換公式</a:t>
-            </a:r>
-            <a:endParaRPr lang="en-US" altLang="zh-TW" smtClean="0"/>
-          </a:p>
-          <a:p>
-            <a:pPr marL="514350" indent="-514350">
-              <a:buFont typeface="+mj-lt"/>
-              <a:buAutoNum type="arabicPeriod"/>
+              <a:rPr lang="en-US" altLang="zh-TW" sz="2100" dirty="0"/>
+              <a:t>Instance UIDs :</a:t>
+            </a:r>
+            <a:r>
+              <a:rPr lang="zh-TW" altLang="en-US" sz="2100" dirty="0"/>
+              <a:t>資訊實體的 </a:t>
+            </a:r>
+            <a:r>
+              <a:rPr lang="en-US" altLang="zh-TW" sz="2100" dirty="0"/>
+              <a:t>UID</a:t>
+            </a:r>
+            <a:r>
+              <a:rPr lang="zh-TW" altLang="en-US" sz="2100" dirty="0"/>
+              <a:t>，資訊作業當種產生給定</a:t>
+            </a:r>
+          </a:p>
+          <a:p>
+            <a:pPr lvl="1" eaLnBrk="1" hangingPunct="1">
+              <a:lnSpc>
+                <a:spcPct val="90000"/>
+              </a:lnSpc>
             </a:pPr>
             <a:r>
-              <a:rPr lang="zh-TW" altLang="en-US" smtClean="0"/>
-              <a:t>寫在程式當中</a:t>
-            </a:r>
-            <a:endParaRPr lang="en-US" altLang="zh-TW" smtClean="0"/>
-          </a:p>
-          <a:p>
-            <a:pPr marL="514350" indent="-514350">
-              <a:buFont typeface="+mj-lt"/>
-              <a:buAutoNum type="arabicPeriod"/>
+              <a:rPr lang="en-US" altLang="zh-TW" sz="2000" dirty="0" err="1"/>
+              <a:t>Exps</a:t>
+            </a:r>
+            <a:r>
+              <a:rPr lang="en-US" altLang="zh-TW" sz="2000" dirty="0"/>
+              <a:t>: Study instance UID, Series instance UID, SOP instance UID</a:t>
+            </a:r>
+          </a:p>
+          <a:p>
+            <a:pPr eaLnBrk="1" hangingPunct="1">
+              <a:lnSpc>
+                <a:spcPct val="90000"/>
+              </a:lnSpc>
             </a:pPr>
             <a:r>
-              <a:rPr lang="zh-TW" altLang="en-US" smtClean="0"/>
-              <a:t>設計輸入參數的介面</a:t>
-            </a:r>
-            <a:endParaRPr lang="en-US" altLang="zh-TW" smtClean="0"/>
-          </a:p>
-          <a:p>
-            <a:pPr marL="514350" indent="-514350">
-              <a:buFont typeface="+mj-lt"/>
-              <a:buAutoNum type="arabicPeriod"/>
+              <a:rPr lang="en-US" altLang="zh-TW" sz="2100" dirty="0"/>
+              <a:t>Class UIDs:</a:t>
+            </a:r>
+            <a:r>
+              <a:rPr lang="zh-TW" altLang="en-US" sz="2100" dirty="0"/>
+              <a:t>類別的 </a:t>
+            </a:r>
+            <a:r>
+              <a:rPr lang="en-US" altLang="zh-TW" sz="2100" dirty="0"/>
+              <a:t>UID</a:t>
+            </a:r>
+            <a:r>
+              <a:rPr lang="zh-TW" altLang="en-US" sz="2100" dirty="0"/>
+              <a:t>，</a:t>
+            </a:r>
+            <a:r>
+              <a:rPr lang="en-US" altLang="zh-TW" sz="2100" dirty="0"/>
+              <a:t>DICOM standard </a:t>
+            </a:r>
+            <a:r>
+              <a:rPr lang="zh-TW" altLang="en-US" sz="2100" dirty="0"/>
+              <a:t>制定</a:t>
+            </a:r>
+          </a:p>
+          <a:p>
+            <a:pPr lvl="1" eaLnBrk="1" hangingPunct="1">
+              <a:lnSpc>
+                <a:spcPct val="90000"/>
+              </a:lnSpc>
             </a:pPr>
             <a:r>
-              <a:rPr lang="zh-TW" altLang="en-US" smtClean="0"/>
-              <a:t>看看可否依據參數調整繪製影像</a:t>
-            </a:r>
-            <a:endParaRPr lang="en-US" altLang="zh-TW" smtClean="0"/>
-          </a:p>
-        </p:txBody>
-      </p:sp>
+              <a:rPr lang="en-US" altLang="zh-TW" sz="2000" dirty="0" err="1"/>
+              <a:t>Exps:Media</a:t>
+            </a:r>
+            <a:r>
+              <a:rPr lang="en-US" altLang="zh-TW" sz="2000" dirty="0"/>
+              <a:t> Storage SOP Class UID, Transfer Syntax UID(</a:t>
+            </a:r>
+            <a:r>
+              <a:rPr lang="zh-TW" altLang="en-US" sz="2000" dirty="0"/>
+              <a:t>儲存及傳輸時編碼方式</a:t>
+            </a:r>
+            <a:r>
+              <a:rPr lang="en-US" altLang="zh-TW" sz="2000" dirty="0"/>
+              <a:t>), SOP Class UID</a:t>
+            </a:r>
+          </a:p>
+          <a:p>
+            <a:pPr lvl="1" eaLnBrk="1" hangingPunct="1">
+              <a:lnSpc>
+                <a:spcPct val="90000"/>
+              </a:lnSpc>
+            </a:pPr>
+            <a:r>
+              <a:rPr lang="en-US" altLang="zh-TW" sz="2000" dirty="0"/>
+              <a:t>Class UIDs list example </a:t>
+            </a:r>
+          </a:p>
+          <a:p>
+            <a:pPr lvl="2" eaLnBrk="1" hangingPunct="1">
+              <a:lnSpc>
+                <a:spcPct val="90000"/>
+              </a:lnSpc>
+            </a:pPr>
+            <a:r>
+              <a:rPr lang="en-US" altLang="zh-TW" sz="1800" dirty="0">
+                <a:hlinkClick r:id="rId2"/>
+              </a:rPr>
+              <a:t>http://www.apteryx.fr/dicom/dicom_conformance</a:t>
+            </a:r>
+            <a:endParaRPr lang="en-US" altLang="zh-TW" sz="1800" dirty="0"/>
+          </a:p>
+          <a:p>
+            <a:pPr lvl="2" eaLnBrk="1" hangingPunct="1">
+              <a:lnSpc>
+                <a:spcPct val="90000"/>
+              </a:lnSpc>
+            </a:pPr>
+            <a:endParaRPr lang="en-US" altLang="zh-TW" sz="1800" dirty="0"/>
+          </a:p>
+        </p:txBody>
+      </p:sp>
+      <p:pic>
+        <p:nvPicPr>
+          <p:cNvPr id="6148" name="Picture 4" descr="DICOM_UIDs">
+            <a:extLst>
+              <a:ext uri="{FF2B5EF4-FFF2-40B4-BE49-F238E27FC236}">
+                <a16:creationId xmlns:a16="http://schemas.microsoft.com/office/drawing/2014/main" id="{642DBD84-47E7-40C0-8290-4B7496A83C77}"/>
+              </a:ext>
+            </a:extLst>
+          </p:cNvPr>
+          <p:cNvPicPr>
+            <a:picLocks noChangeAspect="1" noChangeArrowheads="1"/>
+          </p:cNvPicPr>
+          <p:nvPr/>
+        </p:nvPicPr>
+        <p:blipFill>
+          <a:blip r:embed="rId3">
+            <a:extLst>
+              <a:ext uri="{28A0092B-C50C-407E-A947-70E740481C1C}">
+                <a14:useLocalDpi xmlns:a14="http://schemas.microsoft.com/office/drawing/2010/main" val="0"/>
+              </a:ext>
+            </a:extLst>
+          </a:blip>
+          <a:srcRect/>
+          <a:stretch>
+            <a:fillRect/>
+          </a:stretch>
+        </p:blipFill>
+        <p:spPr bwMode="auto">
+          <a:xfrm>
+            <a:off x="467390" y="1125539"/>
+            <a:ext cx="10200610" cy="2765326"/>
+          </a:xfrm>
+          <a:prstGeom prst="rect">
+            <a:avLst/>
+          </a:prstGeom>
+          <a:noFill/>
+          <a:ln>
+            <a:noFill/>
+          </a:ln>
+          <a:extLst>
+            <a:ext uri="{909E8E84-426E-40DD-AFC4-6F175D3DCCD1}">
+              <a14:hiddenFill xmlns:a14="http://schemas.microsoft.com/office/drawing/2010/main">
+                <a:solidFill>
+                  <a:srgbClr val="FFFFFF"/>
+                </a:solidFill>
+              </a14:hiddenFill>
+            </a:ext>
+            <a:ext uri="{91240B29-F687-4F45-9708-019B960494DF}">
+              <a14:hiddenLine xmlns:a14="http://schemas.microsoft.com/office/drawing/2010/main" w="9525">
+                <a:solidFill>
+                  <a:srgbClr val="000000"/>
+                </a:solidFill>
+                <a:miter lim="800000"/>
+                <a:headEnd/>
+                <a:tailEnd/>
+              </a14:hiddenLine>
+            </a:ext>
+          </a:extLst>
+        </p:spPr>
+      </p:pic>
     </p:spTree>
-    <p:extLst>
-      <p:ext uri="{BB962C8B-B14F-4D97-AF65-F5344CB8AC3E}">
-        <p14:creationId xmlns:p14="http://schemas.microsoft.com/office/powerpoint/2010/main" val="3823088014"/>
-      </p:ext>
-    </p:extLst>
   </p:cSld>
   <p:clrMapOvr>
     <a:masterClrMapping/>
@@ -11125,7 +11921,7 @@
 </p:sld>
 </file>
 
-<file path=ppt/slides/slide32.xml><?xml version="1.0" encoding="utf-8"?>
+<file path=ppt/slides/slide36.xml><?xml version="1.0" encoding="utf-8"?>
 <p:sld xmlns:a="http://schemas.openxmlformats.org/drawingml/2006/main" xmlns:r="http://schemas.openxmlformats.org/officeDocument/2006/relationships" xmlns:p="http://schemas.openxmlformats.org/presentationml/2006/main">
   <p:cSld>
     <p:spTree>
@@ -11144,44 +11940,836 @@
       </p:grpSpPr>
       <p:sp>
         <p:nvSpPr>
-          <p:cNvPr id="2" name="標題 1"/>
-          <p:cNvSpPr>
-            <a:spLocks noGrp="1"/>
+          <p:cNvPr id="5122" name="Rectangle 2">
+            <a:extLst>
+              <a:ext uri="{FF2B5EF4-FFF2-40B4-BE49-F238E27FC236}">
+                <a16:creationId xmlns:a16="http://schemas.microsoft.com/office/drawing/2014/main" id="{F495E723-4492-46F1-93A7-D002C7B92778}"/>
+              </a:ext>
+            </a:extLst>
+          </p:cNvPr>
+          <p:cNvSpPr>
+            <a:spLocks noGrp="1" noChangeArrowheads="1"/>
           </p:cNvSpPr>
           <p:nvPr>
             <p:ph type="title"/>
           </p:nvPr>
         </p:nvSpPr>
-        <p:spPr/>
+        <p:spPr>
+          <a:xfrm>
+            <a:off x="1992313" y="260351"/>
+            <a:ext cx="8229600" cy="1139825"/>
+          </a:xfrm>
+        </p:spPr>
         <p:txBody>
           <a:bodyPr/>
           <a:lstStyle/>
           <a:p>
-            <a:r>
-              <a:rPr lang="en-US" altLang="zh-TW" smtClean="0"/>
+            <a:pPr algn="ctr" eaLnBrk="1" hangingPunct="1"/>
+            <a:r>
+              <a:rPr lang="zh-TW" altLang="en-US"/>
+              <a:t>影像物件當中包含的 </a:t>
+            </a:r>
+            <a:r>
+              <a:rPr lang="en-US" altLang="zh-TW"/>
+              <a:t>IDs</a:t>
+            </a:r>
+          </a:p>
+        </p:txBody>
+      </p:sp>
+      <p:sp>
+        <p:nvSpPr>
+          <p:cNvPr id="5123" name="Rectangle 3">
+            <a:extLst>
+              <a:ext uri="{FF2B5EF4-FFF2-40B4-BE49-F238E27FC236}">
+                <a16:creationId xmlns:a16="http://schemas.microsoft.com/office/drawing/2014/main" id="{3A1DEA77-7AE6-4E21-BDF8-4BE90B4A8DF2}"/>
+              </a:ext>
+            </a:extLst>
+          </p:cNvPr>
+          <p:cNvSpPr>
+            <a:spLocks noGrp="1" noChangeArrowheads="1"/>
+          </p:cNvSpPr>
+          <p:nvPr>
+            <p:ph type="body" idx="1"/>
+          </p:nvPr>
+        </p:nvSpPr>
+        <p:spPr/>
+        <p:txBody>
+          <a:bodyPr/>
+          <a:lstStyle/>
+          <a:p>
+            <a:pPr eaLnBrk="1" hangingPunct="1"/>
+            <a:r>
+              <a:rPr lang="zh-TW" altLang="en-US" sz="2600"/>
+              <a:t>在影像檢查流程</a:t>
+            </a:r>
+            <a:r>
+              <a:rPr lang="en-US" altLang="zh-TW" sz="2600"/>
+              <a:t>(IHE_RAD_SWF)</a:t>
+            </a:r>
+            <a:r>
+              <a:rPr lang="zh-TW" altLang="en-US" sz="2600"/>
+              <a:t>當中，儀器利用 </a:t>
+            </a:r>
+            <a:r>
+              <a:rPr lang="en-US" altLang="zh-TW" sz="2600"/>
+              <a:t>MWL </a:t>
+            </a:r>
+            <a:r>
+              <a:rPr lang="zh-TW" altLang="en-US" sz="2600"/>
+              <a:t>接受病人基本資料、看診檢查，搭配造影資料合併成影像物件。每個病人、每次看診、每次造影、影像本身皆可看成一資料實體</a:t>
+            </a:r>
+            <a:r>
+              <a:rPr lang="en-US" altLang="zh-TW" sz="2600"/>
+              <a:t>(Instance)</a:t>
+            </a:r>
+            <a:r>
+              <a:rPr lang="zh-TW" altLang="en-US" sz="2600"/>
+              <a:t>，每個資料實體皆有 </a:t>
+            </a:r>
+            <a:r>
+              <a:rPr lang="en-US" altLang="zh-TW" sz="2600"/>
+              <a:t>IDs </a:t>
+            </a:r>
+            <a:r>
+              <a:rPr lang="zh-TW" altLang="en-US" sz="2600"/>
+              <a:t>以方便區別處理。</a:t>
+            </a:r>
+          </a:p>
+          <a:p>
+            <a:pPr eaLnBrk="1" hangingPunct="1"/>
+            <a:r>
+              <a:rPr lang="en-US" altLang="zh-TW" sz="2600"/>
+              <a:t>IDs </a:t>
+            </a:r>
+            <a:r>
+              <a:rPr lang="zh-TW" altLang="en-US" sz="2600"/>
+              <a:t>的劃分 </a:t>
+            </a:r>
+          </a:p>
+          <a:p>
+            <a:pPr lvl="1" eaLnBrk="1" hangingPunct="1"/>
+            <a:r>
+              <a:rPr lang="zh-TW" altLang="en-US" sz="2200"/>
+              <a:t>病人</a:t>
+            </a:r>
+            <a:r>
+              <a:rPr lang="en-US" altLang="zh-TW" sz="2200"/>
+              <a:t>(Patient): PatientID,Other patientID</a:t>
+            </a:r>
+          </a:p>
+          <a:p>
+            <a:pPr lvl="1" eaLnBrk="1" hangingPunct="1"/>
+            <a:r>
+              <a:rPr lang="zh-TW" altLang="en-US" sz="2200"/>
+              <a:t>看診</a:t>
+            </a:r>
+            <a:r>
+              <a:rPr lang="en-US" altLang="zh-TW" sz="2200"/>
+              <a:t>(Study)</a:t>
+            </a:r>
+            <a:r>
+              <a:rPr lang="zh-TW" altLang="en-US" sz="2200"/>
+              <a:t>：</a:t>
+            </a:r>
+            <a:r>
+              <a:rPr lang="en-US" altLang="zh-TW" sz="2200"/>
+              <a:t>Study instance UID, Accession number</a:t>
+            </a:r>
+          </a:p>
+          <a:p>
+            <a:pPr lvl="1" eaLnBrk="1" hangingPunct="1"/>
+            <a:r>
+              <a:rPr lang="zh-TW" altLang="en-US" sz="2200"/>
+              <a:t>造影</a:t>
+            </a:r>
+            <a:r>
+              <a:rPr lang="en-US" altLang="zh-TW" sz="2200"/>
+              <a:t>(Series): Series instance UID</a:t>
+            </a:r>
+          </a:p>
+          <a:p>
+            <a:pPr lvl="1" eaLnBrk="1" hangingPunct="1"/>
+            <a:r>
+              <a:rPr lang="zh-TW" altLang="en-US" sz="2200"/>
+              <a:t>影像</a:t>
+            </a:r>
+            <a:r>
+              <a:rPr lang="en-US" altLang="zh-TW" sz="2200"/>
+              <a:t>(Image): SOP instance UID</a:t>
+            </a:r>
+          </a:p>
+        </p:txBody>
+      </p:sp>
+    </p:spTree>
+  </p:cSld>
+  <p:clrMapOvr>
+    <a:masterClrMapping/>
+  </p:clrMapOvr>
+</p:sld>
+</file>
+
+<file path=ppt/slides/slide37.xml><?xml version="1.0" encoding="utf-8"?>
+<p:sld xmlns:a="http://schemas.openxmlformats.org/drawingml/2006/main" xmlns:r="http://schemas.openxmlformats.org/officeDocument/2006/relationships" xmlns:p="http://schemas.openxmlformats.org/presentationml/2006/main">
+  <p:cSld>
+    <p:spTree>
+      <p:nvGrpSpPr>
+        <p:cNvPr id="1" name=""/>
+        <p:cNvGrpSpPr/>
+        <p:nvPr/>
+      </p:nvGrpSpPr>
+      <p:grpSpPr>
+        <a:xfrm>
+          <a:off x="0" y="0"/>
+          <a:ext cx="0" cy="0"/>
+          <a:chOff x="0" y="0"/>
+          <a:chExt cx="0" cy="0"/>
+        </a:xfrm>
+      </p:grpSpPr>
+      <p:sp>
+        <p:nvSpPr>
+          <p:cNvPr id="2" name="標題 1"/>
+          <p:cNvSpPr>
+            <a:spLocks noGrp="1"/>
+          </p:cNvSpPr>
+          <p:nvPr>
+            <p:ph type="title"/>
+          </p:nvPr>
+        </p:nvSpPr>
+        <p:spPr/>
+        <p:txBody>
+          <a:bodyPr/>
+          <a:lstStyle/>
+          <a:p>
+            <a:r>
+              <a:rPr lang="zh-TW" altLang="en-US" dirty="0"/>
+              <a:t>呈現影像</a:t>
+            </a:r>
+          </a:p>
+        </p:txBody>
+      </p:sp>
+      <p:sp>
+        <p:nvSpPr>
+          <p:cNvPr id="3" name="內容版面配置區 2"/>
+          <p:cNvSpPr>
+            <a:spLocks noGrp="1"/>
+          </p:cNvSpPr>
+          <p:nvPr>
+            <p:ph idx="1"/>
+          </p:nvPr>
+        </p:nvSpPr>
+        <p:spPr/>
+        <p:txBody>
+          <a:bodyPr/>
+          <a:lstStyle/>
+          <a:p>
+            <a:r>
+              <a:rPr lang="zh-TW" altLang="en-US" dirty="0"/>
+              <a:t>修改影像呈現程式，修改</a:t>
+            </a:r>
+            <a:r>
+              <a:rPr lang="en-US" altLang="zh-TW" dirty="0"/>
+              <a:t>:</a:t>
+            </a:r>
+          </a:p>
+          <a:p>
+            <a:pPr marL="914400" lvl="1" indent="-514350">
+              <a:buFont typeface="+mj-lt"/>
+              <a:buAutoNum type="arabicPeriod"/>
+            </a:pPr>
+            <a:r>
+              <a:rPr lang="zh-TW" altLang="en-US" dirty="0"/>
+              <a:t>影像資料來源</a:t>
+            </a:r>
+            <a:endParaRPr lang="en-US" altLang="zh-TW" dirty="0"/>
+          </a:p>
+          <a:p>
+            <a:pPr marL="914400" lvl="1" indent="-514350">
+              <a:buFont typeface="+mj-lt"/>
+              <a:buAutoNum type="arabicPeriod"/>
+            </a:pPr>
+            <a:r>
+              <a:rPr lang="zh-TW" altLang="en-US" dirty="0"/>
+              <a:t>影像規格參數</a:t>
+            </a:r>
+            <a:endParaRPr lang="en-US" altLang="zh-TW" dirty="0"/>
+          </a:p>
+          <a:p>
+            <a:pPr marL="914400" lvl="1" indent="-514350">
+              <a:buFont typeface="+mj-lt"/>
+              <a:buAutoNum type="arabicPeriod"/>
+            </a:pPr>
+            <a:r>
+              <a:rPr lang="zh-TW" altLang="en-US" dirty="0"/>
+              <a:t>像素起始位置</a:t>
+            </a:r>
+            <a:endParaRPr lang="en-US" altLang="zh-TW" dirty="0"/>
+          </a:p>
+          <a:p>
+            <a:pPr marL="914400" lvl="1" indent="-514350">
+              <a:buFont typeface="+mj-lt"/>
+              <a:buAutoNum type="arabicPeriod"/>
+            </a:pPr>
+            <a:r>
+              <a:rPr lang="zh-TW" altLang="en-US" dirty="0"/>
+              <a:t>看看可否恰當呈現影像</a:t>
+            </a:r>
+          </a:p>
+        </p:txBody>
+      </p:sp>
+    </p:spTree>
+    <p:extLst>
+      <p:ext uri="{BB962C8B-B14F-4D97-AF65-F5344CB8AC3E}">
+        <p14:creationId xmlns:p14="http://schemas.microsoft.com/office/powerpoint/2010/main" val="3459751674"/>
+      </p:ext>
+    </p:extLst>
+  </p:cSld>
+  <p:clrMapOvr>
+    <a:masterClrMapping/>
+  </p:clrMapOvr>
+</p:sld>
+</file>
+
+<file path=ppt/slides/slide38.xml><?xml version="1.0" encoding="utf-8"?>
+<p:sld xmlns:a="http://schemas.openxmlformats.org/drawingml/2006/main" xmlns:r="http://schemas.openxmlformats.org/officeDocument/2006/relationships" xmlns:p="http://schemas.openxmlformats.org/presentationml/2006/main">
+  <p:cSld>
+    <p:spTree>
+      <p:nvGrpSpPr>
+        <p:cNvPr id="1" name=""/>
+        <p:cNvGrpSpPr/>
+        <p:nvPr/>
+      </p:nvGrpSpPr>
+      <p:grpSpPr>
+        <a:xfrm>
+          <a:off x="0" y="0"/>
+          <a:ext cx="0" cy="0"/>
+          <a:chOff x="0" y="0"/>
+          <a:chExt cx="0" cy="0"/>
+        </a:xfrm>
+      </p:grpSpPr>
+      <p:sp>
+        <p:nvSpPr>
+          <p:cNvPr id="2" name="標題 1">
+            <a:extLst>
+              <a:ext uri="{FF2B5EF4-FFF2-40B4-BE49-F238E27FC236}">
+                <a16:creationId xmlns:a16="http://schemas.microsoft.com/office/drawing/2014/main" id="{2704DCE7-2567-44C2-8446-9819A8DF3724}"/>
+              </a:ext>
+            </a:extLst>
+          </p:cNvPr>
+          <p:cNvSpPr>
+            <a:spLocks noGrp="1"/>
+          </p:cNvSpPr>
+          <p:nvPr>
+            <p:ph type="title"/>
+          </p:nvPr>
+        </p:nvSpPr>
+        <p:spPr/>
+        <p:txBody>
+          <a:bodyPr/>
+          <a:lstStyle/>
+          <a:p>
+            <a:endParaRPr lang="zh-TW" altLang="en-US" dirty="0"/>
+          </a:p>
+        </p:txBody>
+      </p:sp>
+      <p:sp>
+        <p:nvSpPr>
+          <p:cNvPr id="3" name="內容版面配置區 2">
+            <a:extLst>
+              <a:ext uri="{FF2B5EF4-FFF2-40B4-BE49-F238E27FC236}">
+                <a16:creationId xmlns:a16="http://schemas.microsoft.com/office/drawing/2014/main" id="{5A43619B-38AD-498F-8937-82A5712331D5}"/>
+              </a:ext>
+            </a:extLst>
+          </p:cNvPr>
+          <p:cNvSpPr>
+            <a:spLocks noGrp="1"/>
+          </p:cNvSpPr>
+          <p:nvPr>
+            <p:ph idx="1"/>
+          </p:nvPr>
+        </p:nvSpPr>
+        <p:spPr/>
+        <p:txBody>
+          <a:bodyPr/>
+          <a:lstStyle/>
+          <a:p>
+            <a:endParaRPr lang="zh-TW" altLang="en-US"/>
+          </a:p>
+        </p:txBody>
+      </p:sp>
+    </p:spTree>
+    <p:extLst>
+      <p:ext uri="{BB962C8B-B14F-4D97-AF65-F5344CB8AC3E}">
+        <p14:creationId xmlns:p14="http://schemas.microsoft.com/office/powerpoint/2010/main" val="725106298"/>
+      </p:ext>
+    </p:extLst>
+  </p:cSld>
+  <p:clrMapOvr>
+    <a:masterClrMapping/>
+  </p:clrMapOvr>
+</p:sld>
+</file>
+
+<file path=ppt/slides/slide39.xml><?xml version="1.0" encoding="utf-8"?>
+<p:sld xmlns:a="http://schemas.openxmlformats.org/drawingml/2006/main" xmlns:r="http://schemas.openxmlformats.org/officeDocument/2006/relationships" xmlns:p="http://schemas.openxmlformats.org/presentationml/2006/main">
+  <p:cSld>
+    <p:spTree>
+      <p:nvGrpSpPr>
+        <p:cNvPr id="1" name=""/>
+        <p:cNvGrpSpPr/>
+        <p:nvPr/>
+      </p:nvGrpSpPr>
+      <p:grpSpPr>
+        <a:xfrm>
+          <a:off x="0" y="0"/>
+          <a:ext cx="0" cy="0"/>
+          <a:chOff x="0" y="0"/>
+          <a:chExt cx="0" cy="0"/>
+        </a:xfrm>
+      </p:grpSpPr>
+      <p:sp>
+        <p:nvSpPr>
+          <p:cNvPr id="2" name="標題 1"/>
+          <p:cNvSpPr>
+            <a:spLocks noGrp="1"/>
+          </p:cNvSpPr>
+          <p:nvPr>
+            <p:ph type="title"/>
+          </p:nvPr>
+        </p:nvSpPr>
+        <p:spPr/>
+        <p:txBody>
+          <a:bodyPr/>
+          <a:lstStyle/>
+          <a:p>
+            <a:r>
+              <a:rPr lang="zh-TW" altLang="en-US"/>
+              <a:t>影像縮放、平移大挑戰</a:t>
+            </a:r>
+          </a:p>
+        </p:txBody>
+      </p:sp>
+      <p:sp>
+        <p:nvSpPr>
+          <p:cNvPr id="3" name="內容版面配置區 2"/>
+          <p:cNvSpPr>
+            <a:spLocks noGrp="1"/>
+          </p:cNvSpPr>
+          <p:nvPr>
+            <p:ph idx="1"/>
+          </p:nvPr>
+        </p:nvSpPr>
+        <p:spPr/>
+        <p:txBody>
+          <a:bodyPr/>
+          <a:lstStyle/>
+          <a:p>
+            <a:r>
+              <a:rPr lang="zh-TW" altLang="en-US"/>
+              <a:t>現行範例中影像長寬與 </a:t>
+            </a:r>
+            <a:r>
+              <a:rPr lang="en-US" altLang="zh-TW"/>
+              <a:t>canvas </a:t>
+            </a:r>
+            <a:r>
+              <a:rPr lang="zh-TW" altLang="en-US"/>
+              <a:t>一樣大</a:t>
+            </a:r>
+            <a:endParaRPr lang="en-US" altLang="zh-TW"/>
+          </a:p>
+          <a:p>
+            <a:r>
+              <a:rPr lang="zh-TW" altLang="en-US" b="1">
+                <a:solidFill>
+                  <a:srgbClr val="FF0000"/>
+                </a:solidFill>
+              </a:rPr>
+              <a:t>實務上，影像會平移及縮放</a:t>
+            </a:r>
+            <a:endParaRPr lang="en-US" altLang="zh-TW" b="1">
+              <a:solidFill>
+                <a:srgbClr val="FF0000"/>
+              </a:solidFill>
+            </a:endParaRPr>
+          </a:p>
+          <a:p>
+            <a:r>
+              <a:rPr lang="zh-TW" altLang="en-US"/>
+              <a:t>可分析</a:t>
+            </a:r>
+            <a:r>
+              <a:rPr lang="en-US" altLang="zh-TW"/>
+              <a:t>:</a:t>
+            </a:r>
+            <a:r>
+              <a:rPr lang="zh-TW" altLang="en-US"/>
+              <a:t>  </a:t>
+            </a:r>
+            <a:endParaRPr lang="en-US" altLang="zh-TW"/>
+          </a:p>
+          <a:p>
+            <a:pPr marL="514350" indent="-514350">
+              <a:buFont typeface="+mj-lt"/>
+              <a:buAutoNum type="arabicPeriod"/>
+            </a:pPr>
+            <a:r>
+              <a:rPr lang="zh-TW" altLang="en-US"/>
+              <a:t>其轉換公式</a:t>
+            </a:r>
+            <a:endParaRPr lang="en-US" altLang="zh-TW"/>
+          </a:p>
+          <a:p>
+            <a:pPr marL="514350" indent="-514350">
+              <a:buFont typeface="+mj-lt"/>
+              <a:buAutoNum type="arabicPeriod"/>
+            </a:pPr>
+            <a:r>
+              <a:rPr lang="zh-TW" altLang="en-US"/>
+              <a:t>寫在程式當中</a:t>
+            </a:r>
+            <a:endParaRPr lang="en-US" altLang="zh-TW"/>
+          </a:p>
+          <a:p>
+            <a:pPr marL="514350" indent="-514350">
+              <a:buFont typeface="+mj-lt"/>
+              <a:buAutoNum type="arabicPeriod"/>
+            </a:pPr>
+            <a:r>
+              <a:rPr lang="zh-TW" altLang="en-US"/>
+              <a:t>設計輸入參數的介面</a:t>
+            </a:r>
+            <a:endParaRPr lang="en-US" altLang="zh-TW"/>
+          </a:p>
+          <a:p>
+            <a:pPr marL="514350" indent="-514350">
+              <a:buFont typeface="+mj-lt"/>
+              <a:buAutoNum type="arabicPeriod"/>
+            </a:pPr>
+            <a:r>
+              <a:rPr lang="zh-TW" altLang="en-US"/>
+              <a:t>看看可否依據參數調整繪製影像</a:t>
+            </a:r>
+            <a:endParaRPr lang="en-US" altLang="zh-TW"/>
+          </a:p>
+        </p:txBody>
+      </p:sp>
+    </p:spTree>
+    <p:extLst>
+      <p:ext uri="{BB962C8B-B14F-4D97-AF65-F5344CB8AC3E}">
+        <p14:creationId xmlns:p14="http://schemas.microsoft.com/office/powerpoint/2010/main" val="3823088014"/>
+      </p:ext>
+    </p:extLst>
+  </p:cSld>
+  <p:clrMapOvr>
+    <a:masterClrMapping/>
+  </p:clrMapOvr>
+</p:sld>
+</file>
+
+<file path=ppt/slides/slide4.xml><?xml version="1.0" encoding="utf-8"?>
+<p:sld xmlns:a="http://schemas.openxmlformats.org/drawingml/2006/main" xmlns:r="http://schemas.openxmlformats.org/officeDocument/2006/relationships" xmlns:p="http://schemas.openxmlformats.org/presentationml/2006/main">
+  <p:cSld>
+    <p:spTree>
+      <p:nvGrpSpPr>
+        <p:cNvPr id="1" name=""/>
+        <p:cNvGrpSpPr/>
+        <p:nvPr/>
+      </p:nvGrpSpPr>
+      <p:grpSpPr>
+        <a:xfrm>
+          <a:off x="0" y="0"/>
+          <a:ext cx="0" cy="0"/>
+          <a:chOff x="0" y="0"/>
+          <a:chExt cx="0" cy="0"/>
+        </a:xfrm>
+      </p:grpSpPr>
+      <p:sp>
+        <p:nvSpPr>
+          <p:cNvPr id="2" name="標題 1"/>
+          <p:cNvSpPr>
+            <a:spLocks noGrp="1"/>
+          </p:cNvSpPr>
+          <p:nvPr>
+            <p:ph type="title"/>
+          </p:nvPr>
+        </p:nvSpPr>
+        <p:spPr>
+          <a:xfrm>
+            <a:off x="689113" y="-73232"/>
+            <a:ext cx="10972800" cy="1143000"/>
+          </a:xfrm>
+        </p:spPr>
+        <p:txBody>
+          <a:bodyPr/>
+          <a:lstStyle/>
+          <a:p>
+            <a:r>
+              <a:rPr lang="zh-TW" altLang="en-US"/>
+              <a:t>繪製醫學影像初體驗</a:t>
+            </a:r>
+          </a:p>
+        </p:txBody>
+      </p:sp>
+      <p:sp>
+        <p:nvSpPr>
+          <p:cNvPr id="6" name="內容版面配置區 2"/>
+          <p:cNvSpPr txBox="1">
+            <a:spLocks/>
+          </p:cNvSpPr>
+          <p:nvPr/>
+        </p:nvSpPr>
+        <p:spPr>
+          <a:xfrm>
+            <a:off x="0" y="6450496"/>
+            <a:ext cx="12122425" cy="894877"/>
+          </a:xfrm>
+          <a:prstGeom prst="rect">
+            <a:avLst/>
+          </a:prstGeom>
+        </p:spPr>
+        <p:txBody>
+          <a:bodyPr vert="horz" lIns="91440" tIns="45720" rIns="91440" bIns="45720" rtlCol="0">
+            <a:normAutofit/>
+          </a:bodyPr>
+          <a:lstStyle>
+            <a:lvl1pPr marL="342900" indent="-342900" algn="l" defTabSz="914400" rtl="0" eaLnBrk="1" latinLnBrk="0" hangingPunct="1">
+              <a:spcBef>
+                <a:spcPct val="20000"/>
+              </a:spcBef>
+              <a:buFont typeface="Arial" panose="020B0604020202020204" pitchFamily="34" charset="0"/>
+              <a:buChar char="•"/>
+              <a:defRPr sz="3200" kern="1200">
+                <a:solidFill>
+                  <a:schemeClr val="tx1"/>
+                </a:solidFill>
+                <a:latin typeface="+mn-lt"/>
+                <a:ea typeface="+mn-ea"/>
+                <a:cs typeface="+mn-cs"/>
+              </a:defRPr>
+            </a:lvl1pPr>
+            <a:lvl2pPr marL="742950" indent="-285750" algn="l" defTabSz="914400" rtl="0" eaLnBrk="1" latinLnBrk="0" hangingPunct="1">
+              <a:spcBef>
+                <a:spcPct val="20000"/>
+              </a:spcBef>
+              <a:buFont typeface="Arial" panose="020B0604020202020204" pitchFamily="34" charset="0"/>
+              <a:buChar char="–"/>
+              <a:defRPr sz="2800" kern="1200">
+                <a:solidFill>
+                  <a:schemeClr val="tx1"/>
+                </a:solidFill>
+                <a:latin typeface="+mn-lt"/>
+                <a:ea typeface="+mn-ea"/>
+                <a:cs typeface="+mn-cs"/>
+              </a:defRPr>
+            </a:lvl2pPr>
+            <a:lvl3pPr marL="1143000" indent="-228600" algn="l" defTabSz="914400" rtl="0" eaLnBrk="1" latinLnBrk="0" hangingPunct="1">
+              <a:spcBef>
+                <a:spcPct val="20000"/>
+              </a:spcBef>
+              <a:buFont typeface="Arial" panose="020B0604020202020204" pitchFamily="34" charset="0"/>
+              <a:buChar char="•"/>
+              <a:defRPr sz="2400" kern="1200">
+                <a:solidFill>
+                  <a:schemeClr val="tx1"/>
+                </a:solidFill>
+                <a:latin typeface="+mn-lt"/>
+                <a:ea typeface="+mn-ea"/>
+                <a:cs typeface="+mn-cs"/>
+              </a:defRPr>
+            </a:lvl3pPr>
+            <a:lvl4pPr marL="1600200" indent="-228600" algn="l" defTabSz="914400" rtl="0" eaLnBrk="1" latinLnBrk="0" hangingPunct="1">
+              <a:spcBef>
+                <a:spcPct val="20000"/>
+              </a:spcBef>
+              <a:buFont typeface="Arial" panose="020B0604020202020204" pitchFamily="34" charset="0"/>
+              <a:buChar char="–"/>
+              <a:defRPr sz="2000" kern="1200">
+                <a:solidFill>
+                  <a:schemeClr val="tx1"/>
+                </a:solidFill>
+                <a:latin typeface="+mn-lt"/>
+                <a:ea typeface="+mn-ea"/>
+                <a:cs typeface="+mn-cs"/>
+              </a:defRPr>
+            </a:lvl4pPr>
+            <a:lvl5pPr marL="2057400" indent="-228600" algn="l" defTabSz="914400" rtl="0" eaLnBrk="1" latinLnBrk="0" hangingPunct="1">
+              <a:spcBef>
+                <a:spcPct val="20000"/>
+              </a:spcBef>
+              <a:buFont typeface="Arial" panose="020B0604020202020204" pitchFamily="34" charset="0"/>
+              <a:buChar char="»"/>
+              <a:defRPr sz="2000" kern="1200">
+                <a:solidFill>
+                  <a:schemeClr val="tx1"/>
+                </a:solidFill>
+                <a:latin typeface="+mn-lt"/>
+                <a:ea typeface="+mn-ea"/>
+                <a:cs typeface="+mn-cs"/>
+              </a:defRPr>
+            </a:lvl5pPr>
+            <a:lvl6pPr marL="2514600" indent="-228600" algn="l" defTabSz="914400" rtl="0" eaLnBrk="1" latinLnBrk="0" hangingPunct="1">
+              <a:spcBef>
+                <a:spcPct val="20000"/>
+              </a:spcBef>
+              <a:buFont typeface="Arial" panose="020B0604020202020204" pitchFamily="34" charset="0"/>
+              <a:buChar char="•"/>
+              <a:defRPr sz="2000" kern="1200">
+                <a:solidFill>
+                  <a:schemeClr val="tx1"/>
+                </a:solidFill>
+                <a:latin typeface="+mn-lt"/>
+                <a:ea typeface="+mn-ea"/>
+                <a:cs typeface="+mn-cs"/>
+              </a:defRPr>
+            </a:lvl6pPr>
+            <a:lvl7pPr marL="2971800" indent="-228600" algn="l" defTabSz="914400" rtl="0" eaLnBrk="1" latinLnBrk="0" hangingPunct="1">
+              <a:spcBef>
+                <a:spcPct val="20000"/>
+              </a:spcBef>
+              <a:buFont typeface="Arial" panose="020B0604020202020204" pitchFamily="34" charset="0"/>
+              <a:buChar char="•"/>
+              <a:defRPr sz="2000" kern="1200">
+                <a:solidFill>
+                  <a:schemeClr val="tx1"/>
+                </a:solidFill>
+                <a:latin typeface="+mn-lt"/>
+                <a:ea typeface="+mn-ea"/>
+                <a:cs typeface="+mn-cs"/>
+              </a:defRPr>
+            </a:lvl7pPr>
+            <a:lvl8pPr marL="3429000" indent="-228600" algn="l" defTabSz="914400" rtl="0" eaLnBrk="1" latinLnBrk="0" hangingPunct="1">
+              <a:spcBef>
+                <a:spcPct val="20000"/>
+              </a:spcBef>
+              <a:buFont typeface="Arial" panose="020B0604020202020204" pitchFamily="34" charset="0"/>
+              <a:buChar char="•"/>
+              <a:defRPr sz="2000" kern="1200">
+                <a:solidFill>
+                  <a:schemeClr val="tx1"/>
+                </a:solidFill>
+                <a:latin typeface="+mn-lt"/>
+                <a:ea typeface="+mn-ea"/>
+                <a:cs typeface="+mn-cs"/>
+              </a:defRPr>
+            </a:lvl8pPr>
+            <a:lvl9pPr marL="3886200" indent="-228600" algn="l" defTabSz="914400" rtl="0" eaLnBrk="1" latinLnBrk="0" hangingPunct="1">
+              <a:spcBef>
+                <a:spcPct val="20000"/>
+              </a:spcBef>
+              <a:buFont typeface="Arial" panose="020B0604020202020204" pitchFamily="34" charset="0"/>
+              <a:buChar char="•"/>
+              <a:defRPr sz="2000" kern="1200">
+                <a:solidFill>
+                  <a:schemeClr val="tx1"/>
+                </a:solidFill>
+                <a:latin typeface="+mn-lt"/>
+                <a:ea typeface="+mn-ea"/>
+                <a:cs typeface="+mn-cs"/>
+              </a:defRPr>
+            </a:lvl9pPr>
+          </a:lstStyle>
+          <a:p>
+            <a:r>
+              <a:rPr lang="zh-TW" altLang="en-US"/>
+              <a:t>將彩色超音波影像資料轉換成像素顏色。</a:t>
+            </a:r>
+            <a:endParaRPr lang="en-US" altLang="zh-TW"/>
+          </a:p>
+        </p:txBody>
+      </p:sp>
+      <p:pic>
+        <p:nvPicPr>
+          <p:cNvPr id="4" name="圖片 3"/>
+          <p:cNvPicPr>
+            <a:picLocks noChangeAspect="1"/>
+          </p:cNvPicPr>
+          <p:nvPr/>
+        </p:nvPicPr>
+        <p:blipFill>
+          <a:blip r:embed="rId2"/>
+          <a:stretch>
+            <a:fillRect/>
+          </a:stretch>
+        </p:blipFill>
+        <p:spPr>
+          <a:xfrm>
+            <a:off x="92350" y="876749"/>
+            <a:ext cx="12030075" cy="5438775"/>
+          </a:xfrm>
+          <a:prstGeom prst="rect">
+            <a:avLst/>
+          </a:prstGeom>
+        </p:spPr>
+      </p:pic>
+    </p:spTree>
+    <p:extLst>
+      <p:ext uri="{BB962C8B-B14F-4D97-AF65-F5344CB8AC3E}">
+        <p14:creationId xmlns:p14="http://schemas.microsoft.com/office/powerpoint/2010/main" val="2027176664"/>
+      </p:ext>
+    </p:extLst>
+  </p:cSld>
+  <p:clrMapOvr>
+    <a:masterClrMapping/>
+  </p:clrMapOvr>
+</p:sld>
+</file>
+
+<file path=ppt/slides/slide40.xml><?xml version="1.0" encoding="utf-8"?>
+<p:sld xmlns:a="http://schemas.openxmlformats.org/drawingml/2006/main" xmlns:r="http://schemas.openxmlformats.org/officeDocument/2006/relationships" xmlns:p="http://schemas.openxmlformats.org/presentationml/2006/main">
+  <p:cSld>
+    <p:spTree>
+      <p:nvGrpSpPr>
+        <p:cNvPr id="1" name=""/>
+        <p:cNvGrpSpPr/>
+        <p:nvPr/>
+      </p:nvGrpSpPr>
+      <p:grpSpPr>
+        <a:xfrm>
+          <a:off x="0" y="0"/>
+          <a:ext cx="0" cy="0"/>
+          <a:chOff x="0" y="0"/>
+          <a:chExt cx="0" cy="0"/>
+        </a:xfrm>
+      </p:grpSpPr>
+      <p:sp>
+        <p:nvSpPr>
+          <p:cNvPr id="2" name="標題 1"/>
+          <p:cNvSpPr>
+            <a:spLocks noGrp="1"/>
+          </p:cNvSpPr>
+          <p:nvPr>
+            <p:ph type="title"/>
+          </p:nvPr>
+        </p:nvSpPr>
+        <p:spPr/>
+        <p:txBody>
+          <a:bodyPr/>
+          <a:lstStyle/>
+          <a:p>
+            <a:r>
+              <a:rPr lang="en-US" altLang="zh-TW"/>
               <a:t>DICOM</a:t>
             </a:r>
             <a:r>
-              <a:rPr lang="zh-TW" altLang="en-US" smtClean="0"/>
+              <a:rPr lang="zh-TW" altLang="en-US"/>
               <a:t> </a:t>
             </a:r>
             <a:r>
-              <a:rPr lang="en-US" altLang="zh-TW" smtClean="0"/>
+              <a:rPr lang="en-US" altLang="zh-TW"/>
               <a:t>WADO</a:t>
             </a:r>
             <a:r>
-              <a:rPr lang="zh-TW" altLang="en-US" smtClean="0"/>
+              <a:rPr lang="zh-TW" altLang="en-US"/>
               <a:t> </a:t>
             </a:r>
             <a:r>
-              <a:rPr lang="en-US" altLang="zh-TW" smtClean="0"/>
+              <a:rPr lang="en-US" altLang="zh-TW"/>
               <a:t>viewport </a:t>
             </a:r>
             <a:r>
-              <a:rPr lang="zh-TW" altLang="en-US" smtClean="0"/>
+              <a:rPr lang="zh-TW" altLang="en-US"/>
               <a:t>參數</a:t>
             </a:r>
-            <a:endParaRPr lang="zh-TW" altLang="en-US"/>
           </a:p>
         </p:txBody>
       </p:sp>
@@ -11252,7 +12840,7 @@
 </p:sld>
 </file>
 
-<file path=ppt/slides/slide33.xml><?xml version="1.0" encoding="utf-8"?>
+<file path=ppt/slides/slide41.xml><?xml version="1.0" encoding="utf-8"?>
 <p:sld xmlns:a="http://schemas.openxmlformats.org/drawingml/2006/main" xmlns:r="http://schemas.openxmlformats.org/officeDocument/2006/relationships" xmlns:p="http://schemas.openxmlformats.org/presentationml/2006/main">
   <p:cSld>
     <p:spTree>
@@ -11285,14 +12873,13 @@
           <a:lstStyle/>
           <a:p>
             <a:r>
-              <a:rPr lang="en-US" altLang="zh-TW" smtClean="0"/>
+              <a:rPr lang="en-US" altLang="zh-TW"/>
               <a:t>virtual slide pathology </a:t>
             </a:r>
             <a:r>
-              <a:rPr lang="zh-TW" altLang="en-US" smtClean="0"/>
+              <a:rPr lang="zh-TW" altLang="en-US"/>
               <a:t>範例</a:t>
             </a:r>
-            <a:endParaRPr lang="zh-TW" altLang="en-US"/>
           </a:p>
         </p:txBody>
       </p:sp>
@@ -11319,255 +12906,6 @@
     <p:extLst>
       <p:ext uri="{BB962C8B-B14F-4D97-AF65-F5344CB8AC3E}">
         <p14:creationId xmlns:p14="http://schemas.microsoft.com/office/powerpoint/2010/main" val="1033038311"/>
-      </p:ext>
-    </p:extLst>
-  </p:cSld>
-  <p:clrMapOvr>
-    <a:masterClrMapping/>
-  </p:clrMapOvr>
-</p:sld>
-</file>
-
-<file path=ppt/slides/slide4.xml><?xml version="1.0" encoding="utf-8"?>
-<p:sld xmlns:a="http://schemas.openxmlformats.org/drawingml/2006/main" xmlns:r="http://schemas.openxmlformats.org/officeDocument/2006/relationships" xmlns:p="http://schemas.openxmlformats.org/presentationml/2006/main">
-  <p:cSld>
-    <p:spTree>
-      <p:nvGrpSpPr>
-        <p:cNvPr id="1" name=""/>
-        <p:cNvGrpSpPr/>
-        <p:nvPr/>
-      </p:nvGrpSpPr>
-      <p:grpSpPr>
-        <a:xfrm>
-          <a:off x="0" y="0"/>
-          <a:ext cx="0" cy="0"/>
-          <a:chOff x="0" y="0"/>
-          <a:chExt cx="0" cy="0"/>
-        </a:xfrm>
-      </p:grpSpPr>
-      <p:sp>
-        <p:nvSpPr>
-          <p:cNvPr id="2" name="標題 1"/>
-          <p:cNvSpPr>
-            <a:spLocks noGrp="1"/>
-          </p:cNvSpPr>
-          <p:nvPr>
-            <p:ph type="title"/>
-          </p:nvPr>
-        </p:nvSpPr>
-        <p:spPr>
-          <a:xfrm>
-            <a:off x="689113" y="-73232"/>
-            <a:ext cx="10972800" cy="1143000"/>
-          </a:xfrm>
-        </p:spPr>
-        <p:txBody>
-          <a:bodyPr/>
-          <a:lstStyle/>
-          <a:p>
-            <a:r>
-              <a:rPr lang="zh-TW" altLang="en-US" smtClean="0"/>
-              <a:t>繪製醫學影像初體驗</a:t>
-            </a:r>
-            <a:endParaRPr lang="zh-TW" altLang="en-US"/>
-          </a:p>
-        </p:txBody>
-      </p:sp>
-      <p:sp>
-        <p:nvSpPr>
-          <p:cNvPr id="6" name="內容版面配置區 2"/>
-          <p:cNvSpPr txBox="1">
-            <a:spLocks/>
-          </p:cNvSpPr>
-          <p:nvPr/>
-        </p:nvSpPr>
-        <p:spPr>
-          <a:xfrm>
-            <a:off x="0" y="6450496"/>
-            <a:ext cx="12122425" cy="894877"/>
-          </a:xfrm>
-          <a:prstGeom prst="rect">
-            <a:avLst/>
-          </a:prstGeom>
-        </p:spPr>
-        <p:txBody>
-          <a:bodyPr vert="horz" lIns="91440" tIns="45720" rIns="91440" bIns="45720" rtlCol="0">
-            <a:normAutofit/>
-          </a:bodyPr>
-          <a:lstStyle>
-            <a:lvl1pPr marL="342900" indent="-342900" algn="l" defTabSz="914400" rtl="0" eaLnBrk="1" latinLnBrk="0" hangingPunct="1">
-              <a:spcBef>
-                <a:spcPct val="20000"/>
-              </a:spcBef>
-              <a:buFont typeface="Arial" panose="020B0604020202020204" pitchFamily="34" charset="0"/>
-              <a:buChar char="•"/>
-              <a:defRPr sz="3200" kern="1200">
-                <a:solidFill>
-                  <a:schemeClr val="tx1"/>
-                </a:solidFill>
-                <a:latin typeface="+mn-lt"/>
-                <a:ea typeface="+mn-ea"/>
-                <a:cs typeface="+mn-cs"/>
-              </a:defRPr>
-            </a:lvl1pPr>
-            <a:lvl2pPr marL="742950" indent="-285750" algn="l" defTabSz="914400" rtl="0" eaLnBrk="1" latinLnBrk="0" hangingPunct="1">
-              <a:spcBef>
-                <a:spcPct val="20000"/>
-              </a:spcBef>
-              <a:buFont typeface="Arial" panose="020B0604020202020204" pitchFamily="34" charset="0"/>
-              <a:buChar char="–"/>
-              <a:defRPr sz="2800" kern="1200">
-                <a:solidFill>
-                  <a:schemeClr val="tx1"/>
-                </a:solidFill>
-                <a:latin typeface="+mn-lt"/>
-                <a:ea typeface="+mn-ea"/>
-                <a:cs typeface="+mn-cs"/>
-              </a:defRPr>
-            </a:lvl2pPr>
-            <a:lvl3pPr marL="1143000" indent="-228600" algn="l" defTabSz="914400" rtl="0" eaLnBrk="1" latinLnBrk="0" hangingPunct="1">
-              <a:spcBef>
-                <a:spcPct val="20000"/>
-              </a:spcBef>
-              <a:buFont typeface="Arial" panose="020B0604020202020204" pitchFamily="34" charset="0"/>
-              <a:buChar char="•"/>
-              <a:defRPr sz="2400" kern="1200">
-                <a:solidFill>
-                  <a:schemeClr val="tx1"/>
-                </a:solidFill>
-                <a:latin typeface="+mn-lt"/>
-                <a:ea typeface="+mn-ea"/>
-                <a:cs typeface="+mn-cs"/>
-              </a:defRPr>
-            </a:lvl3pPr>
-            <a:lvl4pPr marL="1600200" indent="-228600" algn="l" defTabSz="914400" rtl="0" eaLnBrk="1" latinLnBrk="0" hangingPunct="1">
-              <a:spcBef>
-                <a:spcPct val="20000"/>
-              </a:spcBef>
-              <a:buFont typeface="Arial" panose="020B0604020202020204" pitchFamily="34" charset="0"/>
-              <a:buChar char="–"/>
-              <a:defRPr sz="2000" kern="1200">
-                <a:solidFill>
-                  <a:schemeClr val="tx1"/>
-                </a:solidFill>
-                <a:latin typeface="+mn-lt"/>
-                <a:ea typeface="+mn-ea"/>
-                <a:cs typeface="+mn-cs"/>
-              </a:defRPr>
-            </a:lvl4pPr>
-            <a:lvl5pPr marL="2057400" indent="-228600" algn="l" defTabSz="914400" rtl="0" eaLnBrk="1" latinLnBrk="0" hangingPunct="1">
-              <a:spcBef>
-                <a:spcPct val="20000"/>
-              </a:spcBef>
-              <a:buFont typeface="Arial" panose="020B0604020202020204" pitchFamily="34" charset="0"/>
-              <a:buChar char="»"/>
-              <a:defRPr sz="2000" kern="1200">
-                <a:solidFill>
-                  <a:schemeClr val="tx1"/>
-                </a:solidFill>
-                <a:latin typeface="+mn-lt"/>
-                <a:ea typeface="+mn-ea"/>
-                <a:cs typeface="+mn-cs"/>
-              </a:defRPr>
-            </a:lvl5pPr>
-            <a:lvl6pPr marL="2514600" indent="-228600" algn="l" defTabSz="914400" rtl="0" eaLnBrk="1" latinLnBrk="0" hangingPunct="1">
-              <a:spcBef>
-                <a:spcPct val="20000"/>
-              </a:spcBef>
-              <a:buFont typeface="Arial" panose="020B0604020202020204" pitchFamily="34" charset="0"/>
-              <a:buChar char="•"/>
-              <a:defRPr sz="2000" kern="1200">
-                <a:solidFill>
-                  <a:schemeClr val="tx1"/>
-                </a:solidFill>
-                <a:latin typeface="+mn-lt"/>
-                <a:ea typeface="+mn-ea"/>
-                <a:cs typeface="+mn-cs"/>
-              </a:defRPr>
-            </a:lvl6pPr>
-            <a:lvl7pPr marL="2971800" indent="-228600" algn="l" defTabSz="914400" rtl="0" eaLnBrk="1" latinLnBrk="0" hangingPunct="1">
-              <a:spcBef>
-                <a:spcPct val="20000"/>
-              </a:spcBef>
-              <a:buFont typeface="Arial" panose="020B0604020202020204" pitchFamily="34" charset="0"/>
-              <a:buChar char="•"/>
-              <a:defRPr sz="2000" kern="1200">
-                <a:solidFill>
-                  <a:schemeClr val="tx1"/>
-                </a:solidFill>
-                <a:latin typeface="+mn-lt"/>
-                <a:ea typeface="+mn-ea"/>
-                <a:cs typeface="+mn-cs"/>
-              </a:defRPr>
-            </a:lvl7pPr>
-            <a:lvl8pPr marL="3429000" indent="-228600" algn="l" defTabSz="914400" rtl="0" eaLnBrk="1" latinLnBrk="0" hangingPunct="1">
-              <a:spcBef>
-                <a:spcPct val="20000"/>
-              </a:spcBef>
-              <a:buFont typeface="Arial" panose="020B0604020202020204" pitchFamily="34" charset="0"/>
-              <a:buChar char="•"/>
-              <a:defRPr sz="2000" kern="1200">
-                <a:solidFill>
-                  <a:schemeClr val="tx1"/>
-                </a:solidFill>
-                <a:latin typeface="+mn-lt"/>
-                <a:ea typeface="+mn-ea"/>
-                <a:cs typeface="+mn-cs"/>
-              </a:defRPr>
-            </a:lvl8pPr>
-            <a:lvl9pPr marL="3886200" indent="-228600" algn="l" defTabSz="914400" rtl="0" eaLnBrk="1" latinLnBrk="0" hangingPunct="1">
-              <a:spcBef>
-                <a:spcPct val="20000"/>
-              </a:spcBef>
-              <a:buFont typeface="Arial" panose="020B0604020202020204" pitchFamily="34" charset="0"/>
-              <a:buChar char="•"/>
-              <a:defRPr sz="2000" kern="1200">
-                <a:solidFill>
-                  <a:schemeClr val="tx1"/>
-                </a:solidFill>
-                <a:latin typeface="+mn-lt"/>
-                <a:ea typeface="+mn-ea"/>
-                <a:cs typeface="+mn-cs"/>
-              </a:defRPr>
-            </a:lvl9pPr>
-          </a:lstStyle>
-          <a:p>
-            <a:r>
-              <a:rPr lang="zh-TW" altLang="en-US" smtClean="0"/>
-              <a:t>將彩色超音波影像資料轉換成像素顏色。</a:t>
-            </a:r>
-            <a:endParaRPr lang="en-US" altLang="zh-TW" smtClean="0"/>
-          </a:p>
-        </p:txBody>
-      </p:sp>
-      <p:pic>
-        <p:nvPicPr>
-          <p:cNvPr id="4" name="圖片 3"/>
-          <p:cNvPicPr>
-            <a:picLocks noChangeAspect="1"/>
-          </p:cNvPicPr>
-          <p:nvPr/>
-        </p:nvPicPr>
-        <p:blipFill>
-          <a:blip r:embed="rId2"/>
-          <a:stretch>
-            <a:fillRect/>
-          </a:stretch>
-        </p:blipFill>
-        <p:spPr>
-          <a:xfrm>
-            <a:off x="92350" y="876749"/>
-            <a:ext cx="12030075" cy="5438775"/>
-          </a:xfrm>
-          <a:prstGeom prst="rect">
-            <a:avLst/>
-          </a:prstGeom>
-        </p:spPr>
-      </p:pic>
-    </p:spTree>
-    <p:extLst>
-      <p:ext uri="{BB962C8B-B14F-4D97-AF65-F5344CB8AC3E}">
-        <p14:creationId xmlns:p14="http://schemas.microsoft.com/office/powerpoint/2010/main" val="2027176664"/>
       </p:ext>
     </p:extLst>
   </p:cSld>
@@ -11615,10 +12953,9 @@
           <a:lstStyle/>
           <a:p>
             <a:r>
-              <a:rPr lang="zh-TW" altLang="en-US" smtClean="0"/>
+              <a:rPr lang="zh-TW" altLang="en-US"/>
               <a:t>繪製醫學影像初體驗</a:t>
             </a:r>
-            <a:endParaRPr lang="zh-TW" altLang="en-US"/>
           </a:p>
         </p:txBody>
       </p:sp>
@@ -11632,7 +12969,7 @@
         </p:nvSpPr>
         <p:spPr>
           <a:xfrm>
-            <a:off x="0" y="6450496"/>
+            <a:off x="34786" y="5862667"/>
             <a:ext cx="12122425" cy="894877"/>
           </a:xfrm>
           <a:prstGeom prst="rect">
@@ -11782,37 +13119,33 @@
           </a:lstStyle>
           <a:p>
             <a:r>
-              <a:rPr lang="zh-TW" altLang="en-US" smtClean="0"/>
+              <a:rPr lang="zh-TW" altLang="en-US" dirty="0"/>
               <a:t>將</a:t>
             </a:r>
             <a:r>
-              <a:rPr lang="en-US" altLang="zh-TW" smtClean="0"/>
+              <a:rPr lang="en-US" altLang="zh-TW" dirty="0"/>
               <a:t>MR</a:t>
             </a:r>
             <a:r>
-              <a:rPr lang="zh-TW" altLang="en-US" smtClean="0"/>
+              <a:rPr lang="zh-TW" altLang="en-US" dirty="0"/>
               <a:t> 資料轉換成 </a:t>
             </a:r>
             <a:r>
-              <a:rPr lang="en-US" altLang="zh-TW" smtClean="0"/>
+              <a:rPr lang="en-US" altLang="zh-TW" dirty="0"/>
               <a:t>256 </a:t>
             </a:r>
             <a:r>
-              <a:rPr lang="zh-TW" altLang="en-US" smtClean="0"/>
+              <a:rPr lang="zh-TW" altLang="en-US" dirty="0"/>
               <a:t>像素灰階</a:t>
             </a:r>
-            <a:endParaRPr lang="en-US" altLang="zh-TW" smtClean="0"/>
-          </a:p>
-          <a:p>
-            <a:r>
-              <a:rPr lang="zh-TW" altLang="en-US" smtClean="0"/>
-              <a:t>另一種迴圈寫</a:t>
-            </a:r>
-            <a:r>
-              <a:rPr lang="zh-TW" altLang="en-US"/>
-              <a:t>法</a:t>
-            </a:r>
-            <a:endParaRPr lang="en-US" altLang="zh-TW" smtClean="0"/>
+            <a:endParaRPr lang="en-US" altLang="zh-TW" dirty="0"/>
+          </a:p>
+          <a:p>
+            <a:r>
+              <a:rPr lang="zh-TW" altLang="en-US" dirty="0"/>
+              <a:t>另一種迴圈寫法</a:t>
+            </a:r>
+            <a:endParaRPr lang="en-US" altLang="zh-TW" dirty="0"/>
           </a:p>
         </p:txBody>
       </p:sp>
@@ -11832,7 +13165,7 @@
         </p:blipFill>
         <p:spPr>
           <a:xfrm>
-            <a:off x="0" y="884583"/>
+            <a:off x="61912" y="408722"/>
             <a:ext cx="12068175" cy="5218043"/>
           </a:xfrm>
           <a:prstGeom prst="rect">
@@ -11887,10 +13220,10 @@
           <a:p>
             <a:pPr algn="ctr" eaLnBrk="1" hangingPunct="1"/>
             <a:r>
-              <a:rPr lang="zh-TW" altLang="en-US" smtClean="0"/>
+              <a:rPr lang="zh-TW" altLang="en-US"/>
               <a:t>醫學影像繪圖步驟</a:t>
             </a:r>
-            <a:endParaRPr lang="zh-TW" altLang="en-US" dirty="0" smtClean="0"/>
+            <a:endParaRPr lang="zh-TW" altLang="en-US" dirty="0"/>
           </a:p>
         </p:txBody>
       </p:sp>
@@ -11916,18 +13249,18 @@
           <a:p>
             <a:pPr eaLnBrk="1" hangingPunct="1"/>
             <a:r>
-              <a:rPr lang="zh-TW" altLang="en-US" smtClean="0"/>
+              <a:rPr lang="zh-TW" altLang="en-US"/>
               <a:t>設定 </a:t>
             </a:r>
             <a:r>
-              <a:rPr lang="en-US" altLang="zh-TW" smtClean="0"/>
+              <a:rPr lang="en-US" altLang="zh-TW"/>
               <a:t>DICOM</a:t>
             </a:r>
             <a:r>
-              <a:rPr lang="zh-TW" altLang="en-US" smtClean="0"/>
+              <a:rPr lang="zh-TW" altLang="en-US"/>
               <a:t> 資料來源</a:t>
             </a:r>
-            <a:endParaRPr lang="en-US" altLang="zh-TW" dirty="0" smtClean="0"/>
+            <a:endParaRPr lang="en-US" altLang="zh-TW" dirty="0"/>
           </a:p>
           <a:p>
             <a:pPr eaLnBrk="1" hangingPunct="1"/>
@@ -11936,58 +13269,58 @@
           <a:p>
             <a:pPr eaLnBrk="1" hangingPunct="1"/>
             <a:r>
-              <a:rPr lang="zh-TW" altLang="en-US" smtClean="0"/>
+              <a:rPr lang="zh-TW" altLang="en-US"/>
               <a:t>取得 </a:t>
             </a:r>
             <a:r>
-              <a:rPr lang="en-US" altLang="zh-TW" smtClean="0"/>
+              <a:rPr lang="en-US" altLang="zh-TW"/>
               <a:t>DICOM</a:t>
             </a:r>
             <a:r>
-              <a:rPr lang="zh-TW" altLang="en-US" smtClean="0"/>
+              <a:rPr lang="zh-TW" altLang="en-US"/>
               <a:t> 檔規格參數 </a:t>
             </a:r>
             <a:r>
-              <a:rPr lang="en-US" altLang="zh-TW" smtClean="0"/>
+              <a:rPr lang="en-US" altLang="zh-TW"/>
               <a:t>(</a:t>
             </a:r>
             <a:r>
-              <a:rPr lang="zh-TW" altLang="en-US" smtClean="0"/>
+              <a:rPr lang="zh-TW" altLang="en-US"/>
               <a:t>如大小、灰階或彩色等</a:t>
             </a:r>
             <a:r>
-              <a:rPr lang="en-US" altLang="zh-TW" smtClean="0"/>
+              <a:rPr lang="en-US" altLang="zh-TW"/>
               <a:t>)</a:t>
             </a:r>
           </a:p>
           <a:p>
             <a:pPr lvl="1"/>
             <a:r>
-              <a:rPr lang="zh-TW" altLang="en-US" smtClean="0"/>
+              <a:rPr lang="zh-TW" altLang="en-US"/>
               <a:t>最難</a:t>
             </a:r>
-            <a:endParaRPr lang="en-US" altLang="zh-TW" smtClean="0"/>
+            <a:endParaRPr lang="en-US" altLang="zh-TW"/>
           </a:p>
           <a:p>
             <a:pPr eaLnBrk="1" hangingPunct="1"/>
             <a:r>
-              <a:rPr lang="zh-TW" altLang="en-US" smtClean="0"/>
+              <a:rPr lang="zh-TW" altLang="en-US"/>
               <a:t>依據參數設定程式變數及轉換公式</a:t>
             </a:r>
-            <a:endParaRPr lang="en-US" altLang="zh-TW" smtClean="0"/>
+            <a:endParaRPr lang="en-US" altLang="zh-TW"/>
           </a:p>
           <a:p>
             <a:pPr lvl="1"/>
             <a:r>
-              <a:rPr lang="zh-TW" altLang="en-US" smtClean="0"/>
+              <a:rPr lang="zh-TW" altLang="en-US"/>
               <a:t> 小心推算</a:t>
             </a:r>
-            <a:endParaRPr lang="en-US" altLang="zh-TW" smtClean="0"/>
+            <a:endParaRPr lang="en-US" altLang="zh-TW"/>
           </a:p>
           <a:p>
             <a:pPr eaLnBrk="1" hangingPunct="1"/>
             <a:r>
-              <a:rPr lang="zh-TW" altLang="en-US" smtClean="0"/>
+              <a:rPr lang="zh-TW" altLang="en-US"/>
               <a:t>迴圈畫點</a:t>
             </a:r>
             <a:endParaRPr lang="en-US" altLang="zh-TW"/>
@@ -12046,18 +13379,17 @@
           <a:lstStyle/>
           <a:p>
             <a:r>
-              <a:rPr lang="zh-TW" altLang="en-US" smtClean="0"/>
+              <a:rPr lang="zh-TW" altLang="en-US"/>
               <a:t>下載 </a:t>
             </a:r>
             <a:r>
-              <a:rPr lang="en-US" altLang="zh-TW" smtClean="0"/>
+              <a:rPr lang="en-US" altLang="zh-TW"/>
               <a:t>DICOM </a:t>
             </a:r>
             <a:r>
-              <a:rPr lang="zh-TW" altLang="en-US" smtClean="0"/>
+              <a:rPr lang="zh-TW" altLang="en-US"/>
               <a:t>資料</a:t>
             </a:r>
-            <a:endParaRPr lang="zh-TW" altLang="en-US"/>
           </a:p>
         </p:txBody>
       </p:sp>
@@ -12082,121 +13414,85 @@
           <a:lstStyle/>
           <a:p>
             <a:r>
-              <a:rPr lang="en-US" altLang="zh-TW" smtClean="0"/>
-              <a:t>MEMA DICOM</a:t>
-            </a:r>
-            <a:r>
-              <a:rPr lang="zh-TW" altLang="en-US" smtClean="0"/>
+              <a:rPr lang="en-US" altLang="zh-TW" dirty="0"/>
+              <a:t>http://www.osirix-viewer.com/resources/dicom-image-library/</a:t>
+            </a:r>
+          </a:p>
+          <a:p>
+            <a:endParaRPr lang="en-US" altLang="zh-TW" dirty="0"/>
+          </a:p>
+          <a:p>
+            <a:r>
+              <a:rPr lang="en-US" altLang="zh-TW" dirty="0" err="1"/>
+              <a:t>SlicerRT</a:t>
+            </a:r>
+            <a:endParaRPr lang="en-US" altLang="zh-TW" dirty="0"/>
+          </a:p>
+          <a:p>
+            <a:pPr lvl="1"/>
+            <a:r>
+              <a:rPr lang="en-US" altLang="zh-TW" dirty="0">
+                <a:hlinkClick r:id="rId2"/>
+              </a:rPr>
+              <a:t>https://github.com/SlicerRt/SlicerRtData/tree/master</a:t>
+            </a:r>
+            <a:endParaRPr lang="en-US" altLang="zh-TW" dirty="0"/>
+          </a:p>
+          <a:p>
+            <a:endParaRPr lang="en-US" altLang="zh-TW" dirty="0"/>
+          </a:p>
+          <a:p>
+            <a:r>
+              <a:rPr lang="zh-TW" altLang="en-US" dirty="0"/>
+              <a:t>國網範例</a:t>
+            </a:r>
+            <a:endParaRPr lang="en-US" altLang="zh-TW" dirty="0"/>
+          </a:p>
+          <a:p>
+            <a:pPr lvl="1"/>
+            <a:r>
+              <a:rPr lang="en-US" altLang="zh-TW" dirty="0">
+                <a:hlinkClick r:id="rId3"/>
+              </a:rPr>
+              <a:t>https://scidm.nchc.org.tw/dataset?res_format=application%2Fdicom</a:t>
+            </a:r>
+            <a:endParaRPr lang="en-US" altLang="zh-TW" dirty="0"/>
+          </a:p>
+          <a:p>
+            <a:pPr lvl="1"/>
+            <a:endParaRPr lang="en-US" altLang="zh-TW" dirty="0"/>
+          </a:p>
+          <a:p>
+            <a:r>
+              <a:rPr lang="en-US" altLang="zh-TW" dirty="0" err="1"/>
+              <a:t>sourceforge</a:t>
+            </a:r>
+            <a:r>
+              <a:rPr lang="en-US" altLang="zh-TW" dirty="0"/>
               <a:t> </a:t>
             </a:r>
-            <a:endParaRPr lang="en-US" altLang="zh-TW" smtClean="0"/>
+            <a:r>
+              <a:rPr lang="zh-TW" altLang="en-US" dirty="0"/>
+              <a:t>整理的連結</a:t>
+            </a:r>
           </a:p>
           <a:p>
             <a:pPr lvl="1"/>
             <a:r>
-              <a:rPr lang="en-US" altLang="zh-TW" smtClean="0"/>
-              <a:t>ftp</a:t>
-            </a:r>
-            <a:r>
-              <a:rPr lang="en-US" altLang="zh-TW"/>
-              <a:t>://medical.nema.org/medical/dicom/DataSets/</a:t>
+              <a:rPr lang="en-US" altLang="zh-TW" dirty="0"/>
+              <a:t>http://gdcm.sourceforge.net/wiki/index.php/Sample_DataSet</a:t>
             </a:r>
           </a:p>
           <a:p>
             <a:pPr lvl="1"/>
-            <a:r>
-              <a:rPr lang="en-US" altLang="zh-TW" smtClean="0"/>
-              <a:t>WGs :</a:t>
-            </a:r>
-            <a:r>
-              <a:rPr lang="zh-TW" altLang="en-US" smtClean="0"/>
-              <a:t> </a:t>
-            </a:r>
-            <a:r>
-              <a:rPr lang="en-US" altLang="zh-TW" smtClean="0"/>
-              <a:t>https</a:t>
-            </a:r>
-            <a:r>
-              <a:rPr lang="en-US" altLang="zh-TW"/>
-              <a:t>://www.dicomstandard.org/wgs/</a:t>
-            </a:r>
-          </a:p>
-          <a:p>
-            <a:r>
-              <a:rPr lang="en-US" altLang="zh-TW" smtClean="0"/>
-              <a:t>sourceforge </a:t>
-            </a:r>
-            <a:r>
-              <a:rPr lang="zh-TW" altLang="en-US" smtClean="0"/>
-              <a:t>整理的連結</a:t>
-            </a:r>
-            <a:endParaRPr lang="en-US" altLang="zh-TW"/>
-          </a:p>
-          <a:p>
-            <a:pPr lvl="1"/>
-            <a:r>
-              <a:rPr lang="en-US" altLang="zh-TW"/>
-              <a:t>http://gdcm.sourceforge.net/wiki/index.php/Sample_DataSet</a:t>
-            </a:r>
-          </a:p>
-          <a:p>
-            <a:r>
-              <a:rPr lang="en-US" altLang="zh-TW" smtClean="0"/>
-              <a:t>IHE</a:t>
-            </a:r>
-            <a:r>
-              <a:rPr lang="zh-TW" altLang="en-US" smtClean="0"/>
-              <a:t> </a:t>
-            </a:r>
-            <a:endParaRPr lang="en-US" altLang="zh-TW" smtClean="0"/>
-          </a:p>
-          <a:p>
-            <a:pPr lvl="1"/>
-            <a:r>
-              <a:rPr lang="en-US" altLang="zh-TW" smtClean="0"/>
-              <a:t>ftp</a:t>
-            </a:r>
-            <a:r>
-              <a:rPr lang="en-US" altLang="zh-TW"/>
-              <a:t>://ftp.ihe.net</a:t>
-            </a:r>
-            <a:r>
-              <a:rPr lang="en-US" altLang="zh-TW" smtClean="0"/>
-              <a:t>/</a:t>
-            </a:r>
-          </a:p>
-          <a:p>
-            <a:pPr lvl="1"/>
-            <a:r>
-              <a:rPr lang="en-US" altLang="zh-TW"/>
-              <a:t>ftp://ftp.ihe.net/Connectathon</a:t>
-            </a:r>
-            <a:r>
-              <a:rPr lang="en-US" altLang="zh-TW" smtClean="0"/>
-              <a:t>/</a:t>
-            </a:r>
-          </a:p>
-          <a:p>
-            <a:r>
-              <a:rPr lang="en-US" altLang="zh-TW" smtClean="0"/>
-              <a:t>SlicerRT</a:t>
-            </a:r>
-            <a:endParaRPr lang="en-US" altLang="zh-TW"/>
-          </a:p>
-          <a:p>
-            <a:pPr lvl="1"/>
-            <a:r>
-              <a:rPr lang="en-US" altLang="zh-TW"/>
-              <a:t>https://github.com/SlicerRt/SlicerRtData/tree/master</a:t>
-            </a:r>
-            <a:endParaRPr lang="zh-TW" altLang="en-US"/>
+            <a:endParaRPr lang="zh-TW" altLang="en-US" dirty="0"/>
           </a:p>
         </p:txBody>
       </p:sp>
     </p:spTree>
     <p:extLst>
       <p:ext uri="{BB962C8B-B14F-4D97-AF65-F5344CB8AC3E}">
-        <p14:creationId xmlns:p14="http://schemas.microsoft.com/office/powerpoint/2010/main" val="938735742"/>
+        <p14:creationId xmlns:p14="http://schemas.microsoft.com/office/powerpoint/2010/main" val="335488665"/>
       </p:ext>
     </p:extLst>
   </p:cSld>
@@ -12266,34 +13562,21 @@
           <a:p>
             <a:r>
               <a:rPr lang="en-US" altLang="zh-TW"/>
-              <a:t>DICOM </a:t>
-            </a:r>
-            <a:r>
-              <a:rPr lang="en-US" altLang="zh-TW" smtClean="0"/>
-              <a:t>radiant</a:t>
+              <a:t>DICOM radiant</a:t>
             </a:r>
           </a:p>
           <a:p>
             <a:pPr lvl="1"/>
             <a:r>
-              <a:rPr lang="en-US" altLang="zh-TW" smtClean="0"/>
-              <a:t>https</a:t>
-            </a:r>
-            <a:r>
               <a:rPr lang="en-US" altLang="zh-TW"/>
-              <a:t>://www.radiantviewer.com</a:t>
-            </a:r>
-            <a:r>
-              <a:rPr lang="en-US" altLang="zh-TW" smtClean="0"/>
-              <a:t>/</a:t>
-            </a:r>
-          </a:p>
-          <a:p>
-            <a:r>
-              <a:rPr lang="en-US" altLang="zh-TW" smtClean="0"/>
+              <a:t>https://www.radiantviewer.com/</a:t>
+            </a:r>
+          </a:p>
+          <a:p>
+            <a:r>
+              <a:rPr lang="en-US" altLang="zh-TW"/>
               <a:t>MicroDicom</a:t>
             </a:r>
-            <a:endParaRPr lang="en-US" altLang="zh-TW"/>
           </a:p>
           <a:p>
             <a:pPr lvl="1"/>
@@ -12305,24 +13588,19 @@
           <a:p>
             <a:r>
               <a:rPr lang="en-US" altLang="zh-TW"/>
-              <a:t>https://www.dicomlibrary.com</a:t>
-            </a:r>
-            <a:r>
-              <a:rPr lang="en-US" altLang="zh-TW" smtClean="0"/>
-              <a:t>/</a:t>
+              <a:t>https://www.dicomlibrary.com/</a:t>
             </a:r>
           </a:p>
           <a:p>
             <a:pPr lvl="1"/>
             <a:r>
-              <a:rPr lang="en-US" altLang="zh-TW" smtClean="0"/>
+              <a:rPr lang="en-US" altLang="zh-TW"/>
               <a:t>DICOM</a:t>
             </a:r>
             <a:r>
-              <a:rPr lang="zh-TW" altLang="en-US" smtClean="0"/>
+              <a:rPr lang="zh-TW" altLang="en-US"/>
               <a:t> 檔上傳、匿名化、檢視、及分享</a:t>
             </a:r>
-            <a:endParaRPr lang="zh-TW" altLang="en-US"/>
           </a:p>
         </p:txBody>
       </p:sp>
@@ -12377,30 +13655,29 @@
           <a:lstStyle/>
           <a:p>
             <a:r>
-              <a:rPr lang="en-US" altLang="zh-TW" smtClean="0"/>
+              <a:rPr lang="en-US" altLang="zh-TW"/>
               <a:t>VS code </a:t>
             </a:r>
             <a:r>
-              <a:rPr lang="zh-TW" altLang="en-US" smtClean="0"/>
+              <a:rPr lang="zh-TW" altLang="en-US"/>
               <a:t>檢視 </a:t>
             </a:r>
             <a:r>
-              <a:rPr lang="en-US" altLang="zh-TW" smtClean="0"/>
+              <a:rPr lang="en-US" altLang="zh-TW"/>
               <a:t>DICOM</a:t>
             </a:r>
             <a:r>
-              <a:rPr lang="zh-TW" altLang="en-US" smtClean="0"/>
+              <a:rPr lang="zh-TW" altLang="en-US"/>
               <a:t> 及 </a:t>
             </a:r>
             <a:r>
-              <a:rPr lang="en-US" altLang="zh-TW" smtClean="0"/>
+              <a:rPr lang="en-US" altLang="zh-TW"/>
               <a:t>binary </a:t>
             </a:r>
             <a:r>
-              <a:rPr lang="zh-TW" altLang="en-US" smtClean="0"/>
+              <a:rPr lang="zh-TW" altLang="en-US"/>
               <a:t>檔套件</a:t>
             </a:r>
-            <a:endParaRPr lang="zh-TW" altLang="en-US"/>
           </a:p>
         </p:txBody>
       </p:sp>
@@ -12426,31 +13703,26 @@
           <a:p>
             <a:r>
               <a:rPr lang="en-US" altLang="zh-TW"/>
-              <a:t>DICOM Tag </a:t>
-            </a:r>
-            <a:r>
-              <a:rPr lang="en-US" altLang="zh-TW" smtClean="0"/>
-              <a:t>Dump</a:t>
+              <a:t>DICOM Tag Dump</a:t>
             </a:r>
           </a:p>
           <a:p>
             <a:endParaRPr lang="en-US" altLang="zh-TW"/>
           </a:p>
           <a:p>
-            <a:endParaRPr lang="en-US" altLang="zh-TW" smtClean="0"/>
-          </a:p>
-          <a:p>
             <a:endParaRPr lang="en-US" altLang="zh-TW"/>
           </a:p>
           <a:p>
-            <a:endParaRPr lang="en-US" altLang="zh-TW" smtClean="0"/>
-          </a:p>
-          <a:p>
-            <a:r>
-              <a:rPr lang="en-US" altLang="zh-TW" smtClean="0"/>
+            <a:endParaRPr lang="en-US" altLang="zh-TW"/>
+          </a:p>
+          <a:p>
+            <a:endParaRPr lang="en-US" altLang="zh-TW"/>
+          </a:p>
+          <a:p>
+            <a:r>
+              <a:rPr lang="en-US" altLang="zh-TW"/>
               <a:t>hexDump   </a:t>
             </a:r>
-            <a:endParaRPr lang="en-US" altLang="zh-TW"/>
           </a:p>
           <a:p>
             <a:endParaRPr lang="zh-TW" altLang="en-US"/>
